--- a/fall15/slidesF15/gray-edges.pptx
+++ b/fall15/slidesF15/gray-edges.pptx
@@ -5,10 +5,10 @@
     <p:sldMasterId id="2147483650" r:id="rId1"/>
   </p:sldMasterIdLst>
   <p:notesMasterIdLst>
-    <p:notesMasterId r:id="rId26"/>
+    <p:notesMasterId r:id="rId27"/>
   </p:notesMasterIdLst>
   <p:handoutMasterIdLst>
-    <p:handoutMasterId r:id="rId27"/>
+    <p:handoutMasterId r:id="rId28"/>
   </p:handoutMasterIdLst>
   <p:sldIdLst>
     <p:sldId id="462" r:id="rId2"/>
@@ -17,29 +17,30 @@
     <p:sldId id="581" r:id="rId5"/>
     <p:sldId id="583" r:id="rId6"/>
     <p:sldId id="584" r:id="rId7"/>
-    <p:sldId id="587" r:id="rId8"/>
-    <p:sldId id="586" r:id="rId9"/>
-    <p:sldId id="571" r:id="rId10"/>
+    <p:sldId id="586" r:id="rId8"/>
+    <p:sldId id="588" r:id="rId9"/>
+    <p:sldId id="589" r:id="rId10"/>
     <p:sldId id="575" r:id="rId11"/>
     <p:sldId id="572" r:id="rId12"/>
     <p:sldId id="541" r:id="rId13"/>
-    <p:sldId id="540" r:id="rId14"/>
-    <p:sldId id="576" r:id="rId15"/>
-    <p:sldId id="578" r:id="rId16"/>
-    <p:sldId id="559" r:id="rId17"/>
-    <p:sldId id="577" r:id="rId18"/>
-    <p:sldId id="562" r:id="rId19"/>
-    <p:sldId id="568" r:id="rId20"/>
-    <p:sldId id="561" r:id="rId21"/>
-    <p:sldId id="560" r:id="rId22"/>
-    <p:sldId id="565" r:id="rId23"/>
-    <p:sldId id="546" r:id="rId24"/>
-    <p:sldId id="579" r:id="rId25"/>
+    <p:sldId id="591" r:id="rId14"/>
+    <p:sldId id="540" r:id="rId15"/>
+    <p:sldId id="576" r:id="rId16"/>
+    <p:sldId id="578" r:id="rId17"/>
+    <p:sldId id="559" r:id="rId18"/>
+    <p:sldId id="577" r:id="rId19"/>
+    <p:sldId id="562" r:id="rId20"/>
+    <p:sldId id="568" r:id="rId21"/>
+    <p:sldId id="561" r:id="rId22"/>
+    <p:sldId id="560" r:id="rId23"/>
+    <p:sldId id="565" r:id="rId24"/>
+    <p:sldId id="546" r:id="rId25"/>
+    <p:sldId id="579" r:id="rId26"/>
   </p:sldIdLst>
   <p:sldSz cx="9144000" cy="6858000" type="letter"/>
   <p:notesSz cx="9601200" cy="7315200"/>
   <p:custDataLst>
-    <p:tags r:id="rId29"/>
+    <p:tags r:id="rId30"/>
   </p:custDataLst>
   <p:defaultTextStyle>
     <a:defPPr>
@@ -945,7 +946,7 @@
             <a:fld id="{28AF3390-8A7E-4880-B659-5568F047A0C1}" type="slidenum">
               <a:rPr lang="en-US"/>
               <a:pPr/>
-              <a:t>16</a:t>
+              <a:t>17</a:t>
             </a:fld>
             <a:endParaRPr lang="en-US"/>
           </a:p>
@@ -1037,7 +1038,7 @@
             <a:fld id="{28AF3390-8A7E-4880-B659-5568F047A0C1}" type="slidenum">
               <a:rPr lang="en-US"/>
               <a:pPr/>
-              <a:t>17</a:t>
+              <a:t>18</a:t>
             </a:fld>
             <a:endParaRPr lang="en-US"/>
           </a:p>
@@ -1129,7 +1130,7 @@
             <a:fld id="{28AF3390-8A7E-4880-B659-5568F047A0C1}" type="slidenum">
               <a:rPr lang="en-US"/>
               <a:pPr/>
-              <a:t>18</a:t>
+              <a:t>19</a:t>
             </a:fld>
             <a:endParaRPr lang="en-US"/>
           </a:p>
@@ -1221,7 +1222,7 @@
             <a:fld id="{28AF3390-8A7E-4880-B659-5568F047A0C1}" type="slidenum">
               <a:rPr lang="en-US"/>
               <a:pPr/>
-              <a:t>20</a:t>
+              <a:t>21</a:t>
             </a:fld>
             <a:endParaRPr lang="en-US"/>
           </a:p>
@@ -1313,7 +1314,7 @@
             <a:fld id="{28AF3390-8A7E-4880-B659-5568F047A0C1}" type="slidenum">
               <a:rPr lang="en-US"/>
               <a:pPr/>
-              <a:t>21</a:t>
+              <a:t>22</a:t>
             </a:fld>
             <a:endParaRPr lang="en-US"/>
           </a:p>
@@ -1405,7 +1406,7 @@
             <a:fld id="{28AF3390-8A7E-4880-B659-5568F047A0C1}" type="slidenum">
               <a:rPr lang="en-US"/>
               <a:pPr/>
-              <a:t>22</a:t>
+              <a:t>23</a:t>
             </a:fld>
             <a:endParaRPr lang="en-US"/>
           </a:p>
@@ -1497,7 +1498,7 @@
             <a:fld id="{28AF3390-8A7E-4880-B659-5568F047A0C1}" type="slidenum">
               <a:rPr lang="en-US"/>
               <a:pPr/>
-              <a:t>23</a:t>
+              <a:t>24</a:t>
             </a:fld>
             <a:endParaRPr lang="en-US"/>
           </a:p>
@@ -1826,65 +1827,72 @@
       </p:grpSpPr>
       <p:sp>
         <p:nvSpPr>
-          <p:cNvPr id="2" name="Slide Image Placeholder 1"/>
+          <p:cNvPr id="38914" name="Rectangle 7"/>
           <p:cNvSpPr>
-            <a:spLocks noGrp="1" noRot="1" noChangeAspect="1"/>
+            <a:spLocks noGrp="1" noChangeArrowheads="1"/>
+          </p:cNvSpPr>
+          <p:nvPr>
+            <p:ph type="sldNum" sz="quarter" idx="5"/>
+          </p:nvPr>
+        </p:nvSpPr>
+        <p:spPr>
+          <a:noFill/>
+        </p:spPr>
+        <p:txBody>
+          <a:bodyPr/>
+          <a:lstStyle/>
+          <a:p>
+            <a:fld id="{28AF3390-8A7E-4880-B659-5568F047A0C1}" type="slidenum">
+              <a:rPr lang="en-US"/>
+              <a:pPr/>
+              <a:t>12</a:t>
+            </a:fld>
+            <a:endParaRPr lang="en-US"/>
+          </a:p>
+        </p:txBody>
+      </p:sp>
+      <p:sp>
+        <p:nvSpPr>
+          <p:cNvPr id="38915" name="Rectangle 2"/>
+          <p:cNvSpPr>
+            <a:spLocks noGrp="1" noRot="1" noChangeAspect="1" noChangeArrowheads="1" noTextEdit="1"/>
           </p:cNvSpPr>
           <p:nvPr>
             <p:ph type="sldImg"/>
           </p:nvPr>
         </p:nvSpPr>
-        <p:spPr/>
+        <p:spPr>
+          <a:xfrm>
+            <a:off x="2973388" y="549275"/>
+            <a:ext cx="3659187" cy="2743200"/>
+          </a:xfrm>
+          <a:ln/>
+        </p:spPr>
       </p:sp>
       <p:sp>
         <p:nvSpPr>
-          <p:cNvPr id="3" name="Notes Placeholder 2"/>
+          <p:cNvPr id="38916" name="Rectangle 3"/>
           <p:cNvSpPr>
-            <a:spLocks noGrp="1"/>
+            <a:spLocks noGrp="1" noChangeArrowheads="1"/>
           </p:cNvSpPr>
           <p:nvPr>
             <p:ph type="body" idx="1"/>
           </p:nvPr>
         </p:nvSpPr>
-        <p:spPr/>
+        <p:spPr>
+          <a:noFill/>
+          <a:ln/>
+        </p:spPr>
         <p:txBody>
           <a:bodyPr/>
           <a:lstStyle/>
           <a:p>
-            <a:endParaRPr lang="en-US" dirty="0"/>
-          </a:p>
-        </p:txBody>
-      </p:sp>
-      <p:sp>
-        <p:nvSpPr>
-          <p:cNvPr id="4" name="Slide Number Placeholder 3"/>
-          <p:cNvSpPr>
-            <a:spLocks noGrp="1"/>
-          </p:cNvSpPr>
-          <p:nvPr>
-            <p:ph type="sldNum" sz="quarter" idx="10"/>
-          </p:nvPr>
-        </p:nvSpPr>
-        <p:spPr/>
-        <p:txBody>
-          <a:bodyPr/>
-          <a:lstStyle/>
-          <a:p>
-            <a:fld id="{2290380C-F846-4D61-BB06-6FCFBA28E193}" type="slidenum">
-              <a:rPr lang="en-US" smtClean="0"/>
-              <a:pPr/>
-              <a:t>8</a:t>
-            </a:fld>
-            <a:endParaRPr lang="en-US"/>
+            <a:pPr eaLnBrk="1" hangingPunct="1"/>
+            <a:endParaRPr lang="en-US" smtClean="0"/>
           </a:p>
         </p:txBody>
       </p:sp>
     </p:spTree>
-    <p:extLst>
-      <p:ext uri="{BB962C8B-B14F-4D97-AF65-F5344CB8AC3E}">
-        <p14:creationId xmlns:p14="http://schemas.microsoft.com/office/powerpoint/2010/main" val="3729673198"/>
-      </p:ext>
-    </p:extLst>
   </p:cSld>
   <p:clrMapOvr>
     <a:masterClrMapping/>
@@ -1929,7 +1937,7 @@
             <a:fld id="{28AF3390-8A7E-4880-B659-5568F047A0C1}" type="slidenum">
               <a:rPr lang="en-US"/>
               <a:pPr/>
-              <a:t>12</a:t>
+              <a:t>13</a:t>
             </a:fld>
             <a:endParaRPr lang="en-US"/>
           </a:p>
@@ -2021,7 +2029,7 @@
             <a:fld id="{28AF3390-8A7E-4880-B659-5568F047A0C1}" type="slidenum">
               <a:rPr lang="en-US"/>
               <a:pPr/>
-              <a:t>13</a:t>
+              <a:t>14</a:t>
             </a:fld>
             <a:endParaRPr lang="en-US"/>
           </a:p>
@@ -2113,7 +2121,7 @@
             <a:fld id="{28AF3390-8A7E-4880-B659-5568F047A0C1}" type="slidenum">
               <a:rPr lang="en-US"/>
               <a:pPr/>
-              <a:t>14</a:t>
+              <a:t>15</a:t>
             </a:fld>
             <a:endParaRPr lang="en-US"/>
           </a:p>
@@ -2205,7 +2213,7 @@
             <a:fld id="{28AF3390-8A7E-4880-B659-5568F047A0C1}" type="slidenum">
               <a:rPr lang="en-US"/>
               <a:pPr/>
-              <a:t>15</a:t>
+              <a:t>16</a:t>
             </a:fld>
             <a:endParaRPr lang="en-US"/>
           </a:p>
@@ -3592,37 +3600,7 @@
                 <a:uFillTx/>
                 <a:latin typeface="Comic Sans MS" pitchFamily="66" charset="0"/>
               </a:rPr>
-              <a:t>Albert R Meyer       </a:t>
-            </a:r>
-            <a:r>
-              <a:rPr kumimoji="0" lang="en-US" sz="1200" b="0" i="0" u="none" strike="noStrike" kern="1200" cap="none" spc="0" normalizeH="0" baseline="0" noProof="0" dirty="0" smtClean="0">
-                <a:ln>
-                  <a:noFill/>
-                </a:ln>
-                <a:solidFill>
-                  <a:schemeClr val="tx1"/>
-                </a:solidFill>
-                <a:effectLst/>
-                <a:uLnTx/>
-                <a:uFillTx/>
-                <a:latin typeface="Comic Sans MS" pitchFamily="66" charset="0"/>
-              </a:rPr>
-              <a:t>October 28, </a:t>
-            </a:r>
-            <a:r>
-              <a:rPr kumimoji="0" lang="en-US" sz="1200" b="0" i="0" u="none" strike="noStrike" kern="1200" cap="none" spc="0" normalizeH="0" baseline="0" noProof="0" dirty="0" smtClean="0">
-                <a:ln>
-                  <a:noFill/>
-                </a:ln>
-                <a:solidFill>
-                  <a:schemeClr val="tx1"/>
-                </a:solidFill>
-                <a:effectLst/>
-                <a:uLnTx/>
-                <a:uFillTx/>
-                <a:latin typeface="Comic Sans MS" pitchFamily="66" charset="0"/>
-              </a:rPr>
-              <a:t>2015</a:t>
+              <a:t>Albert R Meyer       October 28, 2015</a:t>
             </a:r>
             <a:endParaRPr kumimoji="0" lang="en-US" sz="1200" b="0" i="0" u="none" strike="noStrike" kern="1200" cap="none" spc="0" normalizeH="0" baseline="0" noProof="0" dirty="0">
               <a:ln>
@@ -4495,7 +4473,7 @@
 </file>
 
 <file path=ppt/slides/slide10.xml><?xml version="1.0" encoding="utf-8"?>
-<p:sld xmlns:a="http://schemas.openxmlformats.org/drawingml/2006/main" xmlns:r="http://schemas.openxmlformats.org/officeDocument/2006/relationships" xmlns:p="http://schemas.openxmlformats.org/presentationml/2006/main">
+<p:sld xmlns:a="http://schemas.openxmlformats.org/drawingml/2006/main" xmlns:r="http://schemas.openxmlformats.org/officeDocument/2006/relationships" xmlns:p="http://schemas.openxmlformats.org/presentationml/2006/main" show="0">
   <p:cSld>
     <p:spTree>
       <p:nvGrpSpPr>
@@ -8504,6 +8482,1685 @@
       </p:sp>
       <p:sp>
         <p:nvSpPr>
+          <p:cNvPr id="24" name="Rectangle 3"/>
+          <p:cNvSpPr txBox="1">
+            <a:spLocks noChangeArrowheads="1"/>
+          </p:cNvSpPr>
+          <p:nvPr/>
+        </p:nvSpPr>
+        <p:spPr bwMode="auto">
+          <a:xfrm>
+            <a:off x="1447800" y="914400"/>
+            <a:ext cx="7467600" cy="2971800"/>
+          </a:xfrm>
+          <a:prstGeom prst="rect">
+            <a:avLst/>
+          </a:prstGeom>
+          <a:noFill/>
+          <a:ln w="9525">
+            <a:noFill/>
+            <a:miter lim="800000"/>
+            <a:headEnd/>
+            <a:tailEnd/>
+          </a:ln>
+          <a:effectLst/>
+        </p:spPr>
+        <p:txBody>
+          <a:bodyPr vert="horz" wrap="square" lIns="91440" tIns="45720" rIns="91440" bIns="45720" numCol="1" anchor="t" anchorCtr="0" compatLnSpc="1">
+            <a:prstTxWarp prst="textNoShape">
+              <a:avLst/>
+            </a:prstTxWarp>
+          </a:bodyPr>
+          <a:lstStyle/>
+          <a:p>
+            <a:pPr marL="342900" marR="0" lvl="0" indent="-342900" algn="l" defTabSz="914400" rtl="0" eaLnBrk="1" fontAlgn="base" latinLnBrk="0" hangingPunct="1">
+              <a:lnSpc>
+                <a:spcPct val="90000"/>
+              </a:lnSpc>
+              <a:spcBef>
+                <a:spcPct val="20000"/>
+              </a:spcBef>
+              <a:spcAft>
+                <a:spcPct val="0"/>
+              </a:spcAft>
+              <a:buClrTx/>
+              <a:buSzTx/>
+              <a:buFontTx/>
+              <a:buNone/>
+              <a:tabLst/>
+              <a:defRPr/>
+            </a:pPr>
+            <a:r>
+              <a:rPr lang="en-US" sz="3600" kern="0" dirty="0" smtClean="0">
+                <a:solidFill>
+                  <a:srgbClr val="930093"/>
+                </a:solidFill>
+                <a:latin typeface="+mn-lt"/>
+              </a:rPr>
+              <a:t>Definition:</a:t>
+            </a:r>
+            <a:r>
+              <a:rPr lang="en-US" sz="4000" kern="0" dirty="0" smtClean="0">
+                <a:solidFill>
+                  <a:srgbClr val="930093"/>
+                </a:solidFill>
+                <a:latin typeface="+mn-lt"/>
+              </a:rPr>
+              <a:t> </a:t>
+            </a:r>
+            <a:r>
+              <a:rPr lang="en-US" sz="4000" kern="0" dirty="0" smtClean="0">
+                <a:solidFill>
+                  <a:srgbClr val="0033CC"/>
+                </a:solidFill>
+                <a:latin typeface="+mn-lt"/>
+              </a:rPr>
+              <a:t>A solid coloring of a </a:t>
+            </a:r>
+            <a:r>
+              <a:rPr lang="en-US" sz="4000" kern="0" dirty="0" err="1" smtClean="0">
+                <a:solidFill>
+                  <a:srgbClr val="0033CC"/>
+                </a:solidFill>
+                <a:latin typeface="+mn-lt"/>
+              </a:rPr>
+              <a:t>subgraph</a:t>
+            </a:r>
+            <a:r>
+              <a:rPr lang="en-US" sz="4000" kern="0" dirty="0" smtClean="0">
+                <a:solidFill>
+                  <a:srgbClr val="0033CC"/>
+                </a:solidFill>
+                <a:latin typeface="+mn-lt"/>
+              </a:rPr>
+              <a:t> is one in which all the vertices in a connected component are the same color</a:t>
+            </a:r>
+            <a:endParaRPr kumimoji="0" lang="en-US" sz="4000" b="0" i="0" u="none" strike="noStrike" kern="0" cap="none" spc="0" normalizeH="0" baseline="0" noProof="0" dirty="0" smtClean="0">
+              <a:ln>
+                <a:noFill/>
+              </a:ln>
+              <a:solidFill>
+                <a:srgbClr val="0033CC"/>
+              </a:solidFill>
+              <a:effectLst/>
+              <a:uLnTx/>
+              <a:uFillTx/>
+              <a:latin typeface="+mn-lt"/>
+            </a:endParaRPr>
+          </a:p>
+        </p:txBody>
+      </p:sp>
+      <p:sp>
+        <p:nvSpPr>
+          <p:cNvPr id="28" name="Rectangle 2"/>
+          <p:cNvSpPr>
+            <a:spLocks noGrp="1" noChangeArrowheads="1"/>
+          </p:cNvSpPr>
+          <p:nvPr>
+            <p:ph type="title"/>
+          </p:nvPr>
+        </p:nvSpPr>
+        <p:spPr>
+          <a:xfrm>
+            <a:off x="1524000" y="76200"/>
+            <a:ext cx="7086600" cy="990600"/>
+          </a:xfrm>
+        </p:spPr>
+        <p:txBody>
+          <a:bodyPr/>
+          <a:lstStyle/>
+          <a:p>
+            <a:r>
+              <a:rPr lang="en-US" sz="4800" dirty="0" smtClean="0"/>
+              <a:t>Solid Coloring</a:t>
+            </a:r>
+            <a:endParaRPr lang="en-US" sz="4800" dirty="0"/>
+          </a:p>
+        </p:txBody>
+      </p:sp>
+      <p:sp>
+        <p:nvSpPr>
+          <p:cNvPr id="42" name="Oval 41"/>
+          <p:cNvSpPr/>
+          <p:nvPr/>
+        </p:nvSpPr>
+        <p:spPr bwMode="auto">
+          <a:xfrm>
+            <a:off x="2819400" y="4953000"/>
+            <a:ext cx="152400" cy="152400"/>
+          </a:xfrm>
+          <a:prstGeom prst="ellipse">
+            <a:avLst/>
+          </a:prstGeom>
+          <a:solidFill>
+            <a:schemeClr val="tx1"/>
+          </a:solidFill>
+          <a:ln w="31750" cap="flat" cmpd="sng" algn="ctr">
+            <a:solidFill>
+              <a:schemeClr val="tx1"/>
+            </a:solidFill>
+            <a:prstDash val="solid"/>
+            <a:round/>
+            <a:headEnd type="none" w="med" len="med"/>
+            <a:tailEnd type="triangle" w="lg" len="lg"/>
+          </a:ln>
+          <a:effectLst/>
+        </p:spPr>
+        <p:txBody>
+          <a:bodyPr vert="horz" wrap="square" lIns="91440" tIns="45720" rIns="91440" bIns="45720" numCol="1" rtlCol="0" anchor="t" anchorCtr="0" compatLnSpc="1">
+            <a:prstTxWarp prst="textNoShape">
+              <a:avLst/>
+            </a:prstTxWarp>
+          </a:bodyPr>
+          <a:lstStyle/>
+          <a:p>
+            <a:pPr marL="0" marR="0" indent="0" algn="l" defTabSz="914400" rtl="0" eaLnBrk="1" fontAlgn="base" latinLnBrk="0" hangingPunct="1">
+              <a:lnSpc>
+                <a:spcPct val="100000"/>
+              </a:lnSpc>
+              <a:spcBef>
+                <a:spcPct val="0"/>
+              </a:spcBef>
+              <a:spcAft>
+                <a:spcPct val="0"/>
+              </a:spcAft>
+              <a:buClrTx/>
+              <a:buSzTx/>
+              <a:buFontTx/>
+              <a:buNone/>
+              <a:tabLst/>
+            </a:pPr>
+            <a:endParaRPr kumimoji="0" lang="en-US" sz="3200" b="0" i="0" u="none" strike="noStrike" cap="none" normalizeH="0" baseline="0" smtClean="0">
+              <a:ln>
+                <a:noFill/>
+              </a:ln>
+              <a:solidFill>
+                <a:schemeClr val="tx1"/>
+              </a:solidFill>
+              <a:effectLst/>
+              <a:latin typeface="Comic Sans MS" pitchFamily="66" charset="0"/>
+            </a:endParaRPr>
+          </a:p>
+        </p:txBody>
+      </p:sp>
+      <p:sp>
+        <p:nvSpPr>
+          <p:cNvPr id="43" name="Oval 42"/>
+          <p:cNvSpPr/>
+          <p:nvPr/>
+        </p:nvSpPr>
+        <p:spPr bwMode="auto">
+          <a:xfrm>
+            <a:off x="762000" y="4572000"/>
+            <a:ext cx="152400" cy="152400"/>
+          </a:xfrm>
+          <a:prstGeom prst="ellipse">
+            <a:avLst/>
+          </a:prstGeom>
+          <a:solidFill>
+            <a:schemeClr val="tx1"/>
+          </a:solidFill>
+          <a:ln w="31750" cap="flat" cmpd="sng" algn="ctr">
+            <a:solidFill>
+              <a:schemeClr val="tx1"/>
+            </a:solidFill>
+            <a:prstDash val="solid"/>
+            <a:round/>
+            <a:headEnd type="none" w="med" len="med"/>
+            <a:tailEnd type="triangle" w="lg" len="lg"/>
+          </a:ln>
+          <a:effectLst/>
+        </p:spPr>
+        <p:txBody>
+          <a:bodyPr vert="horz" wrap="square" lIns="91440" tIns="45720" rIns="91440" bIns="45720" numCol="1" rtlCol="0" anchor="t" anchorCtr="0" compatLnSpc="1">
+            <a:prstTxWarp prst="textNoShape">
+              <a:avLst/>
+            </a:prstTxWarp>
+          </a:bodyPr>
+          <a:lstStyle/>
+          <a:p>
+            <a:pPr marL="0" marR="0" indent="0" algn="l" defTabSz="914400" rtl="0" eaLnBrk="1" fontAlgn="base" latinLnBrk="0" hangingPunct="1">
+              <a:lnSpc>
+                <a:spcPct val="100000"/>
+              </a:lnSpc>
+              <a:spcBef>
+                <a:spcPct val="0"/>
+              </a:spcBef>
+              <a:spcAft>
+                <a:spcPct val="0"/>
+              </a:spcAft>
+              <a:buClrTx/>
+              <a:buSzTx/>
+              <a:buFontTx/>
+              <a:buNone/>
+              <a:tabLst/>
+            </a:pPr>
+            <a:endParaRPr kumimoji="0" lang="en-US" sz="3200" b="0" i="0" u="none" strike="noStrike" cap="none" normalizeH="0" baseline="0" smtClean="0">
+              <a:ln>
+                <a:noFill/>
+              </a:ln>
+              <a:solidFill>
+                <a:schemeClr val="tx1"/>
+              </a:solidFill>
+              <a:effectLst/>
+              <a:latin typeface="Comic Sans MS" pitchFamily="66" charset="0"/>
+            </a:endParaRPr>
+          </a:p>
+        </p:txBody>
+      </p:sp>
+      <p:sp>
+        <p:nvSpPr>
+          <p:cNvPr id="44" name="Oval 43"/>
+          <p:cNvSpPr/>
+          <p:nvPr/>
+        </p:nvSpPr>
+        <p:spPr bwMode="auto">
+          <a:xfrm>
+            <a:off x="1676400" y="3581400"/>
+            <a:ext cx="152400" cy="152400"/>
+          </a:xfrm>
+          <a:prstGeom prst="ellipse">
+            <a:avLst/>
+          </a:prstGeom>
+          <a:solidFill>
+            <a:schemeClr val="tx1"/>
+          </a:solidFill>
+          <a:ln w="31750" cap="flat" cmpd="sng" algn="ctr">
+            <a:solidFill>
+              <a:schemeClr val="tx1"/>
+            </a:solidFill>
+            <a:prstDash val="solid"/>
+            <a:round/>
+            <a:headEnd type="none" w="med" len="med"/>
+            <a:tailEnd type="triangle" w="lg" len="lg"/>
+          </a:ln>
+          <a:effectLst/>
+        </p:spPr>
+        <p:txBody>
+          <a:bodyPr vert="horz" wrap="square" lIns="91440" tIns="45720" rIns="91440" bIns="45720" numCol="1" rtlCol="0" anchor="t" anchorCtr="0" compatLnSpc="1">
+            <a:prstTxWarp prst="textNoShape">
+              <a:avLst/>
+            </a:prstTxWarp>
+          </a:bodyPr>
+          <a:lstStyle/>
+          <a:p>
+            <a:pPr marL="0" marR="0" indent="0" algn="l" defTabSz="914400" rtl="0" eaLnBrk="1" fontAlgn="base" latinLnBrk="0" hangingPunct="1">
+              <a:lnSpc>
+                <a:spcPct val="100000"/>
+              </a:lnSpc>
+              <a:spcBef>
+                <a:spcPct val="0"/>
+              </a:spcBef>
+              <a:spcAft>
+                <a:spcPct val="0"/>
+              </a:spcAft>
+              <a:buClrTx/>
+              <a:buSzTx/>
+              <a:buFontTx/>
+              <a:buNone/>
+              <a:tabLst/>
+            </a:pPr>
+            <a:endParaRPr kumimoji="0" lang="en-US" sz="3200" b="0" i="0" u="none" strike="noStrike" cap="none" normalizeH="0" baseline="0" smtClean="0">
+              <a:ln>
+                <a:noFill/>
+              </a:ln>
+              <a:solidFill>
+                <a:schemeClr val="tx1"/>
+              </a:solidFill>
+              <a:effectLst/>
+              <a:latin typeface="Comic Sans MS" pitchFamily="66" charset="0"/>
+            </a:endParaRPr>
+          </a:p>
+        </p:txBody>
+      </p:sp>
+      <p:sp>
+        <p:nvSpPr>
+          <p:cNvPr id="45" name="Oval 44"/>
+          <p:cNvSpPr/>
+          <p:nvPr/>
+        </p:nvSpPr>
+        <p:spPr bwMode="auto">
+          <a:xfrm>
+            <a:off x="1371600" y="6019800"/>
+            <a:ext cx="152400" cy="152400"/>
+          </a:xfrm>
+          <a:prstGeom prst="ellipse">
+            <a:avLst/>
+          </a:prstGeom>
+          <a:solidFill>
+            <a:schemeClr val="tx1"/>
+          </a:solidFill>
+          <a:ln w="31750" cap="flat" cmpd="sng" algn="ctr">
+            <a:solidFill>
+              <a:schemeClr val="tx1"/>
+            </a:solidFill>
+            <a:prstDash val="solid"/>
+            <a:round/>
+            <a:headEnd type="none" w="med" len="med"/>
+            <a:tailEnd type="triangle" w="lg" len="lg"/>
+          </a:ln>
+          <a:effectLst/>
+        </p:spPr>
+        <p:txBody>
+          <a:bodyPr vert="horz" wrap="square" lIns="91440" tIns="45720" rIns="91440" bIns="45720" numCol="1" rtlCol="0" anchor="t" anchorCtr="0" compatLnSpc="1">
+            <a:prstTxWarp prst="textNoShape">
+              <a:avLst/>
+            </a:prstTxWarp>
+          </a:bodyPr>
+          <a:lstStyle/>
+          <a:p>
+            <a:pPr marL="0" marR="0" indent="0" algn="l" defTabSz="914400" rtl="0" eaLnBrk="1" fontAlgn="base" latinLnBrk="0" hangingPunct="1">
+              <a:lnSpc>
+                <a:spcPct val="100000"/>
+              </a:lnSpc>
+              <a:spcBef>
+                <a:spcPct val="0"/>
+              </a:spcBef>
+              <a:spcAft>
+                <a:spcPct val="0"/>
+              </a:spcAft>
+              <a:buClrTx/>
+              <a:buSzTx/>
+              <a:buFontTx/>
+              <a:buNone/>
+              <a:tabLst/>
+            </a:pPr>
+            <a:endParaRPr kumimoji="0" lang="en-US" sz="3200" b="0" i="0" u="none" strike="noStrike" cap="none" normalizeH="0" baseline="0" smtClean="0">
+              <a:ln>
+                <a:noFill/>
+              </a:ln>
+              <a:solidFill>
+                <a:schemeClr val="tx1"/>
+              </a:solidFill>
+              <a:effectLst/>
+              <a:latin typeface="Comic Sans MS" pitchFamily="66" charset="0"/>
+            </a:endParaRPr>
+          </a:p>
+        </p:txBody>
+      </p:sp>
+      <p:sp>
+        <p:nvSpPr>
+          <p:cNvPr id="46" name="Oval 45"/>
+          <p:cNvSpPr/>
+          <p:nvPr/>
+        </p:nvSpPr>
+        <p:spPr bwMode="auto">
+          <a:xfrm>
+            <a:off x="5410200" y="4800600"/>
+            <a:ext cx="152400" cy="152400"/>
+          </a:xfrm>
+          <a:prstGeom prst="ellipse">
+            <a:avLst/>
+          </a:prstGeom>
+          <a:solidFill>
+            <a:schemeClr val="bg1"/>
+          </a:solidFill>
+          <a:ln w="3175" cap="flat" cmpd="sng" algn="ctr">
+            <a:solidFill>
+              <a:schemeClr val="tx1"/>
+            </a:solidFill>
+            <a:prstDash val="solid"/>
+            <a:round/>
+            <a:headEnd type="none" w="med" len="med"/>
+            <a:tailEnd type="triangle" w="lg" len="lg"/>
+          </a:ln>
+          <a:effectLst/>
+        </p:spPr>
+        <p:txBody>
+          <a:bodyPr vert="horz" wrap="square" lIns="91440" tIns="45720" rIns="91440" bIns="45720" numCol="1" rtlCol="0" anchor="t" anchorCtr="0" compatLnSpc="1">
+            <a:prstTxWarp prst="textNoShape">
+              <a:avLst/>
+            </a:prstTxWarp>
+          </a:bodyPr>
+          <a:lstStyle/>
+          <a:p>
+            <a:pPr marL="0" marR="0" indent="0" algn="l" defTabSz="914400" rtl="0" eaLnBrk="1" fontAlgn="base" latinLnBrk="0" hangingPunct="1">
+              <a:lnSpc>
+                <a:spcPct val="100000"/>
+              </a:lnSpc>
+              <a:spcBef>
+                <a:spcPct val="0"/>
+              </a:spcBef>
+              <a:spcAft>
+                <a:spcPct val="0"/>
+              </a:spcAft>
+              <a:buClrTx/>
+              <a:buSzTx/>
+              <a:buFontTx/>
+              <a:buNone/>
+              <a:tabLst/>
+            </a:pPr>
+            <a:endParaRPr kumimoji="0" lang="en-US" sz="3200" b="0" i="0" u="none" strike="noStrike" cap="none" normalizeH="0" baseline="0" smtClean="0">
+              <a:ln>
+                <a:noFill/>
+              </a:ln>
+              <a:solidFill>
+                <a:schemeClr val="tx1"/>
+              </a:solidFill>
+              <a:effectLst/>
+              <a:latin typeface="Comic Sans MS" pitchFamily="66" charset="0"/>
+            </a:endParaRPr>
+          </a:p>
+        </p:txBody>
+      </p:sp>
+      <p:sp>
+        <p:nvSpPr>
+          <p:cNvPr id="47" name="Oval 46"/>
+          <p:cNvSpPr/>
+          <p:nvPr/>
+        </p:nvSpPr>
+        <p:spPr bwMode="auto">
+          <a:xfrm>
+            <a:off x="6705600" y="3505200"/>
+            <a:ext cx="152400" cy="152400"/>
+          </a:xfrm>
+          <a:prstGeom prst="ellipse">
+            <a:avLst/>
+          </a:prstGeom>
+          <a:solidFill>
+            <a:schemeClr val="bg1"/>
+          </a:solidFill>
+          <a:ln w="3175" cap="flat" cmpd="sng" algn="ctr">
+            <a:solidFill>
+              <a:schemeClr val="tx1"/>
+            </a:solidFill>
+            <a:prstDash val="solid"/>
+            <a:round/>
+            <a:headEnd type="none" w="med" len="med"/>
+            <a:tailEnd type="triangle" w="lg" len="lg"/>
+          </a:ln>
+          <a:effectLst/>
+        </p:spPr>
+        <p:txBody>
+          <a:bodyPr vert="horz" wrap="square" lIns="91440" tIns="45720" rIns="91440" bIns="45720" numCol="1" rtlCol="0" anchor="t" anchorCtr="0" compatLnSpc="1">
+            <a:prstTxWarp prst="textNoShape">
+              <a:avLst/>
+            </a:prstTxWarp>
+          </a:bodyPr>
+          <a:lstStyle/>
+          <a:p>
+            <a:pPr marL="0" marR="0" indent="0" algn="l" defTabSz="914400" rtl="0" eaLnBrk="1" fontAlgn="base" latinLnBrk="0" hangingPunct="1">
+              <a:lnSpc>
+                <a:spcPct val="100000"/>
+              </a:lnSpc>
+              <a:spcBef>
+                <a:spcPct val="0"/>
+              </a:spcBef>
+              <a:spcAft>
+                <a:spcPct val="0"/>
+              </a:spcAft>
+              <a:buClrTx/>
+              <a:buSzTx/>
+              <a:buFontTx/>
+              <a:buNone/>
+              <a:tabLst/>
+            </a:pPr>
+            <a:endParaRPr kumimoji="0" lang="en-US" sz="3200" b="0" i="0" u="none" strike="noStrike" cap="none" normalizeH="0" baseline="0" smtClean="0">
+              <a:ln>
+                <a:noFill/>
+              </a:ln>
+              <a:solidFill>
+                <a:schemeClr val="tx1"/>
+              </a:solidFill>
+              <a:effectLst/>
+              <a:latin typeface="Comic Sans MS" pitchFamily="66" charset="0"/>
+            </a:endParaRPr>
+          </a:p>
+        </p:txBody>
+      </p:sp>
+      <p:sp>
+        <p:nvSpPr>
+          <p:cNvPr id="48" name="Oval 47"/>
+          <p:cNvSpPr/>
+          <p:nvPr/>
+        </p:nvSpPr>
+        <p:spPr bwMode="auto">
+          <a:xfrm>
+            <a:off x="7239000" y="5334000"/>
+            <a:ext cx="152400" cy="152400"/>
+          </a:xfrm>
+          <a:prstGeom prst="ellipse">
+            <a:avLst/>
+          </a:prstGeom>
+          <a:solidFill>
+            <a:schemeClr val="bg1"/>
+          </a:solidFill>
+          <a:ln w="3175" cap="flat" cmpd="sng" algn="ctr">
+            <a:solidFill>
+              <a:schemeClr val="tx1"/>
+            </a:solidFill>
+            <a:prstDash val="solid"/>
+            <a:round/>
+            <a:headEnd type="none" w="med" len="med"/>
+            <a:tailEnd type="triangle" w="lg" len="lg"/>
+          </a:ln>
+          <a:effectLst/>
+        </p:spPr>
+        <p:txBody>
+          <a:bodyPr vert="horz" wrap="square" lIns="91440" tIns="45720" rIns="91440" bIns="45720" numCol="1" rtlCol="0" anchor="t" anchorCtr="0" compatLnSpc="1">
+            <a:prstTxWarp prst="textNoShape">
+              <a:avLst/>
+            </a:prstTxWarp>
+          </a:bodyPr>
+          <a:lstStyle/>
+          <a:p>
+            <a:pPr marL="0" marR="0" indent="0" algn="l" defTabSz="914400" rtl="0" eaLnBrk="1" fontAlgn="base" latinLnBrk="0" hangingPunct="1">
+              <a:lnSpc>
+                <a:spcPct val="100000"/>
+              </a:lnSpc>
+              <a:spcBef>
+                <a:spcPct val="0"/>
+              </a:spcBef>
+              <a:spcAft>
+                <a:spcPct val="0"/>
+              </a:spcAft>
+              <a:buClrTx/>
+              <a:buSzTx/>
+              <a:buFontTx/>
+              <a:buNone/>
+              <a:tabLst/>
+            </a:pPr>
+            <a:endParaRPr kumimoji="0" lang="en-US" sz="3200" b="0" i="0" u="none" strike="noStrike" cap="none" normalizeH="0" baseline="0" smtClean="0">
+              <a:ln>
+                <a:noFill/>
+              </a:ln>
+              <a:solidFill>
+                <a:schemeClr val="tx1"/>
+              </a:solidFill>
+              <a:effectLst/>
+              <a:latin typeface="Comic Sans MS" pitchFamily="66" charset="0"/>
+            </a:endParaRPr>
+          </a:p>
+        </p:txBody>
+      </p:sp>
+      <p:sp>
+        <p:nvSpPr>
+          <p:cNvPr id="49" name="Oval 48"/>
+          <p:cNvSpPr/>
+          <p:nvPr/>
+        </p:nvSpPr>
+        <p:spPr bwMode="auto">
+          <a:xfrm>
+            <a:off x="6248400" y="5943600"/>
+            <a:ext cx="152400" cy="152400"/>
+          </a:xfrm>
+          <a:prstGeom prst="ellipse">
+            <a:avLst/>
+          </a:prstGeom>
+          <a:solidFill>
+            <a:schemeClr val="bg1"/>
+          </a:solidFill>
+          <a:ln w="3175" cap="flat" cmpd="sng" algn="ctr">
+            <a:solidFill>
+              <a:schemeClr val="tx1"/>
+            </a:solidFill>
+            <a:prstDash val="solid"/>
+            <a:round/>
+            <a:headEnd type="none" w="med" len="med"/>
+            <a:tailEnd type="triangle" w="lg" len="lg"/>
+          </a:ln>
+          <a:effectLst/>
+        </p:spPr>
+        <p:txBody>
+          <a:bodyPr vert="horz" wrap="square" lIns="91440" tIns="45720" rIns="91440" bIns="45720" numCol="1" rtlCol="0" anchor="t" anchorCtr="0" compatLnSpc="1">
+            <a:prstTxWarp prst="textNoShape">
+              <a:avLst/>
+            </a:prstTxWarp>
+          </a:bodyPr>
+          <a:lstStyle/>
+          <a:p>
+            <a:pPr marL="0" marR="0" indent="0" algn="l" defTabSz="914400" rtl="0" eaLnBrk="1" fontAlgn="base" latinLnBrk="0" hangingPunct="1">
+              <a:lnSpc>
+                <a:spcPct val="100000"/>
+              </a:lnSpc>
+              <a:spcBef>
+                <a:spcPct val="0"/>
+              </a:spcBef>
+              <a:spcAft>
+                <a:spcPct val="0"/>
+              </a:spcAft>
+              <a:buClrTx/>
+              <a:buSzTx/>
+              <a:buFontTx/>
+              <a:buNone/>
+              <a:tabLst/>
+            </a:pPr>
+            <a:endParaRPr kumimoji="0" lang="en-US" sz="3200" b="0" i="0" u="none" strike="noStrike" cap="none" normalizeH="0" baseline="0" smtClean="0">
+              <a:ln>
+                <a:noFill/>
+              </a:ln>
+              <a:solidFill>
+                <a:schemeClr val="tx1"/>
+              </a:solidFill>
+              <a:effectLst/>
+              <a:latin typeface="Comic Sans MS" pitchFamily="66" charset="0"/>
+            </a:endParaRPr>
+          </a:p>
+        </p:txBody>
+      </p:sp>
+      <p:sp>
+        <p:nvSpPr>
+          <p:cNvPr id="50" name="Rectangle 49"/>
+          <p:cNvSpPr/>
+          <p:nvPr/>
+        </p:nvSpPr>
+        <p:spPr bwMode="auto">
+          <a:xfrm rot="19286400">
+            <a:off x="2298912" y="3536594"/>
+            <a:ext cx="47499" cy="1590612"/>
+          </a:xfrm>
+          <a:prstGeom prst="rect">
+            <a:avLst/>
+          </a:prstGeom>
+          <a:solidFill>
+            <a:schemeClr val="tx1"/>
+          </a:solidFill>
+          <a:ln w="31750" cap="flat" cmpd="sng" algn="ctr">
+            <a:noFill/>
+            <a:prstDash val="solid"/>
+            <a:round/>
+            <a:headEnd type="none" w="med" len="med"/>
+            <a:tailEnd type="triangle" w="lg" len="lg"/>
+          </a:ln>
+          <a:effectLst/>
+        </p:spPr>
+        <p:txBody>
+          <a:bodyPr vert="horz" wrap="square" lIns="91440" tIns="45720" rIns="91440" bIns="45720" numCol="1" rtlCol="0" anchor="t" anchorCtr="0" compatLnSpc="1">
+            <a:prstTxWarp prst="textNoShape">
+              <a:avLst/>
+            </a:prstTxWarp>
+          </a:bodyPr>
+          <a:lstStyle/>
+          <a:p>
+            <a:pPr marL="0" marR="0" indent="0" algn="l" defTabSz="914400" rtl="0" eaLnBrk="1" fontAlgn="base" latinLnBrk="0" hangingPunct="1">
+              <a:lnSpc>
+                <a:spcPct val="100000"/>
+              </a:lnSpc>
+              <a:spcBef>
+                <a:spcPct val="0"/>
+              </a:spcBef>
+              <a:spcAft>
+                <a:spcPct val="0"/>
+              </a:spcAft>
+              <a:buClrTx/>
+              <a:buSzTx/>
+              <a:buFontTx/>
+              <a:buNone/>
+              <a:tabLst/>
+            </a:pPr>
+            <a:endParaRPr kumimoji="0" lang="en-US" sz="3200" b="0" i="0" u="none" strike="noStrike" cap="none" normalizeH="0" baseline="0" smtClean="0">
+              <a:ln>
+                <a:noFill/>
+              </a:ln>
+              <a:solidFill>
+                <a:schemeClr val="tx1"/>
+              </a:solidFill>
+              <a:effectLst/>
+              <a:latin typeface="Comic Sans MS" pitchFamily="66" charset="0"/>
+            </a:endParaRPr>
+          </a:p>
+        </p:txBody>
+      </p:sp>
+      <p:sp>
+        <p:nvSpPr>
+          <p:cNvPr id="51" name="Rectangle 50"/>
+          <p:cNvSpPr/>
+          <p:nvPr/>
+        </p:nvSpPr>
+        <p:spPr bwMode="auto">
+          <a:xfrm rot="13990827" flipH="1">
+            <a:off x="2193935" y="4707580"/>
+            <a:ext cx="45719" cy="1696619"/>
+          </a:xfrm>
+          <a:prstGeom prst="rect">
+            <a:avLst/>
+          </a:prstGeom>
+          <a:solidFill>
+            <a:schemeClr val="tx1"/>
+          </a:solidFill>
+          <a:ln w="31750" cap="flat" cmpd="sng" algn="ctr">
+            <a:noFill/>
+            <a:prstDash val="solid"/>
+            <a:round/>
+            <a:headEnd type="none" w="med" len="med"/>
+            <a:tailEnd type="triangle" w="lg" len="lg"/>
+          </a:ln>
+          <a:effectLst/>
+        </p:spPr>
+        <p:txBody>
+          <a:bodyPr vert="horz" wrap="square" lIns="91440" tIns="45720" rIns="91440" bIns="45720" numCol="1" rtlCol="0" anchor="t" anchorCtr="0" compatLnSpc="1">
+            <a:prstTxWarp prst="textNoShape">
+              <a:avLst/>
+            </a:prstTxWarp>
+          </a:bodyPr>
+          <a:lstStyle/>
+          <a:p>
+            <a:pPr marL="0" marR="0" indent="0" algn="l" defTabSz="914400" rtl="0" eaLnBrk="1" fontAlgn="base" latinLnBrk="0" hangingPunct="1">
+              <a:lnSpc>
+                <a:spcPct val="100000"/>
+              </a:lnSpc>
+              <a:spcBef>
+                <a:spcPct val="0"/>
+              </a:spcBef>
+              <a:spcAft>
+                <a:spcPct val="0"/>
+              </a:spcAft>
+              <a:buClrTx/>
+              <a:buSzTx/>
+              <a:buFontTx/>
+              <a:buNone/>
+              <a:tabLst/>
+            </a:pPr>
+            <a:endParaRPr kumimoji="0" lang="en-US" sz="3200" b="0" i="0" u="none" strike="noStrike" cap="none" normalizeH="0" baseline="0" smtClean="0">
+              <a:ln>
+                <a:noFill/>
+              </a:ln>
+              <a:solidFill>
+                <a:schemeClr val="tx1"/>
+              </a:solidFill>
+              <a:effectLst/>
+              <a:latin typeface="Comic Sans MS" pitchFamily="66" charset="0"/>
+            </a:endParaRPr>
+          </a:p>
+        </p:txBody>
+      </p:sp>
+      <p:sp>
+        <p:nvSpPr>
+          <p:cNvPr id="52" name="Rectangle 51"/>
+          <p:cNvSpPr/>
+          <p:nvPr/>
+        </p:nvSpPr>
+        <p:spPr bwMode="auto">
+          <a:xfrm rot="16718729">
+            <a:off x="1858579" y="3846461"/>
+            <a:ext cx="45719" cy="1940352"/>
+          </a:xfrm>
+          <a:prstGeom prst="rect">
+            <a:avLst/>
+          </a:prstGeom>
+          <a:solidFill>
+            <a:schemeClr val="tx1"/>
+          </a:solidFill>
+          <a:ln w="31750" cap="flat" cmpd="sng" algn="ctr">
+            <a:noFill/>
+            <a:prstDash val="solid"/>
+            <a:round/>
+            <a:headEnd type="none" w="med" len="med"/>
+            <a:tailEnd type="triangle" w="lg" len="lg"/>
+          </a:ln>
+          <a:effectLst/>
+        </p:spPr>
+        <p:txBody>
+          <a:bodyPr vert="horz" wrap="square" lIns="91440" tIns="45720" rIns="91440" bIns="45720" numCol="1" rtlCol="0" anchor="t" anchorCtr="0" compatLnSpc="1">
+            <a:prstTxWarp prst="textNoShape">
+              <a:avLst/>
+            </a:prstTxWarp>
+          </a:bodyPr>
+          <a:lstStyle/>
+          <a:p>
+            <a:pPr marL="0" marR="0" indent="0" algn="l" defTabSz="914400" rtl="0" eaLnBrk="1" fontAlgn="base" latinLnBrk="0" hangingPunct="1">
+              <a:lnSpc>
+                <a:spcPct val="100000"/>
+              </a:lnSpc>
+              <a:spcBef>
+                <a:spcPct val="0"/>
+              </a:spcBef>
+              <a:spcAft>
+                <a:spcPct val="0"/>
+              </a:spcAft>
+              <a:buClrTx/>
+              <a:buSzTx/>
+              <a:buFontTx/>
+              <a:buNone/>
+              <a:tabLst/>
+            </a:pPr>
+            <a:endParaRPr kumimoji="0" lang="en-US" sz="3200" b="0" i="0" u="none" strike="noStrike" cap="none" normalizeH="0" baseline="0" smtClean="0">
+              <a:ln>
+                <a:noFill/>
+              </a:ln>
+              <a:solidFill>
+                <a:schemeClr val="tx1"/>
+              </a:solidFill>
+              <a:effectLst/>
+              <a:latin typeface="Comic Sans MS" pitchFamily="66" charset="0"/>
+            </a:endParaRPr>
+          </a:p>
+        </p:txBody>
+      </p:sp>
+      <p:sp>
+        <p:nvSpPr>
+          <p:cNvPr id="53" name="Rectangle 52"/>
+          <p:cNvSpPr/>
+          <p:nvPr/>
+        </p:nvSpPr>
+        <p:spPr bwMode="auto">
+          <a:xfrm rot="2726405">
+            <a:off x="6091277" y="3359523"/>
+            <a:ext cx="54295" cy="1694987"/>
+          </a:xfrm>
+          <a:prstGeom prst="rect">
+            <a:avLst/>
+          </a:prstGeom>
+          <a:solidFill>
+            <a:schemeClr val="bg1"/>
+          </a:solidFill>
+          <a:ln w="3175" cap="flat" cmpd="sng" algn="ctr">
+            <a:solidFill>
+              <a:schemeClr val="tx1"/>
+            </a:solidFill>
+            <a:prstDash val="solid"/>
+            <a:round/>
+            <a:headEnd type="none" w="med" len="med"/>
+            <a:tailEnd type="triangle" w="lg" len="lg"/>
+          </a:ln>
+          <a:effectLst/>
+        </p:spPr>
+        <p:txBody>
+          <a:bodyPr vert="horz" wrap="square" lIns="91440" tIns="45720" rIns="91440" bIns="45720" numCol="1" rtlCol="0" anchor="t" anchorCtr="0" compatLnSpc="1">
+            <a:prstTxWarp prst="textNoShape">
+              <a:avLst/>
+            </a:prstTxWarp>
+          </a:bodyPr>
+          <a:lstStyle/>
+          <a:p>
+            <a:pPr marL="0" marR="0" indent="0" algn="l" defTabSz="914400" rtl="0" eaLnBrk="1" fontAlgn="base" latinLnBrk="0" hangingPunct="1">
+              <a:lnSpc>
+                <a:spcPct val="100000"/>
+              </a:lnSpc>
+              <a:spcBef>
+                <a:spcPct val="0"/>
+              </a:spcBef>
+              <a:spcAft>
+                <a:spcPct val="0"/>
+              </a:spcAft>
+              <a:buClrTx/>
+              <a:buSzTx/>
+              <a:buFontTx/>
+              <a:buNone/>
+              <a:tabLst/>
+            </a:pPr>
+            <a:endParaRPr kumimoji="0" lang="en-US" sz="3200" b="0" i="0" u="none" strike="noStrike" cap="none" normalizeH="0" baseline="0" smtClean="0">
+              <a:ln>
+                <a:noFill/>
+              </a:ln>
+              <a:solidFill>
+                <a:schemeClr val="tx1"/>
+              </a:solidFill>
+              <a:effectLst/>
+              <a:latin typeface="Comic Sans MS" pitchFamily="66" charset="0"/>
+            </a:endParaRPr>
+          </a:p>
+        </p:txBody>
+      </p:sp>
+      <p:sp>
+        <p:nvSpPr>
+          <p:cNvPr id="54" name="Rectangle 53"/>
+          <p:cNvSpPr/>
+          <p:nvPr/>
+        </p:nvSpPr>
+        <p:spPr bwMode="auto">
+          <a:xfrm rot="6355124">
+            <a:off x="6363384" y="4256474"/>
+            <a:ext cx="52378" cy="1745915"/>
+          </a:xfrm>
+          <a:prstGeom prst="rect">
+            <a:avLst/>
+          </a:prstGeom>
+          <a:solidFill>
+            <a:schemeClr val="bg1"/>
+          </a:solidFill>
+          <a:ln w="3175" cap="flat" cmpd="sng" algn="ctr">
+            <a:solidFill>
+              <a:schemeClr val="tx1"/>
+            </a:solidFill>
+            <a:prstDash val="solid"/>
+            <a:round/>
+            <a:headEnd type="none" w="med" len="med"/>
+            <a:tailEnd type="triangle" w="lg" len="lg"/>
+          </a:ln>
+          <a:effectLst/>
+        </p:spPr>
+        <p:txBody>
+          <a:bodyPr vert="horz" wrap="square" lIns="91440" tIns="45720" rIns="91440" bIns="45720" numCol="1" rtlCol="0" anchor="t" anchorCtr="0" compatLnSpc="1">
+            <a:prstTxWarp prst="textNoShape">
+              <a:avLst/>
+            </a:prstTxWarp>
+          </a:bodyPr>
+          <a:lstStyle/>
+          <a:p>
+            <a:pPr marL="0" marR="0" indent="0" algn="l" defTabSz="914400" rtl="0" eaLnBrk="1" fontAlgn="base" latinLnBrk="0" hangingPunct="1">
+              <a:lnSpc>
+                <a:spcPct val="100000"/>
+              </a:lnSpc>
+              <a:spcBef>
+                <a:spcPct val="0"/>
+              </a:spcBef>
+              <a:spcAft>
+                <a:spcPct val="0"/>
+              </a:spcAft>
+              <a:buClrTx/>
+              <a:buSzTx/>
+              <a:buFontTx/>
+              <a:buNone/>
+              <a:tabLst/>
+            </a:pPr>
+            <a:endParaRPr kumimoji="0" lang="en-US" sz="3200" b="0" i="0" u="none" strike="noStrike" cap="none" normalizeH="0" baseline="0" smtClean="0">
+              <a:ln>
+                <a:noFill/>
+              </a:ln>
+              <a:solidFill>
+                <a:schemeClr val="tx1"/>
+              </a:solidFill>
+              <a:effectLst/>
+              <a:latin typeface="Comic Sans MS" pitchFamily="66" charset="0"/>
+            </a:endParaRPr>
+          </a:p>
+        </p:txBody>
+      </p:sp>
+      <p:sp>
+        <p:nvSpPr>
+          <p:cNvPr id="55" name="Rectangle 54"/>
+          <p:cNvSpPr/>
+          <p:nvPr/>
+        </p:nvSpPr>
+        <p:spPr bwMode="auto">
+          <a:xfrm rot="8578314">
+            <a:off x="5904758" y="4802368"/>
+            <a:ext cx="45888" cy="1249714"/>
+          </a:xfrm>
+          <a:prstGeom prst="rect">
+            <a:avLst/>
+          </a:prstGeom>
+          <a:solidFill>
+            <a:schemeClr val="bg1"/>
+          </a:solidFill>
+          <a:ln w="3175" cap="flat" cmpd="sng" algn="ctr">
+            <a:solidFill>
+              <a:schemeClr val="tx1"/>
+            </a:solidFill>
+            <a:prstDash val="solid"/>
+            <a:round/>
+            <a:headEnd type="none" w="med" len="med"/>
+            <a:tailEnd type="triangle" w="lg" len="lg"/>
+          </a:ln>
+          <a:effectLst/>
+        </p:spPr>
+        <p:txBody>
+          <a:bodyPr vert="horz" wrap="square" lIns="91440" tIns="45720" rIns="91440" bIns="45720" numCol="1" rtlCol="0" anchor="t" anchorCtr="0" compatLnSpc="1">
+            <a:prstTxWarp prst="textNoShape">
+              <a:avLst/>
+            </a:prstTxWarp>
+          </a:bodyPr>
+          <a:lstStyle/>
+          <a:p>
+            <a:pPr marL="0" marR="0" indent="0" algn="l" defTabSz="914400" rtl="0" eaLnBrk="1" fontAlgn="base" latinLnBrk="0" hangingPunct="1">
+              <a:lnSpc>
+                <a:spcPct val="100000"/>
+              </a:lnSpc>
+              <a:spcBef>
+                <a:spcPct val="0"/>
+              </a:spcBef>
+              <a:spcAft>
+                <a:spcPct val="0"/>
+              </a:spcAft>
+              <a:buClrTx/>
+              <a:buSzTx/>
+              <a:buFontTx/>
+              <a:buNone/>
+              <a:tabLst/>
+            </a:pPr>
+            <a:endParaRPr kumimoji="0" lang="en-US" sz="3200" b="0" i="0" u="none" strike="noStrike" cap="none" normalizeH="0" baseline="0" smtClean="0">
+              <a:ln>
+                <a:noFill/>
+              </a:ln>
+              <a:solidFill>
+                <a:schemeClr val="tx1"/>
+              </a:solidFill>
+              <a:effectLst/>
+              <a:latin typeface="Comic Sans MS" pitchFamily="66" charset="0"/>
+            </a:endParaRPr>
+          </a:p>
+        </p:txBody>
+      </p:sp>
+    </p:spTree>
+    <p:extLst>
+      <p:ext uri="{BB962C8B-B14F-4D97-AF65-F5344CB8AC3E}">
+        <p14:creationId xmlns:p14="http://schemas.microsoft.com/office/powerpoint/2010/main" val="2476139986"/>
+      </p:ext>
+    </p:extLst>
+  </p:cSld>
+  <p:clrMapOvr>
+    <a:masterClrMapping/>
+  </p:clrMapOvr>
+  <mc:AlternateContent xmlns:mc="http://schemas.openxmlformats.org/markup-compatibility/2006" xmlns:p14="http://schemas.microsoft.com/office/powerpoint/2010/main">
+    <mc:Choice Requires="p14">
+      <p:transition spd="slow" p14:dur="900" advClick="0">
+        <p:fade/>
+      </p:transition>
+    </mc:Choice>
+    <mc:Fallback xmlns="">
+      <p:transition xmlns:p14="http://schemas.microsoft.com/office/powerpoint/2010/main" spd="slow" advClick="0">
+        <p:fade/>
+      </p:transition>
+    </mc:Fallback>
+  </mc:AlternateContent>
+  <p:timing>
+    <p:tnLst>
+      <p:par>
+        <p:cTn xmlns:p14="http://schemas.microsoft.com/office/powerpoint/2010/main" id="1" dur="indefinite" restart="never" nodeType="tmRoot">
+          <p:childTnLst>
+            <p:seq concurrent="1" nextAc="seek">
+              <p:cTn id="2" dur="indefinite" nodeType="mainSeq">
+                <p:childTnLst>
+                  <p:par>
+                    <p:cTn id="3" fill="hold">
+                      <p:stCondLst>
+                        <p:cond delay="indefinite"/>
+                      </p:stCondLst>
+                      <p:childTnLst>
+                        <p:par>
+                          <p:cTn id="4" fill="hold">
+                            <p:stCondLst>
+                              <p:cond delay="0"/>
+                            </p:stCondLst>
+                            <p:childTnLst>
+                              <p:par>
+                                <p:cTn id="5" presetID="9" presetClass="entr" presetSubtype="0" fill="hold" grpId="0" nodeType="clickEffect">
+                                  <p:stCondLst>
+                                    <p:cond delay="0"/>
+                                  </p:stCondLst>
+                                  <p:childTnLst>
+                                    <p:set>
+                                      <p:cBhvr>
+                                        <p:cTn id="6" dur="1" fill="hold">
+                                          <p:stCondLst>
+                                            <p:cond delay="0"/>
+                                          </p:stCondLst>
+                                        </p:cTn>
+                                        <p:tgtEl>
+                                          <p:spTgt spid="42"/>
+                                        </p:tgtEl>
+                                        <p:attrNameLst>
+                                          <p:attrName>style.visibility</p:attrName>
+                                        </p:attrNameLst>
+                                      </p:cBhvr>
+                                      <p:to>
+                                        <p:strVal val="visible"/>
+                                      </p:to>
+                                    </p:set>
+                                    <p:animEffect transition="in" filter="dissolve">
+                                      <p:cBhvr>
+                                        <p:cTn id="7" dur="500"/>
+                                        <p:tgtEl>
+                                          <p:spTgt spid="42"/>
+                                        </p:tgtEl>
+                                      </p:cBhvr>
+                                    </p:animEffect>
+                                  </p:childTnLst>
+                                </p:cTn>
+                              </p:par>
+                              <p:par>
+                                <p:cTn id="8" presetID="9" presetClass="entr" presetSubtype="0" fill="hold" grpId="0" nodeType="withEffect">
+                                  <p:stCondLst>
+                                    <p:cond delay="0"/>
+                                  </p:stCondLst>
+                                  <p:childTnLst>
+                                    <p:set>
+                                      <p:cBhvr>
+                                        <p:cTn id="9" dur="1" fill="hold">
+                                          <p:stCondLst>
+                                            <p:cond delay="0"/>
+                                          </p:stCondLst>
+                                        </p:cTn>
+                                        <p:tgtEl>
+                                          <p:spTgt spid="50"/>
+                                        </p:tgtEl>
+                                        <p:attrNameLst>
+                                          <p:attrName>style.visibility</p:attrName>
+                                        </p:attrNameLst>
+                                      </p:cBhvr>
+                                      <p:to>
+                                        <p:strVal val="visible"/>
+                                      </p:to>
+                                    </p:set>
+                                    <p:animEffect transition="in" filter="dissolve">
+                                      <p:cBhvr>
+                                        <p:cTn id="10" dur="500"/>
+                                        <p:tgtEl>
+                                          <p:spTgt spid="50"/>
+                                        </p:tgtEl>
+                                      </p:cBhvr>
+                                    </p:animEffect>
+                                  </p:childTnLst>
+                                </p:cTn>
+                              </p:par>
+                              <p:par>
+                                <p:cTn id="11" presetID="9" presetClass="entr" presetSubtype="0" fill="hold" grpId="0" nodeType="withEffect">
+                                  <p:stCondLst>
+                                    <p:cond delay="0"/>
+                                  </p:stCondLst>
+                                  <p:childTnLst>
+                                    <p:set>
+                                      <p:cBhvr>
+                                        <p:cTn id="12" dur="1" fill="hold">
+                                          <p:stCondLst>
+                                            <p:cond delay="0"/>
+                                          </p:stCondLst>
+                                        </p:cTn>
+                                        <p:tgtEl>
+                                          <p:spTgt spid="44"/>
+                                        </p:tgtEl>
+                                        <p:attrNameLst>
+                                          <p:attrName>style.visibility</p:attrName>
+                                        </p:attrNameLst>
+                                      </p:cBhvr>
+                                      <p:to>
+                                        <p:strVal val="visible"/>
+                                      </p:to>
+                                    </p:set>
+                                    <p:animEffect transition="in" filter="dissolve">
+                                      <p:cBhvr>
+                                        <p:cTn id="13" dur="500"/>
+                                        <p:tgtEl>
+                                          <p:spTgt spid="44"/>
+                                        </p:tgtEl>
+                                      </p:cBhvr>
+                                    </p:animEffect>
+                                  </p:childTnLst>
+                                </p:cTn>
+                              </p:par>
+                              <p:par>
+                                <p:cTn id="14" presetID="9" presetClass="entr" presetSubtype="0" fill="hold" grpId="0" nodeType="withEffect">
+                                  <p:stCondLst>
+                                    <p:cond delay="0"/>
+                                  </p:stCondLst>
+                                  <p:childTnLst>
+                                    <p:set>
+                                      <p:cBhvr>
+                                        <p:cTn id="15" dur="1" fill="hold">
+                                          <p:stCondLst>
+                                            <p:cond delay="0"/>
+                                          </p:stCondLst>
+                                        </p:cTn>
+                                        <p:tgtEl>
+                                          <p:spTgt spid="43"/>
+                                        </p:tgtEl>
+                                        <p:attrNameLst>
+                                          <p:attrName>style.visibility</p:attrName>
+                                        </p:attrNameLst>
+                                      </p:cBhvr>
+                                      <p:to>
+                                        <p:strVal val="visible"/>
+                                      </p:to>
+                                    </p:set>
+                                    <p:animEffect transition="in" filter="dissolve">
+                                      <p:cBhvr>
+                                        <p:cTn id="16" dur="500"/>
+                                        <p:tgtEl>
+                                          <p:spTgt spid="43"/>
+                                        </p:tgtEl>
+                                      </p:cBhvr>
+                                    </p:animEffect>
+                                  </p:childTnLst>
+                                </p:cTn>
+                              </p:par>
+                              <p:par>
+                                <p:cTn id="17" presetID="9" presetClass="entr" presetSubtype="0" fill="hold" grpId="0" nodeType="withEffect">
+                                  <p:stCondLst>
+                                    <p:cond delay="0"/>
+                                  </p:stCondLst>
+                                  <p:childTnLst>
+                                    <p:set>
+                                      <p:cBhvr>
+                                        <p:cTn id="18" dur="1" fill="hold">
+                                          <p:stCondLst>
+                                            <p:cond delay="0"/>
+                                          </p:stCondLst>
+                                        </p:cTn>
+                                        <p:tgtEl>
+                                          <p:spTgt spid="45"/>
+                                        </p:tgtEl>
+                                        <p:attrNameLst>
+                                          <p:attrName>style.visibility</p:attrName>
+                                        </p:attrNameLst>
+                                      </p:cBhvr>
+                                      <p:to>
+                                        <p:strVal val="visible"/>
+                                      </p:to>
+                                    </p:set>
+                                    <p:animEffect transition="in" filter="dissolve">
+                                      <p:cBhvr>
+                                        <p:cTn id="19" dur="500"/>
+                                        <p:tgtEl>
+                                          <p:spTgt spid="45"/>
+                                        </p:tgtEl>
+                                      </p:cBhvr>
+                                    </p:animEffect>
+                                  </p:childTnLst>
+                                </p:cTn>
+                              </p:par>
+                              <p:par>
+                                <p:cTn id="20" presetID="9" presetClass="entr" presetSubtype="0" fill="hold" grpId="0" nodeType="withEffect">
+                                  <p:stCondLst>
+                                    <p:cond delay="0"/>
+                                  </p:stCondLst>
+                                  <p:childTnLst>
+                                    <p:set>
+                                      <p:cBhvr>
+                                        <p:cTn id="21" dur="1" fill="hold">
+                                          <p:stCondLst>
+                                            <p:cond delay="0"/>
+                                          </p:stCondLst>
+                                        </p:cTn>
+                                        <p:tgtEl>
+                                          <p:spTgt spid="51"/>
+                                        </p:tgtEl>
+                                        <p:attrNameLst>
+                                          <p:attrName>style.visibility</p:attrName>
+                                        </p:attrNameLst>
+                                      </p:cBhvr>
+                                      <p:to>
+                                        <p:strVal val="visible"/>
+                                      </p:to>
+                                    </p:set>
+                                    <p:animEffect transition="in" filter="dissolve">
+                                      <p:cBhvr>
+                                        <p:cTn id="22" dur="500"/>
+                                        <p:tgtEl>
+                                          <p:spTgt spid="51"/>
+                                        </p:tgtEl>
+                                      </p:cBhvr>
+                                    </p:animEffect>
+                                  </p:childTnLst>
+                                </p:cTn>
+                              </p:par>
+                              <p:par>
+                                <p:cTn id="23" presetID="9" presetClass="entr" presetSubtype="0" fill="hold" grpId="0" nodeType="withEffect">
+                                  <p:stCondLst>
+                                    <p:cond delay="0"/>
+                                  </p:stCondLst>
+                                  <p:childTnLst>
+                                    <p:set>
+                                      <p:cBhvr>
+                                        <p:cTn id="24" dur="1" fill="hold">
+                                          <p:stCondLst>
+                                            <p:cond delay="0"/>
+                                          </p:stCondLst>
+                                        </p:cTn>
+                                        <p:tgtEl>
+                                          <p:spTgt spid="52"/>
+                                        </p:tgtEl>
+                                        <p:attrNameLst>
+                                          <p:attrName>style.visibility</p:attrName>
+                                        </p:attrNameLst>
+                                      </p:cBhvr>
+                                      <p:to>
+                                        <p:strVal val="visible"/>
+                                      </p:to>
+                                    </p:set>
+                                    <p:animEffect transition="in" filter="dissolve">
+                                      <p:cBhvr>
+                                        <p:cTn id="25" dur="500"/>
+                                        <p:tgtEl>
+                                          <p:spTgt spid="52"/>
+                                        </p:tgtEl>
+                                      </p:cBhvr>
+                                    </p:animEffect>
+                                  </p:childTnLst>
+                                </p:cTn>
+                              </p:par>
+                              <p:par>
+                                <p:cTn id="26" presetID="9" presetClass="entr" presetSubtype="0" fill="hold" grpId="0" nodeType="withEffect">
+                                  <p:stCondLst>
+                                    <p:cond delay="0"/>
+                                  </p:stCondLst>
+                                  <p:childTnLst>
+                                    <p:set>
+                                      <p:cBhvr>
+                                        <p:cTn id="27" dur="1" fill="hold">
+                                          <p:stCondLst>
+                                            <p:cond delay="0"/>
+                                          </p:stCondLst>
+                                        </p:cTn>
+                                        <p:tgtEl>
+                                          <p:spTgt spid="46"/>
+                                        </p:tgtEl>
+                                        <p:attrNameLst>
+                                          <p:attrName>style.visibility</p:attrName>
+                                        </p:attrNameLst>
+                                      </p:cBhvr>
+                                      <p:to>
+                                        <p:strVal val="visible"/>
+                                      </p:to>
+                                    </p:set>
+                                    <p:animEffect transition="in" filter="dissolve">
+                                      <p:cBhvr>
+                                        <p:cTn id="28" dur="500"/>
+                                        <p:tgtEl>
+                                          <p:spTgt spid="46"/>
+                                        </p:tgtEl>
+                                      </p:cBhvr>
+                                    </p:animEffect>
+                                  </p:childTnLst>
+                                </p:cTn>
+                              </p:par>
+                              <p:par>
+                                <p:cTn id="29" presetID="9" presetClass="entr" presetSubtype="0" fill="hold" grpId="0" nodeType="withEffect">
+                                  <p:stCondLst>
+                                    <p:cond delay="0"/>
+                                  </p:stCondLst>
+                                  <p:childTnLst>
+                                    <p:set>
+                                      <p:cBhvr>
+                                        <p:cTn id="30" dur="1" fill="hold">
+                                          <p:stCondLst>
+                                            <p:cond delay="0"/>
+                                          </p:stCondLst>
+                                        </p:cTn>
+                                        <p:tgtEl>
+                                          <p:spTgt spid="47"/>
+                                        </p:tgtEl>
+                                        <p:attrNameLst>
+                                          <p:attrName>style.visibility</p:attrName>
+                                        </p:attrNameLst>
+                                      </p:cBhvr>
+                                      <p:to>
+                                        <p:strVal val="visible"/>
+                                      </p:to>
+                                    </p:set>
+                                    <p:animEffect transition="in" filter="dissolve">
+                                      <p:cBhvr>
+                                        <p:cTn id="31" dur="500"/>
+                                        <p:tgtEl>
+                                          <p:spTgt spid="47"/>
+                                        </p:tgtEl>
+                                      </p:cBhvr>
+                                    </p:animEffect>
+                                  </p:childTnLst>
+                                </p:cTn>
+                              </p:par>
+                              <p:par>
+                                <p:cTn id="32" presetID="9" presetClass="entr" presetSubtype="0" fill="hold" grpId="0" nodeType="withEffect">
+                                  <p:stCondLst>
+                                    <p:cond delay="0"/>
+                                  </p:stCondLst>
+                                  <p:childTnLst>
+                                    <p:set>
+                                      <p:cBhvr>
+                                        <p:cTn id="33" dur="1" fill="hold">
+                                          <p:stCondLst>
+                                            <p:cond delay="0"/>
+                                          </p:stCondLst>
+                                        </p:cTn>
+                                        <p:tgtEl>
+                                          <p:spTgt spid="48"/>
+                                        </p:tgtEl>
+                                        <p:attrNameLst>
+                                          <p:attrName>style.visibility</p:attrName>
+                                        </p:attrNameLst>
+                                      </p:cBhvr>
+                                      <p:to>
+                                        <p:strVal val="visible"/>
+                                      </p:to>
+                                    </p:set>
+                                    <p:animEffect transition="in" filter="dissolve">
+                                      <p:cBhvr>
+                                        <p:cTn id="34" dur="500"/>
+                                        <p:tgtEl>
+                                          <p:spTgt spid="48"/>
+                                        </p:tgtEl>
+                                      </p:cBhvr>
+                                    </p:animEffect>
+                                  </p:childTnLst>
+                                </p:cTn>
+                              </p:par>
+                              <p:par>
+                                <p:cTn id="35" presetID="9" presetClass="entr" presetSubtype="0" fill="hold" grpId="0" nodeType="withEffect">
+                                  <p:stCondLst>
+                                    <p:cond delay="0"/>
+                                  </p:stCondLst>
+                                  <p:childTnLst>
+                                    <p:set>
+                                      <p:cBhvr>
+                                        <p:cTn id="36" dur="1" fill="hold">
+                                          <p:stCondLst>
+                                            <p:cond delay="0"/>
+                                          </p:stCondLst>
+                                        </p:cTn>
+                                        <p:tgtEl>
+                                          <p:spTgt spid="49"/>
+                                        </p:tgtEl>
+                                        <p:attrNameLst>
+                                          <p:attrName>style.visibility</p:attrName>
+                                        </p:attrNameLst>
+                                      </p:cBhvr>
+                                      <p:to>
+                                        <p:strVal val="visible"/>
+                                      </p:to>
+                                    </p:set>
+                                    <p:animEffect transition="in" filter="dissolve">
+                                      <p:cBhvr>
+                                        <p:cTn id="37" dur="500"/>
+                                        <p:tgtEl>
+                                          <p:spTgt spid="49"/>
+                                        </p:tgtEl>
+                                      </p:cBhvr>
+                                    </p:animEffect>
+                                  </p:childTnLst>
+                                </p:cTn>
+                              </p:par>
+                              <p:par>
+                                <p:cTn id="38" presetID="9" presetClass="entr" presetSubtype="0" fill="hold" grpId="0" nodeType="withEffect">
+                                  <p:stCondLst>
+                                    <p:cond delay="0"/>
+                                  </p:stCondLst>
+                                  <p:childTnLst>
+                                    <p:set>
+                                      <p:cBhvr>
+                                        <p:cTn id="39" dur="1" fill="hold">
+                                          <p:stCondLst>
+                                            <p:cond delay="0"/>
+                                          </p:stCondLst>
+                                        </p:cTn>
+                                        <p:tgtEl>
+                                          <p:spTgt spid="55"/>
+                                        </p:tgtEl>
+                                        <p:attrNameLst>
+                                          <p:attrName>style.visibility</p:attrName>
+                                        </p:attrNameLst>
+                                      </p:cBhvr>
+                                      <p:to>
+                                        <p:strVal val="visible"/>
+                                      </p:to>
+                                    </p:set>
+                                    <p:animEffect transition="in" filter="dissolve">
+                                      <p:cBhvr>
+                                        <p:cTn id="40" dur="500"/>
+                                        <p:tgtEl>
+                                          <p:spTgt spid="55"/>
+                                        </p:tgtEl>
+                                      </p:cBhvr>
+                                    </p:animEffect>
+                                  </p:childTnLst>
+                                </p:cTn>
+                              </p:par>
+                              <p:par>
+                                <p:cTn id="41" presetID="9" presetClass="entr" presetSubtype="0" fill="hold" grpId="0" nodeType="withEffect">
+                                  <p:stCondLst>
+                                    <p:cond delay="0"/>
+                                  </p:stCondLst>
+                                  <p:childTnLst>
+                                    <p:set>
+                                      <p:cBhvr>
+                                        <p:cTn id="42" dur="1" fill="hold">
+                                          <p:stCondLst>
+                                            <p:cond delay="0"/>
+                                          </p:stCondLst>
+                                        </p:cTn>
+                                        <p:tgtEl>
+                                          <p:spTgt spid="54"/>
+                                        </p:tgtEl>
+                                        <p:attrNameLst>
+                                          <p:attrName>style.visibility</p:attrName>
+                                        </p:attrNameLst>
+                                      </p:cBhvr>
+                                      <p:to>
+                                        <p:strVal val="visible"/>
+                                      </p:to>
+                                    </p:set>
+                                    <p:animEffect transition="in" filter="dissolve">
+                                      <p:cBhvr>
+                                        <p:cTn id="43" dur="500"/>
+                                        <p:tgtEl>
+                                          <p:spTgt spid="54"/>
+                                        </p:tgtEl>
+                                      </p:cBhvr>
+                                    </p:animEffect>
+                                  </p:childTnLst>
+                                </p:cTn>
+                              </p:par>
+                              <p:par>
+                                <p:cTn id="44" presetID="9" presetClass="entr" presetSubtype="0" fill="hold" grpId="0" nodeType="withEffect">
+                                  <p:stCondLst>
+                                    <p:cond delay="0"/>
+                                  </p:stCondLst>
+                                  <p:childTnLst>
+                                    <p:set>
+                                      <p:cBhvr>
+                                        <p:cTn id="45" dur="1" fill="hold">
+                                          <p:stCondLst>
+                                            <p:cond delay="0"/>
+                                          </p:stCondLst>
+                                        </p:cTn>
+                                        <p:tgtEl>
+                                          <p:spTgt spid="53"/>
+                                        </p:tgtEl>
+                                        <p:attrNameLst>
+                                          <p:attrName>style.visibility</p:attrName>
+                                        </p:attrNameLst>
+                                      </p:cBhvr>
+                                      <p:to>
+                                        <p:strVal val="visible"/>
+                                      </p:to>
+                                    </p:set>
+                                    <p:animEffect transition="in" filter="dissolve">
+                                      <p:cBhvr>
+                                        <p:cTn id="46" dur="500"/>
+                                        <p:tgtEl>
+                                          <p:spTgt spid="53"/>
+                                        </p:tgtEl>
+                                      </p:cBhvr>
+                                    </p:animEffect>
+                                  </p:childTnLst>
+                                </p:cTn>
+                              </p:par>
+                            </p:childTnLst>
+                          </p:cTn>
+                        </p:par>
+                      </p:childTnLst>
+                    </p:cTn>
+                  </p:par>
+                </p:childTnLst>
+              </p:cTn>
+              <p:prevCondLst>
+                <p:cond evt="onPrev" delay="0">
+                  <p:tgtEl>
+                    <p:sldTgt/>
+                  </p:tgtEl>
+                </p:cond>
+              </p:prevCondLst>
+              <p:nextCondLst>
+                <p:cond evt="onNext" delay="0">
+                  <p:tgtEl>
+                    <p:sldTgt/>
+                  </p:tgtEl>
+                </p:cond>
+              </p:nextCondLst>
+            </p:seq>
+          </p:childTnLst>
+        </p:cTn>
+      </p:par>
+    </p:tnLst>
+    <p:bldLst>
+      <p:bldP spid="42" grpId="0" animBg="1"/>
+      <p:bldP spid="43" grpId="0" animBg="1"/>
+      <p:bldP spid="44" grpId="0" animBg="1"/>
+      <p:bldP spid="45" grpId="0" animBg="1"/>
+      <p:bldP spid="46" grpId="0" animBg="1"/>
+      <p:bldP spid="47" grpId="0" animBg="1"/>
+      <p:bldP spid="48" grpId="0" animBg="1"/>
+      <p:bldP spid="49" grpId="0" animBg="1"/>
+      <p:bldP spid="50" grpId="0" animBg="1"/>
+      <p:bldP spid="51" grpId="0" animBg="1"/>
+      <p:bldP spid="52" grpId="0" animBg="1"/>
+      <p:bldP spid="53" grpId="0" animBg="1"/>
+      <p:bldP spid="54" grpId="0" animBg="1"/>
+      <p:bldP spid="55" grpId="0" animBg="1"/>
+    </p:bldLst>
+  </p:timing>
+</p:sld>
+</file>
+
+<file path=ppt/slides/slide14.xml><?xml version="1.0" encoding="utf-8"?>
+<p:sld xmlns:a="http://schemas.openxmlformats.org/drawingml/2006/main" xmlns:r="http://schemas.openxmlformats.org/officeDocument/2006/relationships" xmlns:p="http://schemas.openxmlformats.org/presentationml/2006/main">
+  <p:cSld>
+    <p:spTree>
+      <p:nvGrpSpPr>
+        <p:cNvPr id="1" name=""/>
+        <p:cNvGrpSpPr/>
+        <p:nvPr/>
+      </p:nvGrpSpPr>
+      <p:grpSpPr>
+        <a:xfrm>
+          <a:off x="0" y="0"/>
+          <a:ext cx="0" cy="0"/>
+          <a:chOff x="0" y="0"/>
+          <a:chExt cx="0" cy="0"/>
+        </a:xfrm>
+      </p:grpSpPr>
+      <p:sp>
+        <p:nvSpPr>
+          <p:cNvPr id="19" name="Slide Number Placeholder 3"/>
+          <p:cNvSpPr>
+            <a:spLocks noGrp="1"/>
+          </p:cNvSpPr>
+          <p:nvPr>
+            <p:ph type="sldNum" sz="quarter" idx="4294967295"/>
+          </p:nvPr>
+        </p:nvSpPr>
+        <p:spPr>
+          <a:xfrm>
+            <a:off x="8095441" y="6583363"/>
+            <a:ext cx="1048559" cy="276999"/>
+          </a:xfrm>
+          <a:prstGeom prst="rect">
+            <a:avLst/>
+          </a:prstGeom>
+        </p:spPr>
+        <p:txBody>
+          <a:bodyPr/>
+          <a:lstStyle/>
+          <a:p>
+            <a:pPr>
+              <a:defRPr/>
+            </a:pPr>
+            <a:r>
+              <a:rPr lang="en-US" sz="1200" dirty="0" smtClean="0"/>
+              <a:t>connected.</a:t>
+            </a:r>
+            <a:fld id="{19EC3EF5-AAAB-406F-8B8B-2285D28F7116}" type="slidenum">
+              <a:rPr lang="en-US" sz="1200" smtClean="0"/>
+              <a:pPr>
+                <a:defRPr/>
+              </a:pPr>
+              <a:t>14</a:t>
+            </a:fld>
+            <a:endParaRPr lang="en-US" sz="1200" dirty="0"/>
+          </a:p>
+        </p:txBody>
+      </p:sp>
+      <p:sp>
+        <p:nvSpPr>
           <p:cNvPr id="5124" name="Rectangle 3"/>
           <p:cNvSpPr>
             <a:spLocks noGrp="1" noChangeArrowheads="1"/>
@@ -9700,7 +11357,7 @@
 </p:sld>
 </file>
 
-<file path=ppt/slides/slide14.xml><?xml version="1.0" encoding="utf-8"?>
+<file path=ppt/slides/slide15.xml><?xml version="1.0" encoding="utf-8"?>
 <p:sld xmlns:a="http://schemas.openxmlformats.org/drawingml/2006/main" xmlns:r="http://schemas.openxmlformats.org/officeDocument/2006/relationships" xmlns:p="http://schemas.openxmlformats.org/presentationml/2006/main">
   <p:cSld>
     <p:spTree>
@@ -9752,7 +11409,7 @@
               <a:pPr>
                 <a:defRPr/>
               </a:pPr>
-              <a:t>14</a:t>
+              <a:t>15</a:t>
             </a:fld>
             <a:endParaRPr lang="en-US" sz="1200" dirty="0"/>
           </a:p>
@@ -11045,8 +12702,8 @@
 </p:sld>
 </file>
 
-<file path=ppt/slides/slide15.xml><?xml version="1.0" encoding="utf-8"?>
-<p:sld xmlns:a="http://schemas.openxmlformats.org/drawingml/2006/main" xmlns:r="http://schemas.openxmlformats.org/officeDocument/2006/relationships" xmlns:p="http://schemas.openxmlformats.org/presentationml/2006/main">
+<file path=ppt/slides/slide16.xml><?xml version="1.0" encoding="utf-8"?>
+<p:sld xmlns:a="http://schemas.openxmlformats.org/drawingml/2006/main" xmlns:r="http://schemas.openxmlformats.org/officeDocument/2006/relationships" xmlns:p="http://schemas.openxmlformats.org/presentationml/2006/main" show="0">
   <p:cSld>
     <p:spTree>
       <p:nvGrpSpPr>
@@ -11097,273 +12754,6 @@
               <a:pPr algn="l">
                 <a:defRPr/>
               </a:pPr>
-              <a:t>15</a:t>
-            </a:fld>
-            <a:endParaRPr lang="en-US" sz="1200" dirty="0"/>
-          </a:p>
-        </p:txBody>
-      </p:sp>
-      <p:sp>
-        <p:nvSpPr>
-          <p:cNvPr id="28" name="Rectangle 2"/>
-          <p:cNvSpPr>
-            <a:spLocks noGrp="1" noChangeArrowheads="1"/>
-          </p:cNvSpPr>
-          <p:nvPr>
-            <p:ph type="title"/>
-          </p:nvPr>
-        </p:nvSpPr>
-        <p:spPr>
-          <a:xfrm>
-            <a:off x="1524000" y="76200"/>
-            <a:ext cx="7086600" cy="990600"/>
-          </a:xfrm>
-        </p:spPr>
-        <p:txBody>
-          <a:bodyPr/>
-          <a:lstStyle/>
-          <a:p>
-            <a:pPr algn="l"/>
-            <a:r>
-              <a:rPr lang="en-US" sz="4800" dirty="0" smtClean="0"/>
-              <a:t>Lemma 11.11.11</a:t>
-            </a:r>
-            <a:endParaRPr lang="en-US" sz="4800" dirty="0"/>
-          </a:p>
-        </p:txBody>
-      </p:sp>
-      <p:sp>
-        <p:nvSpPr>
-          <p:cNvPr id="23" name="TextBox 22"/>
-          <p:cNvSpPr txBox="1"/>
-          <p:nvPr/>
-        </p:nvSpPr>
-        <p:spPr>
-          <a:xfrm>
-            <a:off x="381000" y="1548348"/>
-            <a:ext cx="8382000" cy="1015663"/>
-          </a:xfrm>
-          <a:prstGeom prst="rect">
-            <a:avLst/>
-          </a:prstGeom>
-          <a:noFill/>
-        </p:spPr>
-        <p:txBody>
-          <a:bodyPr wrap="square" rtlCol="0">
-            <a:spAutoFit/>
-          </a:bodyPr>
-          <a:lstStyle/>
-          <a:p>
-            <a:r>
-              <a:rPr lang="en-US" sz="6000" dirty="0" smtClean="0">
-                <a:solidFill>
-                  <a:schemeClr val="tx2"/>
-                </a:solidFill>
-                <a:latin typeface="Comic Sans MS"/>
-                <a:cs typeface="Comic Sans MS"/>
-              </a:rPr>
-              <a:t>If </a:t>
-            </a:r>
-            <a:r>
-              <a:rPr lang="en-US" sz="6000" dirty="0" smtClean="0">
-                <a:solidFill>
-                  <a:schemeClr val="accent5">
-                    <a:lumMod val="50000"/>
-                  </a:schemeClr>
-                </a:solidFill>
-                <a:latin typeface="Comic Sans MS"/>
-                <a:cs typeface="Comic Sans MS"/>
-              </a:rPr>
-              <a:t>F</a:t>
-            </a:r>
-            <a:r>
-              <a:rPr lang="en-US" sz="6000" dirty="0" smtClean="0">
-                <a:solidFill>
-                  <a:schemeClr val="tx2"/>
-                </a:solidFill>
-                <a:latin typeface="Comic Sans MS"/>
-                <a:cs typeface="Comic Sans MS"/>
-              </a:rPr>
-              <a:t> is a pre-MST</a:t>
-            </a:r>
-            <a:endParaRPr lang="en-US" sz="6000" dirty="0" smtClean="0">
-              <a:latin typeface="Comic Sans MS"/>
-              <a:cs typeface="Comic Sans MS"/>
-            </a:endParaRPr>
-          </a:p>
-        </p:txBody>
-      </p:sp>
-    </p:spTree>
-    <p:extLst>
-      <p:ext uri="{BB962C8B-B14F-4D97-AF65-F5344CB8AC3E}">
-        <p14:creationId xmlns:p14="http://schemas.microsoft.com/office/powerpoint/2010/main" val="3336113834"/>
-      </p:ext>
-    </p:extLst>
-  </p:cSld>
-  <p:clrMapOvr>
-    <a:masterClrMapping/>
-  </p:clrMapOvr>
-  <mc:AlternateContent xmlns:mc="http://schemas.openxmlformats.org/markup-compatibility/2006" xmlns:p14="http://schemas.microsoft.com/office/powerpoint/2010/main">
-    <mc:Choice Requires="p14">
-      <p:transition spd="slow" p14:dur="900" advClick="0">
-        <p:fade/>
-      </p:transition>
-    </mc:Choice>
-    <mc:Fallback xmlns="">
-      <p:transition xmlns:p14="http://schemas.microsoft.com/office/powerpoint/2010/main" spd="slow" advClick="0">
-        <p:fade/>
-      </p:transition>
-    </mc:Fallback>
-  </mc:AlternateContent>
-  <p:timing>
-    <p:tnLst>
-      <p:par>
-        <p:cTn xmlns:p14="http://schemas.microsoft.com/office/powerpoint/2010/main" id="1" dur="indefinite" restart="never" nodeType="tmRoot">
-          <p:childTnLst>
-            <p:seq concurrent="1" nextAc="seek">
-              <p:cTn id="2" dur="indefinite" nodeType="mainSeq">
-                <p:childTnLst>
-                  <p:par>
-                    <p:cTn id="3" fill="hold">
-                      <p:stCondLst>
-                        <p:cond delay="indefinite"/>
-                      </p:stCondLst>
-                      <p:childTnLst>
-                        <p:par>
-                          <p:cTn id="4" fill="hold">
-                            <p:stCondLst>
-                              <p:cond delay="0"/>
-                            </p:stCondLst>
-                            <p:childTnLst>
-                              <p:par>
-                                <p:cTn id="5" presetID="9" presetClass="entr" presetSubtype="0" fill="hold" grpId="0" nodeType="clickEffect">
-                                  <p:stCondLst>
-                                    <p:cond delay="0"/>
-                                  </p:stCondLst>
-                                  <p:childTnLst>
-                                    <p:set>
-                                      <p:cBhvr>
-                                        <p:cTn id="6" dur="1" fill="hold">
-                                          <p:stCondLst>
-                                            <p:cond delay="0"/>
-                                          </p:stCondLst>
-                                        </p:cTn>
-                                        <p:tgtEl>
-                                          <p:spTgt spid="23">
-                                            <p:txEl>
-                                              <p:pRg st="0" end="0"/>
-                                            </p:txEl>
-                                          </p:spTgt>
-                                        </p:tgtEl>
-                                        <p:attrNameLst>
-                                          <p:attrName>style.visibility</p:attrName>
-                                        </p:attrNameLst>
-                                      </p:cBhvr>
-                                      <p:to>
-                                        <p:strVal val="visible"/>
-                                      </p:to>
-                                    </p:set>
-                                    <p:animEffect transition="in" filter="dissolve">
-                                      <p:cBhvr>
-                                        <p:cTn id="7" dur="500"/>
-                                        <p:tgtEl>
-                                          <p:spTgt spid="23">
-                                            <p:txEl>
-                                              <p:pRg st="0" end="0"/>
-                                            </p:txEl>
-                                          </p:spTgt>
-                                        </p:tgtEl>
-                                      </p:cBhvr>
-                                    </p:animEffect>
-                                  </p:childTnLst>
-                                </p:cTn>
-                              </p:par>
-                            </p:childTnLst>
-                          </p:cTn>
-                        </p:par>
-                      </p:childTnLst>
-                    </p:cTn>
-                  </p:par>
-                </p:childTnLst>
-              </p:cTn>
-              <p:prevCondLst>
-                <p:cond evt="onPrev" delay="0">
-                  <p:tgtEl>
-                    <p:sldTgt/>
-                  </p:tgtEl>
-                </p:cond>
-              </p:prevCondLst>
-              <p:nextCondLst>
-                <p:cond evt="onNext" delay="0">
-                  <p:tgtEl>
-                    <p:sldTgt/>
-                  </p:tgtEl>
-                </p:cond>
-              </p:nextCondLst>
-            </p:seq>
-          </p:childTnLst>
-        </p:cTn>
-      </p:par>
-    </p:tnLst>
-    <p:bldLst>
-      <p:bldP spid="23" grpId="0" build="p"/>
-    </p:bldLst>
-  </p:timing>
-</p:sld>
-</file>
-
-<file path=ppt/slides/slide16.xml><?xml version="1.0" encoding="utf-8"?>
-<p:sld xmlns:a="http://schemas.openxmlformats.org/drawingml/2006/main" xmlns:r="http://schemas.openxmlformats.org/officeDocument/2006/relationships" xmlns:p="http://schemas.openxmlformats.org/presentationml/2006/main">
-  <p:cSld>
-    <p:spTree>
-      <p:nvGrpSpPr>
-        <p:cNvPr id="1" name=""/>
-        <p:cNvGrpSpPr/>
-        <p:nvPr/>
-      </p:nvGrpSpPr>
-      <p:grpSpPr>
-        <a:xfrm>
-          <a:off x="0" y="0"/>
-          <a:ext cx="0" cy="0"/>
-          <a:chOff x="0" y="0"/>
-          <a:chExt cx="0" cy="0"/>
-        </a:xfrm>
-      </p:grpSpPr>
-      <p:sp>
-        <p:nvSpPr>
-          <p:cNvPr id="19" name="Slide Number Placeholder 3"/>
-          <p:cNvSpPr>
-            <a:spLocks noGrp="1"/>
-          </p:cNvSpPr>
-          <p:nvPr>
-            <p:ph type="sldNum" sz="quarter" idx="4294967295"/>
-          </p:nvPr>
-        </p:nvSpPr>
-        <p:spPr>
-          <a:xfrm>
-            <a:off x="8095441" y="6583363"/>
-            <a:ext cx="1048559" cy="276999"/>
-          </a:xfrm>
-          <a:prstGeom prst="rect">
-            <a:avLst/>
-          </a:prstGeom>
-        </p:spPr>
-        <p:txBody>
-          <a:bodyPr/>
-          <a:lstStyle/>
-          <a:p>
-            <a:pPr algn="l">
-              <a:defRPr/>
-            </a:pPr>
-            <a:r>
-              <a:rPr lang="en-US" sz="1200" dirty="0" smtClean="0"/>
-              <a:t>connected.</a:t>
-            </a:r>
-            <a:fld id="{19EC3EF5-AAAB-406F-8B8B-2285D28F7116}" type="slidenum">
-              <a:rPr lang="en-US" sz="1200" smtClean="0"/>
-              <a:pPr algn="l">
-                <a:defRPr/>
-              </a:pPr>
               <a:t>16</a:t>
             </a:fld>
             <a:endParaRPr lang="en-US" sz="1200" dirty="0"/>
@@ -11408,7 +12798,7 @@
         <p:spPr>
           <a:xfrm>
             <a:off x="381000" y="1548348"/>
-            <a:ext cx="8382000" cy="2862322"/>
+            <a:ext cx="8382000" cy="1015663"/>
           </a:xfrm>
           <a:prstGeom prst="rect">
             <a:avLst/>
@@ -11451,39 +12841,7 @@
                 <a:latin typeface="Comic Sans MS"/>
                 <a:cs typeface="Comic Sans MS"/>
               </a:rPr>
-              <a:t> is a pre-MST and </a:t>
-            </a:r>
-            <a:r>
-              <a:rPr lang="en-US" sz="6000" dirty="0" smtClean="0">
-                <a:solidFill>
-                  <a:schemeClr val="accent5">
-                    <a:lumMod val="50000"/>
-                  </a:schemeClr>
-                </a:solidFill>
-                <a:latin typeface="Comic Sans MS"/>
-                <a:cs typeface="Comic Sans MS"/>
-              </a:rPr>
-              <a:t>e</a:t>
-            </a:r>
-            <a:r>
-              <a:rPr lang="en-US" sz="6000" dirty="0" smtClean="0">
-                <a:solidFill>
-                  <a:schemeClr val="tx2"/>
-                </a:solidFill>
-                <a:latin typeface="Comic Sans MS"/>
-                <a:cs typeface="Comic Sans MS"/>
-              </a:rPr>
-              <a:t> is an extending edge for </a:t>
-            </a:r>
-            <a:r>
-              <a:rPr lang="en-US" sz="6000" dirty="0" smtClean="0">
-                <a:solidFill>
-                  <a:srgbClr val="0000F1"/>
-                </a:solidFill>
-                <a:latin typeface="Comic Sans MS"/>
-                <a:cs typeface="Comic Sans MS"/>
-              </a:rPr>
-              <a:t>F</a:t>
+              <a:t> is a pre-MST</a:t>
             </a:r>
             <a:endParaRPr lang="en-US" sz="6000" dirty="0" smtClean="0">
               <a:latin typeface="Comic Sans MS"/>
@@ -11495,20 +12853,20 @@
     </p:spTree>
     <p:extLst>
       <p:ext uri="{BB962C8B-B14F-4D97-AF65-F5344CB8AC3E}">
-        <p14:creationId xmlns:p14="http://schemas.microsoft.com/office/powerpoint/2010/main" val="927739457"/>
+        <p14:creationId xmlns:p14="http://schemas.microsoft.com/office/powerpoint/2010/main" val="3336113834"/>
       </p:ext>
     </p:extLst>
   </p:cSld>
   <p:clrMapOvr>
     <a:masterClrMapping/>
   </p:clrMapOvr>
-  <mc:AlternateContent xmlns:mc="http://schemas.openxmlformats.org/markup-compatibility/2006" xmlns:p14="http://schemas.microsoft.com/office/powerpoint/2010/main">
-    <mc:Choice Requires="p14">
+  <mc:AlternateContent xmlns:mc="http://schemas.openxmlformats.org/markup-compatibility/2006">
+    <mc:Choice xmlns:p14="http://schemas.microsoft.com/office/powerpoint/2010/main" Requires="p14">
       <p:transition spd="slow" p14:dur="900" advClick="0">
         <p:fade/>
       </p:transition>
     </mc:Choice>
-    <mc:Fallback xmlns="">
+    <mc:Fallback>
       <p:transition xmlns:p14="http://schemas.microsoft.com/office/powerpoint/2010/main" spd="slow" advClick="0">
         <p:fade/>
       </p:transition>
@@ -11612,7 +12970,7 @@
 </file>
 
 <file path=ppt/slides/slide17.xml><?xml version="1.0" encoding="utf-8"?>
-<p:sld xmlns:a="http://schemas.openxmlformats.org/drawingml/2006/main" xmlns:r="http://schemas.openxmlformats.org/officeDocument/2006/relationships" xmlns:p="http://schemas.openxmlformats.org/presentationml/2006/main">
+<p:sld xmlns:a="http://schemas.openxmlformats.org/drawingml/2006/main" xmlns:r="http://schemas.openxmlformats.org/officeDocument/2006/relationships" xmlns:p="http://schemas.openxmlformats.org/presentationml/2006/main" show="0">
   <p:cSld>
     <p:spTree>
       <p:nvGrpSpPr>
@@ -11707,6 +13065,305 @@
         <p:spPr>
           <a:xfrm>
             <a:off x="381000" y="1548348"/>
+            <a:ext cx="8382000" cy="2862322"/>
+          </a:xfrm>
+          <a:prstGeom prst="rect">
+            <a:avLst/>
+          </a:prstGeom>
+          <a:noFill/>
+        </p:spPr>
+        <p:txBody>
+          <a:bodyPr wrap="square" rtlCol="0">
+            <a:spAutoFit/>
+          </a:bodyPr>
+          <a:lstStyle/>
+          <a:p>
+            <a:r>
+              <a:rPr lang="en-US" sz="6000" dirty="0" smtClean="0">
+                <a:solidFill>
+                  <a:schemeClr val="tx2"/>
+                </a:solidFill>
+                <a:latin typeface="Comic Sans MS"/>
+                <a:cs typeface="Comic Sans MS"/>
+              </a:rPr>
+              <a:t>If </a:t>
+            </a:r>
+            <a:r>
+              <a:rPr lang="en-US" sz="6000" dirty="0" smtClean="0">
+                <a:solidFill>
+                  <a:schemeClr val="accent5">
+                    <a:lumMod val="50000"/>
+                  </a:schemeClr>
+                </a:solidFill>
+                <a:latin typeface="Comic Sans MS"/>
+                <a:cs typeface="Comic Sans MS"/>
+              </a:rPr>
+              <a:t>F</a:t>
+            </a:r>
+            <a:r>
+              <a:rPr lang="en-US" sz="6000" dirty="0" smtClean="0">
+                <a:solidFill>
+                  <a:schemeClr val="tx2"/>
+                </a:solidFill>
+                <a:latin typeface="Comic Sans MS"/>
+                <a:cs typeface="Comic Sans MS"/>
+              </a:rPr>
+              <a:t> is a pre-MST and </a:t>
+            </a:r>
+            <a:r>
+              <a:rPr lang="en-US" sz="6000" dirty="0" smtClean="0">
+                <a:solidFill>
+                  <a:schemeClr val="accent5">
+                    <a:lumMod val="50000"/>
+                  </a:schemeClr>
+                </a:solidFill>
+                <a:latin typeface="Comic Sans MS"/>
+                <a:cs typeface="Comic Sans MS"/>
+              </a:rPr>
+              <a:t>e</a:t>
+            </a:r>
+            <a:r>
+              <a:rPr lang="en-US" sz="6000" dirty="0" smtClean="0">
+                <a:solidFill>
+                  <a:schemeClr val="tx2"/>
+                </a:solidFill>
+                <a:latin typeface="Comic Sans MS"/>
+                <a:cs typeface="Comic Sans MS"/>
+              </a:rPr>
+              <a:t> is an extending edge for </a:t>
+            </a:r>
+            <a:r>
+              <a:rPr lang="en-US" sz="6000" dirty="0" smtClean="0">
+                <a:solidFill>
+                  <a:srgbClr val="0000F1"/>
+                </a:solidFill>
+                <a:latin typeface="Comic Sans MS"/>
+                <a:cs typeface="Comic Sans MS"/>
+              </a:rPr>
+              <a:t>F</a:t>
+            </a:r>
+            <a:endParaRPr lang="en-US" sz="6000" dirty="0" smtClean="0">
+              <a:latin typeface="Comic Sans MS"/>
+              <a:cs typeface="Comic Sans MS"/>
+            </a:endParaRPr>
+          </a:p>
+        </p:txBody>
+      </p:sp>
+    </p:spTree>
+    <p:extLst>
+      <p:ext uri="{BB962C8B-B14F-4D97-AF65-F5344CB8AC3E}">
+        <p14:creationId xmlns:p14="http://schemas.microsoft.com/office/powerpoint/2010/main" val="927739457"/>
+      </p:ext>
+    </p:extLst>
+  </p:cSld>
+  <p:clrMapOvr>
+    <a:masterClrMapping/>
+  </p:clrMapOvr>
+  <mc:AlternateContent xmlns:mc="http://schemas.openxmlformats.org/markup-compatibility/2006">
+    <mc:Choice xmlns:p14="http://schemas.microsoft.com/office/powerpoint/2010/main" Requires="p14">
+      <p:transition spd="slow" p14:dur="900" advClick="0">
+        <p:fade/>
+      </p:transition>
+    </mc:Choice>
+    <mc:Fallback>
+      <p:transition xmlns:p14="http://schemas.microsoft.com/office/powerpoint/2010/main" spd="slow" advClick="0">
+        <p:fade/>
+      </p:transition>
+    </mc:Fallback>
+  </mc:AlternateContent>
+  <p:timing>
+    <p:tnLst>
+      <p:par>
+        <p:cTn xmlns:p14="http://schemas.microsoft.com/office/powerpoint/2010/main" id="1" dur="indefinite" restart="never" nodeType="tmRoot">
+          <p:childTnLst>
+            <p:seq concurrent="1" nextAc="seek">
+              <p:cTn id="2" dur="indefinite" nodeType="mainSeq">
+                <p:childTnLst>
+                  <p:par>
+                    <p:cTn id="3" fill="hold">
+                      <p:stCondLst>
+                        <p:cond delay="indefinite"/>
+                      </p:stCondLst>
+                      <p:childTnLst>
+                        <p:par>
+                          <p:cTn id="4" fill="hold">
+                            <p:stCondLst>
+                              <p:cond delay="0"/>
+                            </p:stCondLst>
+                            <p:childTnLst>
+                              <p:par>
+                                <p:cTn id="5" presetID="9" presetClass="entr" presetSubtype="0" fill="hold" grpId="0" nodeType="clickEffect">
+                                  <p:stCondLst>
+                                    <p:cond delay="0"/>
+                                  </p:stCondLst>
+                                  <p:childTnLst>
+                                    <p:set>
+                                      <p:cBhvr>
+                                        <p:cTn id="6" dur="1" fill="hold">
+                                          <p:stCondLst>
+                                            <p:cond delay="0"/>
+                                          </p:stCondLst>
+                                        </p:cTn>
+                                        <p:tgtEl>
+                                          <p:spTgt spid="23">
+                                            <p:txEl>
+                                              <p:pRg st="0" end="0"/>
+                                            </p:txEl>
+                                          </p:spTgt>
+                                        </p:tgtEl>
+                                        <p:attrNameLst>
+                                          <p:attrName>style.visibility</p:attrName>
+                                        </p:attrNameLst>
+                                      </p:cBhvr>
+                                      <p:to>
+                                        <p:strVal val="visible"/>
+                                      </p:to>
+                                    </p:set>
+                                    <p:animEffect transition="in" filter="dissolve">
+                                      <p:cBhvr>
+                                        <p:cTn id="7" dur="500"/>
+                                        <p:tgtEl>
+                                          <p:spTgt spid="23">
+                                            <p:txEl>
+                                              <p:pRg st="0" end="0"/>
+                                            </p:txEl>
+                                          </p:spTgt>
+                                        </p:tgtEl>
+                                      </p:cBhvr>
+                                    </p:animEffect>
+                                  </p:childTnLst>
+                                </p:cTn>
+                              </p:par>
+                            </p:childTnLst>
+                          </p:cTn>
+                        </p:par>
+                      </p:childTnLst>
+                    </p:cTn>
+                  </p:par>
+                </p:childTnLst>
+              </p:cTn>
+              <p:prevCondLst>
+                <p:cond evt="onPrev" delay="0">
+                  <p:tgtEl>
+                    <p:sldTgt/>
+                  </p:tgtEl>
+                </p:cond>
+              </p:prevCondLst>
+              <p:nextCondLst>
+                <p:cond evt="onNext" delay="0">
+                  <p:tgtEl>
+                    <p:sldTgt/>
+                  </p:tgtEl>
+                </p:cond>
+              </p:nextCondLst>
+            </p:seq>
+          </p:childTnLst>
+        </p:cTn>
+      </p:par>
+    </p:tnLst>
+    <p:bldLst>
+      <p:bldP spid="23" grpId="0" build="p"/>
+    </p:bldLst>
+  </p:timing>
+</p:sld>
+</file>
+
+<file path=ppt/slides/slide18.xml><?xml version="1.0" encoding="utf-8"?>
+<p:sld xmlns:a="http://schemas.openxmlformats.org/drawingml/2006/main" xmlns:r="http://schemas.openxmlformats.org/officeDocument/2006/relationships" xmlns:p="http://schemas.openxmlformats.org/presentationml/2006/main" show="0">
+  <p:cSld>
+    <p:spTree>
+      <p:nvGrpSpPr>
+        <p:cNvPr id="1" name=""/>
+        <p:cNvGrpSpPr/>
+        <p:nvPr/>
+      </p:nvGrpSpPr>
+      <p:grpSpPr>
+        <a:xfrm>
+          <a:off x="0" y="0"/>
+          <a:ext cx="0" cy="0"/>
+          <a:chOff x="0" y="0"/>
+          <a:chExt cx="0" cy="0"/>
+        </a:xfrm>
+      </p:grpSpPr>
+      <p:sp>
+        <p:nvSpPr>
+          <p:cNvPr id="19" name="Slide Number Placeholder 3"/>
+          <p:cNvSpPr>
+            <a:spLocks noGrp="1"/>
+          </p:cNvSpPr>
+          <p:nvPr>
+            <p:ph type="sldNum" sz="quarter" idx="4294967295"/>
+          </p:nvPr>
+        </p:nvSpPr>
+        <p:spPr>
+          <a:xfrm>
+            <a:off x="8095441" y="6583363"/>
+            <a:ext cx="1048559" cy="276999"/>
+          </a:xfrm>
+          <a:prstGeom prst="rect">
+            <a:avLst/>
+          </a:prstGeom>
+        </p:spPr>
+        <p:txBody>
+          <a:bodyPr/>
+          <a:lstStyle/>
+          <a:p>
+            <a:pPr algn="l">
+              <a:defRPr/>
+            </a:pPr>
+            <a:r>
+              <a:rPr lang="en-US" sz="1200" dirty="0" smtClean="0"/>
+              <a:t>connected.</a:t>
+            </a:r>
+            <a:fld id="{19EC3EF5-AAAB-406F-8B8B-2285D28F7116}" type="slidenum">
+              <a:rPr lang="en-US" sz="1200" smtClean="0"/>
+              <a:pPr algn="l">
+                <a:defRPr/>
+              </a:pPr>
+              <a:t>18</a:t>
+            </a:fld>
+            <a:endParaRPr lang="en-US" sz="1200" dirty="0"/>
+          </a:p>
+        </p:txBody>
+      </p:sp>
+      <p:sp>
+        <p:nvSpPr>
+          <p:cNvPr id="28" name="Rectangle 2"/>
+          <p:cNvSpPr>
+            <a:spLocks noGrp="1" noChangeArrowheads="1"/>
+          </p:cNvSpPr>
+          <p:nvPr>
+            <p:ph type="title"/>
+          </p:nvPr>
+        </p:nvSpPr>
+        <p:spPr>
+          <a:xfrm>
+            <a:off x="1524000" y="76200"/>
+            <a:ext cx="7086600" cy="990600"/>
+          </a:xfrm>
+        </p:spPr>
+        <p:txBody>
+          <a:bodyPr/>
+          <a:lstStyle/>
+          <a:p>
+            <a:pPr algn="l"/>
+            <a:r>
+              <a:rPr lang="en-US" sz="4800" dirty="0" smtClean="0"/>
+              <a:t>Lemma 11.11.11</a:t>
+            </a:r>
+            <a:endParaRPr lang="en-US" sz="4800" dirty="0"/>
+          </a:p>
+        </p:txBody>
+      </p:sp>
+      <p:sp>
+        <p:nvSpPr>
+          <p:cNvPr id="23" name="TextBox 22"/>
+          <p:cNvSpPr txBox="1"/>
+          <p:nvPr/>
+        </p:nvSpPr>
+        <p:spPr>
+          <a:xfrm>
+            <a:off x="381000" y="1548348"/>
             <a:ext cx="8382000" cy="3785652"/>
           </a:xfrm>
           <a:prstGeom prst="rect">
@@ -11826,13 +13483,13 @@
   <p:clrMapOvr>
     <a:masterClrMapping/>
   </p:clrMapOvr>
-  <mc:AlternateContent xmlns:mc="http://schemas.openxmlformats.org/markup-compatibility/2006" xmlns:p14="http://schemas.microsoft.com/office/powerpoint/2010/main">
-    <mc:Choice Requires="p14">
+  <mc:AlternateContent xmlns:mc="http://schemas.openxmlformats.org/markup-compatibility/2006">
+    <mc:Choice xmlns:p14="http://schemas.microsoft.com/office/powerpoint/2010/main" Requires="p14">
       <p:transition spd="slow" p14:dur="900" advClick="0">
         <p:fade/>
       </p:transition>
     </mc:Choice>
-    <mc:Fallback xmlns="">
+    <mc:Fallback>
       <p:transition xmlns:p14="http://schemas.microsoft.com/office/powerpoint/2010/main" spd="slow" advClick="0">
         <p:fade/>
       </p:transition>
@@ -11996,8 +13653,8 @@
 </p:sld>
 </file>
 
-<file path=ppt/slides/slide18.xml><?xml version="1.0" encoding="utf-8"?>
-<p:sld xmlns:a="http://schemas.openxmlformats.org/drawingml/2006/main" xmlns:r="http://schemas.openxmlformats.org/officeDocument/2006/relationships" xmlns:p="http://schemas.openxmlformats.org/presentationml/2006/main">
+<file path=ppt/slides/slide19.xml><?xml version="1.0" encoding="utf-8"?>
+<p:sld xmlns:a="http://schemas.openxmlformats.org/drawingml/2006/main" xmlns:r="http://schemas.openxmlformats.org/officeDocument/2006/relationships" xmlns:p="http://schemas.openxmlformats.org/presentationml/2006/main" show="0">
   <p:cSld>
     <p:spTree>
       <p:nvGrpSpPr>
@@ -12048,7 +13705,7 @@
               <a:pPr>
                 <a:defRPr/>
               </a:pPr>
-              <a:t>18</a:t>
+              <a:t>19</a:t>
             </a:fld>
             <a:endParaRPr lang="en-US" sz="1200" dirty="0"/>
           </a:p>
@@ -12344,445 +14001,8 @@
 </p:sld>
 </file>
 
-<file path=ppt/slides/slide19.xml><?xml version="1.0" encoding="utf-8"?>
-<p:sld xmlns:a="http://schemas.openxmlformats.org/drawingml/2006/main" xmlns:r="http://schemas.openxmlformats.org/officeDocument/2006/relationships" xmlns:p="http://schemas.openxmlformats.org/presentationml/2006/main">
-  <p:cSld>
-    <p:spTree>
-      <p:nvGrpSpPr>
-        <p:cNvPr id="1" name=""/>
-        <p:cNvGrpSpPr/>
-        <p:nvPr/>
-      </p:nvGrpSpPr>
-      <p:grpSpPr>
-        <a:xfrm>
-          <a:off x="0" y="0"/>
-          <a:ext cx="0" cy="0"/>
-          <a:chOff x="0" y="0"/>
-          <a:chExt cx="0" cy="0"/>
-        </a:xfrm>
-      </p:grpSpPr>
-      <p:sp>
-        <p:nvSpPr>
-          <p:cNvPr id="2" name="Title 1"/>
-          <p:cNvSpPr>
-            <a:spLocks noGrp="1"/>
-          </p:cNvSpPr>
-          <p:nvPr>
-            <p:ph type="title"/>
-          </p:nvPr>
-        </p:nvSpPr>
-        <p:spPr/>
-        <p:txBody>
-          <a:bodyPr/>
-          <a:lstStyle/>
-          <a:p>
-            <a:r>
-              <a:rPr lang="en-US" dirty="0">
-                <a:solidFill>
-                  <a:srgbClr val="000000"/>
-                </a:solidFill>
-              </a:rPr>
-              <a:t>C</a:t>
-            </a:r>
-            <a:r>
-              <a:rPr lang="en-US" dirty="0" smtClean="0">
-                <a:solidFill>
-                  <a:srgbClr val="000000"/>
-                </a:solidFill>
-              </a:rPr>
-              <a:t>ase: </a:t>
-            </a:r>
-            <a:r>
-              <a:rPr lang="en-US" dirty="0" smtClean="0">
-                <a:solidFill>
-                  <a:srgbClr val="0000E5"/>
-                </a:solidFill>
-              </a:rPr>
-              <a:t>e</a:t>
-            </a:r>
-            <a:r>
-              <a:rPr lang="en-US" dirty="0" smtClean="0">
-                <a:solidFill>
-                  <a:srgbClr val="000000"/>
-                </a:solidFill>
-              </a:rPr>
-              <a:t> not in </a:t>
-            </a:r>
-            <a:r>
-              <a:rPr lang="en-US" dirty="0" smtClean="0">
-                <a:solidFill>
-                  <a:srgbClr val="0000E5"/>
-                </a:solidFill>
-              </a:rPr>
-              <a:t>M</a:t>
-            </a:r>
-            <a:endParaRPr lang="en-US" dirty="0">
-              <a:solidFill>
-                <a:srgbClr val="000000"/>
-              </a:solidFill>
-              <a:cs typeface="Comic Sans MS"/>
-            </a:endParaRPr>
-          </a:p>
-        </p:txBody>
-      </p:sp>
-      <p:sp>
-        <p:nvSpPr>
-          <p:cNvPr id="3" name="Content Placeholder 2"/>
-          <p:cNvSpPr>
-            <a:spLocks noGrp="1"/>
-          </p:cNvSpPr>
-          <p:nvPr>
-            <p:ph idx="1"/>
-          </p:nvPr>
-        </p:nvSpPr>
-        <p:spPr>
-          <a:xfrm>
-            <a:off x="381000" y="1524000"/>
-            <a:ext cx="8382000" cy="4800600"/>
-          </a:xfrm>
-        </p:spPr>
-        <p:txBody>
-          <a:bodyPr/>
-          <a:lstStyle/>
-          <a:p>
-            <a:r>
-              <a:rPr lang="en-US" sz="4400" dirty="0" smtClean="0"/>
-              <a:t>Now</a:t>
-            </a:r>
-            <a:r>
-              <a:rPr lang="en-US" sz="4400" dirty="0" smtClean="0">
-                <a:solidFill>
-                  <a:srgbClr val="0000E5"/>
-                </a:solidFill>
-              </a:rPr>
-              <a:t> </a:t>
-            </a:r>
-            <a:r>
-              <a:rPr lang="en-US" sz="4400" dirty="0" err="1" smtClean="0">
-                <a:solidFill>
-                  <a:srgbClr val="0000E5"/>
-                </a:solidFill>
-              </a:rPr>
-              <a:t>M+e</a:t>
-            </a:r>
-            <a:r>
-              <a:rPr lang="en-US" sz="4400" dirty="0" smtClean="0"/>
-              <a:t> has a cycle composed of some path     in</a:t>
-            </a:r>
-            <a:r>
-              <a:rPr lang="en-US" sz="4400" dirty="0" smtClean="0">
-                <a:solidFill>
-                  <a:schemeClr val="accent5">
-                    <a:lumMod val="50000"/>
-                  </a:schemeClr>
-                </a:solidFill>
-              </a:rPr>
-              <a:t> M</a:t>
-            </a:r>
-            <a:r>
-              <a:rPr lang="en-US" sz="4400" dirty="0" smtClean="0"/>
-              <a:t> plus the edge </a:t>
-            </a:r>
-            <a:r>
-              <a:rPr lang="en-US" sz="4400" dirty="0" smtClean="0">
-                <a:solidFill>
-                  <a:srgbClr val="0000F1"/>
-                </a:solidFill>
-              </a:rPr>
-              <a:t>e</a:t>
-            </a:r>
-            <a:r>
-              <a:rPr lang="en-US" sz="4400" dirty="0" smtClean="0"/>
-              <a:t>.  Since </a:t>
-            </a:r>
-            <a:r>
-              <a:rPr lang="en-US" sz="4400" dirty="0" smtClean="0">
-                <a:solidFill>
-                  <a:schemeClr val="accent1">
-                    <a:lumMod val="50000"/>
-                  </a:schemeClr>
-                </a:solidFill>
-              </a:rPr>
-              <a:t>e</a:t>
-            </a:r>
-            <a:r>
-              <a:rPr lang="en-US" sz="4400" dirty="0" smtClean="0"/>
-              <a:t> is gray in some coloring of </a:t>
-            </a:r>
-            <a:r>
-              <a:rPr lang="en-US" sz="4400" dirty="0" smtClean="0">
-                <a:solidFill>
-                  <a:srgbClr val="0000E5"/>
-                </a:solidFill>
-              </a:rPr>
-              <a:t>F</a:t>
-            </a:r>
-            <a:r>
-              <a:rPr lang="en-US" sz="4400" dirty="0" smtClean="0"/>
-              <a:t>, </a:t>
-            </a:r>
-            <a:r>
-              <a:rPr lang="en-US" sz="4400" dirty="0"/>
-              <a:t>t</a:t>
-            </a:r>
-            <a:r>
-              <a:rPr lang="en-US" sz="4400" dirty="0" smtClean="0"/>
-              <a:t>he ends of     would have different colors, so     must have a gray edge </a:t>
-            </a:r>
-            <a:r>
-              <a:rPr lang="en-US" sz="4400" dirty="0" smtClean="0">
-                <a:solidFill>
-                  <a:srgbClr val="0000E5"/>
-                </a:solidFill>
-              </a:rPr>
-              <a:t>g</a:t>
-            </a:r>
-            <a:r>
-              <a:rPr lang="en-US" sz="4400" dirty="0" smtClean="0"/>
-              <a:t>.</a:t>
-            </a:r>
-            <a:endParaRPr lang="en-US" sz="4400" dirty="0"/>
-          </a:p>
-        </p:txBody>
-      </p:sp>
-      <p:sp>
-        <p:nvSpPr>
-          <p:cNvPr id="4" name="Slide Number Placeholder 3"/>
-          <p:cNvSpPr>
-            <a:spLocks noGrp="1"/>
-          </p:cNvSpPr>
-          <p:nvPr>
-            <p:ph type="sldNum" sz="quarter" idx="4"/>
-          </p:nvPr>
-        </p:nvSpPr>
-        <p:spPr/>
-        <p:txBody>
-          <a:bodyPr/>
-          <a:lstStyle/>
-          <a:p>
-            <a:pPr>
-              <a:defRPr/>
-            </a:pPr>
-            <a:r>
-              <a:rPr lang="en-US" smtClean="0"/>
-              <a:t>connected.</a:t>
-            </a:r>
-            <a:fld id="{D7F2FC53-1536-41A9-A9C1-2199CF803E30}" type="slidenum">
-              <a:rPr lang="en-US" smtClean="0"/>
-              <a:pPr>
-                <a:defRPr/>
-              </a:pPr>
-              <a:t>19</a:t>
-            </a:fld>
-            <a:endParaRPr lang="en-US" dirty="0"/>
-          </a:p>
-        </p:txBody>
-      </p:sp>
-      <p:graphicFrame>
-        <p:nvGraphicFramePr>
-          <p:cNvPr id="5" name="Object 4"/>
-          <p:cNvGraphicFramePr>
-            <a:graphicFrameLocks noChangeAspect="1"/>
-          </p:cNvGraphicFramePr>
-          <p:nvPr>
-            <p:extLst>
-              <p:ext uri="{D42A27DB-BD31-4B8C-83A1-F6EECF244321}">
-                <p14:modId xmlns:p14="http://schemas.microsoft.com/office/powerpoint/2010/main" val="1875860477"/>
-              </p:ext>
-            </p:extLst>
-          </p:nvPr>
-        </p:nvGraphicFramePr>
-        <p:xfrm>
-          <a:off x="4343400" y="2071255"/>
-          <a:ext cx="609600" cy="1052945"/>
-        </p:xfrm>
-        <a:graphic>
-          <a:graphicData uri="http://schemas.openxmlformats.org/presentationml/2006/ole">
-            <mc:AlternateContent xmlns:mc="http://schemas.openxmlformats.org/markup-compatibility/2006">
-              <mc:Choice xmlns:v="urn:schemas-microsoft-com:vml" Requires="v">
-                <p:oleObj spid="_x0000_s1054" name="Equation" r:id="rId3" imgW="139700" imgH="241300" progId="Equation.DSMT4">
-                  <p:embed/>
-                </p:oleObj>
-              </mc:Choice>
-              <mc:Fallback>
-                <p:oleObj name="Equation" r:id="rId3" imgW="139700" imgH="241300" progId="Equation.DSMT4">
-                  <p:embed/>
-                  <p:pic>
-                    <p:nvPicPr>
-                      <p:cNvPr id="0" name=""/>
-                      <p:cNvPicPr/>
-                      <p:nvPr/>
-                    </p:nvPicPr>
-                    <p:blipFill>
-                      <a:blip r:embed="rId4"/>
-                      <a:stretch>
-                        <a:fillRect/>
-                      </a:stretch>
-                    </p:blipFill>
-                    <p:spPr>
-                      <a:xfrm>
-                        <a:off x="4343400" y="2071255"/>
-                        <a:ext cx="609600" cy="1052945"/>
-                      </a:xfrm>
-                      <a:prstGeom prst="rect">
-                        <a:avLst/>
-                      </a:prstGeom>
-                    </p:spPr>
-                  </p:pic>
-                </p:oleObj>
-              </mc:Fallback>
-            </mc:AlternateContent>
-          </a:graphicData>
-        </a:graphic>
-      </p:graphicFrame>
-      <p:graphicFrame>
-        <p:nvGraphicFramePr>
-          <p:cNvPr id="6" name="Object 5"/>
-          <p:cNvGraphicFramePr>
-            <a:graphicFrameLocks noChangeAspect="1"/>
-          </p:cNvGraphicFramePr>
-          <p:nvPr>
-            <p:extLst>
-              <p:ext uri="{D42A27DB-BD31-4B8C-83A1-F6EECF244321}">
-                <p14:modId xmlns:p14="http://schemas.microsoft.com/office/powerpoint/2010/main" val="4250099121"/>
-              </p:ext>
-            </p:extLst>
-          </p:nvPr>
-        </p:nvGraphicFramePr>
-        <p:xfrm>
-          <a:off x="1600200" y="4114800"/>
-          <a:ext cx="609600" cy="1052945"/>
-        </p:xfrm>
-        <a:graphic>
-          <a:graphicData uri="http://schemas.openxmlformats.org/presentationml/2006/ole">
-            <mc:AlternateContent xmlns:mc="http://schemas.openxmlformats.org/markup-compatibility/2006">
-              <mc:Choice xmlns:v="urn:schemas-microsoft-com:vml" Requires="v">
-                <p:oleObj spid="_x0000_s1055" name="Equation" r:id="rId5" imgW="139700" imgH="241300" progId="Equation.DSMT4">
-                  <p:embed/>
-                </p:oleObj>
-              </mc:Choice>
-              <mc:Fallback>
-                <p:oleObj name="Equation" r:id="rId5" imgW="139700" imgH="241300" progId="Equation.DSMT4">
-                  <p:embed/>
-                  <p:pic>
-                    <p:nvPicPr>
-                      <p:cNvPr id="0" name=""/>
-                      <p:cNvPicPr/>
-                      <p:nvPr/>
-                    </p:nvPicPr>
-                    <p:blipFill>
-                      <a:blip r:embed="rId4"/>
-                      <a:stretch>
-                        <a:fillRect/>
-                      </a:stretch>
-                    </p:blipFill>
-                    <p:spPr>
-                      <a:xfrm>
-                        <a:off x="1600200" y="4114800"/>
-                        <a:ext cx="609600" cy="1052945"/>
-                      </a:xfrm>
-                      <a:prstGeom prst="rect">
-                        <a:avLst/>
-                      </a:prstGeom>
-                    </p:spPr>
-                  </p:pic>
-                </p:oleObj>
-              </mc:Fallback>
-            </mc:AlternateContent>
-          </a:graphicData>
-        </a:graphic>
-      </p:graphicFrame>
-      <p:graphicFrame>
-        <p:nvGraphicFramePr>
-          <p:cNvPr id="7" name="Object 6"/>
-          <p:cNvGraphicFramePr>
-            <a:graphicFrameLocks noChangeAspect="1"/>
-          </p:cNvGraphicFramePr>
-          <p:nvPr>
-            <p:extLst>
-              <p:ext uri="{D42A27DB-BD31-4B8C-83A1-F6EECF244321}">
-                <p14:modId xmlns:p14="http://schemas.microsoft.com/office/powerpoint/2010/main" val="2860605895"/>
-              </p:ext>
-            </p:extLst>
-          </p:nvPr>
-        </p:nvGraphicFramePr>
-        <p:xfrm>
-          <a:off x="3352800" y="4724400"/>
-          <a:ext cx="609600" cy="1052945"/>
-        </p:xfrm>
-        <a:graphic>
-          <a:graphicData uri="http://schemas.openxmlformats.org/presentationml/2006/ole">
-            <mc:AlternateContent xmlns:mc="http://schemas.openxmlformats.org/markup-compatibility/2006">
-              <mc:Choice xmlns:v="urn:schemas-microsoft-com:vml" Requires="v">
-                <p:oleObj spid="_x0000_s1056" name="Equation" r:id="rId6" imgW="139700" imgH="241300" progId="Equation.DSMT4">
-                  <p:embed/>
-                </p:oleObj>
-              </mc:Choice>
-              <mc:Fallback>
-                <p:oleObj name="Equation" r:id="rId6" imgW="139700" imgH="241300" progId="Equation.DSMT4">
-                  <p:embed/>
-                  <p:pic>
-                    <p:nvPicPr>
-                      <p:cNvPr id="0" name=""/>
-                      <p:cNvPicPr/>
-                      <p:nvPr/>
-                    </p:nvPicPr>
-                    <p:blipFill>
-                      <a:blip r:embed="rId4"/>
-                      <a:stretch>
-                        <a:fillRect/>
-                      </a:stretch>
-                    </p:blipFill>
-                    <p:spPr>
-                      <a:xfrm>
-                        <a:off x="3352800" y="4724400"/>
-                        <a:ext cx="609600" cy="1052945"/>
-                      </a:xfrm>
-                      <a:prstGeom prst="rect">
-                        <a:avLst/>
-                      </a:prstGeom>
-                    </p:spPr>
-                  </p:pic>
-                </p:oleObj>
-              </mc:Fallback>
-            </mc:AlternateContent>
-          </a:graphicData>
-        </a:graphic>
-      </p:graphicFrame>
-    </p:spTree>
-    <p:extLst>
-      <p:ext uri="{BB962C8B-B14F-4D97-AF65-F5344CB8AC3E}">
-        <p14:creationId xmlns:p14="http://schemas.microsoft.com/office/powerpoint/2010/main" val="1340510381"/>
-      </p:ext>
-    </p:extLst>
-  </p:cSld>
-  <p:clrMapOvr>
-    <a:masterClrMapping/>
-  </p:clrMapOvr>
-  <mc:AlternateContent xmlns:mc="http://schemas.openxmlformats.org/markup-compatibility/2006" xmlns:p14="http://schemas.microsoft.com/office/powerpoint/2010/main">
-    <mc:Choice Requires="p14">
-      <p:transition spd="slow" p14:dur="900" advClick="0">
-        <p:fade/>
-      </p:transition>
-    </mc:Choice>
-    <mc:Fallback xmlns="">
-      <p:transition xmlns:p14="http://schemas.microsoft.com/office/powerpoint/2010/main" spd="slow" advClick="0">
-        <p:fade/>
-      </p:transition>
-    </mc:Fallback>
-  </mc:AlternateContent>
-  <p:timing>
-    <p:tnLst>
-      <p:par>
-        <p:cTn xmlns:p14="http://schemas.microsoft.com/office/powerpoint/2010/main" id="1" dur="indefinite" restart="never" nodeType="tmRoot"/>
-      </p:par>
-    </p:tnLst>
-  </p:timing>
-</p:sld>
-</file>
-
 <file path=ppt/slides/slide2.xml><?xml version="1.0" encoding="utf-8"?>
-<p:sld xmlns:a="http://schemas.openxmlformats.org/drawingml/2006/main" xmlns:r="http://schemas.openxmlformats.org/officeDocument/2006/relationships" xmlns:p="http://schemas.openxmlformats.org/presentationml/2006/main">
+<p:sld xmlns:a="http://schemas.openxmlformats.org/drawingml/2006/main" xmlns:r="http://schemas.openxmlformats.org/officeDocument/2006/relationships" xmlns:p="http://schemas.openxmlformats.org/presentationml/2006/main" show="0">
   <p:cSld>
     <p:spTree>
       <p:nvGrpSpPr>
@@ -12829,15 +14049,7 @@
             </a:r>
             <a:r>
               <a:rPr lang="en-US" sz="4800" b="0" dirty="0" smtClean="0"/>
-              <a:t> Adding a single edge to </a:t>
-            </a:r>
-            <a:r>
-              <a:rPr lang="en-US" sz="4800" b="0" dirty="0" smtClean="0"/>
-              <a:t>a </a:t>
-            </a:r>
-            <a:r>
-              <a:rPr lang="en-US" sz="4800" b="0" dirty="0" smtClean="0"/>
-              <a:t>tree creates a unique cycle.</a:t>
+              <a:t> Adding a single edge to a tree creates a unique cycle.</a:t>
             </a:r>
             <a:endParaRPr lang="en-US" sz="4800" b="0" dirty="0"/>
           </a:p>
@@ -13170,7 +14382,444 @@
 </file>
 
 <file path=ppt/slides/slide20.xml><?xml version="1.0" encoding="utf-8"?>
-<p:sld xmlns:a="http://schemas.openxmlformats.org/drawingml/2006/main" xmlns:r="http://schemas.openxmlformats.org/officeDocument/2006/relationships" xmlns:p="http://schemas.openxmlformats.org/presentationml/2006/main">
+<p:sld xmlns:a="http://schemas.openxmlformats.org/drawingml/2006/main" xmlns:r="http://schemas.openxmlformats.org/officeDocument/2006/relationships" xmlns:p="http://schemas.openxmlformats.org/presentationml/2006/main" show="0">
+  <p:cSld>
+    <p:spTree>
+      <p:nvGrpSpPr>
+        <p:cNvPr id="1" name=""/>
+        <p:cNvGrpSpPr/>
+        <p:nvPr/>
+      </p:nvGrpSpPr>
+      <p:grpSpPr>
+        <a:xfrm>
+          <a:off x="0" y="0"/>
+          <a:ext cx="0" cy="0"/>
+          <a:chOff x="0" y="0"/>
+          <a:chExt cx="0" cy="0"/>
+        </a:xfrm>
+      </p:grpSpPr>
+      <p:sp>
+        <p:nvSpPr>
+          <p:cNvPr id="2" name="Title 1"/>
+          <p:cNvSpPr>
+            <a:spLocks noGrp="1"/>
+          </p:cNvSpPr>
+          <p:nvPr>
+            <p:ph type="title"/>
+          </p:nvPr>
+        </p:nvSpPr>
+        <p:spPr/>
+        <p:txBody>
+          <a:bodyPr/>
+          <a:lstStyle/>
+          <a:p>
+            <a:r>
+              <a:rPr lang="en-US" dirty="0">
+                <a:solidFill>
+                  <a:srgbClr val="000000"/>
+                </a:solidFill>
+              </a:rPr>
+              <a:t>C</a:t>
+            </a:r>
+            <a:r>
+              <a:rPr lang="en-US" dirty="0" smtClean="0">
+                <a:solidFill>
+                  <a:srgbClr val="000000"/>
+                </a:solidFill>
+              </a:rPr>
+              <a:t>ase: </a:t>
+            </a:r>
+            <a:r>
+              <a:rPr lang="en-US" dirty="0" smtClean="0">
+                <a:solidFill>
+                  <a:srgbClr val="0000E5"/>
+                </a:solidFill>
+              </a:rPr>
+              <a:t>e</a:t>
+            </a:r>
+            <a:r>
+              <a:rPr lang="en-US" dirty="0" smtClean="0">
+                <a:solidFill>
+                  <a:srgbClr val="000000"/>
+                </a:solidFill>
+              </a:rPr>
+              <a:t> not in </a:t>
+            </a:r>
+            <a:r>
+              <a:rPr lang="en-US" dirty="0" smtClean="0">
+                <a:solidFill>
+                  <a:srgbClr val="0000E5"/>
+                </a:solidFill>
+              </a:rPr>
+              <a:t>M</a:t>
+            </a:r>
+            <a:endParaRPr lang="en-US" dirty="0">
+              <a:solidFill>
+                <a:srgbClr val="000000"/>
+              </a:solidFill>
+              <a:cs typeface="Comic Sans MS"/>
+            </a:endParaRPr>
+          </a:p>
+        </p:txBody>
+      </p:sp>
+      <p:sp>
+        <p:nvSpPr>
+          <p:cNvPr id="3" name="Content Placeholder 2"/>
+          <p:cNvSpPr>
+            <a:spLocks noGrp="1"/>
+          </p:cNvSpPr>
+          <p:nvPr>
+            <p:ph idx="1"/>
+          </p:nvPr>
+        </p:nvSpPr>
+        <p:spPr>
+          <a:xfrm>
+            <a:off x="381000" y="1524000"/>
+            <a:ext cx="8382000" cy="4800600"/>
+          </a:xfrm>
+        </p:spPr>
+        <p:txBody>
+          <a:bodyPr/>
+          <a:lstStyle/>
+          <a:p>
+            <a:r>
+              <a:rPr lang="en-US" sz="4400" dirty="0" smtClean="0"/>
+              <a:t>Now</a:t>
+            </a:r>
+            <a:r>
+              <a:rPr lang="en-US" sz="4400" dirty="0" smtClean="0">
+                <a:solidFill>
+                  <a:srgbClr val="0000E5"/>
+                </a:solidFill>
+              </a:rPr>
+              <a:t> </a:t>
+            </a:r>
+            <a:r>
+              <a:rPr lang="en-US" sz="4400" dirty="0" err="1" smtClean="0">
+                <a:solidFill>
+                  <a:srgbClr val="0000E5"/>
+                </a:solidFill>
+              </a:rPr>
+              <a:t>M+e</a:t>
+            </a:r>
+            <a:r>
+              <a:rPr lang="en-US" sz="4400" dirty="0" smtClean="0"/>
+              <a:t> has a cycle composed of some path     in</a:t>
+            </a:r>
+            <a:r>
+              <a:rPr lang="en-US" sz="4400" dirty="0" smtClean="0">
+                <a:solidFill>
+                  <a:schemeClr val="accent5">
+                    <a:lumMod val="50000"/>
+                  </a:schemeClr>
+                </a:solidFill>
+              </a:rPr>
+              <a:t> M</a:t>
+            </a:r>
+            <a:r>
+              <a:rPr lang="en-US" sz="4400" dirty="0" smtClean="0"/>
+              <a:t> plus the edge </a:t>
+            </a:r>
+            <a:r>
+              <a:rPr lang="en-US" sz="4400" dirty="0" smtClean="0">
+                <a:solidFill>
+                  <a:srgbClr val="0000F1"/>
+                </a:solidFill>
+              </a:rPr>
+              <a:t>e</a:t>
+            </a:r>
+            <a:r>
+              <a:rPr lang="en-US" sz="4400" dirty="0" smtClean="0"/>
+              <a:t>.  Since </a:t>
+            </a:r>
+            <a:r>
+              <a:rPr lang="en-US" sz="4400" dirty="0" smtClean="0">
+                <a:solidFill>
+                  <a:schemeClr val="accent1">
+                    <a:lumMod val="50000"/>
+                  </a:schemeClr>
+                </a:solidFill>
+              </a:rPr>
+              <a:t>e</a:t>
+            </a:r>
+            <a:r>
+              <a:rPr lang="en-US" sz="4400" dirty="0" smtClean="0"/>
+              <a:t> is gray in some coloring of </a:t>
+            </a:r>
+            <a:r>
+              <a:rPr lang="en-US" sz="4400" dirty="0" smtClean="0">
+                <a:solidFill>
+                  <a:srgbClr val="0000E5"/>
+                </a:solidFill>
+              </a:rPr>
+              <a:t>F</a:t>
+            </a:r>
+            <a:r>
+              <a:rPr lang="en-US" sz="4400" dirty="0" smtClean="0"/>
+              <a:t>, </a:t>
+            </a:r>
+            <a:r>
+              <a:rPr lang="en-US" sz="4400" dirty="0"/>
+              <a:t>t</a:t>
+            </a:r>
+            <a:r>
+              <a:rPr lang="en-US" sz="4400" dirty="0" smtClean="0"/>
+              <a:t>he ends of     would have different colors, so     must have a gray edge </a:t>
+            </a:r>
+            <a:r>
+              <a:rPr lang="en-US" sz="4400" dirty="0" smtClean="0">
+                <a:solidFill>
+                  <a:srgbClr val="0000E5"/>
+                </a:solidFill>
+              </a:rPr>
+              <a:t>g</a:t>
+            </a:r>
+            <a:r>
+              <a:rPr lang="en-US" sz="4400" dirty="0" smtClean="0"/>
+              <a:t>.</a:t>
+            </a:r>
+            <a:endParaRPr lang="en-US" sz="4400" dirty="0"/>
+          </a:p>
+        </p:txBody>
+      </p:sp>
+      <p:sp>
+        <p:nvSpPr>
+          <p:cNvPr id="4" name="Slide Number Placeholder 3"/>
+          <p:cNvSpPr>
+            <a:spLocks noGrp="1"/>
+          </p:cNvSpPr>
+          <p:nvPr>
+            <p:ph type="sldNum" sz="quarter" idx="4"/>
+          </p:nvPr>
+        </p:nvSpPr>
+        <p:spPr/>
+        <p:txBody>
+          <a:bodyPr/>
+          <a:lstStyle/>
+          <a:p>
+            <a:pPr>
+              <a:defRPr/>
+            </a:pPr>
+            <a:r>
+              <a:rPr lang="en-US" smtClean="0"/>
+              <a:t>connected.</a:t>
+            </a:r>
+            <a:fld id="{D7F2FC53-1536-41A9-A9C1-2199CF803E30}" type="slidenum">
+              <a:rPr lang="en-US" smtClean="0"/>
+              <a:pPr>
+                <a:defRPr/>
+              </a:pPr>
+              <a:t>20</a:t>
+            </a:fld>
+            <a:endParaRPr lang="en-US" dirty="0"/>
+          </a:p>
+        </p:txBody>
+      </p:sp>
+      <p:graphicFrame>
+        <p:nvGraphicFramePr>
+          <p:cNvPr id="5" name="Object 4"/>
+          <p:cNvGraphicFramePr>
+            <a:graphicFrameLocks noChangeAspect="1"/>
+          </p:cNvGraphicFramePr>
+          <p:nvPr>
+            <p:extLst>
+              <p:ext uri="{D42A27DB-BD31-4B8C-83A1-F6EECF244321}">
+                <p14:modId xmlns:p14="http://schemas.microsoft.com/office/powerpoint/2010/main" val="1875860477"/>
+              </p:ext>
+            </p:extLst>
+          </p:nvPr>
+        </p:nvGraphicFramePr>
+        <p:xfrm>
+          <a:off x="4343400" y="2071255"/>
+          <a:ext cx="609600" cy="1052945"/>
+        </p:xfrm>
+        <a:graphic>
+          <a:graphicData uri="http://schemas.openxmlformats.org/presentationml/2006/ole">
+            <mc:AlternateContent xmlns:mc="http://schemas.openxmlformats.org/markup-compatibility/2006">
+              <mc:Choice xmlns:v="urn:schemas-microsoft-com:vml" Requires="v">
+                <p:oleObj spid="_x0000_s1071" name="Equation" r:id="rId3" imgW="139700" imgH="241300" progId="Equation.DSMT4">
+                  <p:embed/>
+                </p:oleObj>
+              </mc:Choice>
+              <mc:Fallback>
+                <p:oleObj name="Equation" r:id="rId3" imgW="139700" imgH="241300" progId="Equation.DSMT4">
+                  <p:embed/>
+                  <p:pic>
+                    <p:nvPicPr>
+                      <p:cNvPr id="0" name=""/>
+                      <p:cNvPicPr/>
+                      <p:nvPr/>
+                    </p:nvPicPr>
+                    <p:blipFill>
+                      <a:blip r:embed="rId4"/>
+                      <a:stretch>
+                        <a:fillRect/>
+                      </a:stretch>
+                    </p:blipFill>
+                    <p:spPr>
+                      <a:xfrm>
+                        <a:off x="4343400" y="2071255"/>
+                        <a:ext cx="609600" cy="1052945"/>
+                      </a:xfrm>
+                      <a:prstGeom prst="rect">
+                        <a:avLst/>
+                      </a:prstGeom>
+                    </p:spPr>
+                  </p:pic>
+                </p:oleObj>
+              </mc:Fallback>
+            </mc:AlternateContent>
+          </a:graphicData>
+        </a:graphic>
+      </p:graphicFrame>
+      <p:graphicFrame>
+        <p:nvGraphicFramePr>
+          <p:cNvPr id="6" name="Object 5"/>
+          <p:cNvGraphicFramePr>
+            <a:graphicFrameLocks noChangeAspect="1"/>
+          </p:cNvGraphicFramePr>
+          <p:nvPr>
+            <p:extLst>
+              <p:ext uri="{D42A27DB-BD31-4B8C-83A1-F6EECF244321}">
+                <p14:modId xmlns:p14="http://schemas.microsoft.com/office/powerpoint/2010/main" val="4250099121"/>
+              </p:ext>
+            </p:extLst>
+          </p:nvPr>
+        </p:nvGraphicFramePr>
+        <p:xfrm>
+          <a:off x="1600200" y="4114800"/>
+          <a:ext cx="609600" cy="1052945"/>
+        </p:xfrm>
+        <a:graphic>
+          <a:graphicData uri="http://schemas.openxmlformats.org/presentationml/2006/ole">
+            <mc:AlternateContent xmlns:mc="http://schemas.openxmlformats.org/markup-compatibility/2006">
+              <mc:Choice xmlns:v="urn:schemas-microsoft-com:vml" Requires="v">
+                <p:oleObj spid="_x0000_s1072" name="Equation" r:id="rId5" imgW="139700" imgH="241300" progId="Equation.DSMT4">
+                  <p:embed/>
+                </p:oleObj>
+              </mc:Choice>
+              <mc:Fallback>
+                <p:oleObj name="Equation" r:id="rId5" imgW="139700" imgH="241300" progId="Equation.DSMT4">
+                  <p:embed/>
+                  <p:pic>
+                    <p:nvPicPr>
+                      <p:cNvPr id="0" name=""/>
+                      <p:cNvPicPr/>
+                      <p:nvPr/>
+                    </p:nvPicPr>
+                    <p:blipFill>
+                      <a:blip r:embed="rId4"/>
+                      <a:stretch>
+                        <a:fillRect/>
+                      </a:stretch>
+                    </p:blipFill>
+                    <p:spPr>
+                      <a:xfrm>
+                        <a:off x="1600200" y="4114800"/>
+                        <a:ext cx="609600" cy="1052945"/>
+                      </a:xfrm>
+                      <a:prstGeom prst="rect">
+                        <a:avLst/>
+                      </a:prstGeom>
+                    </p:spPr>
+                  </p:pic>
+                </p:oleObj>
+              </mc:Fallback>
+            </mc:AlternateContent>
+          </a:graphicData>
+        </a:graphic>
+      </p:graphicFrame>
+      <p:graphicFrame>
+        <p:nvGraphicFramePr>
+          <p:cNvPr id="7" name="Object 6"/>
+          <p:cNvGraphicFramePr>
+            <a:graphicFrameLocks noChangeAspect="1"/>
+          </p:cNvGraphicFramePr>
+          <p:nvPr>
+            <p:extLst>
+              <p:ext uri="{D42A27DB-BD31-4B8C-83A1-F6EECF244321}">
+                <p14:modId xmlns:p14="http://schemas.microsoft.com/office/powerpoint/2010/main" val="2860605895"/>
+              </p:ext>
+            </p:extLst>
+          </p:nvPr>
+        </p:nvGraphicFramePr>
+        <p:xfrm>
+          <a:off x="3352800" y="4724400"/>
+          <a:ext cx="609600" cy="1052945"/>
+        </p:xfrm>
+        <a:graphic>
+          <a:graphicData uri="http://schemas.openxmlformats.org/presentationml/2006/ole">
+            <mc:AlternateContent xmlns:mc="http://schemas.openxmlformats.org/markup-compatibility/2006">
+              <mc:Choice xmlns:v="urn:schemas-microsoft-com:vml" Requires="v">
+                <p:oleObj spid="_x0000_s1073" name="Equation" r:id="rId6" imgW="139700" imgH="241300" progId="Equation.DSMT4">
+                  <p:embed/>
+                </p:oleObj>
+              </mc:Choice>
+              <mc:Fallback>
+                <p:oleObj name="Equation" r:id="rId6" imgW="139700" imgH="241300" progId="Equation.DSMT4">
+                  <p:embed/>
+                  <p:pic>
+                    <p:nvPicPr>
+                      <p:cNvPr id="0" name=""/>
+                      <p:cNvPicPr/>
+                      <p:nvPr/>
+                    </p:nvPicPr>
+                    <p:blipFill>
+                      <a:blip r:embed="rId4"/>
+                      <a:stretch>
+                        <a:fillRect/>
+                      </a:stretch>
+                    </p:blipFill>
+                    <p:spPr>
+                      <a:xfrm>
+                        <a:off x="3352800" y="4724400"/>
+                        <a:ext cx="609600" cy="1052945"/>
+                      </a:xfrm>
+                      <a:prstGeom prst="rect">
+                        <a:avLst/>
+                      </a:prstGeom>
+                    </p:spPr>
+                  </p:pic>
+                </p:oleObj>
+              </mc:Fallback>
+            </mc:AlternateContent>
+          </a:graphicData>
+        </a:graphic>
+      </p:graphicFrame>
+    </p:spTree>
+    <p:extLst>
+      <p:ext uri="{BB962C8B-B14F-4D97-AF65-F5344CB8AC3E}">
+        <p14:creationId xmlns:p14="http://schemas.microsoft.com/office/powerpoint/2010/main" val="1340510381"/>
+      </p:ext>
+    </p:extLst>
+  </p:cSld>
+  <p:clrMapOvr>
+    <a:masterClrMapping/>
+  </p:clrMapOvr>
+  <mc:AlternateContent xmlns:mc="http://schemas.openxmlformats.org/markup-compatibility/2006">
+    <mc:Choice xmlns:p14="http://schemas.microsoft.com/office/powerpoint/2010/main" Requires="p14">
+      <p:transition spd="slow" p14:dur="900" advClick="0">
+        <p:fade/>
+      </p:transition>
+    </mc:Choice>
+    <mc:Fallback>
+      <p:transition xmlns:p14="http://schemas.microsoft.com/office/powerpoint/2010/main" spd="slow" advClick="0">
+        <p:fade/>
+      </p:transition>
+    </mc:Fallback>
+  </mc:AlternateContent>
+  <p:timing>
+    <p:tnLst>
+      <p:par>
+        <p:cTn xmlns:p14="http://schemas.microsoft.com/office/powerpoint/2010/main" id="1" dur="indefinite" restart="never" nodeType="tmRoot"/>
+      </p:par>
+    </p:tnLst>
+  </p:timing>
+</p:sld>
+</file>
+
+<file path=ppt/slides/slide21.xml><?xml version="1.0" encoding="utf-8"?>
+<p:sld xmlns:a="http://schemas.openxmlformats.org/drawingml/2006/main" xmlns:r="http://schemas.openxmlformats.org/officeDocument/2006/relationships" xmlns:p="http://schemas.openxmlformats.org/presentationml/2006/main" show="0">
   <p:cSld>
     <p:spTree>
       <p:nvGrpSpPr>
@@ -13221,7 +14870,7 @@
               <a:pPr>
                 <a:defRPr/>
               </a:pPr>
-              <a:t>20</a:t>
+              <a:t>21</a:t>
             </a:fld>
             <a:endParaRPr lang="en-US" sz="1200" dirty="0"/>
           </a:p>
@@ -14335,13 +15984,13 @@
   <p:clrMapOvr>
     <a:masterClrMapping/>
   </p:clrMapOvr>
-  <mc:AlternateContent xmlns:mc="http://schemas.openxmlformats.org/markup-compatibility/2006" xmlns:p14="http://schemas.microsoft.com/office/powerpoint/2010/main">
-    <mc:Choice Requires="p14">
+  <mc:AlternateContent xmlns:mc="http://schemas.openxmlformats.org/markup-compatibility/2006">
+    <mc:Choice xmlns:p14="http://schemas.microsoft.com/office/powerpoint/2010/main" Requires="p14">
       <p:transition spd="slow" p14:dur="900" advClick="0">
         <p:fade/>
       </p:transition>
     </mc:Choice>
-    <mc:Fallback xmlns="">
+    <mc:Fallback>
       <p:transition xmlns:p14="http://schemas.microsoft.com/office/powerpoint/2010/main" spd="slow" advClick="0">
         <p:fade/>
       </p:transition>
@@ -15207,8 +16856,8 @@
 </p:sld>
 </file>
 
-<file path=ppt/slides/slide21.xml><?xml version="1.0" encoding="utf-8"?>
-<p:sld xmlns:a="http://schemas.openxmlformats.org/drawingml/2006/main" xmlns:r="http://schemas.openxmlformats.org/officeDocument/2006/relationships" xmlns:p="http://schemas.openxmlformats.org/presentationml/2006/main">
+<file path=ppt/slides/slide22.xml><?xml version="1.0" encoding="utf-8"?>
+<p:sld xmlns:a="http://schemas.openxmlformats.org/drawingml/2006/main" xmlns:r="http://schemas.openxmlformats.org/officeDocument/2006/relationships" xmlns:p="http://schemas.openxmlformats.org/presentationml/2006/main" show="0">
   <p:cSld>
     <p:spTree>
       <p:nvGrpSpPr>
@@ -15259,7 +16908,7 @@
               <a:pPr>
                 <a:defRPr/>
               </a:pPr>
-              <a:t>21</a:t>
+              <a:t>22</a:t>
             </a:fld>
             <a:endParaRPr lang="en-US" sz="1200" dirty="0"/>
           </a:p>
@@ -15416,13 +17065,13 @@
   <p:clrMapOvr>
     <a:masterClrMapping/>
   </p:clrMapOvr>
-  <mc:AlternateContent xmlns:mc="http://schemas.openxmlformats.org/markup-compatibility/2006" xmlns:p14="http://schemas.microsoft.com/office/powerpoint/2010/main">
-    <mc:Choice Requires="p14">
+  <mc:AlternateContent xmlns:mc="http://schemas.openxmlformats.org/markup-compatibility/2006">
+    <mc:Choice xmlns:p14="http://schemas.microsoft.com/office/powerpoint/2010/main" Requires="p14">
       <p:transition spd="slow" p14:dur="900" advClick="0">
         <p:fade/>
       </p:transition>
     </mc:Choice>
-    <mc:Fallback xmlns="">
+    <mc:Fallback>
       <p:transition xmlns:p14="http://schemas.microsoft.com/office/powerpoint/2010/main" spd="slow" advClick="0">
         <p:fade/>
       </p:transition>
@@ -15438,8 +17087,8 @@
 </p:sld>
 </file>
 
-<file path=ppt/slides/slide22.xml><?xml version="1.0" encoding="utf-8"?>
-<p:sld xmlns:a="http://schemas.openxmlformats.org/drawingml/2006/main" xmlns:r="http://schemas.openxmlformats.org/officeDocument/2006/relationships" xmlns:p="http://schemas.openxmlformats.org/presentationml/2006/main">
+<file path=ppt/slides/slide23.xml><?xml version="1.0" encoding="utf-8"?>
+<p:sld xmlns:a="http://schemas.openxmlformats.org/drawingml/2006/main" xmlns:r="http://schemas.openxmlformats.org/officeDocument/2006/relationships" xmlns:p="http://schemas.openxmlformats.org/presentationml/2006/main" show="0">
   <p:cSld>
     <p:spTree>
       <p:nvGrpSpPr>
@@ -15490,7 +17139,7 @@
               <a:pPr>
                 <a:defRPr/>
               </a:pPr>
-              <a:t>22</a:t>
+              <a:t>23</a:t>
             </a:fld>
             <a:endParaRPr lang="en-US" sz="1200" dirty="0"/>
           </a:p>
@@ -15598,13 +17247,13 @@
   <p:clrMapOvr>
     <a:masterClrMapping/>
   </p:clrMapOvr>
-  <mc:AlternateContent xmlns:mc="http://schemas.openxmlformats.org/markup-compatibility/2006" xmlns:p14="http://schemas.microsoft.com/office/powerpoint/2010/main">
-    <mc:Choice Requires="p14">
+  <mc:AlternateContent xmlns:mc="http://schemas.openxmlformats.org/markup-compatibility/2006">
+    <mc:Choice xmlns:p14="http://schemas.microsoft.com/office/powerpoint/2010/main" Requires="p14">
       <p:transition spd="slow" p14:dur="900" advClick="0">
         <p:fade/>
       </p:transition>
     </mc:Choice>
-    <mc:Fallback xmlns="">
+    <mc:Fallback>
       <p:transition xmlns:p14="http://schemas.microsoft.com/office/powerpoint/2010/main" spd="slow" advClick="0">
         <p:fade/>
       </p:transition>
@@ -15620,8 +17269,8 @@
 </p:sld>
 </file>
 
-<file path=ppt/slides/slide23.xml><?xml version="1.0" encoding="utf-8"?>
-<p:sld xmlns:a="http://schemas.openxmlformats.org/drawingml/2006/main" xmlns:r="http://schemas.openxmlformats.org/officeDocument/2006/relationships" xmlns:p="http://schemas.openxmlformats.org/presentationml/2006/main">
+<file path=ppt/slides/slide24.xml><?xml version="1.0" encoding="utf-8"?>
+<p:sld xmlns:a="http://schemas.openxmlformats.org/drawingml/2006/main" xmlns:r="http://schemas.openxmlformats.org/officeDocument/2006/relationships" xmlns:p="http://schemas.openxmlformats.org/presentationml/2006/main" show="0">
   <p:cSld>
     <p:spTree>
       <p:nvGrpSpPr>
@@ -15672,7 +17321,7 @@
               <a:pPr>
                 <a:defRPr/>
               </a:pPr>
-              <a:t>23</a:t>
+              <a:t>24</a:t>
             </a:fld>
             <a:endParaRPr lang="en-US" sz="1200" dirty="0"/>
           </a:p>
@@ -15935,13 +17584,13 @@
   <p:clrMapOvr>
     <a:masterClrMapping/>
   </p:clrMapOvr>
-  <mc:AlternateContent xmlns:mc="http://schemas.openxmlformats.org/markup-compatibility/2006" xmlns:p14="http://schemas.microsoft.com/office/powerpoint/2010/main">
-    <mc:Choice Requires="p14">
+  <mc:AlternateContent xmlns:mc="http://schemas.openxmlformats.org/markup-compatibility/2006">
+    <mc:Choice xmlns:p14="http://schemas.microsoft.com/office/powerpoint/2010/main" Requires="p14">
       <p:transition spd="slow" p14:dur="900" advClick="0">
         <p:fade/>
       </p:transition>
     </mc:Choice>
-    <mc:Fallback xmlns="">
+    <mc:Fallback>
       <p:transition xmlns:p14="http://schemas.microsoft.com/office/powerpoint/2010/main" spd="slow" advClick="0">
         <p:fade/>
       </p:transition>
@@ -15957,7 +17606,7 @@
 </p:sld>
 </file>
 
-<file path=ppt/slides/slide24.xml><?xml version="1.0" encoding="utf-8"?>
+<file path=ppt/slides/slide25.xml><?xml version="1.0" encoding="utf-8"?>
 <p:sld xmlns:a="http://schemas.openxmlformats.org/drawingml/2006/main" xmlns:r="http://schemas.openxmlformats.org/officeDocument/2006/relationships" xmlns:p="http://schemas.openxmlformats.org/presentationml/2006/main">
   <p:cSld>
     <p:spTree>
@@ -16084,7 +17733,7 @@
               <a:pPr>
                 <a:defRPr/>
               </a:pPr>
-              <a:t>24</a:t>
+              <a:t>25</a:t>
             </a:fld>
             <a:endParaRPr lang="en-US" dirty="0"/>
           </a:p>
@@ -16584,7 +18233,7 @@
 </file>
 
 <file path=ppt/slides/slide3.xml><?xml version="1.0" encoding="utf-8"?>
-<p:sld xmlns:a="http://schemas.openxmlformats.org/drawingml/2006/main" xmlns:r="http://schemas.openxmlformats.org/officeDocument/2006/relationships" xmlns:p="http://schemas.openxmlformats.org/presentationml/2006/main">
+<p:sld xmlns:a="http://schemas.openxmlformats.org/drawingml/2006/main" xmlns:r="http://schemas.openxmlformats.org/officeDocument/2006/relationships" xmlns:p="http://schemas.openxmlformats.org/presentationml/2006/main" show="0">
   <p:cSld>
     <p:spTree>
       <p:nvGrpSpPr>
@@ -19205,13 +20854,13 @@
   <p:clrMapOvr>
     <a:masterClrMapping/>
   </p:clrMapOvr>
-  <mc:AlternateContent xmlns:mc="http://schemas.openxmlformats.org/markup-compatibility/2006" xmlns:p14="http://schemas.microsoft.com/office/powerpoint/2010/main">
-    <mc:Choice Requires="p14">
+  <mc:AlternateContent xmlns:mc="http://schemas.openxmlformats.org/markup-compatibility/2006">
+    <mc:Choice xmlns:p14="http://schemas.microsoft.com/office/powerpoint/2010/main" Requires="p14">
       <p:transition spd="slow" p14:dur="900" advClick="0">
         <p:fade/>
       </p:transition>
     </mc:Choice>
-    <mc:Fallback xmlns="">
+    <mc:Fallback>
       <p:transition xmlns:p14="http://schemas.microsoft.com/office/powerpoint/2010/main" spd="slow" advClick="0">
         <p:fade/>
       </p:transition>
@@ -19571,7 +21220,7 @@
 </file>
 
 <file path=ppt/slides/slide4.xml><?xml version="1.0" encoding="utf-8"?>
-<p:sld xmlns:a="http://schemas.openxmlformats.org/drawingml/2006/main" xmlns:r="http://schemas.openxmlformats.org/officeDocument/2006/relationships" xmlns:p="http://schemas.openxmlformats.org/presentationml/2006/main">
+<p:sld xmlns:a="http://schemas.openxmlformats.org/drawingml/2006/main" xmlns:r="http://schemas.openxmlformats.org/officeDocument/2006/relationships" xmlns:p="http://schemas.openxmlformats.org/presentationml/2006/main" show="0">
   <p:cSld>
     <p:spTree>
       <p:nvGrpSpPr>
@@ -22277,7 +23926,7 @@
 </file>
 
 <file path=ppt/slides/slide5.xml><?xml version="1.0" encoding="utf-8"?>
-<p:sld xmlns:a="http://schemas.openxmlformats.org/drawingml/2006/main" xmlns:r="http://schemas.openxmlformats.org/officeDocument/2006/relationships" xmlns:p="http://schemas.openxmlformats.org/presentationml/2006/main">
+<p:sld xmlns:a="http://schemas.openxmlformats.org/drawingml/2006/main" xmlns:r="http://schemas.openxmlformats.org/officeDocument/2006/relationships" xmlns:p="http://schemas.openxmlformats.org/presentationml/2006/main" show="0">
   <p:cSld>
     <p:spTree>
       <p:nvGrpSpPr>
@@ -22324,15 +23973,7 @@
             </a:r>
             <a:r>
               <a:rPr lang="en-US" sz="4800" b="0" dirty="0" smtClean="0"/>
-              <a:t> Adding a single edge to </a:t>
-            </a:r>
-            <a:r>
-              <a:rPr lang="en-US" sz="4800" b="0" dirty="0" smtClean="0"/>
-              <a:t>a </a:t>
-            </a:r>
-            <a:r>
-              <a:rPr lang="en-US" sz="4800" b="0" dirty="0" smtClean="0"/>
-              <a:t>tree creates a unique cycle.</a:t>
+              <a:t> Adding a single edge to a tree creates a unique cycle.</a:t>
             </a:r>
             <a:endParaRPr lang="en-US" sz="4800" b="0" dirty="0"/>
           </a:p>
@@ -22588,11 +24229,7 @@
           <a:p>
             <a:r>
               <a:rPr lang="en-US" sz="4800" dirty="0" smtClean="0"/>
-              <a:t>cycle yields another </a:t>
-            </a:r>
-            <a:r>
-              <a:rPr lang="en-US" sz="4800" dirty="0" smtClean="0"/>
-              <a:t>tree.</a:t>
+              <a:t>cycle yields another tree.</a:t>
             </a:r>
             <a:endParaRPr lang="en-US" sz="4800" dirty="0"/>
           </a:p>
@@ -22701,7 +24338,7 @@
 </file>
 
 <file path=ppt/slides/slide6.xml><?xml version="1.0" encoding="utf-8"?>
-<p:sld xmlns:a="http://schemas.openxmlformats.org/drawingml/2006/main" xmlns:r="http://schemas.openxmlformats.org/officeDocument/2006/relationships" xmlns:p="http://schemas.openxmlformats.org/presentationml/2006/main">
+<p:sld xmlns:a="http://schemas.openxmlformats.org/drawingml/2006/main" xmlns:r="http://schemas.openxmlformats.org/officeDocument/2006/relationships" xmlns:p="http://schemas.openxmlformats.org/presentationml/2006/main" show="0">
   <p:cSld>
     <p:spTree>
       <p:nvGrpSpPr>
@@ -26111,36 +27748,6 @@
       </p:cxnSp>
       <p:cxnSp>
         <p:nvCxnSpPr>
-          <p:cNvPr id="44" name="Straight Connector 43"/>
-          <p:cNvCxnSpPr>
-            <a:stCxn id="30" idx="3"/>
-            <a:endCxn id="29" idx="7"/>
-          </p:cNvCxnSpPr>
-          <p:nvPr/>
-        </p:nvCxnSpPr>
-        <p:spPr bwMode="auto">
-          <a:xfrm flipH="1">
-            <a:off x="1425482" y="1730282"/>
-            <a:ext cx="1111436" cy="1416237"/>
-          </a:xfrm>
-          <a:prstGeom prst="line">
-            <a:avLst/>
-          </a:prstGeom>
-          <a:noFill/>
-          <a:ln w="38100" cap="flat" cmpd="sng" algn="ctr">
-            <a:solidFill>
-              <a:schemeClr val="tx1"/>
-            </a:solidFill>
-            <a:prstDash val="solid"/>
-            <a:round/>
-            <a:headEnd type="none" w="med" len="med"/>
-            <a:tailEnd type="none" w="lg" len="lg"/>
-          </a:ln>
-          <a:effectLst/>
-        </p:spPr>
-      </p:cxnSp>
-      <p:cxnSp>
-        <p:nvCxnSpPr>
           <p:cNvPr id="78" name="Straight Connector 77"/>
           <p:cNvCxnSpPr>
             <a:stCxn id="85" idx="3"/>
@@ -26350,2718 +27957,6 @@
                 <a:defRPr/>
               </a:pPr>
               <a:t>7</a:t>
-            </a:fld>
-            <a:endParaRPr lang="en-US" dirty="0"/>
-          </a:p>
-        </p:txBody>
-      </p:sp>
-      <p:sp>
-        <p:nvSpPr>
-          <p:cNvPr id="51" name="TextBox 50"/>
-          <p:cNvSpPr txBox="1"/>
-          <p:nvPr/>
-        </p:nvSpPr>
-        <p:spPr>
-          <a:xfrm>
-            <a:off x="5486400" y="3421559"/>
-            <a:ext cx="762000" cy="769441"/>
-          </a:xfrm>
-          <a:prstGeom prst="rect">
-            <a:avLst/>
-          </a:prstGeom>
-          <a:noFill/>
-        </p:spPr>
-        <p:txBody>
-          <a:bodyPr wrap="square" rtlCol="0">
-            <a:spAutoFit/>
-          </a:bodyPr>
-          <a:lstStyle/>
-          <a:p>
-            <a:r>
-              <a:rPr lang="en-US" sz="4400" dirty="0">
-                <a:solidFill>
-                  <a:srgbClr val="FF0000"/>
-                </a:solidFill>
-              </a:rPr>
-              <a:t>e</a:t>
-            </a:r>
-          </a:p>
-        </p:txBody>
-      </p:sp>
-      <p:sp>
-        <p:nvSpPr>
-          <p:cNvPr id="128" name="Freeform 127"/>
-          <p:cNvSpPr/>
-          <p:nvPr/>
-        </p:nvSpPr>
-        <p:spPr>
-          <a:xfrm>
-            <a:off x="4318000" y="2354385"/>
-            <a:ext cx="635000" cy="644769"/>
-          </a:xfrm>
-          <a:custGeom>
-            <a:avLst/>
-            <a:gdLst>
-              <a:gd name="connsiteX0" fmla="*/ 635000 w 635000"/>
-              <a:gd name="connsiteY0" fmla="*/ 644769 h 644769"/>
-              <a:gd name="connsiteX1" fmla="*/ 0 w 635000"/>
-              <a:gd name="connsiteY1" fmla="*/ 0 h 644769"/>
-              <a:gd name="connsiteX2" fmla="*/ 0 w 635000"/>
-              <a:gd name="connsiteY2" fmla="*/ 0 h 644769"/>
-            </a:gdLst>
-            <a:ahLst/>
-            <a:cxnLst>
-              <a:cxn ang="0">
-                <a:pos x="connsiteX0" y="connsiteY0"/>
-              </a:cxn>
-              <a:cxn ang="0">
-                <a:pos x="connsiteX1" y="connsiteY1"/>
-              </a:cxn>
-              <a:cxn ang="0">
-                <a:pos x="connsiteX2" y="connsiteY2"/>
-              </a:cxn>
-            </a:cxnLst>
-            <a:rect l="l" t="t" r="r" b="b"/>
-            <a:pathLst>
-              <a:path w="635000" h="644769">
-                <a:moveTo>
-                  <a:pt x="635000" y="644769"/>
-                </a:moveTo>
-                <a:lnTo>
-                  <a:pt x="0" y="0"/>
-                </a:lnTo>
-                <a:lnTo>
-                  <a:pt x="0" y="0"/>
-                </a:lnTo>
-              </a:path>
-            </a:pathLst>
-          </a:custGeom>
-        </p:spPr>
-        <p:txBody>
-          <a:bodyPr rtlCol="0" anchor="ctr"/>
-          <a:lstStyle/>
-          <a:p>
-            <a:pPr algn="ctr"/>
-            <a:endParaRPr lang="en-US"/>
-          </a:p>
-        </p:txBody>
-      </p:sp>
-      <p:cxnSp>
-        <p:nvCxnSpPr>
-          <p:cNvPr id="138" name="Straight Connector 137"/>
-          <p:cNvCxnSpPr>
-            <a:stCxn id="8" idx="4"/>
-            <a:endCxn id="5" idx="0"/>
-          </p:cNvCxnSpPr>
-          <p:nvPr/>
-        </p:nvCxnSpPr>
-        <p:spPr bwMode="auto">
-          <a:xfrm>
-            <a:off x="5334000" y="2895600"/>
-            <a:ext cx="228600" cy="2438400"/>
-          </a:xfrm>
-          <a:prstGeom prst="line">
-            <a:avLst/>
-          </a:prstGeom>
-          <a:noFill/>
-          <a:ln w="38100" cap="flat" cmpd="sng" algn="ctr">
-            <a:solidFill>
-              <a:srgbClr val="FF00FF"/>
-            </a:solidFill>
-            <a:prstDash val="solid"/>
-            <a:round/>
-            <a:headEnd type="none" w="med" len="med"/>
-            <a:tailEnd type="none" w="lg" len="lg"/>
-          </a:ln>
-          <a:effectLst/>
-        </p:spPr>
-      </p:cxnSp>
-      <p:sp>
-        <p:nvSpPr>
-          <p:cNvPr id="144" name="TextBox 143"/>
-          <p:cNvSpPr txBox="1"/>
-          <p:nvPr/>
-        </p:nvSpPr>
-        <p:spPr>
-          <a:xfrm>
-            <a:off x="1905000" y="3276600"/>
-            <a:ext cx="486356" cy="769441"/>
-          </a:xfrm>
-          <a:prstGeom prst="rect">
-            <a:avLst/>
-          </a:prstGeom>
-          <a:noFill/>
-        </p:spPr>
-        <p:txBody>
-          <a:bodyPr wrap="none" rtlCol="0">
-            <a:spAutoFit/>
-          </a:bodyPr>
-          <a:lstStyle/>
-          <a:p>
-            <a:r>
-              <a:rPr lang="en-US" sz="4400" dirty="0" smtClean="0">
-                <a:solidFill>
-                  <a:srgbClr val="0000FF"/>
-                </a:solidFill>
-              </a:rPr>
-              <a:t>p</a:t>
-            </a:r>
-            <a:endParaRPr lang="en-US" sz="4400" dirty="0">
-              <a:solidFill>
-                <a:srgbClr val="0000FF"/>
-              </a:solidFill>
-            </a:endParaRPr>
-          </a:p>
-        </p:txBody>
-      </p:sp>
-      <p:grpSp>
-        <p:nvGrpSpPr>
-          <p:cNvPr id="12" name="Group 11"/>
-          <p:cNvGrpSpPr/>
-          <p:nvPr/>
-        </p:nvGrpSpPr>
-        <p:grpSpPr>
-          <a:xfrm>
-            <a:off x="5410200" y="2819400"/>
-            <a:ext cx="1371600" cy="838200"/>
-            <a:chOff x="5410200" y="2819400"/>
-            <a:chExt cx="1371600" cy="838200"/>
-          </a:xfrm>
-        </p:grpSpPr>
-        <p:cxnSp>
-          <p:nvCxnSpPr>
-            <p:cNvPr id="145" name="Straight Connector 144"/>
-            <p:cNvCxnSpPr>
-              <a:endCxn id="8" idx="6"/>
-            </p:cNvCxnSpPr>
-            <p:nvPr/>
-          </p:nvCxnSpPr>
-          <p:spPr bwMode="auto">
-            <a:xfrm flipH="1" flipV="1">
-              <a:off x="5410200" y="2819400"/>
-              <a:ext cx="1295400" cy="762000"/>
-            </a:xfrm>
-            <a:prstGeom prst="line">
-              <a:avLst/>
-            </a:prstGeom>
-            <a:noFill/>
-            <a:ln w="38100" cap="flat" cmpd="sng" algn="ctr">
-              <a:solidFill>
-                <a:schemeClr val="tx1"/>
-              </a:solidFill>
-              <a:prstDash val="solid"/>
-              <a:round/>
-              <a:headEnd type="none" w="med" len="med"/>
-              <a:tailEnd type="none" w="lg" len="lg"/>
-            </a:ln>
-            <a:effectLst/>
-          </p:spPr>
-        </p:cxnSp>
-        <p:sp>
-          <p:nvSpPr>
-            <p:cNvPr id="42" name="Oval 41"/>
-            <p:cNvSpPr/>
-            <p:nvPr/>
-          </p:nvSpPr>
-          <p:spPr bwMode="auto">
-            <a:xfrm>
-              <a:off x="6629400" y="3505200"/>
-              <a:ext cx="152400" cy="152400"/>
-            </a:xfrm>
-            <a:prstGeom prst="ellipse">
-              <a:avLst/>
-            </a:prstGeom>
-            <a:solidFill>
-              <a:schemeClr val="tx1"/>
-            </a:solidFill>
-            <a:ln w="31750" cap="flat" cmpd="sng" algn="ctr">
-              <a:solidFill>
-                <a:schemeClr val="tx1"/>
-              </a:solidFill>
-              <a:prstDash val="solid"/>
-              <a:round/>
-              <a:headEnd type="none" w="med" len="med"/>
-              <a:tailEnd type="triangle" w="lg" len="lg"/>
-            </a:ln>
-            <a:effectLst/>
-          </p:spPr>
-          <p:txBody>
-            <a:bodyPr vert="horz" wrap="square" lIns="91440" tIns="45720" rIns="91440" bIns="45720" numCol="1" rtlCol="0" anchor="t" anchorCtr="0" compatLnSpc="1">
-              <a:prstTxWarp prst="textNoShape">
-                <a:avLst/>
-              </a:prstTxWarp>
-            </a:bodyPr>
-            <a:lstStyle/>
-            <a:p>
-              <a:pPr marL="0" marR="0" indent="0" algn="l" defTabSz="914400" rtl="0" eaLnBrk="1" fontAlgn="base" latinLnBrk="0" hangingPunct="1">
-                <a:lnSpc>
-                  <a:spcPct val="100000"/>
-                </a:lnSpc>
-                <a:spcBef>
-                  <a:spcPct val="0"/>
-                </a:spcBef>
-                <a:spcAft>
-                  <a:spcPct val="0"/>
-                </a:spcAft>
-                <a:buClrTx/>
-                <a:buSzTx/>
-                <a:buFontTx/>
-                <a:buNone/>
-                <a:tabLst/>
-              </a:pPr>
-              <a:endParaRPr kumimoji="0" lang="en-US" sz="3200" b="0" i="0" u="none" strike="noStrike" cap="none" normalizeH="0" baseline="0" smtClean="0">
-                <a:ln>
-                  <a:noFill/>
-                </a:ln>
-                <a:solidFill>
-                  <a:schemeClr val="tx1"/>
-                </a:solidFill>
-                <a:effectLst/>
-                <a:latin typeface="Comic Sans MS" pitchFamily="66" charset="0"/>
-              </a:endParaRPr>
-            </a:p>
-          </p:txBody>
-        </p:sp>
-      </p:grpSp>
-      <p:grpSp>
-        <p:nvGrpSpPr>
-          <p:cNvPr id="22" name="Group 21"/>
-          <p:cNvGrpSpPr/>
-          <p:nvPr/>
-        </p:nvGrpSpPr>
-        <p:grpSpPr>
-          <a:xfrm>
-            <a:off x="4213318" y="6096000"/>
-            <a:ext cx="892082" cy="457200"/>
-            <a:chOff x="4213318" y="6096000"/>
-            <a:chExt cx="892082" cy="457200"/>
-          </a:xfrm>
-        </p:grpSpPr>
-        <p:cxnSp>
-          <p:nvCxnSpPr>
-            <p:cNvPr id="50" name="Straight Connector 49"/>
-            <p:cNvCxnSpPr>
-              <a:stCxn id="7" idx="6"/>
-            </p:cNvCxnSpPr>
-            <p:nvPr/>
-          </p:nvCxnSpPr>
-          <p:spPr bwMode="auto">
-            <a:xfrm>
-              <a:off x="4213318" y="6096000"/>
-              <a:ext cx="739682" cy="381000"/>
-            </a:xfrm>
-            <a:prstGeom prst="line">
-              <a:avLst/>
-            </a:prstGeom>
-            <a:noFill/>
-            <a:ln w="38100" cap="flat" cmpd="sng" algn="ctr">
-              <a:solidFill>
-                <a:schemeClr val="tx1"/>
-              </a:solidFill>
-              <a:prstDash val="solid"/>
-              <a:round/>
-              <a:headEnd type="none" w="med" len="med"/>
-              <a:tailEnd type="none" w="lg" len="lg"/>
-            </a:ln>
-            <a:effectLst/>
-          </p:spPr>
-        </p:cxnSp>
-        <p:sp>
-          <p:nvSpPr>
-            <p:cNvPr id="55" name="Oval 54"/>
-            <p:cNvSpPr/>
-            <p:nvPr/>
-          </p:nvSpPr>
-          <p:spPr bwMode="auto">
-            <a:xfrm>
-              <a:off x="4953000" y="6400800"/>
-              <a:ext cx="152400" cy="152400"/>
-            </a:xfrm>
-            <a:prstGeom prst="ellipse">
-              <a:avLst/>
-            </a:prstGeom>
-            <a:solidFill>
-              <a:schemeClr val="tx1"/>
-            </a:solidFill>
-            <a:ln w="31750" cap="flat" cmpd="sng" algn="ctr">
-              <a:solidFill>
-                <a:schemeClr val="tx1"/>
-              </a:solidFill>
-              <a:prstDash val="solid"/>
-              <a:round/>
-              <a:headEnd type="none" w="med" len="med"/>
-              <a:tailEnd type="triangle" w="lg" len="lg"/>
-            </a:ln>
-            <a:effectLst/>
-          </p:spPr>
-          <p:txBody>
-            <a:bodyPr vert="horz" wrap="square" lIns="91440" tIns="45720" rIns="91440" bIns="45720" numCol="1" rtlCol="0" anchor="t" anchorCtr="0" compatLnSpc="1">
-              <a:prstTxWarp prst="textNoShape">
-                <a:avLst/>
-              </a:prstTxWarp>
-            </a:bodyPr>
-            <a:lstStyle/>
-            <a:p>
-              <a:pPr marL="0" marR="0" indent="0" algn="l" defTabSz="914400" rtl="0" eaLnBrk="1" fontAlgn="base" latinLnBrk="0" hangingPunct="1">
-                <a:lnSpc>
-                  <a:spcPct val="100000"/>
-                </a:lnSpc>
-                <a:spcBef>
-                  <a:spcPct val="0"/>
-                </a:spcBef>
-                <a:spcAft>
-                  <a:spcPct val="0"/>
-                </a:spcAft>
-                <a:buClrTx/>
-                <a:buSzTx/>
-                <a:buFontTx/>
-                <a:buNone/>
-                <a:tabLst/>
-              </a:pPr>
-              <a:endParaRPr kumimoji="0" lang="en-US" sz="3200" b="0" i="0" u="none" strike="noStrike" cap="none" normalizeH="0" baseline="0" smtClean="0">
-                <a:ln>
-                  <a:noFill/>
-                </a:ln>
-                <a:solidFill>
-                  <a:schemeClr val="tx1"/>
-                </a:solidFill>
-                <a:effectLst/>
-                <a:latin typeface="Comic Sans MS" pitchFamily="66" charset="0"/>
-              </a:endParaRPr>
-            </a:p>
-          </p:txBody>
-        </p:sp>
-      </p:grpSp>
-      <p:cxnSp>
-        <p:nvCxnSpPr>
-          <p:cNvPr id="91" name="Straight Connector 90"/>
-          <p:cNvCxnSpPr>
-            <a:stCxn id="29" idx="3"/>
-          </p:cNvCxnSpPr>
-          <p:nvPr/>
-        </p:nvCxnSpPr>
-        <p:spPr bwMode="auto">
-          <a:xfrm flipH="1">
-            <a:off x="1196882" y="3254283"/>
-            <a:ext cx="120836" cy="1622517"/>
-          </a:xfrm>
-          <a:prstGeom prst="line">
-            <a:avLst/>
-          </a:prstGeom>
-          <a:noFill/>
-          <a:ln w="38100" cap="flat" cmpd="sng" algn="ctr">
-            <a:solidFill>
-              <a:schemeClr val="tx1"/>
-            </a:solidFill>
-            <a:prstDash val="solid"/>
-            <a:round/>
-            <a:headEnd type="none" w="med" len="med"/>
-            <a:tailEnd type="none" w="lg" len="lg"/>
-          </a:ln>
-          <a:effectLst/>
-        </p:spPr>
-      </p:cxnSp>
-      <p:sp>
-        <p:nvSpPr>
-          <p:cNvPr id="92" name="Oval 91"/>
-          <p:cNvSpPr/>
-          <p:nvPr/>
-        </p:nvSpPr>
-        <p:spPr bwMode="auto">
-          <a:xfrm>
-            <a:off x="1143000" y="4876800"/>
-            <a:ext cx="152400" cy="152400"/>
-          </a:xfrm>
-          <a:prstGeom prst="ellipse">
-            <a:avLst/>
-          </a:prstGeom>
-          <a:solidFill>
-            <a:schemeClr val="tx1"/>
-          </a:solidFill>
-          <a:ln w="31750" cap="flat" cmpd="sng" algn="ctr">
-            <a:solidFill>
-              <a:schemeClr val="tx1"/>
-            </a:solidFill>
-            <a:prstDash val="solid"/>
-            <a:round/>
-            <a:headEnd type="none" w="med" len="med"/>
-            <a:tailEnd type="triangle" w="lg" len="lg"/>
-          </a:ln>
-          <a:effectLst/>
-        </p:spPr>
-        <p:txBody>
-          <a:bodyPr vert="horz" wrap="square" lIns="91440" tIns="45720" rIns="91440" bIns="45720" numCol="1" rtlCol="0" anchor="t" anchorCtr="0" compatLnSpc="1">
-            <a:prstTxWarp prst="textNoShape">
-              <a:avLst/>
-            </a:prstTxWarp>
-          </a:bodyPr>
-          <a:lstStyle/>
-          <a:p>
-            <a:pPr marL="0" marR="0" indent="0" algn="l" defTabSz="914400" rtl="0" eaLnBrk="1" fontAlgn="base" latinLnBrk="0" hangingPunct="1">
-              <a:lnSpc>
-                <a:spcPct val="100000"/>
-              </a:lnSpc>
-              <a:spcBef>
-                <a:spcPct val="0"/>
-              </a:spcBef>
-              <a:spcAft>
-                <a:spcPct val="0"/>
-              </a:spcAft>
-              <a:buClrTx/>
-              <a:buSzTx/>
-              <a:buFontTx/>
-              <a:buNone/>
-              <a:tabLst/>
-            </a:pPr>
-            <a:endParaRPr kumimoji="0" lang="en-US" sz="3200" b="0" i="0" u="none" strike="noStrike" cap="none" normalizeH="0" baseline="0" smtClean="0">
-              <a:ln>
-                <a:noFill/>
-              </a:ln>
-              <a:solidFill>
-                <a:schemeClr val="tx1"/>
-              </a:solidFill>
-              <a:effectLst/>
-              <a:latin typeface="Comic Sans MS" pitchFamily="66" charset="0"/>
-            </a:endParaRPr>
-          </a:p>
-        </p:txBody>
-      </p:sp>
-      <p:cxnSp>
-        <p:nvCxnSpPr>
-          <p:cNvPr id="93" name="Straight Connector 92"/>
-          <p:cNvCxnSpPr>
-            <a:stCxn id="29" idx="2"/>
-            <a:endCxn id="94" idx="5"/>
-          </p:cNvCxnSpPr>
-          <p:nvPr/>
-        </p:nvCxnSpPr>
-        <p:spPr bwMode="auto">
-          <a:xfrm flipH="1">
-            <a:off x="587282" y="3200401"/>
-            <a:ext cx="708118" cy="587281"/>
-          </a:xfrm>
-          <a:prstGeom prst="line">
-            <a:avLst/>
-          </a:prstGeom>
-          <a:noFill/>
-          <a:ln w="38100" cap="flat" cmpd="sng" algn="ctr">
-            <a:solidFill>
-              <a:schemeClr val="tx1"/>
-            </a:solidFill>
-            <a:prstDash val="solid"/>
-            <a:round/>
-            <a:headEnd type="none" w="med" len="med"/>
-            <a:tailEnd type="none" w="lg" len="lg"/>
-          </a:ln>
-          <a:effectLst/>
-        </p:spPr>
-      </p:cxnSp>
-      <p:sp>
-        <p:nvSpPr>
-          <p:cNvPr id="94" name="Oval 93"/>
-          <p:cNvSpPr/>
-          <p:nvPr/>
-        </p:nvSpPr>
-        <p:spPr bwMode="auto">
-          <a:xfrm>
-            <a:off x="457200" y="3657600"/>
-            <a:ext cx="152400" cy="152400"/>
-          </a:xfrm>
-          <a:prstGeom prst="ellipse">
-            <a:avLst/>
-          </a:prstGeom>
-          <a:solidFill>
-            <a:schemeClr val="tx1"/>
-          </a:solidFill>
-          <a:ln w="31750" cap="flat" cmpd="sng" algn="ctr">
-            <a:solidFill>
-              <a:schemeClr val="tx1"/>
-            </a:solidFill>
-            <a:prstDash val="solid"/>
-            <a:round/>
-            <a:headEnd type="none" w="med" len="med"/>
-            <a:tailEnd type="triangle" w="lg" len="lg"/>
-          </a:ln>
-          <a:effectLst/>
-        </p:spPr>
-        <p:txBody>
-          <a:bodyPr vert="horz" wrap="square" lIns="91440" tIns="45720" rIns="91440" bIns="45720" numCol="1" rtlCol="0" anchor="t" anchorCtr="0" compatLnSpc="1">
-            <a:prstTxWarp prst="textNoShape">
-              <a:avLst/>
-            </a:prstTxWarp>
-          </a:bodyPr>
-          <a:lstStyle/>
-          <a:p>
-            <a:pPr marL="0" marR="0" indent="0" algn="l" defTabSz="914400" rtl="0" eaLnBrk="1" fontAlgn="base" latinLnBrk="0" hangingPunct="1">
-              <a:lnSpc>
-                <a:spcPct val="100000"/>
-              </a:lnSpc>
-              <a:spcBef>
-                <a:spcPct val="0"/>
-              </a:spcBef>
-              <a:spcAft>
-                <a:spcPct val="0"/>
-              </a:spcAft>
-              <a:buClrTx/>
-              <a:buSzTx/>
-              <a:buFontTx/>
-              <a:buNone/>
-              <a:tabLst/>
-            </a:pPr>
-            <a:endParaRPr kumimoji="0" lang="en-US" sz="3200" b="0" i="0" u="none" strike="noStrike" cap="none" normalizeH="0" baseline="0" smtClean="0">
-              <a:ln>
-                <a:noFill/>
-              </a:ln>
-              <a:solidFill>
-                <a:schemeClr val="tx1"/>
-              </a:solidFill>
-              <a:effectLst/>
-              <a:latin typeface="Comic Sans MS" pitchFamily="66" charset="0"/>
-            </a:endParaRPr>
-          </a:p>
-        </p:txBody>
-      </p:sp>
-      <p:sp>
-        <p:nvSpPr>
-          <p:cNvPr id="34" name="Freeform 33"/>
-          <p:cNvSpPr/>
-          <p:nvPr/>
-        </p:nvSpPr>
-        <p:spPr>
-          <a:xfrm>
-            <a:off x="4572000" y="1981200"/>
-            <a:ext cx="685800" cy="838200"/>
-          </a:xfrm>
-          <a:custGeom>
-            <a:avLst/>
-            <a:gdLst>
-              <a:gd name="connsiteX0" fmla="*/ 577313 w 577313"/>
-              <a:gd name="connsiteY0" fmla="*/ 744006 h 744006"/>
-              <a:gd name="connsiteX1" fmla="*/ 0 w 577313"/>
-              <a:gd name="connsiteY1" fmla="*/ 0 h 744006"/>
-            </a:gdLst>
-            <a:ahLst/>
-            <a:cxnLst>
-              <a:cxn ang="0">
-                <a:pos x="connsiteX0" y="connsiteY0"/>
-              </a:cxn>
-              <a:cxn ang="0">
-                <a:pos x="connsiteX1" y="connsiteY1"/>
-              </a:cxn>
-            </a:cxnLst>
-            <a:rect l="l" t="t" r="r" b="b"/>
-            <a:pathLst>
-              <a:path w="577313" h="744006">
-                <a:moveTo>
-                  <a:pt x="577313" y="744006"/>
-                </a:moveTo>
-                <a:lnTo>
-                  <a:pt x="0" y="0"/>
-                </a:lnTo>
-              </a:path>
-            </a:pathLst>
-          </a:custGeom>
-          <a:ln w="47625">
-            <a:solidFill>
-              <a:srgbClr val="FF00FF"/>
-            </a:solidFill>
-          </a:ln>
-        </p:spPr>
-        <p:txBody>
-          <a:bodyPr rtlCol="0" anchor="ctr"/>
-          <a:lstStyle/>
-          <a:p>
-            <a:pPr algn="ctr"/>
-            <a:endParaRPr lang="en-US"/>
-          </a:p>
-        </p:txBody>
-      </p:sp>
-      <p:sp>
-        <p:nvSpPr>
-          <p:cNvPr id="36" name="Freeform 35"/>
-          <p:cNvSpPr/>
-          <p:nvPr/>
-        </p:nvSpPr>
-        <p:spPr>
-          <a:xfrm>
-            <a:off x="1752600" y="1928535"/>
-            <a:ext cx="3823111" cy="4015065"/>
-          </a:xfrm>
-          <a:custGeom>
-            <a:avLst/>
-            <a:gdLst>
-              <a:gd name="connsiteX0" fmla="*/ 2848093 w 3823111"/>
-              <a:gd name="connsiteY0" fmla="*/ 89794 h 4015065"/>
-              <a:gd name="connsiteX1" fmla="*/ 2848093 w 3823111"/>
-              <a:gd name="connsiteY1" fmla="*/ 89794 h 4015065"/>
-              <a:gd name="connsiteX2" fmla="*/ 2719801 w 3823111"/>
-              <a:gd name="connsiteY2" fmla="*/ 76966 h 4015065"/>
-              <a:gd name="connsiteX3" fmla="*/ 2655655 w 3823111"/>
-              <a:gd name="connsiteY3" fmla="*/ 64138 h 4015065"/>
-              <a:gd name="connsiteX4" fmla="*/ 2463217 w 3823111"/>
-              <a:gd name="connsiteY4" fmla="*/ 51311 h 4015065"/>
-              <a:gd name="connsiteX5" fmla="*/ 2270779 w 3823111"/>
-              <a:gd name="connsiteY5" fmla="*/ 25655 h 4015065"/>
-              <a:gd name="connsiteX6" fmla="*/ 2219463 w 3823111"/>
-              <a:gd name="connsiteY6" fmla="*/ 12828 h 4015065"/>
-              <a:gd name="connsiteX7" fmla="*/ 2091171 w 3823111"/>
-              <a:gd name="connsiteY7" fmla="*/ 0 h 4015065"/>
-              <a:gd name="connsiteX8" fmla="*/ 1282932 w 3823111"/>
-              <a:gd name="connsiteY8" fmla="*/ 12828 h 4015065"/>
-              <a:gd name="connsiteX9" fmla="*/ 1244445 w 3823111"/>
-              <a:gd name="connsiteY9" fmla="*/ 25655 h 4015065"/>
-              <a:gd name="connsiteX10" fmla="*/ 1141811 w 3823111"/>
-              <a:gd name="connsiteY10" fmla="*/ 64138 h 4015065"/>
-              <a:gd name="connsiteX11" fmla="*/ 1026349 w 3823111"/>
-              <a:gd name="connsiteY11" fmla="*/ 89794 h 4015065"/>
-              <a:gd name="connsiteX12" fmla="*/ 975032 w 3823111"/>
-              <a:gd name="connsiteY12" fmla="*/ 102621 h 4015065"/>
-              <a:gd name="connsiteX13" fmla="*/ 898057 w 3823111"/>
-              <a:gd name="connsiteY13" fmla="*/ 179588 h 4015065"/>
-              <a:gd name="connsiteX14" fmla="*/ 859569 w 3823111"/>
-              <a:gd name="connsiteY14" fmla="*/ 218071 h 4015065"/>
-              <a:gd name="connsiteX15" fmla="*/ 731278 w 3823111"/>
-              <a:gd name="connsiteY15" fmla="*/ 307864 h 4015065"/>
-              <a:gd name="connsiteX16" fmla="*/ 667132 w 3823111"/>
-              <a:gd name="connsiteY16" fmla="*/ 372003 h 4015065"/>
-              <a:gd name="connsiteX17" fmla="*/ 577327 w 3823111"/>
-              <a:gd name="connsiteY17" fmla="*/ 474624 h 4015065"/>
-              <a:gd name="connsiteX18" fmla="*/ 526011 w 3823111"/>
-              <a:gd name="connsiteY18" fmla="*/ 538763 h 4015065"/>
-              <a:gd name="connsiteX19" fmla="*/ 449036 w 3823111"/>
-              <a:gd name="connsiteY19" fmla="*/ 590073 h 4015065"/>
-              <a:gd name="connsiteX20" fmla="*/ 410548 w 3823111"/>
-              <a:gd name="connsiteY20" fmla="*/ 679867 h 4015065"/>
-              <a:gd name="connsiteX21" fmla="*/ 384890 w 3823111"/>
-              <a:gd name="connsiteY21" fmla="*/ 705523 h 4015065"/>
-              <a:gd name="connsiteX22" fmla="*/ 333573 w 3823111"/>
-              <a:gd name="connsiteY22" fmla="*/ 782489 h 4015065"/>
-              <a:gd name="connsiteX23" fmla="*/ 307915 w 3823111"/>
-              <a:gd name="connsiteY23" fmla="*/ 820972 h 4015065"/>
-              <a:gd name="connsiteX24" fmla="*/ 282256 w 3823111"/>
-              <a:gd name="connsiteY24" fmla="*/ 872282 h 4015065"/>
-              <a:gd name="connsiteX25" fmla="*/ 256598 w 3823111"/>
-              <a:gd name="connsiteY25" fmla="*/ 910765 h 4015065"/>
-              <a:gd name="connsiteX26" fmla="*/ 218110 w 3823111"/>
-              <a:gd name="connsiteY26" fmla="*/ 1000559 h 4015065"/>
-              <a:gd name="connsiteX27" fmla="*/ 166794 w 3823111"/>
-              <a:gd name="connsiteY27" fmla="*/ 1077525 h 4015065"/>
-              <a:gd name="connsiteX28" fmla="*/ 153964 w 3823111"/>
-              <a:gd name="connsiteY28" fmla="*/ 1116008 h 4015065"/>
-              <a:gd name="connsiteX29" fmla="*/ 102648 w 3823111"/>
-              <a:gd name="connsiteY29" fmla="*/ 1192974 h 4015065"/>
-              <a:gd name="connsiteX30" fmla="*/ 89818 w 3823111"/>
-              <a:gd name="connsiteY30" fmla="*/ 1231458 h 4015065"/>
-              <a:gd name="connsiteX31" fmla="*/ 38502 w 3823111"/>
-              <a:gd name="connsiteY31" fmla="*/ 1308424 h 4015065"/>
-              <a:gd name="connsiteX32" fmla="*/ 12843 w 3823111"/>
-              <a:gd name="connsiteY32" fmla="*/ 1385390 h 4015065"/>
-              <a:gd name="connsiteX33" fmla="*/ 14 w 3823111"/>
-              <a:gd name="connsiteY33" fmla="*/ 1616288 h 4015065"/>
-              <a:gd name="connsiteX34" fmla="*/ 25672 w 3823111"/>
-              <a:gd name="connsiteY34" fmla="*/ 1885669 h 4015065"/>
-              <a:gd name="connsiteX35" fmla="*/ 51331 w 3823111"/>
-              <a:gd name="connsiteY35" fmla="*/ 1936980 h 4015065"/>
-              <a:gd name="connsiteX36" fmla="*/ 64160 w 3823111"/>
-              <a:gd name="connsiteY36" fmla="*/ 2001119 h 4015065"/>
-              <a:gd name="connsiteX37" fmla="*/ 76989 w 3823111"/>
-              <a:gd name="connsiteY37" fmla="*/ 2039602 h 4015065"/>
-              <a:gd name="connsiteX38" fmla="*/ 89818 w 3823111"/>
-              <a:gd name="connsiteY38" fmla="*/ 2142223 h 4015065"/>
-              <a:gd name="connsiteX39" fmla="*/ 128306 w 3823111"/>
-              <a:gd name="connsiteY39" fmla="*/ 2680986 h 4015065"/>
-              <a:gd name="connsiteX40" fmla="*/ 153964 w 3823111"/>
-              <a:gd name="connsiteY40" fmla="*/ 2745124 h 4015065"/>
-              <a:gd name="connsiteX41" fmla="*/ 192452 w 3823111"/>
-              <a:gd name="connsiteY41" fmla="*/ 2822090 h 4015065"/>
-              <a:gd name="connsiteX42" fmla="*/ 218110 w 3823111"/>
-              <a:gd name="connsiteY42" fmla="*/ 2937539 h 4015065"/>
-              <a:gd name="connsiteX43" fmla="*/ 243769 w 3823111"/>
-              <a:gd name="connsiteY43" fmla="*/ 3001678 h 4015065"/>
-              <a:gd name="connsiteX44" fmla="*/ 256598 w 3823111"/>
-              <a:gd name="connsiteY44" fmla="*/ 3078644 h 4015065"/>
-              <a:gd name="connsiteX45" fmla="*/ 295085 w 3823111"/>
-              <a:gd name="connsiteY45" fmla="*/ 3206921 h 4015065"/>
-              <a:gd name="connsiteX46" fmla="*/ 320744 w 3823111"/>
-              <a:gd name="connsiteY46" fmla="*/ 3271059 h 4015065"/>
-              <a:gd name="connsiteX47" fmla="*/ 372060 w 3823111"/>
-              <a:gd name="connsiteY47" fmla="*/ 3360853 h 4015065"/>
-              <a:gd name="connsiteX48" fmla="*/ 423377 w 3823111"/>
-              <a:gd name="connsiteY48" fmla="*/ 3412164 h 4015065"/>
-              <a:gd name="connsiteX49" fmla="*/ 449036 w 3823111"/>
-              <a:gd name="connsiteY49" fmla="*/ 3437819 h 4015065"/>
-              <a:gd name="connsiteX50" fmla="*/ 487523 w 3823111"/>
-              <a:gd name="connsiteY50" fmla="*/ 3450647 h 4015065"/>
-              <a:gd name="connsiteX51" fmla="*/ 526011 w 3823111"/>
-              <a:gd name="connsiteY51" fmla="*/ 3476302 h 4015065"/>
-              <a:gd name="connsiteX52" fmla="*/ 577327 w 3823111"/>
-              <a:gd name="connsiteY52" fmla="*/ 3501957 h 4015065"/>
-              <a:gd name="connsiteX53" fmla="*/ 654302 w 3823111"/>
-              <a:gd name="connsiteY53" fmla="*/ 3540440 h 4015065"/>
-              <a:gd name="connsiteX54" fmla="*/ 769765 w 3823111"/>
-              <a:gd name="connsiteY54" fmla="*/ 3617407 h 4015065"/>
-              <a:gd name="connsiteX55" fmla="*/ 808253 w 3823111"/>
-              <a:gd name="connsiteY55" fmla="*/ 3643062 h 4015065"/>
-              <a:gd name="connsiteX56" fmla="*/ 846740 w 3823111"/>
-              <a:gd name="connsiteY56" fmla="*/ 3655890 h 4015065"/>
-              <a:gd name="connsiteX57" fmla="*/ 923715 w 3823111"/>
-              <a:gd name="connsiteY57" fmla="*/ 3707200 h 4015065"/>
-              <a:gd name="connsiteX58" fmla="*/ 949374 w 3823111"/>
-              <a:gd name="connsiteY58" fmla="*/ 3745683 h 4015065"/>
-              <a:gd name="connsiteX59" fmla="*/ 1026349 w 3823111"/>
-              <a:gd name="connsiteY59" fmla="*/ 3771339 h 4015065"/>
-              <a:gd name="connsiteX60" fmla="*/ 1141811 w 3823111"/>
-              <a:gd name="connsiteY60" fmla="*/ 3822650 h 4015065"/>
-              <a:gd name="connsiteX61" fmla="*/ 1205957 w 3823111"/>
-              <a:gd name="connsiteY61" fmla="*/ 3873960 h 4015065"/>
-              <a:gd name="connsiteX62" fmla="*/ 1321420 w 3823111"/>
-              <a:gd name="connsiteY62" fmla="*/ 3899616 h 4015065"/>
-              <a:gd name="connsiteX63" fmla="*/ 1359908 w 3823111"/>
-              <a:gd name="connsiteY63" fmla="*/ 3912443 h 4015065"/>
-              <a:gd name="connsiteX64" fmla="*/ 1796100 w 3823111"/>
-              <a:gd name="connsiteY64" fmla="*/ 3938099 h 4015065"/>
-              <a:gd name="connsiteX65" fmla="*/ 1873075 w 3823111"/>
-              <a:gd name="connsiteY65" fmla="*/ 3976582 h 4015065"/>
-              <a:gd name="connsiteX66" fmla="*/ 1975708 w 3823111"/>
-              <a:gd name="connsiteY66" fmla="*/ 4002237 h 4015065"/>
-              <a:gd name="connsiteX67" fmla="*/ 2027025 w 3823111"/>
-              <a:gd name="connsiteY67" fmla="*/ 4015065 h 4015065"/>
-              <a:gd name="connsiteX68" fmla="*/ 2232292 w 3823111"/>
-              <a:gd name="connsiteY68" fmla="*/ 4002237 h 4015065"/>
-              <a:gd name="connsiteX69" fmla="*/ 2270779 w 3823111"/>
-              <a:gd name="connsiteY69" fmla="*/ 3976582 h 4015065"/>
-              <a:gd name="connsiteX70" fmla="*/ 2309267 w 3823111"/>
-              <a:gd name="connsiteY70" fmla="*/ 3963754 h 4015065"/>
-              <a:gd name="connsiteX71" fmla="*/ 2450388 w 3823111"/>
-              <a:gd name="connsiteY71" fmla="*/ 3822650 h 4015065"/>
-              <a:gd name="connsiteX72" fmla="*/ 2501705 w 3823111"/>
-              <a:gd name="connsiteY72" fmla="*/ 3771339 h 4015065"/>
-              <a:gd name="connsiteX73" fmla="*/ 2540192 w 3823111"/>
-              <a:gd name="connsiteY73" fmla="*/ 3758511 h 4015065"/>
-              <a:gd name="connsiteX74" fmla="*/ 2604338 w 3823111"/>
-              <a:gd name="connsiteY74" fmla="*/ 3732856 h 4015065"/>
-              <a:gd name="connsiteX75" fmla="*/ 2655655 w 3823111"/>
-              <a:gd name="connsiteY75" fmla="*/ 3720028 h 4015065"/>
-              <a:gd name="connsiteX76" fmla="*/ 2732630 w 3823111"/>
-              <a:gd name="connsiteY76" fmla="*/ 3694373 h 4015065"/>
-              <a:gd name="connsiteX77" fmla="*/ 2771118 w 3823111"/>
-              <a:gd name="connsiteY77" fmla="*/ 3681545 h 4015065"/>
-              <a:gd name="connsiteX78" fmla="*/ 2809605 w 3823111"/>
-              <a:gd name="connsiteY78" fmla="*/ 3643062 h 4015065"/>
-              <a:gd name="connsiteX79" fmla="*/ 2848093 w 3823111"/>
-              <a:gd name="connsiteY79" fmla="*/ 3630234 h 4015065"/>
-              <a:gd name="connsiteX80" fmla="*/ 2976385 w 3823111"/>
-              <a:gd name="connsiteY80" fmla="*/ 3617407 h 4015065"/>
-              <a:gd name="connsiteX81" fmla="*/ 3181651 w 3823111"/>
-              <a:gd name="connsiteY81" fmla="*/ 3591751 h 4015065"/>
-              <a:gd name="connsiteX82" fmla="*/ 3258627 w 3823111"/>
-              <a:gd name="connsiteY82" fmla="*/ 3578924 h 4015065"/>
-              <a:gd name="connsiteX83" fmla="*/ 3374089 w 3823111"/>
-              <a:gd name="connsiteY83" fmla="*/ 3566096 h 4015065"/>
-              <a:gd name="connsiteX84" fmla="*/ 3425406 w 3823111"/>
-              <a:gd name="connsiteY84" fmla="*/ 3553268 h 4015065"/>
-              <a:gd name="connsiteX85" fmla="*/ 3489552 w 3823111"/>
-              <a:gd name="connsiteY85" fmla="*/ 3540440 h 4015065"/>
-              <a:gd name="connsiteX86" fmla="*/ 3528039 w 3823111"/>
-              <a:gd name="connsiteY86" fmla="*/ 3514785 h 4015065"/>
-              <a:gd name="connsiteX87" fmla="*/ 3681990 w 3823111"/>
-              <a:gd name="connsiteY87" fmla="*/ 3424991 h 4015065"/>
-              <a:gd name="connsiteX88" fmla="*/ 3733306 w 3823111"/>
-              <a:gd name="connsiteY88" fmla="*/ 3386508 h 4015065"/>
-              <a:gd name="connsiteX89" fmla="*/ 3823111 w 3823111"/>
-              <a:gd name="connsiteY89" fmla="*/ 3348025 h 4015065"/>
-              <a:gd name="connsiteX90" fmla="*/ 3810281 w 3823111"/>
-              <a:gd name="connsiteY90" fmla="*/ 3399336 h 4015065"/>
-              <a:gd name="connsiteX91" fmla="*/ 3733306 w 3823111"/>
-              <a:gd name="connsiteY91" fmla="*/ 3424991 h 4015065"/>
-              <a:gd name="connsiteX92" fmla="*/ 3694819 w 3823111"/>
-              <a:gd name="connsiteY92" fmla="*/ 3450647 h 4015065"/>
-              <a:gd name="connsiteX93" fmla="*/ 3643502 w 3823111"/>
-              <a:gd name="connsiteY93" fmla="*/ 3463474 h 4015065"/>
-              <a:gd name="connsiteX94" fmla="*/ 3592185 w 3823111"/>
-              <a:gd name="connsiteY94" fmla="*/ 3514785 h 4015065"/>
-            </a:gdLst>
-            <a:ahLst/>
-            <a:cxnLst>
-              <a:cxn ang="0">
-                <a:pos x="connsiteX0" y="connsiteY0"/>
-              </a:cxn>
-              <a:cxn ang="0">
-                <a:pos x="connsiteX1" y="connsiteY1"/>
-              </a:cxn>
-              <a:cxn ang="0">
-                <a:pos x="connsiteX2" y="connsiteY2"/>
-              </a:cxn>
-              <a:cxn ang="0">
-                <a:pos x="connsiteX3" y="connsiteY3"/>
-              </a:cxn>
-              <a:cxn ang="0">
-                <a:pos x="connsiteX4" y="connsiteY4"/>
-              </a:cxn>
-              <a:cxn ang="0">
-                <a:pos x="connsiteX5" y="connsiteY5"/>
-              </a:cxn>
-              <a:cxn ang="0">
-                <a:pos x="connsiteX6" y="connsiteY6"/>
-              </a:cxn>
-              <a:cxn ang="0">
-                <a:pos x="connsiteX7" y="connsiteY7"/>
-              </a:cxn>
-              <a:cxn ang="0">
-                <a:pos x="connsiteX8" y="connsiteY8"/>
-              </a:cxn>
-              <a:cxn ang="0">
-                <a:pos x="connsiteX9" y="connsiteY9"/>
-              </a:cxn>
-              <a:cxn ang="0">
-                <a:pos x="connsiteX10" y="connsiteY10"/>
-              </a:cxn>
-              <a:cxn ang="0">
-                <a:pos x="connsiteX11" y="connsiteY11"/>
-              </a:cxn>
-              <a:cxn ang="0">
-                <a:pos x="connsiteX12" y="connsiteY12"/>
-              </a:cxn>
-              <a:cxn ang="0">
-                <a:pos x="connsiteX13" y="connsiteY13"/>
-              </a:cxn>
-              <a:cxn ang="0">
-                <a:pos x="connsiteX14" y="connsiteY14"/>
-              </a:cxn>
-              <a:cxn ang="0">
-                <a:pos x="connsiteX15" y="connsiteY15"/>
-              </a:cxn>
-              <a:cxn ang="0">
-                <a:pos x="connsiteX16" y="connsiteY16"/>
-              </a:cxn>
-              <a:cxn ang="0">
-                <a:pos x="connsiteX17" y="connsiteY17"/>
-              </a:cxn>
-              <a:cxn ang="0">
-                <a:pos x="connsiteX18" y="connsiteY18"/>
-              </a:cxn>
-              <a:cxn ang="0">
-                <a:pos x="connsiteX19" y="connsiteY19"/>
-              </a:cxn>
-              <a:cxn ang="0">
-                <a:pos x="connsiteX20" y="connsiteY20"/>
-              </a:cxn>
-              <a:cxn ang="0">
-                <a:pos x="connsiteX21" y="connsiteY21"/>
-              </a:cxn>
-              <a:cxn ang="0">
-                <a:pos x="connsiteX22" y="connsiteY22"/>
-              </a:cxn>
-              <a:cxn ang="0">
-                <a:pos x="connsiteX23" y="connsiteY23"/>
-              </a:cxn>
-              <a:cxn ang="0">
-                <a:pos x="connsiteX24" y="connsiteY24"/>
-              </a:cxn>
-              <a:cxn ang="0">
-                <a:pos x="connsiteX25" y="connsiteY25"/>
-              </a:cxn>
-              <a:cxn ang="0">
-                <a:pos x="connsiteX26" y="connsiteY26"/>
-              </a:cxn>
-              <a:cxn ang="0">
-                <a:pos x="connsiteX27" y="connsiteY27"/>
-              </a:cxn>
-              <a:cxn ang="0">
-                <a:pos x="connsiteX28" y="connsiteY28"/>
-              </a:cxn>
-              <a:cxn ang="0">
-                <a:pos x="connsiteX29" y="connsiteY29"/>
-              </a:cxn>
-              <a:cxn ang="0">
-                <a:pos x="connsiteX30" y="connsiteY30"/>
-              </a:cxn>
-              <a:cxn ang="0">
-                <a:pos x="connsiteX31" y="connsiteY31"/>
-              </a:cxn>
-              <a:cxn ang="0">
-                <a:pos x="connsiteX32" y="connsiteY32"/>
-              </a:cxn>
-              <a:cxn ang="0">
-                <a:pos x="connsiteX33" y="connsiteY33"/>
-              </a:cxn>
-              <a:cxn ang="0">
-                <a:pos x="connsiteX34" y="connsiteY34"/>
-              </a:cxn>
-              <a:cxn ang="0">
-                <a:pos x="connsiteX35" y="connsiteY35"/>
-              </a:cxn>
-              <a:cxn ang="0">
-                <a:pos x="connsiteX36" y="connsiteY36"/>
-              </a:cxn>
-              <a:cxn ang="0">
-                <a:pos x="connsiteX37" y="connsiteY37"/>
-              </a:cxn>
-              <a:cxn ang="0">
-                <a:pos x="connsiteX38" y="connsiteY38"/>
-              </a:cxn>
-              <a:cxn ang="0">
-                <a:pos x="connsiteX39" y="connsiteY39"/>
-              </a:cxn>
-              <a:cxn ang="0">
-                <a:pos x="connsiteX40" y="connsiteY40"/>
-              </a:cxn>
-              <a:cxn ang="0">
-                <a:pos x="connsiteX41" y="connsiteY41"/>
-              </a:cxn>
-              <a:cxn ang="0">
-                <a:pos x="connsiteX42" y="connsiteY42"/>
-              </a:cxn>
-              <a:cxn ang="0">
-                <a:pos x="connsiteX43" y="connsiteY43"/>
-              </a:cxn>
-              <a:cxn ang="0">
-                <a:pos x="connsiteX44" y="connsiteY44"/>
-              </a:cxn>
-              <a:cxn ang="0">
-                <a:pos x="connsiteX45" y="connsiteY45"/>
-              </a:cxn>
-              <a:cxn ang="0">
-                <a:pos x="connsiteX46" y="connsiteY46"/>
-              </a:cxn>
-              <a:cxn ang="0">
-                <a:pos x="connsiteX47" y="connsiteY47"/>
-              </a:cxn>
-              <a:cxn ang="0">
-                <a:pos x="connsiteX48" y="connsiteY48"/>
-              </a:cxn>
-              <a:cxn ang="0">
-                <a:pos x="connsiteX49" y="connsiteY49"/>
-              </a:cxn>
-              <a:cxn ang="0">
-                <a:pos x="connsiteX50" y="connsiteY50"/>
-              </a:cxn>
-              <a:cxn ang="0">
-                <a:pos x="connsiteX51" y="connsiteY51"/>
-              </a:cxn>
-              <a:cxn ang="0">
-                <a:pos x="connsiteX52" y="connsiteY52"/>
-              </a:cxn>
-              <a:cxn ang="0">
-                <a:pos x="connsiteX53" y="connsiteY53"/>
-              </a:cxn>
-              <a:cxn ang="0">
-                <a:pos x="connsiteX54" y="connsiteY54"/>
-              </a:cxn>
-              <a:cxn ang="0">
-                <a:pos x="connsiteX55" y="connsiteY55"/>
-              </a:cxn>
-              <a:cxn ang="0">
-                <a:pos x="connsiteX56" y="connsiteY56"/>
-              </a:cxn>
-              <a:cxn ang="0">
-                <a:pos x="connsiteX57" y="connsiteY57"/>
-              </a:cxn>
-              <a:cxn ang="0">
-                <a:pos x="connsiteX58" y="connsiteY58"/>
-              </a:cxn>
-              <a:cxn ang="0">
-                <a:pos x="connsiteX59" y="connsiteY59"/>
-              </a:cxn>
-              <a:cxn ang="0">
-                <a:pos x="connsiteX60" y="connsiteY60"/>
-              </a:cxn>
-              <a:cxn ang="0">
-                <a:pos x="connsiteX61" y="connsiteY61"/>
-              </a:cxn>
-              <a:cxn ang="0">
-                <a:pos x="connsiteX62" y="connsiteY62"/>
-              </a:cxn>
-              <a:cxn ang="0">
-                <a:pos x="connsiteX63" y="connsiteY63"/>
-              </a:cxn>
-              <a:cxn ang="0">
-                <a:pos x="connsiteX64" y="connsiteY64"/>
-              </a:cxn>
-              <a:cxn ang="0">
-                <a:pos x="connsiteX65" y="connsiteY65"/>
-              </a:cxn>
-              <a:cxn ang="0">
-                <a:pos x="connsiteX66" y="connsiteY66"/>
-              </a:cxn>
-              <a:cxn ang="0">
-                <a:pos x="connsiteX67" y="connsiteY67"/>
-              </a:cxn>
-              <a:cxn ang="0">
-                <a:pos x="connsiteX68" y="connsiteY68"/>
-              </a:cxn>
-              <a:cxn ang="0">
-                <a:pos x="connsiteX69" y="connsiteY69"/>
-              </a:cxn>
-              <a:cxn ang="0">
-                <a:pos x="connsiteX70" y="connsiteY70"/>
-              </a:cxn>
-              <a:cxn ang="0">
-                <a:pos x="connsiteX71" y="connsiteY71"/>
-              </a:cxn>
-              <a:cxn ang="0">
-                <a:pos x="connsiteX72" y="connsiteY72"/>
-              </a:cxn>
-              <a:cxn ang="0">
-                <a:pos x="connsiteX73" y="connsiteY73"/>
-              </a:cxn>
-              <a:cxn ang="0">
-                <a:pos x="connsiteX74" y="connsiteY74"/>
-              </a:cxn>
-              <a:cxn ang="0">
-                <a:pos x="connsiteX75" y="connsiteY75"/>
-              </a:cxn>
-              <a:cxn ang="0">
-                <a:pos x="connsiteX76" y="connsiteY76"/>
-              </a:cxn>
-              <a:cxn ang="0">
-                <a:pos x="connsiteX77" y="connsiteY77"/>
-              </a:cxn>
-              <a:cxn ang="0">
-                <a:pos x="connsiteX78" y="connsiteY78"/>
-              </a:cxn>
-              <a:cxn ang="0">
-                <a:pos x="connsiteX79" y="connsiteY79"/>
-              </a:cxn>
-              <a:cxn ang="0">
-                <a:pos x="connsiteX80" y="connsiteY80"/>
-              </a:cxn>
-              <a:cxn ang="0">
-                <a:pos x="connsiteX81" y="connsiteY81"/>
-              </a:cxn>
-              <a:cxn ang="0">
-                <a:pos x="connsiteX82" y="connsiteY82"/>
-              </a:cxn>
-              <a:cxn ang="0">
-                <a:pos x="connsiteX83" y="connsiteY83"/>
-              </a:cxn>
-              <a:cxn ang="0">
-                <a:pos x="connsiteX84" y="connsiteY84"/>
-              </a:cxn>
-              <a:cxn ang="0">
-                <a:pos x="connsiteX85" y="connsiteY85"/>
-              </a:cxn>
-              <a:cxn ang="0">
-                <a:pos x="connsiteX86" y="connsiteY86"/>
-              </a:cxn>
-              <a:cxn ang="0">
-                <a:pos x="connsiteX87" y="connsiteY87"/>
-              </a:cxn>
-              <a:cxn ang="0">
-                <a:pos x="connsiteX88" y="connsiteY88"/>
-              </a:cxn>
-              <a:cxn ang="0">
-                <a:pos x="connsiteX89" y="connsiteY89"/>
-              </a:cxn>
-              <a:cxn ang="0">
-                <a:pos x="connsiteX90" y="connsiteY90"/>
-              </a:cxn>
-              <a:cxn ang="0">
-                <a:pos x="connsiteX91" y="connsiteY91"/>
-              </a:cxn>
-              <a:cxn ang="0">
-                <a:pos x="connsiteX92" y="connsiteY92"/>
-              </a:cxn>
-              <a:cxn ang="0">
-                <a:pos x="connsiteX93" y="connsiteY93"/>
-              </a:cxn>
-              <a:cxn ang="0">
-                <a:pos x="connsiteX94" y="connsiteY94"/>
-              </a:cxn>
-            </a:cxnLst>
-            <a:rect l="l" t="t" r="r" b="b"/>
-            <a:pathLst>
-              <a:path w="3823111" h="4015065">
-                <a:moveTo>
-                  <a:pt x="2848093" y="89794"/>
-                </a:moveTo>
-                <a:lnTo>
-                  <a:pt x="2848093" y="89794"/>
-                </a:lnTo>
-                <a:cubicBezTo>
-                  <a:pt x="2805329" y="85518"/>
-                  <a:pt x="2762401" y="82646"/>
-                  <a:pt x="2719801" y="76966"/>
-                </a:cubicBezTo>
-                <a:cubicBezTo>
-                  <a:pt x="2698187" y="74084"/>
-                  <a:pt x="2677352" y="66307"/>
-                  <a:pt x="2655655" y="64138"/>
-                </a:cubicBezTo>
-                <a:cubicBezTo>
-                  <a:pt x="2591686" y="57742"/>
-                  <a:pt x="2527363" y="55587"/>
-                  <a:pt x="2463217" y="51311"/>
-                </a:cubicBezTo>
-                <a:cubicBezTo>
-                  <a:pt x="2367085" y="19270"/>
-                  <a:pt x="2471686" y="50765"/>
-                  <a:pt x="2270779" y="25655"/>
-                </a:cubicBezTo>
-                <a:cubicBezTo>
-                  <a:pt x="2253284" y="23468"/>
-                  <a:pt x="2236917" y="15321"/>
-                  <a:pt x="2219463" y="12828"/>
-                </a:cubicBezTo>
-                <a:cubicBezTo>
-                  <a:pt x="2176918" y="6751"/>
-                  <a:pt x="2133935" y="4276"/>
-                  <a:pt x="2091171" y="0"/>
-                </a:cubicBezTo>
-                <a:lnTo>
-                  <a:pt x="1282932" y="12828"/>
-                </a:lnTo>
-                <a:cubicBezTo>
-                  <a:pt x="1269415" y="13238"/>
-                  <a:pt x="1257448" y="21940"/>
-                  <a:pt x="1244445" y="25655"/>
-                </a:cubicBezTo>
-                <a:cubicBezTo>
-                  <a:pt x="1126190" y="59438"/>
-                  <a:pt x="1261378" y="12901"/>
-                  <a:pt x="1141811" y="64138"/>
-                </a:cubicBezTo>
-                <a:cubicBezTo>
-                  <a:pt x="1098116" y="82862"/>
-                  <a:pt x="1079212" y="79223"/>
-                  <a:pt x="1026349" y="89794"/>
-                </a:cubicBezTo>
-                <a:cubicBezTo>
-                  <a:pt x="1009059" y="93251"/>
-                  <a:pt x="992138" y="98345"/>
-                  <a:pt x="975032" y="102621"/>
-                </a:cubicBezTo>
-                <a:lnTo>
-                  <a:pt x="898057" y="179588"/>
-                </a:lnTo>
-                <a:cubicBezTo>
-                  <a:pt x="885228" y="192416"/>
-                  <a:pt x="874432" y="207668"/>
-                  <a:pt x="859569" y="218071"/>
-                </a:cubicBezTo>
-                <a:cubicBezTo>
-                  <a:pt x="816805" y="248002"/>
-                  <a:pt x="768189" y="270957"/>
-                  <a:pt x="731278" y="307864"/>
-                </a:cubicBezTo>
-                <a:cubicBezTo>
-                  <a:pt x="709896" y="329244"/>
-                  <a:pt x="683906" y="346845"/>
-                  <a:pt x="667132" y="372003"/>
-                </a:cubicBezTo>
-                <a:cubicBezTo>
-                  <a:pt x="607262" y="461797"/>
-                  <a:pt x="641472" y="431866"/>
-                  <a:pt x="577327" y="474624"/>
-                </a:cubicBezTo>
-                <a:cubicBezTo>
-                  <a:pt x="560496" y="499868"/>
-                  <a:pt x="550383" y="520486"/>
-                  <a:pt x="526011" y="538763"/>
-                </a:cubicBezTo>
-                <a:cubicBezTo>
-                  <a:pt x="501341" y="557263"/>
-                  <a:pt x="449036" y="590073"/>
-                  <a:pt x="449036" y="590073"/>
-                </a:cubicBezTo>
-                <a:cubicBezTo>
-                  <a:pt x="355649" y="730133"/>
-                  <a:pt x="493380" y="514218"/>
-                  <a:pt x="410548" y="679867"/>
-                </a:cubicBezTo>
-                <a:cubicBezTo>
-                  <a:pt x="405139" y="690685"/>
-                  <a:pt x="392147" y="695848"/>
-                  <a:pt x="384890" y="705523"/>
-                </a:cubicBezTo>
-                <a:cubicBezTo>
-                  <a:pt x="366388" y="730190"/>
-                  <a:pt x="350679" y="756834"/>
-                  <a:pt x="333573" y="782489"/>
-                </a:cubicBezTo>
-                <a:cubicBezTo>
-                  <a:pt x="325020" y="795317"/>
-                  <a:pt x="314811" y="807183"/>
-                  <a:pt x="307915" y="820972"/>
-                </a:cubicBezTo>
-                <a:cubicBezTo>
-                  <a:pt x="299362" y="838075"/>
-                  <a:pt x="291744" y="855679"/>
-                  <a:pt x="282256" y="872282"/>
-                </a:cubicBezTo>
-                <a:cubicBezTo>
-                  <a:pt x="274606" y="885668"/>
-                  <a:pt x="263494" y="896976"/>
-                  <a:pt x="256598" y="910765"/>
-                </a:cubicBezTo>
-                <a:cubicBezTo>
-                  <a:pt x="242033" y="939891"/>
-                  <a:pt x="233550" y="971887"/>
-                  <a:pt x="218110" y="1000559"/>
-                </a:cubicBezTo>
-                <a:cubicBezTo>
-                  <a:pt x="203490" y="1027708"/>
-                  <a:pt x="176546" y="1048273"/>
-                  <a:pt x="166794" y="1077525"/>
-                </a:cubicBezTo>
-                <a:cubicBezTo>
-                  <a:pt x="162517" y="1090353"/>
-                  <a:pt x="160531" y="1104188"/>
-                  <a:pt x="153964" y="1116008"/>
-                </a:cubicBezTo>
-                <a:cubicBezTo>
-                  <a:pt x="138988" y="1142962"/>
-                  <a:pt x="112400" y="1163722"/>
-                  <a:pt x="102648" y="1192974"/>
-                </a:cubicBezTo>
-                <a:cubicBezTo>
-                  <a:pt x="98371" y="1205802"/>
-                  <a:pt x="96385" y="1219638"/>
-                  <a:pt x="89818" y="1231458"/>
-                </a:cubicBezTo>
-                <a:cubicBezTo>
-                  <a:pt x="74842" y="1258412"/>
-                  <a:pt x="48254" y="1279172"/>
-                  <a:pt x="38502" y="1308424"/>
-                </a:cubicBezTo>
-                <a:lnTo>
-                  <a:pt x="12843" y="1385390"/>
-                </a:lnTo>
-                <a:cubicBezTo>
-                  <a:pt x="8567" y="1462356"/>
-                  <a:pt x="14" y="1539203"/>
-                  <a:pt x="14" y="1616288"/>
-                </a:cubicBezTo>
-                <a:cubicBezTo>
-                  <a:pt x="14" y="1647089"/>
-                  <a:pt x="-1463" y="1813320"/>
-                  <a:pt x="25672" y="1885669"/>
-                </a:cubicBezTo>
-                <a:cubicBezTo>
-                  <a:pt x="32387" y="1903574"/>
-                  <a:pt x="42778" y="1919876"/>
-                  <a:pt x="51331" y="1936980"/>
-                </a:cubicBezTo>
-                <a:cubicBezTo>
-                  <a:pt x="55607" y="1958360"/>
-                  <a:pt x="58871" y="1979967"/>
-                  <a:pt x="64160" y="2001119"/>
-                </a:cubicBezTo>
-                <a:cubicBezTo>
-                  <a:pt x="67440" y="2014237"/>
-                  <a:pt x="74570" y="2026298"/>
-                  <a:pt x="76989" y="2039602"/>
-                </a:cubicBezTo>
-                <a:cubicBezTo>
-                  <a:pt x="83156" y="2073519"/>
-                  <a:pt x="85542" y="2108016"/>
-                  <a:pt x="89818" y="2142223"/>
-                </a:cubicBezTo>
-                <a:cubicBezTo>
-                  <a:pt x="97009" y="2379492"/>
-                  <a:pt x="73929" y="2490687"/>
-                  <a:pt x="128306" y="2680986"/>
-                </a:cubicBezTo>
-                <a:cubicBezTo>
-                  <a:pt x="134633" y="2703126"/>
-                  <a:pt x="145878" y="2723564"/>
-                  <a:pt x="153964" y="2745124"/>
-                </a:cubicBezTo>
-                <a:cubicBezTo>
-                  <a:pt x="176727" y="2805818"/>
-                  <a:pt x="153527" y="2763709"/>
-                  <a:pt x="192452" y="2822090"/>
-                </a:cubicBezTo>
-                <a:cubicBezTo>
-                  <a:pt x="197536" y="2847508"/>
-                  <a:pt x="209051" y="2910365"/>
-                  <a:pt x="218110" y="2937539"/>
-                </a:cubicBezTo>
-                <a:cubicBezTo>
-                  <a:pt x="225393" y="2959384"/>
-                  <a:pt x="235216" y="2980298"/>
-                  <a:pt x="243769" y="3001678"/>
-                </a:cubicBezTo>
-                <a:cubicBezTo>
-                  <a:pt x="248045" y="3027333"/>
-                  <a:pt x="251497" y="3053140"/>
-                  <a:pt x="256598" y="3078644"/>
-                </a:cubicBezTo>
-                <a:cubicBezTo>
-                  <a:pt x="264159" y="3116443"/>
-                  <a:pt x="281995" y="3174200"/>
-                  <a:pt x="295085" y="3206921"/>
-                </a:cubicBezTo>
-                <a:cubicBezTo>
-                  <a:pt x="303638" y="3228300"/>
-                  <a:pt x="311391" y="3250017"/>
-                  <a:pt x="320744" y="3271059"/>
-                </a:cubicBezTo>
-                <a:cubicBezTo>
-                  <a:pt x="331945" y="3296258"/>
-                  <a:pt x="353009" y="3338629"/>
-                  <a:pt x="372060" y="3360853"/>
-                </a:cubicBezTo>
-                <a:cubicBezTo>
-                  <a:pt x="387803" y="3379218"/>
-                  <a:pt x="406271" y="3395060"/>
-                  <a:pt x="423377" y="3412164"/>
-                </a:cubicBezTo>
-                <a:cubicBezTo>
-                  <a:pt x="431930" y="3420716"/>
-                  <a:pt x="437562" y="3433995"/>
-                  <a:pt x="449036" y="3437819"/>
-                </a:cubicBezTo>
-                <a:cubicBezTo>
-                  <a:pt x="461865" y="3442095"/>
-                  <a:pt x="475428" y="3444600"/>
-                  <a:pt x="487523" y="3450647"/>
-                </a:cubicBezTo>
-                <a:cubicBezTo>
-                  <a:pt x="501314" y="3457542"/>
-                  <a:pt x="512624" y="3468653"/>
-                  <a:pt x="526011" y="3476302"/>
-                </a:cubicBezTo>
-                <a:cubicBezTo>
-                  <a:pt x="542616" y="3485789"/>
-                  <a:pt x="560722" y="3492470"/>
-                  <a:pt x="577327" y="3501957"/>
-                </a:cubicBezTo>
-                <a:cubicBezTo>
-                  <a:pt x="646962" y="3541744"/>
-                  <a:pt x="583738" y="3516922"/>
-                  <a:pt x="654302" y="3540440"/>
-                </a:cubicBezTo>
-                <a:lnTo>
-                  <a:pt x="769765" y="3617407"/>
-                </a:lnTo>
-                <a:cubicBezTo>
-                  <a:pt x="782594" y="3625959"/>
-                  <a:pt x="793626" y="3638187"/>
-                  <a:pt x="808253" y="3643062"/>
-                </a:cubicBezTo>
-                <a:lnTo>
-                  <a:pt x="846740" y="3655890"/>
-                </a:lnTo>
-                <a:cubicBezTo>
-                  <a:pt x="911157" y="3752502"/>
-                  <a:pt x="824304" y="3640934"/>
-                  <a:pt x="923715" y="3707200"/>
-                </a:cubicBezTo>
-                <a:cubicBezTo>
-                  <a:pt x="936544" y="3715751"/>
-                  <a:pt x="936299" y="3737512"/>
-                  <a:pt x="949374" y="3745683"/>
-                </a:cubicBezTo>
-                <a:cubicBezTo>
-                  <a:pt x="972310" y="3760016"/>
-                  <a:pt x="1003845" y="3756338"/>
-                  <a:pt x="1026349" y="3771339"/>
-                </a:cubicBezTo>
-                <a:cubicBezTo>
-                  <a:pt x="1087340" y="3811995"/>
-                  <a:pt x="1050209" y="3792119"/>
-                  <a:pt x="1141811" y="3822650"/>
-                </a:cubicBezTo>
-                <a:cubicBezTo>
-                  <a:pt x="1162503" y="3843338"/>
-                  <a:pt x="1177637" y="3861824"/>
-                  <a:pt x="1205957" y="3873960"/>
-                </a:cubicBezTo>
-                <a:cubicBezTo>
-                  <a:pt x="1224395" y="3881861"/>
-                  <a:pt x="1306807" y="3895963"/>
-                  <a:pt x="1321420" y="3899616"/>
-                </a:cubicBezTo>
-                <a:cubicBezTo>
-                  <a:pt x="1334539" y="3902895"/>
-                  <a:pt x="1346789" y="3909164"/>
-                  <a:pt x="1359908" y="3912443"/>
-                </a:cubicBezTo>
-                <a:cubicBezTo>
-                  <a:pt x="1502630" y="3948119"/>
-                  <a:pt x="1647555" y="3932977"/>
-                  <a:pt x="1796100" y="3938099"/>
-                </a:cubicBezTo>
-                <a:cubicBezTo>
-                  <a:pt x="1892838" y="3970340"/>
-                  <a:pt x="1773596" y="3926849"/>
-                  <a:pt x="1873075" y="3976582"/>
-                </a:cubicBezTo>
-                <a:cubicBezTo>
-                  <a:pt x="1900582" y="3990334"/>
-                  <a:pt x="1949365" y="3996384"/>
-                  <a:pt x="1975708" y="4002237"/>
-                </a:cubicBezTo>
-                <a:cubicBezTo>
-                  <a:pt x="1992920" y="4006062"/>
-                  <a:pt x="2009919" y="4010789"/>
-                  <a:pt x="2027025" y="4015065"/>
-                </a:cubicBezTo>
-                <a:cubicBezTo>
-                  <a:pt x="2095447" y="4010789"/>
-                  <a:pt x="2164575" y="4012928"/>
-                  <a:pt x="2232292" y="4002237"/>
-                </a:cubicBezTo>
-                <a:cubicBezTo>
-                  <a:pt x="2247521" y="3999833"/>
-                  <a:pt x="2256988" y="3983476"/>
-                  <a:pt x="2270779" y="3976582"/>
-                </a:cubicBezTo>
-                <a:cubicBezTo>
-                  <a:pt x="2282875" y="3970535"/>
-                  <a:pt x="2296438" y="3968030"/>
-                  <a:pt x="2309267" y="3963754"/>
-                </a:cubicBezTo>
-                <a:lnTo>
-                  <a:pt x="2450388" y="3822650"/>
-                </a:lnTo>
-                <a:lnTo>
-                  <a:pt x="2501705" y="3771339"/>
-                </a:lnTo>
-                <a:cubicBezTo>
-                  <a:pt x="2514534" y="3767063"/>
-                  <a:pt x="2527530" y="3763259"/>
-                  <a:pt x="2540192" y="3758511"/>
-                </a:cubicBezTo>
-                <a:cubicBezTo>
-                  <a:pt x="2561755" y="3750426"/>
-                  <a:pt x="2582491" y="3740138"/>
-                  <a:pt x="2604338" y="3732856"/>
-                </a:cubicBezTo>
-                <a:cubicBezTo>
-                  <a:pt x="2621065" y="3727281"/>
-                  <a:pt x="2638766" y="3725094"/>
-                  <a:pt x="2655655" y="3720028"/>
-                </a:cubicBezTo>
-                <a:cubicBezTo>
-                  <a:pt x="2681561" y="3712257"/>
-                  <a:pt x="2706972" y="3702925"/>
-                  <a:pt x="2732630" y="3694373"/>
-                </a:cubicBezTo>
-                <a:lnTo>
-                  <a:pt x="2771118" y="3681545"/>
-                </a:lnTo>
-                <a:cubicBezTo>
-                  <a:pt x="2783947" y="3668717"/>
-                  <a:pt x="2794509" y="3653125"/>
-                  <a:pt x="2809605" y="3643062"/>
-                </a:cubicBezTo>
-                <a:cubicBezTo>
-                  <a:pt x="2820857" y="3635561"/>
-                  <a:pt x="2834727" y="3632290"/>
-                  <a:pt x="2848093" y="3630234"/>
-                </a:cubicBezTo>
-                <a:cubicBezTo>
-                  <a:pt x="2890571" y="3623700"/>
-                  <a:pt x="2933621" y="3621683"/>
-                  <a:pt x="2976385" y="3617407"/>
-                </a:cubicBezTo>
-                <a:cubicBezTo>
-                  <a:pt x="3111246" y="3590437"/>
-                  <a:pt x="2965961" y="3617123"/>
-                  <a:pt x="3181651" y="3591751"/>
-                </a:cubicBezTo>
-                <a:cubicBezTo>
-                  <a:pt x="3207485" y="3588712"/>
-                  <a:pt x="3232843" y="3582361"/>
-                  <a:pt x="3258627" y="3578924"/>
-                </a:cubicBezTo>
-                <a:cubicBezTo>
-                  <a:pt x="3297012" y="3573807"/>
-                  <a:pt x="3335602" y="3570372"/>
-                  <a:pt x="3374089" y="3566096"/>
-                </a:cubicBezTo>
-                <a:cubicBezTo>
-                  <a:pt x="3391195" y="3561820"/>
-                  <a:pt x="3408194" y="3557093"/>
-                  <a:pt x="3425406" y="3553268"/>
-                </a:cubicBezTo>
-                <a:cubicBezTo>
-                  <a:pt x="3446692" y="3548538"/>
-                  <a:pt x="3469135" y="3548096"/>
-                  <a:pt x="3489552" y="3540440"/>
-                </a:cubicBezTo>
-                <a:cubicBezTo>
-                  <a:pt x="3503989" y="3535027"/>
-                  <a:pt x="3514818" y="3522717"/>
-                  <a:pt x="3528039" y="3514785"/>
-                </a:cubicBezTo>
-                <a:cubicBezTo>
-                  <a:pt x="3578983" y="3484222"/>
-                  <a:pt x="3634462" y="3460633"/>
-                  <a:pt x="3681990" y="3424991"/>
-                </a:cubicBezTo>
-                <a:cubicBezTo>
-                  <a:pt x="3699095" y="3412163"/>
-                  <a:pt x="3715174" y="3397839"/>
-                  <a:pt x="3733306" y="3386508"/>
-                </a:cubicBezTo>
-                <a:cubicBezTo>
-                  <a:pt x="3769540" y="3363865"/>
-                  <a:pt x="3785699" y="3360494"/>
-                  <a:pt x="3823111" y="3348025"/>
-                </a:cubicBezTo>
-                <a:cubicBezTo>
-                  <a:pt x="3818834" y="3365129"/>
-                  <a:pt x="3823668" y="3387863"/>
-                  <a:pt x="3810281" y="3399336"/>
-                </a:cubicBezTo>
-                <a:cubicBezTo>
-                  <a:pt x="3789745" y="3416936"/>
-                  <a:pt x="3733306" y="3424991"/>
-                  <a:pt x="3733306" y="3424991"/>
-                </a:cubicBezTo>
-                <a:cubicBezTo>
-                  <a:pt x="3720477" y="3433543"/>
-                  <a:pt x="3708991" y="3444574"/>
-                  <a:pt x="3694819" y="3450647"/>
-                </a:cubicBezTo>
-                <a:cubicBezTo>
-                  <a:pt x="3678612" y="3457592"/>
-                  <a:pt x="3658454" y="3454130"/>
-                  <a:pt x="3643502" y="3463474"/>
-                </a:cubicBezTo>
-                <a:cubicBezTo>
-                  <a:pt x="3622988" y="3476293"/>
-                  <a:pt x="3592185" y="3514785"/>
-                  <a:pt x="3592185" y="3514785"/>
-                </a:cubicBezTo>
-              </a:path>
-            </a:pathLst>
-          </a:custGeom>
-          <a:ln w="44450">
-            <a:solidFill>
-              <a:srgbClr val="FF00FF"/>
-            </a:solidFill>
-          </a:ln>
-        </p:spPr>
-        <p:txBody>
-          <a:bodyPr rtlCol="0" anchor="ctr"/>
-          <a:lstStyle/>
-          <a:p>
-            <a:pPr algn="ctr"/>
-            <a:endParaRPr lang="en-US"/>
-          </a:p>
-        </p:txBody>
-      </p:sp>
-      <p:sp>
-        <p:nvSpPr>
-          <p:cNvPr id="46" name="TextBox 45"/>
-          <p:cNvSpPr txBox="1"/>
-          <p:nvPr/>
-        </p:nvSpPr>
-        <p:spPr>
-          <a:xfrm>
-            <a:off x="1371600" y="1828800"/>
-            <a:ext cx="455774" cy="769441"/>
-          </a:xfrm>
-          <a:prstGeom prst="rect">
-            <a:avLst/>
-          </a:prstGeom>
-          <a:noFill/>
-        </p:spPr>
-        <p:txBody>
-          <a:bodyPr wrap="none" rtlCol="0">
-            <a:spAutoFit/>
-          </a:bodyPr>
-          <a:lstStyle/>
-          <a:p>
-            <a:r>
-              <a:rPr lang="en-US" sz="4400" dirty="0" smtClean="0">
-                <a:solidFill>
-                  <a:srgbClr val="008000"/>
-                </a:solidFill>
-              </a:rPr>
-              <a:t>r</a:t>
-            </a:r>
-            <a:endParaRPr lang="en-US" sz="4400" dirty="0">
-              <a:solidFill>
-                <a:srgbClr val="008000"/>
-              </a:solidFill>
-            </a:endParaRPr>
-          </a:p>
-        </p:txBody>
-      </p:sp>
-    </p:spTree>
-    <p:extLst>
-      <p:ext uri="{BB962C8B-B14F-4D97-AF65-F5344CB8AC3E}">
-        <p14:creationId xmlns:p14="http://schemas.microsoft.com/office/powerpoint/2010/main" val="3935745993"/>
-      </p:ext>
-    </p:extLst>
-  </p:cSld>
-  <p:clrMapOvr>
-    <a:masterClrMapping/>
-  </p:clrMapOvr>
-  <mc:AlternateContent xmlns:mc="http://schemas.openxmlformats.org/markup-compatibility/2006">
-    <mc:Choice xmlns:p14="http://schemas.microsoft.com/office/powerpoint/2010/main" Requires="p14">
-      <p:transition spd="med" p14:dur="700" advClick="0">
-        <p:fade/>
-      </p:transition>
-    </mc:Choice>
-    <mc:Fallback>
-      <p:transition xmlns:p14="http://schemas.microsoft.com/office/powerpoint/2010/main" spd="med" advClick="0">
-        <p:fade/>
-      </p:transition>
-    </mc:Fallback>
-  </mc:AlternateContent>
-  <p:timing>
-    <p:tnLst>
-      <p:par>
-        <p:cTn xmlns:p14="http://schemas.microsoft.com/office/powerpoint/2010/main" id="1" dur="indefinite" restart="never" nodeType="tmRoot">
-          <p:childTnLst>
-            <p:seq concurrent="1" nextAc="seek">
-              <p:cTn id="2" dur="indefinite" nodeType="mainSeq">
-                <p:childTnLst>
-                  <p:par>
-                    <p:cTn id="3" fill="hold">
-                      <p:stCondLst>
-                        <p:cond delay="indefinite"/>
-                      </p:stCondLst>
-                      <p:childTnLst>
-                        <p:par>
-                          <p:cTn id="4" fill="hold">
-                            <p:stCondLst>
-                              <p:cond delay="0"/>
-                            </p:stCondLst>
-                            <p:childTnLst>
-                              <p:par>
-                                <p:cTn id="5" presetID="7" presetClass="emph" presetSubtype="2" fill="hold" nodeType="clickEffect">
-                                  <p:stCondLst>
-                                    <p:cond delay="0"/>
-                                  </p:stCondLst>
-                                  <p:childTnLst>
-                                    <p:animClr clrSpc="rgb" dir="cw">
-                                      <p:cBhvr>
-                                        <p:cTn id="6" dur="500" fill="hold"/>
-                                        <p:tgtEl>
-                                          <p:spTgt spid="44"/>
-                                        </p:tgtEl>
-                                        <p:attrNameLst>
-                                          <p:attrName>stroke.color</p:attrName>
-                                        </p:attrNameLst>
-                                      </p:cBhvr>
-                                      <p:to>
-                                        <a:schemeClr val="folHlink"/>
-                                      </p:to>
-                                    </p:animClr>
-                                    <p:set>
-                                      <p:cBhvr>
-                                        <p:cTn id="7" dur="500" fill="hold"/>
-                                        <p:tgtEl>
-                                          <p:spTgt spid="44"/>
-                                        </p:tgtEl>
-                                        <p:attrNameLst>
-                                          <p:attrName>stroke.on</p:attrName>
-                                        </p:attrNameLst>
-                                      </p:cBhvr>
-                                      <p:to>
-                                        <p:strVal val="true"/>
-                                      </p:to>
-                                    </p:set>
-                                  </p:childTnLst>
-                                </p:cTn>
-                              </p:par>
-                              <p:par>
-                                <p:cTn id="8" presetID="10" presetClass="entr" presetSubtype="0" fill="hold" grpId="0" nodeType="withEffect">
-                                  <p:stCondLst>
-                                    <p:cond delay="0"/>
-                                  </p:stCondLst>
-                                  <p:childTnLst>
-                                    <p:set>
-                                      <p:cBhvr>
-                                        <p:cTn id="9" dur="1" fill="hold">
-                                          <p:stCondLst>
-                                            <p:cond delay="0"/>
-                                          </p:stCondLst>
-                                        </p:cTn>
-                                        <p:tgtEl>
-                                          <p:spTgt spid="46"/>
-                                        </p:tgtEl>
-                                        <p:attrNameLst>
-                                          <p:attrName>style.visibility</p:attrName>
-                                        </p:attrNameLst>
-                                      </p:cBhvr>
-                                      <p:to>
-                                        <p:strVal val="visible"/>
-                                      </p:to>
-                                    </p:set>
-                                    <p:animEffect transition="in" filter="fade">
-                                      <p:cBhvr>
-                                        <p:cTn id="10" dur="500"/>
-                                        <p:tgtEl>
-                                          <p:spTgt spid="46"/>
-                                        </p:tgtEl>
-                                      </p:cBhvr>
-                                    </p:animEffect>
-                                  </p:childTnLst>
-                                </p:cTn>
-                              </p:par>
-                            </p:childTnLst>
-                          </p:cTn>
-                        </p:par>
-                      </p:childTnLst>
-                    </p:cTn>
-                  </p:par>
-                  <p:par>
-                    <p:cTn id="11" fill="hold">
-                      <p:stCondLst>
-                        <p:cond delay="indefinite"/>
-                      </p:stCondLst>
-                      <p:childTnLst>
-                        <p:par>
-                          <p:cTn id="12" fill="hold">
-                            <p:stCondLst>
-                              <p:cond delay="0"/>
-                            </p:stCondLst>
-                            <p:childTnLst>
-                              <p:par>
-                                <p:cTn id="13" presetID="10" presetClass="exit" presetSubtype="0" fill="hold" nodeType="clickEffect">
-                                  <p:stCondLst>
-                                    <p:cond delay="0"/>
-                                  </p:stCondLst>
-                                  <p:childTnLst>
-                                    <p:animEffect transition="out" filter="fade">
-                                      <p:cBhvr>
-                                        <p:cTn id="14" dur="1000"/>
-                                        <p:tgtEl>
-                                          <p:spTgt spid="44"/>
-                                        </p:tgtEl>
-                                      </p:cBhvr>
-                                    </p:animEffect>
-                                    <p:set>
-                                      <p:cBhvr>
-                                        <p:cTn id="15" dur="1" fill="hold">
-                                          <p:stCondLst>
-                                            <p:cond delay="999"/>
-                                          </p:stCondLst>
-                                        </p:cTn>
-                                        <p:tgtEl>
-                                          <p:spTgt spid="44"/>
-                                        </p:tgtEl>
-                                        <p:attrNameLst>
-                                          <p:attrName>style.visibility</p:attrName>
-                                        </p:attrNameLst>
-                                      </p:cBhvr>
-                                      <p:to>
-                                        <p:strVal val="hidden"/>
-                                      </p:to>
-                                    </p:set>
-                                  </p:childTnLst>
-                                </p:cTn>
-                              </p:par>
-                            </p:childTnLst>
-                          </p:cTn>
-                        </p:par>
-                      </p:childTnLst>
-                    </p:cTn>
-                  </p:par>
-                </p:childTnLst>
-              </p:cTn>
-              <p:prevCondLst>
-                <p:cond evt="onPrev" delay="0">
-                  <p:tgtEl>
-                    <p:sldTgt/>
-                  </p:tgtEl>
-                </p:cond>
-              </p:prevCondLst>
-              <p:nextCondLst>
-                <p:cond evt="onNext" delay="0">
-                  <p:tgtEl>
-                    <p:sldTgt/>
-                  </p:tgtEl>
-                </p:cond>
-              </p:nextCondLst>
-            </p:seq>
-          </p:childTnLst>
-        </p:cTn>
-      </p:par>
-    </p:tnLst>
-    <p:bldLst>
-      <p:bldP spid="46" grpId="0"/>
-    </p:bldLst>
-  </p:timing>
-</p:sld>
-</file>
-
-<file path=ppt/slides/slide8.xml><?xml version="1.0" encoding="utf-8"?>
-<p:sld xmlns:a="http://schemas.openxmlformats.org/drawingml/2006/main" xmlns:r="http://schemas.openxmlformats.org/officeDocument/2006/relationships" xmlns:p="http://schemas.openxmlformats.org/presentationml/2006/main">
-  <p:cSld>
-    <p:spTree>
-      <p:nvGrpSpPr>
-        <p:cNvPr id="1" name=""/>
-        <p:cNvGrpSpPr/>
-        <p:nvPr/>
-      </p:nvGrpSpPr>
-      <p:grpSpPr>
-        <a:xfrm>
-          <a:off x="0" y="0"/>
-          <a:ext cx="0" cy="0"/>
-          <a:chOff x="0" y="0"/>
-          <a:chExt cx="0" cy="0"/>
-        </a:xfrm>
-      </p:grpSpPr>
-      <p:sp>
-        <p:nvSpPr>
-          <p:cNvPr id="30" name="Oval 29"/>
-          <p:cNvSpPr/>
-          <p:nvPr/>
-        </p:nvSpPr>
-        <p:spPr bwMode="auto">
-          <a:xfrm>
-            <a:off x="2514600" y="1600200"/>
-            <a:ext cx="152400" cy="152400"/>
-          </a:xfrm>
-          <a:prstGeom prst="ellipse">
-            <a:avLst/>
-          </a:prstGeom>
-          <a:solidFill>
-            <a:srgbClr val="000000"/>
-          </a:solidFill>
-          <a:ln w="3175" cap="flat" cmpd="sng" algn="ctr">
-            <a:solidFill>
-              <a:schemeClr val="tx1"/>
-            </a:solidFill>
-            <a:prstDash val="solid"/>
-            <a:round/>
-            <a:headEnd type="none" w="med" len="med"/>
-            <a:tailEnd type="triangle" w="lg" len="lg"/>
-          </a:ln>
-          <a:effectLst/>
-        </p:spPr>
-        <p:txBody>
-          <a:bodyPr vert="horz" wrap="square" lIns="91440" tIns="45720" rIns="91440" bIns="45720" numCol="1" rtlCol="0" anchor="t" anchorCtr="0" compatLnSpc="1">
-            <a:prstTxWarp prst="textNoShape">
-              <a:avLst/>
-            </a:prstTxWarp>
-          </a:bodyPr>
-          <a:lstStyle/>
-          <a:p>
-            <a:pPr marL="0" marR="0" indent="0" algn="l" defTabSz="914400" rtl="0" eaLnBrk="1" fontAlgn="base" latinLnBrk="0" hangingPunct="1">
-              <a:lnSpc>
-                <a:spcPct val="100000"/>
-              </a:lnSpc>
-              <a:spcBef>
-                <a:spcPct val="0"/>
-              </a:spcBef>
-              <a:spcAft>
-                <a:spcPct val="0"/>
-              </a:spcAft>
-              <a:buClrTx/>
-              <a:buSzTx/>
-              <a:buFontTx/>
-              <a:buNone/>
-              <a:tabLst/>
-            </a:pPr>
-            <a:endParaRPr kumimoji="0" lang="en-US" sz="3200" b="0" i="0" u="none" strike="noStrike" cap="none" normalizeH="0" baseline="0" smtClean="0">
-              <a:ln>
-                <a:noFill/>
-              </a:ln>
-              <a:solidFill>
-                <a:schemeClr val="tx1"/>
-              </a:solidFill>
-              <a:effectLst/>
-              <a:latin typeface="Comic Sans MS" pitchFamily="66" charset="0"/>
-            </a:endParaRPr>
-          </a:p>
-        </p:txBody>
-      </p:sp>
-      <p:sp>
-        <p:nvSpPr>
-          <p:cNvPr id="29" name="Oval 28"/>
-          <p:cNvSpPr/>
-          <p:nvPr/>
-        </p:nvSpPr>
-        <p:spPr bwMode="auto">
-          <a:xfrm>
-            <a:off x="1295400" y="3124201"/>
-            <a:ext cx="152400" cy="152400"/>
-          </a:xfrm>
-          <a:prstGeom prst="ellipse">
-            <a:avLst/>
-          </a:prstGeom>
-          <a:solidFill>
-            <a:srgbClr val="000000"/>
-          </a:solidFill>
-          <a:ln w="3175" cap="flat" cmpd="sng" algn="ctr">
-            <a:solidFill>
-              <a:schemeClr val="tx1"/>
-            </a:solidFill>
-            <a:prstDash val="solid"/>
-            <a:round/>
-            <a:headEnd type="none" w="med" len="med"/>
-            <a:tailEnd type="triangle" w="lg" len="lg"/>
-          </a:ln>
-          <a:effectLst/>
-        </p:spPr>
-        <p:txBody>
-          <a:bodyPr vert="horz" wrap="square" lIns="91440" tIns="45720" rIns="91440" bIns="45720" numCol="1" rtlCol="0" anchor="t" anchorCtr="0" compatLnSpc="1">
-            <a:prstTxWarp prst="textNoShape">
-              <a:avLst/>
-            </a:prstTxWarp>
-          </a:bodyPr>
-          <a:lstStyle/>
-          <a:p>
-            <a:pPr marL="0" marR="0" indent="0" algn="l" defTabSz="914400" rtl="0" eaLnBrk="1" fontAlgn="base" latinLnBrk="0" hangingPunct="1">
-              <a:lnSpc>
-                <a:spcPct val="100000"/>
-              </a:lnSpc>
-              <a:spcBef>
-                <a:spcPct val="0"/>
-              </a:spcBef>
-              <a:spcAft>
-                <a:spcPct val="0"/>
-              </a:spcAft>
-              <a:buClrTx/>
-              <a:buSzTx/>
-              <a:buFontTx/>
-              <a:buNone/>
-              <a:tabLst/>
-            </a:pPr>
-            <a:endParaRPr kumimoji="0" lang="en-US" sz="3200" b="0" i="0" u="none" strike="noStrike" cap="none" normalizeH="0" baseline="0" smtClean="0">
-              <a:ln>
-                <a:noFill/>
-              </a:ln>
-              <a:solidFill>
-                <a:schemeClr val="tx1"/>
-              </a:solidFill>
-              <a:effectLst/>
-              <a:latin typeface="Comic Sans MS" pitchFamily="66" charset="0"/>
-            </a:endParaRPr>
-          </a:p>
-        </p:txBody>
-      </p:sp>
-      <p:grpSp>
-        <p:nvGrpSpPr>
-          <p:cNvPr id="65" name="Group 64"/>
-          <p:cNvGrpSpPr/>
-          <p:nvPr/>
-        </p:nvGrpSpPr>
-        <p:grpSpPr>
-          <a:xfrm>
-            <a:off x="1905000" y="5334000"/>
-            <a:ext cx="3756118" cy="914400"/>
-            <a:chOff x="1882682" y="5334000"/>
-            <a:chExt cx="3756118" cy="914400"/>
-          </a:xfrm>
-        </p:grpSpPr>
-        <p:sp>
-          <p:nvSpPr>
-            <p:cNvPr id="5" name="Oval 4"/>
-            <p:cNvSpPr/>
-            <p:nvPr/>
-          </p:nvSpPr>
-          <p:spPr bwMode="auto">
-            <a:xfrm>
-              <a:off x="5464082" y="5334000"/>
-              <a:ext cx="152400" cy="152400"/>
-            </a:xfrm>
-            <a:prstGeom prst="ellipse">
-              <a:avLst/>
-            </a:prstGeom>
-            <a:solidFill>
-              <a:schemeClr val="tx1"/>
-            </a:solidFill>
-            <a:ln w="31750" cap="flat" cmpd="sng" algn="ctr">
-              <a:solidFill>
-                <a:schemeClr val="tx1"/>
-              </a:solidFill>
-              <a:prstDash val="solid"/>
-              <a:round/>
-              <a:headEnd type="none" w="med" len="med"/>
-              <a:tailEnd type="triangle" w="lg" len="lg"/>
-            </a:ln>
-            <a:effectLst/>
-          </p:spPr>
-          <p:txBody>
-            <a:bodyPr vert="horz" wrap="square" lIns="91440" tIns="45720" rIns="91440" bIns="45720" numCol="1" rtlCol="0" anchor="t" anchorCtr="0" compatLnSpc="1">
-              <a:prstTxWarp prst="textNoShape">
-                <a:avLst/>
-              </a:prstTxWarp>
-            </a:bodyPr>
-            <a:lstStyle/>
-            <a:p>
-              <a:pPr marL="0" marR="0" indent="0" algn="l" defTabSz="914400" rtl="0" eaLnBrk="1" fontAlgn="base" latinLnBrk="0" hangingPunct="1">
-                <a:lnSpc>
-                  <a:spcPct val="100000"/>
-                </a:lnSpc>
-                <a:spcBef>
-                  <a:spcPct val="0"/>
-                </a:spcBef>
-                <a:spcAft>
-                  <a:spcPct val="0"/>
-                </a:spcAft>
-                <a:buClrTx/>
-                <a:buSzTx/>
-                <a:buFontTx/>
-                <a:buNone/>
-                <a:tabLst/>
-              </a:pPr>
-              <a:endParaRPr kumimoji="0" lang="en-US" sz="3200" b="0" i="0" u="none" strike="noStrike" cap="none" normalizeH="0" baseline="0" smtClean="0">
-                <a:ln>
-                  <a:noFill/>
-                </a:ln>
-                <a:solidFill>
-                  <a:schemeClr val="tx1"/>
-                </a:solidFill>
-                <a:effectLst/>
-                <a:latin typeface="Comic Sans MS" pitchFamily="66" charset="0"/>
-              </a:endParaRPr>
-            </a:p>
-          </p:txBody>
-        </p:sp>
-        <p:sp>
-          <p:nvSpPr>
-            <p:cNvPr id="6" name="Oval 5"/>
-            <p:cNvSpPr/>
-            <p:nvPr/>
-          </p:nvSpPr>
-          <p:spPr bwMode="auto">
-            <a:xfrm>
-              <a:off x="5486400" y="6096000"/>
-              <a:ext cx="152400" cy="152400"/>
-            </a:xfrm>
-            <a:prstGeom prst="ellipse">
-              <a:avLst/>
-            </a:prstGeom>
-            <a:solidFill>
-              <a:schemeClr val="tx1"/>
-            </a:solidFill>
-            <a:ln w="31750" cap="flat" cmpd="sng" algn="ctr">
-              <a:solidFill>
-                <a:schemeClr val="tx1"/>
-              </a:solidFill>
-              <a:prstDash val="solid"/>
-              <a:round/>
-              <a:headEnd type="none" w="med" len="med"/>
-              <a:tailEnd type="triangle" w="lg" len="lg"/>
-            </a:ln>
-            <a:effectLst/>
-          </p:spPr>
-          <p:txBody>
-            <a:bodyPr vert="horz" wrap="square" lIns="91440" tIns="45720" rIns="91440" bIns="45720" numCol="1" rtlCol="0" anchor="t" anchorCtr="0" compatLnSpc="1">
-              <a:prstTxWarp prst="textNoShape">
-                <a:avLst/>
-              </a:prstTxWarp>
-            </a:bodyPr>
-            <a:lstStyle/>
-            <a:p>
-              <a:pPr marL="0" marR="0" indent="0" algn="l" defTabSz="914400" rtl="0" eaLnBrk="1" fontAlgn="base" latinLnBrk="0" hangingPunct="1">
-                <a:lnSpc>
-                  <a:spcPct val="100000"/>
-                </a:lnSpc>
-                <a:spcBef>
-                  <a:spcPct val="0"/>
-                </a:spcBef>
-                <a:spcAft>
-                  <a:spcPct val="0"/>
-                </a:spcAft>
-                <a:buClrTx/>
-                <a:buSzTx/>
-                <a:buFontTx/>
-                <a:buNone/>
-                <a:tabLst/>
-              </a:pPr>
-              <a:endParaRPr kumimoji="0" lang="en-US" sz="3200" b="0" i="0" u="none" strike="noStrike" cap="none" normalizeH="0" baseline="0" smtClean="0">
-                <a:ln>
-                  <a:noFill/>
-                </a:ln>
-                <a:solidFill>
-                  <a:schemeClr val="tx1"/>
-                </a:solidFill>
-                <a:effectLst/>
-                <a:latin typeface="Comic Sans MS" pitchFamily="66" charset="0"/>
-              </a:endParaRPr>
-            </a:p>
-          </p:txBody>
-        </p:sp>
-        <p:sp>
-          <p:nvSpPr>
-            <p:cNvPr id="7" name="Oval 6"/>
-            <p:cNvSpPr/>
-            <p:nvPr/>
-          </p:nvSpPr>
-          <p:spPr bwMode="auto">
-            <a:xfrm>
-              <a:off x="4038600" y="6019800"/>
-              <a:ext cx="152400" cy="152400"/>
-            </a:xfrm>
-            <a:prstGeom prst="ellipse">
-              <a:avLst/>
-            </a:prstGeom>
-            <a:solidFill>
-              <a:schemeClr val="tx1"/>
-            </a:solidFill>
-            <a:ln w="31750" cap="flat" cmpd="sng" algn="ctr">
-              <a:solidFill>
-                <a:schemeClr val="tx1"/>
-              </a:solidFill>
-              <a:prstDash val="solid"/>
-              <a:round/>
-              <a:headEnd type="none" w="med" len="med"/>
-              <a:tailEnd type="triangle" w="lg" len="lg"/>
-            </a:ln>
-            <a:effectLst/>
-          </p:spPr>
-          <p:txBody>
-            <a:bodyPr vert="horz" wrap="square" lIns="91440" tIns="45720" rIns="91440" bIns="45720" numCol="1" rtlCol="0" anchor="t" anchorCtr="0" compatLnSpc="1">
-              <a:prstTxWarp prst="textNoShape">
-                <a:avLst/>
-              </a:prstTxWarp>
-            </a:bodyPr>
-            <a:lstStyle/>
-            <a:p>
-              <a:pPr marL="0" marR="0" indent="0" algn="l" defTabSz="914400" rtl="0" eaLnBrk="1" fontAlgn="base" latinLnBrk="0" hangingPunct="1">
-                <a:lnSpc>
-                  <a:spcPct val="100000"/>
-                </a:lnSpc>
-                <a:spcBef>
-                  <a:spcPct val="0"/>
-                </a:spcBef>
-                <a:spcAft>
-                  <a:spcPct val="0"/>
-                </a:spcAft>
-                <a:buClrTx/>
-                <a:buSzTx/>
-                <a:buFontTx/>
-                <a:buNone/>
-                <a:tabLst/>
-              </a:pPr>
-              <a:endParaRPr kumimoji="0" lang="en-US" sz="3200" b="0" i="0" u="none" strike="noStrike" cap="none" normalizeH="0" baseline="0" smtClean="0">
-                <a:ln>
-                  <a:noFill/>
-                </a:ln>
-                <a:solidFill>
-                  <a:schemeClr val="tx1"/>
-                </a:solidFill>
-                <a:effectLst/>
-                <a:latin typeface="Comic Sans MS" pitchFamily="66" charset="0"/>
-              </a:endParaRPr>
-            </a:p>
-          </p:txBody>
-        </p:sp>
-        <p:sp>
-          <p:nvSpPr>
-            <p:cNvPr id="32" name="Oval 31"/>
-            <p:cNvSpPr/>
-            <p:nvPr/>
-          </p:nvSpPr>
-          <p:spPr bwMode="auto">
-            <a:xfrm>
-              <a:off x="1882682" y="5410200"/>
-              <a:ext cx="152400" cy="152400"/>
-            </a:xfrm>
-            <a:prstGeom prst="ellipse">
-              <a:avLst/>
-            </a:prstGeom>
-            <a:solidFill>
-              <a:srgbClr val="000000"/>
-            </a:solidFill>
-            <a:ln w="3175" cap="flat" cmpd="sng" algn="ctr">
-              <a:solidFill>
-                <a:schemeClr val="tx1"/>
-              </a:solidFill>
-              <a:prstDash val="solid"/>
-              <a:round/>
-              <a:headEnd type="none" w="med" len="med"/>
-              <a:tailEnd type="triangle" w="lg" len="lg"/>
-            </a:ln>
-            <a:effectLst/>
-          </p:spPr>
-          <p:txBody>
-            <a:bodyPr vert="horz" wrap="square" lIns="91440" tIns="45720" rIns="91440" bIns="45720" numCol="1" rtlCol="0" anchor="t" anchorCtr="0" compatLnSpc="1">
-              <a:prstTxWarp prst="textNoShape">
-                <a:avLst/>
-              </a:prstTxWarp>
-            </a:bodyPr>
-            <a:lstStyle/>
-            <a:p>
-              <a:pPr marL="0" marR="0" indent="0" algn="l" defTabSz="914400" rtl="0" eaLnBrk="1" fontAlgn="base" latinLnBrk="0" hangingPunct="1">
-                <a:lnSpc>
-                  <a:spcPct val="100000"/>
-                </a:lnSpc>
-                <a:spcBef>
-                  <a:spcPct val="0"/>
-                </a:spcBef>
-                <a:spcAft>
-                  <a:spcPct val="0"/>
-                </a:spcAft>
-                <a:buClrTx/>
-                <a:buSzTx/>
-                <a:buFontTx/>
-                <a:buNone/>
-                <a:tabLst/>
-              </a:pPr>
-              <a:endParaRPr kumimoji="0" lang="en-US" sz="3200" b="0" i="0" u="none" strike="noStrike" cap="none" normalizeH="0" baseline="0" smtClean="0">
-                <a:ln>
-                  <a:noFill/>
-                </a:ln>
-                <a:solidFill>
-                  <a:schemeClr val="tx1"/>
-                </a:solidFill>
-                <a:effectLst/>
-                <a:latin typeface="Comic Sans MS" pitchFamily="66" charset="0"/>
-              </a:endParaRPr>
-            </a:p>
-          </p:txBody>
-        </p:sp>
-        <p:cxnSp>
-          <p:nvCxnSpPr>
-            <p:cNvPr id="39" name="Straight Connector 38"/>
-            <p:cNvCxnSpPr>
-              <a:stCxn id="5" idx="4"/>
-              <a:endCxn id="6" idx="0"/>
-            </p:cNvCxnSpPr>
-            <p:nvPr/>
-          </p:nvCxnSpPr>
-          <p:spPr bwMode="auto">
-            <a:xfrm>
-              <a:off x="5540282" y="5486400"/>
-              <a:ext cx="22318" cy="609600"/>
-            </a:xfrm>
-            <a:prstGeom prst="line">
-              <a:avLst/>
-            </a:prstGeom>
-            <a:noFill/>
-            <a:ln w="38100" cap="flat" cmpd="sng" algn="ctr">
-              <a:solidFill>
-                <a:schemeClr val="tx1"/>
-              </a:solidFill>
-              <a:prstDash val="solid"/>
-              <a:round/>
-              <a:headEnd type="none" w="med" len="med"/>
-              <a:tailEnd type="none" w="lg" len="lg"/>
-            </a:ln>
-            <a:effectLst/>
-          </p:spPr>
-        </p:cxnSp>
-        <p:cxnSp>
-          <p:nvCxnSpPr>
-            <p:cNvPr id="40" name="Straight Connector 39"/>
-            <p:cNvCxnSpPr>
-              <a:stCxn id="5" idx="3"/>
-              <a:endCxn id="7" idx="7"/>
-            </p:cNvCxnSpPr>
-            <p:nvPr/>
-          </p:nvCxnSpPr>
-          <p:spPr bwMode="auto">
-            <a:xfrm flipH="1">
-              <a:off x="4168682" y="5464082"/>
-              <a:ext cx="1317718" cy="578036"/>
-            </a:xfrm>
-            <a:prstGeom prst="line">
-              <a:avLst/>
-            </a:prstGeom>
-            <a:noFill/>
-            <a:ln w="38100" cap="flat" cmpd="sng" algn="ctr">
-              <a:solidFill>
-                <a:schemeClr val="tx1"/>
-              </a:solidFill>
-              <a:prstDash val="solid"/>
-              <a:round/>
-              <a:headEnd type="none" w="med" len="med"/>
-              <a:tailEnd type="none" w="lg" len="lg"/>
-            </a:ln>
-            <a:effectLst/>
-          </p:spPr>
-        </p:cxnSp>
-        <p:cxnSp>
-          <p:nvCxnSpPr>
-            <p:cNvPr id="41" name="Straight Connector 40"/>
-            <p:cNvCxnSpPr>
-              <a:stCxn id="32" idx="5"/>
-              <a:endCxn id="7" idx="2"/>
-            </p:cNvCxnSpPr>
-            <p:nvPr/>
-          </p:nvCxnSpPr>
-          <p:spPr bwMode="auto">
-            <a:xfrm>
-              <a:off x="2012764" y="5540282"/>
-              <a:ext cx="2025836" cy="555718"/>
-            </a:xfrm>
-            <a:prstGeom prst="line">
-              <a:avLst/>
-            </a:prstGeom>
-            <a:noFill/>
-            <a:ln w="38100" cap="flat" cmpd="sng" algn="ctr">
-              <a:solidFill>
-                <a:schemeClr val="tx1"/>
-              </a:solidFill>
-              <a:prstDash val="solid"/>
-              <a:round/>
-              <a:headEnd type="none" w="med" len="med"/>
-              <a:tailEnd type="none" w="lg" len="lg"/>
-            </a:ln>
-            <a:effectLst/>
-          </p:spPr>
-        </p:cxnSp>
-      </p:grpSp>
-      <p:cxnSp>
-        <p:nvCxnSpPr>
-          <p:cNvPr id="35" name="Straight Connector 34"/>
-          <p:cNvCxnSpPr>
-            <a:stCxn id="9" idx="4"/>
-            <a:endCxn id="8" idx="0"/>
-          </p:cNvCxnSpPr>
-          <p:nvPr/>
-        </p:nvCxnSpPr>
-        <p:spPr bwMode="auto">
-          <a:xfrm>
-            <a:off x="4921436" y="1828800"/>
-            <a:ext cx="412564" cy="914400"/>
-          </a:xfrm>
-          <a:prstGeom prst="line">
-            <a:avLst/>
-          </a:prstGeom>
-          <a:noFill/>
-          <a:ln w="38100" cap="flat" cmpd="sng" algn="ctr">
-            <a:solidFill>
-              <a:schemeClr val="tx1"/>
-            </a:solidFill>
-            <a:prstDash val="solid"/>
-            <a:round/>
-            <a:headEnd type="none" w="med" len="med"/>
-            <a:tailEnd type="none" w="lg" len="lg"/>
-          </a:ln>
-          <a:effectLst/>
-        </p:spPr>
-      </p:cxnSp>
-      <p:sp>
-        <p:nvSpPr>
-          <p:cNvPr id="9" name="Oval 8"/>
-          <p:cNvSpPr/>
-          <p:nvPr/>
-        </p:nvSpPr>
-        <p:spPr bwMode="auto">
-          <a:xfrm>
-            <a:off x="4845236" y="1676400"/>
-            <a:ext cx="152400" cy="152400"/>
-          </a:xfrm>
-          <a:prstGeom prst="ellipse">
-            <a:avLst/>
-          </a:prstGeom>
-          <a:solidFill>
-            <a:srgbClr val="000000"/>
-          </a:solidFill>
-          <a:ln w="3175" cap="flat" cmpd="sng" algn="ctr">
-            <a:solidFill>
-              <a:schemeClr val="tx1"/>
-            </a:solidFill>
-            <a:prstDash val="solid"/>
-            <a:round/>
-            <a:headEnd type="none" w="med" len="med"/>
-            <a:tailEnd type="triangle" w="lg" len="lg"/>
-          </a:ln>
-          <a:effectLst/>
-        </p:spPr>
-        <p:txBody>
-          <a:bodyPr vert="horz" wrap="square" lIns="91440" tIns="45720" rIns="91440" bIns="45720" numCol="1" rtlCol="0" anchor="t" anchorCtr="0" compatLnSpc="1">
-            <a:prstTxWarp prst="textNoShape">
-              <a:avLst/>
-            </a:prstTxWarp>
-          </a:bodyPr>
-          <a:lstStyle/>
-          <a:p>
-            <a:pPr marL="0" marR="0" indent="0" algn="l" defTabSz="914400" rtl="0" eaLnBrk="1" fontAlgn="base" latinLnBrk="0" hangingPunct="1">
-              <a:lnSpc>
-                <a:spcPct val="100000"/>
-              </a:lnSpc>
-              <a:spcBef>
-                <a:spcPct val="0"/>
-              </a:spcBef>
-              <a:spcAft>
-                <a:spcPct val="0"/>
-              </a:spcAft>
-              <a:buClrTx/>
-              <a:buSzTx/>
-              <a:buFontTx/>
-              <a:buNone/>
-              <a:tabLst/>
-            </a:pPr>
-            <a:endParaRPr kumimoji="0" lang="en-US" sz="3200" b="0" i="0" u="none" strike="noStrike" cap="none" normalizeH="0" baseline="0" smtClean="0">
-              <a:ln>
-                <a:noFill/>
-              </a:ln>
-              <a:solidFill>
-                <a:schemeClr val="tx1"/>
-              </a:solidFill>
-              <a:effectLst/>
-              <a:latin typeface="Comic Sans MS" pitchFamily="66" charset="0"/>
-            </a:endParaRPr>
-          </a:p>
-        </p:txBody>
-      </p:sp>
-      <p:cxnSp>
-        <p:nvCxnSpPr>
-          <p:cNvPr id="37" name="Straight Connector 36"/>
-          <p:cNvCxnSpPr>
-            <a:stCxn id="9" idx="2"/>
-            <a:endCxn id="30" idx="7"/>
-          </p:cNvCxnSpPr>
-          <p:nvPr/>
-        </p:nvCxnSpPr>
-        <p:spPr bwMode="auto">
-          <a:xfrm flipH="1" flipV="1">
-            <a:off x="2644682" y="1622518"/>
-            <a:ext cx="2200554" cy="130082"/>
-          </a:xfrm>
-          <a:prstGeom prst="line">
-            <a:avLst/>
-          </a:prstGeom>
-          <a:noFill/>
-          <a:ln w="38100" cap="flat" cmpd="sng" algn="ctr">
-            <a:solidFill>
-              <a:schemeClr val="tx1"/>
-            </a:solidFill>
-            <a:prstDash val="solid"/>
-            <a:round/>
-            <a:headEnd type="none" w="med" len="med"/>
-            <a:tailEnd type="none" w="lg" len="lg"/>
-          </a:ln>
-          <a:effectLst/>
-        </p:spPr>
-      </p:cxnSp>
-      <p:cxnSp>
-        <p:nvCxnSpPr>
-          <p:cNvPr id="43" name="Straight Connector 42"/>
-          <p:cNvCxnSpPr>
-            <a:stCxn id="29" idx="4"/>
-            <a:endCxn id="32" idx="1"/>
-          </p:cNvCxnSpPr>
-          <p:nvPr/>
-        </p:nvCxnSpPr>
-        <p:spPr bwMode="auto">
-          <a:xfrm>
-            <a:off x="1371600" y="3276601"/>
-            <a:ext cx="555718" cy="2155917"/>
-          </a:xfrm>
-          <a:prstGeom prst="line">
-            <a:avLst/>
-          </a:prstGeom>
-          <a:noFill/>
-          <a:ln w="38100" cap="flat" cmpd="sng" algn="ctr">
-            <a:solidFill>
-              <a:schemeClr val="tx1"/>
-            </a:solidFill>
-            <a:prstDash val="solid"/>
-            <a:round/>
-            <a:headEnd type="none" w="med" len="med"/>
-            <a:tailEnd type="none" w="lg" len="lg"/>
-          </a:ln>
-          <a:effectLst/>
-        </p:spPr>
-      </p:cxnSp>
-      <p:cxnSp>
-        <p:nvCxnSpPr>
-          <p:cNvPr id="78" name="Straight Connector 77"/>
-          <p:cNvCxnSpPr>
-            <a:stCxn id="85" idx="3"/>
-            <a:endCxn id="8" idx="7"/>
-          </p:cNvCxnSpPr>
-          <p:nvPr/>
-        </p:nvCxnSpPr>
-        <p:spPr bwMode="auto">
-          <a:xfrm flipH="1">
-            <a:off x="5387882" y="1577882"/>
-            <a:ext cx="1187636" cy="1187636"/>
-          </a:xfrm>
-          <a:prstGeom prst="line">
-            <a:avLst/>
-          </a:prstGeom>
-          <a:noFill/>
-          <a:ln w="38100" cap="flat" cmpd="sng" algn="ctr">
-            <a:solidFill>
-              <a:schemeClr val="tx1"/>
-            </a:solidFill>
-            <a:prstDash val="solid"/>
-            <a:round/>
-            <a:headEnd type="none" w="med" len="med"/>
-            <a:tailEnd type="none" w="lg" len="lg"/>
-          </a:ln>
-          <a:effectLst/>
-        </p:spPr>
-      </p:cxnSp>
-      <p:sp>
-        <p:nvSpPr>
-          <p:cNvPr id="85" name="Oval 84"/>
-          <p:cNvSpPr/>
-          <p:nvPr/>
-        </p:nvSpPr>
-        <p:spPr bwMode="auto">
-          <a:xfrm>
-            <a:off x="6553200" y="1447800"/>
-            <a:ext cx="152400" cy="152400"/>
-          </a:xfrm>
-          <a:prstGeom prst="ellipse">
-            <a:avLst/>
-          </a:prstGeom>
-          <a:solidFill>
-            <a:srgbClr val="000000"/>
-          </a:solidFill>
-          <a:ln w="3175" cap="flat" cmpd="sng" algn="ctr">
-            <a:solidFill>
-              <a:schemeClr val="tx1"/>
-            </a:solidFill>
-            <a:prstDash val="solid"/>
-            <a:round/>
-            <a:headEnd type="none" w="med" len="med"/>
-            <a:tailEnd type="triangle" w="lg" len="lg"/>
-          </a:ln>
-          <a:effectLst/>
-        </p:spPr>
-        <p:txBody>
-          <a:bodyPr vert="horz" wrap="square" lIns="91440" tIns="45720" rIns="91440" bIns="45720" numCol="1" rtlCol="0" anchor="t" anchorCtr="0" compatLnSpc="1">
-            <a:prstTxWarp prst="textNoShape">
-              <a:avLst/>
-            </a:prstTxWarp>
-          </a:bodyPr>
-          <a:lstStyle/>
-          <a:p>
-            <a:pPr marL="0" marR="0" indent="0" algn="l" defTabSz="914400" rtl="0" eaLnBrk="1" fontAlgn="base" latinLnBrk="0" hangingPunct="1">
-              <a:lnSpc>
-                <a:spcPct val="100000"/>
-              </a:lnSpc>
-              <a:spcBef>
-                <a:spcPct val="0"/>
-              </a:spcBef>
-              <a:spcAft>
-                <a:spcPct val="0"/>
-              </a:spcAft>
-              <a:buClrTx/>
-              <a:buSzTx/>
-              <a:buFontTx/>
-              <a:buNone/>
-              <a:tabLst/>
-            </a:pPr>
-            <a:endParaRPr kumimoji="0" lang="en-US" sz="3200" b="0" i="0" u="none" strike="noStrike" cap="none" normalizeH="0" baseline="0" smtClean="0">
-              <a:ln>
-                <a:noFill/>
-              </a:ln>
-              <a:solidFill>
-                <a:schemeClr val="tx1"/>
-              </a:solidFill>
-              <a:effectLst/>
-              <a:latin typeface="Comic Sans MS" pitchFamily="66" charset="0"/>
-            </a:endParaRPr>
-          </a:p>
-        </p:txBody>
-      </p:sp>
-      <p:sp>
-        <p:nvSpPr>
-          <p:cNvPr id="8" name="Oval 7"/>
-          <p:cNvSpPr/>
-          <p:nvPr/>
-        </p:nvSpPr>
-        <p:spPr bwMode="auto">
-          <a:xfrm>
-            <a:off x="5257800" y="2743200"/>
-            <a:ext cx="152400" cy="152400"/>
-          </a:xfrm>
-          <a:prstGeom prst="ellipse">
-            <a:avLst/>
-          </a:prstGeom>
-          <a:solidFill>
-            <a:srgbClr val="000000"/>
-          </a:solidFill>
-          <a:ln w="3175" cap="flat" cmpd="sng" algn="ctr">
-            <a:solidFill>
-              <a:schemeClr val="tx1"/>
-            </a:solidFill>
-            <a:prstDash val="solid"/>
-            <a:round/>
-            <a:headEnd type="none" w="med" len="med"/>
-            <a:tailEnd type="triangle" w="lg" len="lg"/>
-          </a:ln>
-          <a:effectLst/>
-        </p:spPr>
-        <p:txBody>
-          <a:bodyPr vert="horz" wrap="square" lIns="91440" tIns="45720" rIns="91440" bIns="45720" numCol="1" rtlCol="0" anchor="t" anchorCtr="0" compatLnSpc="1">
-            <a:prstTxWarp prst="textNoShape">
-              <a:avLst/>
-            </a:prstTxWarp>
-          </a:bodyPr>
-          <a:lstStyle/>
-          <a:p>
-            <a:pPr marL="0" marR="0" indent="0" algn="l" defTabSz="914400" rtl="0" eaLnBrk="1" fontAlgn="base" latinLnBrk="0" hangingPunct="1">
-              <a:lnSpc>
-                <a:spcPct val="100000"/>
-              </a:lnSpc>
-              <a:spcBef>
-                <a:spcPct val="0"/>
-              </a:spcBef>
-              <a:spcAft>
-                <a:spcPct val="0"/>
-              </a:spcAft>
-              <a:buClrTx/>
-              <a:buSzTx/>
-              <a:buFontTx/>
-              <a:buNone/>
-              <a:tabLst/>
-            </a:pPr>
-            <a:endParaRPr kumimoji="0" lang="en-US" sz="3200" b="0" i="0" u="none" strike="noStrike" cap="none" normalizeH="0" baseline="0" smtClean="0">
-              <a:ln>
-                <a:noFill/>
-              </a:ln>
-              <a:solidFill>
-                <a:schemeClr val="tx1"/>
-              </a:solidFill>
-              <a:effectLst/>
-              <a:latin typeface="Comic Sans MS" pitchFamily="66" charset="0"/>
-            </a:endParaRPr>
-          </a:p>
-        </p:txBody>
-      </p:sp>
-      <p:sp>
-        <p:nvSpPr>
-          <p:cNvPr id="2" name="Title 1"/>
-          <p:cNvSpPr>
-            <a:spLocks noGrp="1"/>
-          </p:cNvSpPr>
-          <p:nvPr>
-            <p:ph type="title"/>
-          </p:nvPr>
-        </p:nvSpPr>
-        <p:spPr/>
-        <p:txBody>
-          <a:bodyPr/>
-          <a:lstStyle/>
-          <a:p>
-            <a:r>
-              <a:rPr lang="en-US" dirty="0" smtClean="0"/>
-              <a:t>Proof (by picture)</a:t>
-            </a:r>
-            <a:endParaRPr lang="en-US" dirty="0"/>
-          </a:p>
-        </p:txBody>
-      </p:sp>
-      <p:sp>
-        <p:nvSpPr>
-          <p:cNvPr id="4" name="Slide Number Placeholder 3"/>
-          <p:cNvSpPr>
-            <a:spLocks noGrp="1"/>
-          </p:cNvSpPr>
-          <p:nvPr>
-            <p:ph type="sldNum" sz="quarter" idx="4"/>
-          </p:nvPr>
-        </p:nvSpPr>
-        <p:spPr/>
-        <p:txBody>
-          <a:bodyPr/>
-          <a:lstStyle/>
-          <a:p>
-            <a:pPr>
-              <a:defRPr/>
-            </a:pPr>
-            <a:r>
-              <a:rPr lang="en-US" smtClean="0"/>
-              <a:t>connected.</a:t>
-            </a:r>
-            <a:fld id="{D7F2FC53-1536-41A9-A9C1-2199CF803E30}" type="slidenum">
-              <a:rPr lang="en-US" smtClean="0"/>
-              <a:pPr>
-                <a:defRPr/>
-              </a:pPr>
-              <a:t>8</a:t>
             </a:fld>
             <a:endParaRPr lang="en-US" dirty="0"/>
           </a:p>
@@ -29686,6 +28581,247 @@
 </p:sld>
 </file>
 
+<file path=ppt/slides/slide8.xml><?xml version="1.0" encoding="utf-8"?>
+<p:sld xmlns:a="http://schemas.openxmlformats.org/drawingml/2006/main" xmlns:r="http://schemas.openxmlformats.org/officeDocument/2006/relationships" xmlns:p="http://schemas.openxmlformats.org/presentationml/2006/main">
+  <p:cSld>
+    <p:spTree>
+      <p:nvGrpSpPr>
+        <p:cNvPr id="1" name=""/>
+        <p:cNvGrpSpPr/>
+        <p:nvPr/>
+      </p:nvGrpSpPr>
+      <p:grpSpPr>
+        <a:xfrm>
+          <a:off x="0" y="0"/>
+          <a:ext cx="0" cy="0"/>
+          <a:chOff x="0" y="0"/>
+          <a:chExt cx="0" cy="0"/>
+        </a:xfrm>
+      </p:grpSpPr>
+      <p:sp>
+        <p:nvSpPr>
+          <p:cNvPr id="2" name="Title 1"/>
+          <p:cNvSpPr>
+            <a:spLocks noGrp="1"/>
+          </p:cNvSpPr>
+          <p:nvPr>
+            <p:ph type="title"/>
+          </p:nvPr>
+        </p:nvSpPr>
+        <p:spPr/>
+        <p:txBody>
+          <a:bodyPr/>
+          <a:lstStyle/>
+          <a:p>
+            <a:r>
+              <a:rPr lang="en-US" dirty="0" smtClean="0"/>
+              <a:t>Spanning </a:t>
+            </a:r>
+            <a:r>
+              <a:rPr lang="en-US" dirty="0" err="1" smtClean="0"/>
+              <a:t>Subgraphs</a:t>
+            </a:r>
+            <a:endParaRPr lang="en-US" dirty="0"/>
+          </a:p>
+        </p:txBody>
+      </p:sp>
+      <p:sp>
+        <p:nvSpPr>
+          <p:cNvPr id="3" name="Content Placeholder 2"/>
+          <p:cNvSpPr>
+            <a:spLocks noGrp="1"/>
+          </p:cNvSpPr>
+          <p:nvPr>
+            <p:ph idx="1"/>
+          </p:nvPr>
+        </p:nvSpPr>
+        <p:spPr>
+          <a:xfrm>
+            <a:off x="152400" y="1447800"/>
+            <a:ext cx="8839200" cy="4267200"/>
+          </a:xfrm>
+        </p:spPr>
+        <p:txBody>
+          <a:bodyPr/>
+          <a:lstStyle/>
+          <a:p>
+            <a:r>
+              <a:rPr lang="en-US" sz="5400" dirty="0" smtClean="0"/>
+              <a:t>A </a:t>
+            </a:r>
+            <a:r>
+              <a:rPr lang="en-US" sz="5400" dirty="0" smtClean="0">
+                <a:solidFill>
+                  <a:srgbClr val="930093"/>
+                </a:solidFill>
+              </a:rPr>
+              <a:t>spanning </a:t>
+            </a:r>
+            <a:r>
+              <a:rPr lang="en-US" sz="5400" dirty="0" err="1" smtClean="0">
+                <a:solidFill>
+                  <a:srgbClr val="930093"/>
+                </a:solidFill>
+              </a:rPr>
+              <a:t>subgraph</a:t>
+            </a:r>
+            <a:r>
+              <a:rPr lang="en-US" sz="5400" dirty="0" smtClean="0"/>
+              <a:t> </a:t>
+            </a:r>
+            <a:r>
+              <a:rPr lang="en-US" sz="5400" dirty="0" smtClean="0">
+                <a:solidFill>
+                  <a:schemeClr val="accent1">
+                    <a:lumMod val="50000"/>
+                  </a:schemeClr>
+                </a:solidFill>
+              </a:rPr>
+              <a:t>S</a:t>
+            </a:r>
+            <a:r>
+              <a:rPr lang="en-US" sz="5400" dirty="0" smtClean="0"/>
+              <a:t> </a:t>
+            </a:r>
+            <a:r>
+              <a:rPr lang="en-US" sz="5400" dirty="0" smtClean="0"/>
+              <a:t>of </a:t>
+            </a:r>
+            <a:r>
+              <a:rPr lang="en-US" sz="5400" dirty="0" smtClean="0"/>
+              <a:t>a </a:t>
+            </a:r>
+            <a:endParaRPr lang="en-US" sz="5400" dirty="0" smtClean="0"/>
+          </a:p>
+          <a:p>
+            <a:r>
+              <a:rPr lang="en-US" sz="5400" dirty="0" smtClean="0"/>
+              <a:t>graph </a:t>
+            </a:r>
+            <a:r>
+              <a:rPr lang="en-US" sz="5400" dirty="0" smtClean="0">
+                <a:solidFill>
+                  <a:srgbClr val="0000E5"/>
+                </a:solidFill>
+              </a:rPr>
+              <a:t>G</a:t>
+            </a:r>
+            <a:r>
+              <a:rPr lang="en-US" sz="5400" dirty="0" smtClean="0"/>
+              <a:t> is any </a:t>
+            </a:r>
+            <a:r>
+              <a:rPr lang="en-US" sz="5400" dirty="0" err="1" smtClean="0"/>
+              <a:t>subgraph</a:t>
+            </a:r>
+            <a:r>
+              <a:rPr lang="en-US" sz="5400" dirty="0" smtClean="0"/>
+              <a:t> of </a:t>
+            </a:r>
+          </a:p>
+          <a:p>
+            <a:r>
+              <a:rPr lang="en-US" sz="5400" dirty="0" smtClean="0">
+                <a:solidFill>
+                  <a:srgbClr val="0000E5"/>
+                </a:solidFill>
+              </a:rPr>
+              <a:t>G</a:t>
+            </a:r>
+            <a:r>
+              <a:rPr lang="en-US" sz="5400" dirty="0" smtClean="0"/>
+              <a:t> with the same vertices:</a:t>
+            </a:r>
+          </a:p>
+          <a:p>
+            <a:pPr algn="ctr"/>
+            <a:r>
+              <a:rPr lang="en-US" sz="5400" dirty="0" smtClean="0">
+                <a:solidFill>
+                  <a:srgbClr val="0000FF"/>
+                </a:solidFill>
+              </a:rPr>
+              <a:t>V(S) </a:t>
+            </a:r>
+            <a:r>
+              <a:rPr lang="en-US" sz="5400" b="1" dirty="0" smtClean="0">
+                <a:solidFill>
+                  <a:srgbClr val="0000FF"/>
+                </a:solidFill>
+                <a:latin typeface="Euclid Symbol" charset="2"/>
+                <a:cs typeface="Euclid Symbol" charset="2"/>
+              </a:rPr>
+              <a:t>=</a:t>
+            </a:r>
+            <a:r>
+              <a:rPr lang="en-US" sz="5400" dirty="0" smtClean="0">
+                <a:solidFill>
+                  <a:srgbClr val="0000FF"/>
+                </a:solidFill>
+              </a:rPr>
+              <a:t> V(G)</a:t>
+            </a:r>
+          </a:p>
+        </p:txBody>
+      </p:sp>
+      <p:sp>
+        <p:nvSpPr>
+          <p:cNvPr id="4" name="Slide Number Placeholder 3"/>
+          <p:cNvSpPr>
+            <a:spLocks noGrp="1"/>
+          </p:cNvSpPr>
+          <p:nvPr>
+            <p:ph type="sldNum" sz="quarter" idx="4"/>
+          </p:nvPr>
+        </p:nvSpPr>
+        <p:spPr/>
+        <p:txBody>
+          <a:bodyPr/>
+          <a:lstStyle/>
+          <a:p>
+            <a:pPr>
+              <a:defRPr/>
+            </a:pPr>
+            <a:r>
+              <a:rPr lang="en-US" smtClean="0"/>
+              <a:t>connected.</a:t>
+            </a:r>
+            <a:fld id="{D7F2FC53-1536-41A9-A9C1-2199CF803E30}" type="slidenum">
+              <a:rPr lang="en-US" smtClean="0"/>
+              <a:pPr>
+                <a:defRPr/>
+              </a:pPr>
+              <a:t>8</a:t>
+            </a:fld>
+            <a:endParaRPr lang="en-US" dirty="0"/>
+          </a:p>
+        </p:txBody>
+      </p:sp>
+    </p:spTree>
+    <p:extLst>
+      <p:ext uri="{BB962C8B-B14F-4D97-AF65-F5344CB8AC3E}">
+        <p14:creationId xmlns:p14="http://schemas.microsoft.com/office/powerpoint/2010/main" val="2204235905"/>
+      </p:ext>
+    </p:extLst>
+  </p:cSld>
+  <p:clrMapOvr>
+    <a:masterClrMapping/>
+  </p:clrMapOvr>
+  <mc:AlternateContent xmlns:mc="http://schemas.openxmlformats.org/markup-compatibility/2006" xmlns:p14="http://schemas.microsoft.com/office/powerpoint/2010/main">
+    <mc:Choice Requires="p14">
+      <p:transition spd="slow" p14:dur="900" advClick="0">
+        <p:fade/>
+      </p:transition>
+    </mc:Choice>
+    <mc:Fallback xmlns="">
+      <p:transition xmlns:p14="http://schemas.microsoft.com/office/powerpoint/2010/main" spd="slow" advClick="0">
+        <p:fade/>
+      </p:transition>
+    </mc:Fallback>
+  </mc:AlternateContent>
+</p:sld>
+</file>
+
 <file path=ppt/slides/slide9.xml><?xml version="1.0" encoding="utf-8"?>
 <p:sld xmlns:a="http://schemas.openxmlformats.org/drawingml/2006/main" xmlns:r="http://schemas.openxmlformats.org/officeDocument/2006/relationships" xmlns:p="http://schemas.openxmlformats.org/presentationml/2006/main">
   <p:cSld>
@@ -29719,18 +28855,14 @@
           <a:lstStyle/>
           <a:p>
             <a:r>
-              <a:rPr lang="en-US" sz="4800" dirty="0" smtClean="0">
-                <a:solidFill>
-                  <a:srgbClr val="FF00FF"/>
-                </a:solidFill>
-              </a:rPr>
-              <a:t>pre</a:t>
-            </a:r>
-            <a:r>
-              <a:rPr lang="en-US" sz="4800" dirty="0" smtClean="0"/>
-              <a:t>-MST’s</a:t>
-            </a:r>
-            <a:endParaRPr lang="en-US" sz="4800" dirty="0"/>
+              <a:rPr lang="en-US" dirty="0" smtClean="0"/>
+              <a:t>Spanning </a:t>
+            </a:r>
+            <a:r>
+              <a:rPr lang="en-US" dirty="0" err="1" smtClean="0"/>
+              <a:t>Subgraphs</a:t>
+            </a:r>
+            <a:endParaRPr lang="en-US" dirty="0"/>
           </a:p>
         </p:txBody>
       </p:sp>
@@ -29746,8 +28878,8 @@
         </p:nvSpPr>
         <p:spPr>
           <a:xfrm>
-            <a:off x="381000" y="1447800"/>
-            <a:ext cx="8686800" cy="4648200"/>
+            <a:off x="304800" y="1371600"/>
+            <a:ext cx="8534400" cy="4953000"/>
           </a:xfrm>
         </p:spPr>
         <p:txBody>
@@ -29755,18 +28887,32 @@
           <a:lstStyle/>
           <a:p>
             <a:r>
-              <a:rPr lang="en-US" sz="5400" dirty="0" smtClean="0">
-                <a:solidFill>
-                  <a:schemeClr val="accent5">
-                    <a:lumMod val="50000"/>
-                  </a:schemeClr>
-                </a:solidFill>
-              </a:rPr>
-              <a:t>A</a:t>
+              <a:rPr lang="en-US" sz="5400" smtClean="0"/>
+              <a:t>A </a:t>
+            </a:r>
+            <a:r>
+              <a:rPr lang="en-US" sz="5400" dirty="0" smtClean="0"/>
+              <a:t>spanning </a:t>
+            </a:r>
+            <a:r>
+              <a:rPr lang="en-US" sz="5400" dirty="0" err="1" smtClean="0"/>
+              <a:t>subgraph</a:t>
             </a:r>
             <a:r>
               <a:rPr lang="en-US" sz="5400" dirty="0" smtClean="0"/>
               <a:t> </a:t>
+            </a:r>
+          </a:p>
+          <a:p>
+            <a:r>
+              <a:rPr lang="en-US" sz="5400" dirty="0" smtClean="0"/>
+              <a:t>need not be connected.  </a:t>
+            </a:r>
+          </a:p>
+          <a:p>
+            <a:r>
+              <a:rPr lang="en-US" sz="5400" dirty="0" smtClean="0"/>
+              <a:t>The </a:t>
             </a:r>
             <a:r>
               <a:rPr lang="en-US" sz="5400" dirty="0" smtClean="0">
@@ -29774,49 +28920,53 @@
                   <a:srgbClr val="930093"/>
                 </a:solidFill>
               </a:rPr>
-              <a:t>pre-MST</a:t>
+              <a:t>empty graph </a:t>
             </a:r>
             <a:r>
               <a:rPr lang="en-US" sz="5400" dirty="0" smtClean="0"/>
-              <a:t> of weighted graph </a:t>
+              <a:t>on </a:t>
             </a:r>
             <a:r>
               <a:rPr lang="en-US" sz="5400" dirty="0" smtClean="0">
                 <a:solidFill>
-                  <a:srgbClr val="0000F1"/>
+                  <a:srgbClr val="0000FF"/>
+                </a:solidFill>
+              </a:rPr>
+              <a:t>V(G)</a:t>
+            </a:r>
+            <a:r>
+              <a:rPr lang="en-US" sz="5400" dirty="0" smtClean="0"/>
+              <a:t> </a:t>
+            </a:r>
+          </a:p>
+          <a:p>
+            <a:r>
+              <a:rPr lang="en-US" sz="5400" dirty="0" smtClean="0"/>
+              <a:t>will always be a spanning </a:t>
+            </a:r>
+          </a:p>
+          <a:p>
+            <a:r>
+              <a:rPr lang="en-US" sz="5400" dirty="0" err="1" smtClean="0"/>
+              <a:t>subgraph</a:t>
+            </a:r>
+            <a:r>
+              <a:rPr lang="en-US" sz="5400" dirty="0" smtClean="0"/>
+              <a:t> of </a:t>
+            </a:r>
+            <a:r>
+              <a:rPr lang="en-US" sz="5400" dirty="0" smtClean="0">
+                <a:solidFill>
+                  <a:schemeClr val="accent1">
+                    <a:lumMod val="50000"/>
+                  </a:schemeClr>
                 </a:solidFill>
               </a:rPr>
               <a:t>G</a:t>
             </a:r>
             <a:r>
               <a:rPr lang="en-US" sz="5400" dirty="0" smtClean="0"/>
-              <a:t> is a spanning </a:t>
-            </a:r>
-            <a:r>
-              <a:rPr lang="en-US" sz="5400" dirty="0" err="1" smtClean="0"/>
-              <a:t>subgraph</a:t>
-            </a:r>
-            <a:r>
-              <a:rPr lang="en-US" sz="5400" dirty="0" smtClean="0"/>
-              <a:t> of a MST of </a:t>
-            </a:r>
-            <a:r>
-              <a:rPr lang="en-US" sz="5400" dirty="0" smtClean="0">
-                <a:solidFill>
-                  <a:srgbClr val="0000F1"/>
-                </a:solidFill>
-              </a:rPr>
-              <a:t>G</a:t>
-            </a:r>
-            <a:r>
-              <a:rPr lang="en-US" sz="5400" dirty="0" smtClean="0"/>
               <a:t>.</a:t>
-            </a:r>
-          </a:p>
-          <a:p>
-            <a:r>
-              <a:rPr lang="en-US" sz="5400" dirty="0" smtClean="0"/>
-              <a:t>A pre-MST will be a forest.</a:t>
             </a:r>
             <a:endParaRPr lang="en-US" sz="5400" dirty="0"/>
           </a:p>
@@ -29858,107 +29008,25 @@
     </p:spTree>
     <p:extLst>
       <p:ext uri="{BB962C8B-B14F-4D97-AF65-F5344CB8AC3E}">
-        <p14:creationId xmlns:p14="http://schemas.microsoft.com/office/powerpoint/2010/main" val="440981625"/>
+        <p14:creationId xmlns:p14="http://schemas.microsoft.com/office/powerpoint/2010/main" val="3153434144"/>
       </p:ext>
     </p:extLst>
   </p:cSld>
   <p:clrMapOvr>
     <a:masterClrMapping/>
   </p:clrMapOvr>
-  <p:transition xmlns:p14="http://schemas.microsoft.com/office/powerpoint/2010/main" spd="slow" advClick="0">
-    <p:fade thruBlk="1"/>
-  </p:transition>
-  <p:timing>
-    <p:tnLst>
-      <p:par>
-        <p:cTn xmlns:p14="http://schemas.microsoft.com/office/powerpoint/2010/main" id="1" dur="indefinite" restart="never" nodeType="tmRoot">
-          <p:childTnLst>
-            <p:seq concurrent="1" nextAc="seek">
-              <p:cTn id="2" dur="indefinite" nodeType="mainSeq">
-                <p:childTnLst>
-                  <p:par>
-                    <p:cTn id="3" fill="hold">
-                      <p:stCondLst>
-                        <p:cond delay="indefinite"/>
-                      </p:stCondLst>
-                      <p:childTnLst>
-                        <p:par>
-                          <p:cTn id="4" fill="hold">
-                            <p:stCondLst>
-                              <p:cond delay="0"/>
-                            </p:stCondLst>
-                            <p:childTnLst>
-                              <p:par>
-                                <p:cTn id="5" presetID="10" presetClass="entr" presetSubtype="0" fill="hold" nodeType="clickEffect">
-                                  <p:stCondLst>
-                                    <p:cond delay="0"/>
-                                  </p:stCondLst>
-                                  <p:childTnLst>
-                                    <p:set>
-                                      <p:cBhvr>
-                                        <p:cTn id="6" dur="1" fill="hold">
-                                          <p:stCondLst>
-                                            <p:cond delay="0"/>
-                                          </p:stCondLst>
-                                        </p:cTn>
-                                        <p:tgtEl>
-                                          <p:spTgt spid="3">
-                                            <p:txEl>
-                                              <p:pRg st="1" end="1"/>
-                                            </p:txEl>
-                                          </p:spTgt>
-                                        </p:tgtEl>
-                                        <p:attrNameLst>
-                                          <p:attrName>style.visibility</p:attrName>
-                                        </p:attrNameLst>
-                                      </p:cBhvr>
-                                      <p:to>
-                                        <p:strVal val="visible"/>
-                                      </p:to>
-                                    </p:set>
-                                    <p:animEffect transition="in" filter="fade">
-                                      <p:cBhvr>
-                                        <p:cTn id="7" dur="500"/>
-                                        <p:tgtEl>
-                                          <p:spTgt spid="3">
-                                            <p:txEl>
-                                              <p:pRg st="1" end="1"/>
-                                            </p:txEl>
-                                          </p:spTgt>
-                                        </p:tgtEl>
-                                      </p:cBhvr>
-                                    </p:animEffect>
-                                  </p:childTnLst>
-                                </p:cTn>
-                              </p:par>
-                            </p:childTnLst>
-                          </p:cTn>
-                        </p:par>
-                      </p:childTnLst>
-                    </p:cTn>
-                  </p:par>
-                </p:childTnLst>
-              </p:cTn>
-              <p:prevCondLst>
-                <p:cond evt="onPrev" delay="0">
-                  <p:tgtEl>
-                    <p:sldTgt/>
-                  </p:tgtEl>
-                </p:cond>
-              </p:prevCondLst>
-              <p:nextCondLst>
-                <p:cond evt="onNext" delay="0">
-                  <p:tgtEl>
-                    <p:sldTgt/>
-                  </p:tgtEl>
-                </p:cond>
-              </p:nextCondLst>
-            </p:seq>
-          </p:childTnLst>
-        </p:cTn>
-      </p:par>
-    </p:tnLst>
-  </p:timing>
+  <mc:AlternateContent xmlns:mc="http://schemas.openxmlformats.org/markup-compatibility/2006" xmlns:p14="http://schemas.microsoft.com/office/powerpoint/2010/main">
+    <mc:Choice Requires="p14">
+      <p:transition spd="slow" p14:dur="900" advClick="0">
+        <p:fade/>
+      </p:transition>
+    </mc:Choice>
+    <mc:Fallback xmlns="">
+      <p:transition xmlns:p14="http://schemas.microsoft.com/office/powerpoint/2010/main" spd="slow" advClick="0">
+        <p:fade/>
+      </p:transition>
+    </mc:Fallback>
+  </mc:AlternateContent>
 </p:sld>
 </file>
 

--- a/fall15/slidesF15/gray-edges.pptx
+++ b/fall15/slidesF15/gray-edges.pptx
@@ -5,10 +5,10 @@
     <p:sldMasterId id="2147483650" r:id="rId1"/>
   </p:sldMasterIdLst>
   <p:notesMasterIdLst>
-    <p:notesMasterId r:id="rId22"/>
+    <p:notesMasterId r:id="rId27"/>
   </p:notesMasterIdLst>
   <p:handoutMasterIdLst>
-    <p:handoutMasterId r:id="rId23"/>
+    <p:handoutMasterId r:id="rId28"/>
   </p:handoutMasterIdLst>
   <p:sldIdLst>
     <p:sldId id="462" r:id="rId2"/>
@@ -16,26 +16,31 @@
     <p:sldId id="589" r:id="rId4"/>
     <p:sldId id="599" r:id="rId5"/>
     <p:sldId id="600" r:id="rId6"/>
-    <p:sldId id="577" r:id="rId7"/>
-    <p:sldId id="562" r:id="rId8"/>
-    <p:sldId id="568" r:id="rId9"/>
-    <p:sldId id="561" r:id="rId10"/>
-    <p:sldId id="560" r:id="rId11"/>
-    <p:sldId id="565" r:id="rId12"/>
-    <p:sldId id="546" r:id="rId13"/>
-    <p:sldId id="579" r:id="rId14"/>
-    <p:sldId id="592" r:id="rId15"/>
-    <p:sldId id="593" r:id="rId16"/>
-    <p:sldId id="594" r:id="rId17"/>
-    <p:sldId id="595" r:id="rId18"/>
-    <p:sldId id="596" r:id="rId19"/>
-    <p:sldId id="597" r:id="rId20"/>
-    <p:sldId id="598" r:id="rId21"/>
+    <p:sldId id="601" r:id="rId7"/>
+    <p:sldId id="602" r:id="rId8"/>
+    <p:sldId id="603" r:id="rId9"/>
+    <p:sldId id="568" r:id="rId10"/>
+    <p:sldId id="604" r:id="rId11"/>
+    <p:sldId id="605" r:id="rId12"/>
+    <p:sldId id="607" r:id="rId13"/>
+    <p:sldId id="606" r:id="rId14"/>
+    <p:sldId id="561" r:id="rId15"/>
+    <p:sldId id="560" r:id="rId16"/>
+    <p:sldId id="565" r:id="rId17"/>
+    <p:sldId id="546" r:id="rId18"/>
+    <p:sldId id="579" r:id="rId19"/>
+    <p:sldId id="592" r:id="rId20"/>
+    <p:sldId id="593" r:id="rId21"/>
+    <p:sldId id="594" r:id="rId22"/>
+    <p:sldId id="595" r:id="rId23"/>
+    <p:sldId id="596" r:id="rId24"/>
+    <p:sldId id="597" r:id="rId25"/>
+    <p:sldId id="598" r:id="rId26"/>
   </p:sldIdLst>
   <p:sldSz cx="9144000" cy="6858000" type="letter"/>
   <p:notesSz cx="9601200" cy="7315200"/>
   <p:custDataLst>
-    <p:tags r:id="rId25"/>
+    <p:tags r:id="rId30"/>
   </p:custDataLst>
   <p:defaultTextStyle>
     <a:defPPr>
@@ -904,91 +909,6 @@
 </p:notes>
 </file>
 
-<file path=ppt/notesSlides/notesSlide10.xml><?xml version="1.0" encoding="utf-8"?>
-<p:notes xmlns:a="http://schemas.openxmlformats.org/drawingml/2006/main" xmlns:r="http://schemas.openxmlformats.org/officeDocument/2006/relationships" xmlns:p="http://schemas.openxmlformats.org/presentationml/2006/main">
-  <p:cSld>
-    <p:spTree>
-      <p:nvGrpSpPr>
-        <p:cNvPr id="1" name=""/>
-        <p:cNvGrpSpPr/>
-        <p:nvPr/>
-      </p:nvGrpSpPr>
-      <p:grpSpPr>
-        <a:xfrm>
-          <a:off x="0" y="0"/>
-          <a:ext cx="0" cy="0"/>
-          <a:chOff x="0" y="0"/>
-          <a:chExt cx="0" cy="0"/>
-        </a:xfrm>
-      </p:grpSpPr>
-      <p:sp>
-        <p:nvSpPr>
-          <p:cNvPr id="2" name="Slide Image Placeholder 1"/>
-          <p:cNvSpPr>
-            <a:spLocks noGrp="1" noRot="1" noChangeAspect="1"/>
-          </p:cNvSpPr>
-          <p:nvPr>
-            <p:ph type="sldImg"/>
-          </p:nvPr>
-        </p:nvSpPr>
-        <p:spPr/>
-      </p:sp>
-      <p:sp>
-        <p:nvSpPr>
-          <p:cNvPr id="3" name="Notes Placeholder 2"/>
-          <p:cNvSpPr>
-            <a:spLocks noGrp="1"/>
-          </p:cNvSpPr>
-          <p:nvPr>
-            <p:ph type="body" idx="1"/>
-          </p:nvPr>
-        </p:nvSpPr>
-        <p:spPr/>
-        <p:txBody>
-          <a:bodyPr/>
-          <a:lstStyle/>
-          <a:p>
-            <a:endParaRPr lang="en-US" dirty="0"/>
-          </a:p>
-        </p:txBody>
-      </p:sp>
-      <p:sp>
-        <p:nvSpPr>
-          <p:cNvPr id="4" name="Slide Number Placeholder 3"/>
-          <p:cNvSpPr>
-            <a:spLocks noGrp="1"/>
-          </p:cNvSpPr>
-          <p:nvPr>
-            <p:ph type="sldNum" sz="quarter" idx="10"/>
-          </p:nvPr>
-        </p:nvSpPr>
-        <p:spPr/>
-        <p:txBody>
-          <a:bodyPr/>
-          <a:lstStyle/>
-          <a:p>
-            <a:fld id="{2290380C-F846-4D61-BB06-6FCFBA28E193}" type="slidenum">
-              <a:rPr lang="en-US" smtClean="0"/>
-              <a:pPr/>
-              <a:t>19</a:t>
-            </a:fld>
-            <a:endParaRPr lang="en-US"/>
-          </a:p>
-        </p:txBody>
-      </p:sp>
-    </p:spTree>
-    <p:extLst>
-      <p:ext uri="{BB962C8B-B14F-4D97-AF65-F5344CB8AC3E}">
-        <p14:creationId xmlns:p14="http://schemas.microsoft.com/office/powerpoint/2010/main" val="3729673198"/>
-      </p:ext>
-    </p:extLst>
-  </p:cSld>
-  <p:clrMapOvr>
-    <a:masterClrMapping/>
-  </p:clrMapOvr>
-</p:notes>
-</file>
-
 <file path=ppt/notesSlides/notesSlide2.xml><?xml version="1.0" encoding="utf-8"?>
 <p:notes xmlns:a="http://schemas.openxmlformats.org/drawingml/2006/main" xmlns:r="http://schemas.openxmlformats.org/officeDocument/2006/relationships" xmlns:p="http://schemas.openxmlformats.org/presentationml/2006/main">
   <p:cSld>
@@ -1026,7 +946,7 @@
             <a:fld id="{28AF3390-8A7E-4880-B659-5568F047A0C1}" type="slidenum">
               <a:rPr lang="en-US"/>
               <a:pPr/>
-              <a:t>6</a:t>
+              <a:t>14</a:t>
             </a:fld>
             <a:endParaRPr lang="en-US"/>
           </a:p>
@@ -1118,7 +1038,7 @@
             <a:fld id="{28AF3390-8A7E-4880-B659-5568F047A0C1}" type="slidenum">
               <a:rPr lang="en-US"/>
               <a:pPr/>
-              <a:t>7</a:t>
+              <a:t>15</a:t>
             </a:fld>
             <a:endParaRPr lang="en-US"/>
           </a:p>
@@ -1210,7 +1130,7 @@
             <a:fld id="{28AF3390-8A7E-4880-B659-5568F047A0C1}" type="slidenum">
               <a:rPr lang="en-US"/>
               <a:pPr/>
-              <a:t>9</a:t>
+              <a:t>16</a:t>
             </a:fld>
             <a:endParaRPr lang="en-US"/>
           </a:p>
@@ -1302,7 +1222,7 @@
             <a:fld id="{28AF3390-8A7E-4880-B659-5568F047A0C1}" type="slidenum">
               <a:rPr lang="en-US"/>
               <a:pPr/>
-              <a:t>10</a:t>
+              <a:t>17</a:t>
             </a:fld>
             <a:endParaRPr lang="en-US"/>
           </a:p>
@@ -1376,72 +1296,65 @@
       </p:grpSpPr>
       <p:sp>
         <p:nvSpPr>
-          <p:cNvPr id="38914" name="Rectangle 7"/>
+          <p:cNvPr id="2" name="Slide Image Placeholder 1"/>
           <p:cNvSpPr>
-            <a:spLocks noGrp="1" noChangeArrowheads="1"/>
+            <a:spLocks noGrp="1" noRot="1" noChangeAspect="1"/>
           </p:cNvSpPr>
           <p:nvPr>
-            <p:ph type="sldNum" sz="quarter" idx="5"/>
+            <p:ph type="sldImg"/>
           </p:nvPr>
         </p:nvSpPr>
-        <p:spPr>
-          <a:noFill/>
-        </p:spPr>
+        <p:spPr/>
+      </p:sp>
+      <p:sp>
+        <p:nvSpPr>
+          <p:cNvPr id="3" name="Notes Placeholder 2"/>
+          <p:cNvSpPr>
+            <a:spLocks noGrp="1"/>
+          </p:cNvSpPr>
+          <p:nvPr>
+            <p:ph type="body" idx="1"/>
+          </p:nvPr>
+        </p:nvSpPr>
+        <p:spPr/>
         <p:txBody>
           <a:bodyPr/>
           <a:lstStyle/>
           <a:p>
-            <a:fld id="{28AF3390-8A7E-4880-B659-5568F047A0C1}" type="slidenum">
-              <a:rPr lang="en-US"/>
+            <a:endParaRPr lang="en-US" dirty="0"/>
+          </a:p>
+        </p:txBody>
+      </p:sp>
+      <p:sp>
+        <p:nvSpPr>
+          <p:cNvPr id="4" name="Slide Number Placeholder 3"/>
+          <p:cNvSpPr>
+            <a:spLocks noGrp="1"/>
+          </p:cNvSpPr>
+          <p:nvPr>
+            <p:ph type="sldNum" sz="quarter" idx="10"/>
+          </p:nvPr>
+        </p:nvSpPr>
+        <p:spPr/>
+        <p:txBody>
+          <a:bodyPr/>
+          <a:lstStyle/>
+          <a:p>
+            <a:fld id="{2290380C-F846-4D61-BB06-6FCFBA28E193}" type="slidenum">
+              <a:rPr lang="en-US" smtClean="0"/>
               <a:pPr/>
-              <a:t>11</a:t>
+              <a:t>21</a:t>
             </a:fld>
             <a:endParaRPr lang="en-US"/>
           </a:p>
         </p:txBody>
       </p:sp>
-      <p:sp>
-        <p:nvSpPr>
-          <p:cNvPr id="38915" name="Rectangle 2"/>
-          <p:cNvSpPr>
-            <a:spLocks noGrp="1" noRot="1" noChangeAspect="1" noChangeArrowheads="1" noTextEdit="1"/>
-          </p:cNvSpPr>
-          <p:nvPr>
-            <p:ph type="sldImg"/>
-          </p:nvPr>
-        </p:nvSpPr>
-        <p:spPr>
-          <a:xfrm>
-            <a:off x="2973388" y="549275"/>
-            <a:ext cx="3659187" cy="2743200"/>
-          </a:xfrm>
-          <a:ln/>
-        </p:spPr>
-      </p:sp>
-      <p:sp>
-        <p:nvSpPr>
-          <p:cNvPr id="38916" name="Rectangle 3"/>
-          <p:cNvSpPr>
-            <a:spLocks noGrp="1" noChangeArrowheads="1"/>
-          </p:cNvSpPr>
-          <p:nvPr>
-            <p:ph type="body" idx="1"/>
-          </p:nvPr>
-        </p:nvSpPr>
-        <p:spPr>
-          <a:noFill/>
-          <a:ln/>
-        </p:spPr>
-        <p:txBody>
-          <a:bodyPr/>
-          <a:lstStyle/>
-          <a:p>
-            <a:pPr eaLnBrk="1" hangingPunct="1"/>
-            <a:endParaRPr lang="en-US" smtClean="0"/>
-          </a:p>
-        </p:txBody>
-      </p:sp>
     </p:spTree>
+    <p:extLst>
+      <p:ext uri="{BB962C8B-B14F-4D97-AF65-F5344CB8AC3E}">
+        <p14:creationId xmlns:p14="http://schemas.microsoft.com/office/powerpoint/2010/main" val="3729673198"/>
+      </p:ext>
+    </p:extLst>
   </p:cSld>
   <p:clrMapOvr>
     <a:masterClrMapping/>
@@ -1468,72 +1381,65 @@
       </p:grpSpPr>
       <p:sp>
         <p:nvSpPr>
-          <p:cNvPr id="38914" name="Rectangle 7"/>
+          <p:cNvPr id="2" name="Slide Image Placeholder 1"/>
           <p:cNvSpPr>
-            <a:spLocks noGrp="1" noChangeArrowheads="1"/>
+            <a:spLocks noGrp="1" noRot="1" noChangeAspect="1"/>
           </p:cNvSpPr>
           <p:nvPr>
-            <p:ph type="sldNum" sz="quarter" idx="5"/>
+            <p:ph type="sldImg"/>
           </p:nvPr>
         </p:nvSpPr>
-        <p:spPr>
-          <a:noFill/>
-        </p:spPr>
+        <p:spPr/>
+      </p:sp>
+      <p:sp>
+        <p:nvSpPr>
+          <p:cNvPr id="3" name="Notes Placeholder 2"/>
+          <p:cNvSpPr>
+            <a:spLocks noGrp="1"/>
+          </p:cNvSpPr>
+          <p:nvPr>
+            <p:ph type="body" idx="1"/>
+          </p:nvPr>
+        </p:nvSpPr>
+        <p:spPr/>
         <p:txBody>
           <a:bodyPr/>
           <a:lstStyle/>
           <a:p>
-            <a:fld id="{28AF3390-8A7E-4880-B659-5568F047A0C1}" type="slidenum">
-              <a:rPr lang="en-US"/>
+            <a:endParaRPr lang="en-US" dirty="0"/>
+          </a:p>
+        </p:txBody>
+      </p:sp>
+      <p:sp>
+        <p:nvSpPr>
+          <p:cNvPr id="4" name="Slide Number Placeholder 3"/>
+          <p:cNvSpPr>
+            <a:spLocks noGrp="1"/>
+          </p:cNvSpPr>
+          <p:nvPr>
+            <p:ph type="sldNum" sz="quarter" idx="10"/>
+          </p:nvPr>
+        </p:nvSpPr>
+        <p:spPr/>
+        <p:txBody>
+          <a:bodyPr/>
+          <a:lstStyle/>
+          <a:p>
+            <a:fld id="{2290380C-F846-4D61-BB06-6FCFBA28E193}" type="slidenum">
+              <a:rPr lang="en-US" smtClean="0"/>
               <a:pPr/>
-              <a:t>12</a:t>
+              <a:t>23</a:t>
             </a:fld>
             <a:endParaRPr lang="en-US"/>
           </a:p>
         </p:txBody>
       </p:sp>
-      <p:sp>
-        <p:nvSpPr>
-          <p:cNvPr id="38915" name="Rectangle 2"/>
-          <p:cNvSpPr>
-            <a:spLocks noGrp="1" noRot="1" noChangeAspect="1" noChangeArrowheads="1" noTextEdit="1"/>
-          </p:cNvSpPr>
-          <p:nvPr>
-            <p:ph type="sldImg"/>
-          </p:nvPr>
-        </p:nvSpPr>
-        <p:spPr>
-          <a:xfrm>
-            <a:off x="2973388" y="549275"/>
-            <a:ext cx="3659187" cy="2743200"/>
-          </a:xfrm>
-          <a:ln/>
-        </p:spPr>
-      </p:sp>
-      <p:sp>
-        <p:nvSpPr>
-          <p:cNvPr id="38916" name="Rectangle 3"/>
-          <p:cNvSpPr>
-            <a:spLocks noGrp="1" noChangeArrowheads="1"/>
-          </p:cNvSpPr>
-          <p:nvPr>
-            <p:ph type="body" idx="1"/>
-          </p:nvPr>
-        </p:nvSpPr>
-        <p:spPr>
-          <a:noFill/>
-          <a:ln/>
-        </p:spPr>
-        <p:txBody>
-          <a:bodyPr/>
-          <a:lstStyle/>
-          <a:p>
-            <a:pPr eaLnBrk="1" hangingPunct="1"/>
-            <a:endParaRPr lang="en-US" smtClean="0"/>
-          </a:p>
-        </p:txBody>
-      </p:sp>
     </p:spTree>
+    <p:extLst>
+      <p:ext uri="{BB962C8B-B14F-4D97-AF65-F5344CB8AC3E}">
+        <p14:creationId xmlns:p14="http://schemas.microsoft.com/office/powerpoint/2010/main" val="3729673198"/>
+      </p:ext>
+    </p:extLst>
   </p:cSld>
   <p:clrMapOvr>
     <a:masterClrMapping/>
@@ -1607,92 +1513,7 @@
             <a:fld id="{2290380C-F846-4D61-BB06-6FCFBA28E193}" type="slidenum">
               <a:rPr lang="en-US" smtClean="0"/>
               <a:pPr/>
-              <a:t>16</a:t>
-            </a:fld>
-            <a:endParaRPr lang="en-US"/>
-          </a:p>
-        </p:txBody>
-      </p:sp>
-    </p:spTree>
-    <p:extLst>
-      <p:ext uri="{BB962C8B-B14F-4D97-AF65-F5344CB8AC3E}">
-        <p14:creationId xmlns:p14="http://schemas.microsoft.com/office/powerpoint/2010/main" val="3729673198"/>
-      </p:ext>
-    </p:extLst>
-  </p:cSld>
-  <p:clrMapOvr>
-    <a:masterClrMapping/>
-  </p:clrMapOvr>
-</p:notes>
-</file>
-
-<file path=ppt/notesSlides/notesSlide9.xml><?xml version="1.0" encoding="utf-8"?>
-<p:notes xmlns:a="http://schemas.openxmlformats.org/drawingml/2006/main" xmlns:r="http://schemas.openxmlformats.org/officeDocument/2006/relationships" xmlns:p="http://schemas.openxmlformats.org/presentationml/2006/main">
-  <p:cSld>
-    <p:spTree>
-      <p:nvGrpSpPr>
-        <p:cNvPr id="1" name=""/>
-        <p:cNvGrpSpPr/>
-        <p:nvPr/>
-      </p:nvGrpSpPr>
-      <p:grpSpPr>
-        <a:xfrm>
-          <a:off x="0" y="0"/>
-          <a:ext cx="0" cy="0"/>
-          <a:chOff x="0" y="0"/>
-          <a:chExt cx="0" cy="0"/>
-        </a:xfrm>
-      </p:grpSpPr>
-      <p:sp>
-        <p:nvSpPr>
-          <p:cNvPr id="2" name="Slide Image Placeholder 1"/>
-          <p:cNvSpPr>
-            <a:spLocks noGrp="1" noRot="1" noChangeAspect="1"/>
-          </p:cNvSpPr>
-          <p:nvPr>
-            <p:ph type="sldImg"/>
-          </p:nvPr>
-        </p:nvSpPr>
-        <p:spPr/>
-      </p:sp>
-      <p:sp>
-        <p:nvSpPr>
-          <p:cNvPr id="3" name="Notes Placeholder 2"/>
-          <p:cNvSpPr>
-            <a:spLocks noGrp="1"/>
-          </p:cNvSpPr>
-          <p:nvPr>
-            <p:ph type="body" idx="1"/>
-          </p:nvPr>
-        </p:nvSpPr>
-        <p:spPr/>
-        <p:txBody>
-          <a:bodyPr/>
-          <a:lstStyle/>
-          <a:p>
-            <a:endParaRPr lang="en-US" dirty="0"/>
-          </a:p>
-        </p:txBody>
-      </p:sp>
-      <p:sp>
-        <p:nvSpPr>
-          <p:cNvPr id="4" name="Slide Number Placeholder 3"/>
-          <p:cNvSpPr>
-            <a:spLocks noGrp="1"/>
-          </p:cNvSpPr>
-          <p:nvPr>
-            <p:ph type="sldNum" sz="quarter" idx="10"/>
-          </p:nvPr>
-        </p:nvSpPr>
-        <p:spPr/>
-        <p:txBody>
-          <a:bodyPr/>
-          <a:lstStyle/>
-          <a:p>
-            <a:fld id="{2290380C-F846-4D61-BB06-6FCFBA28E193}" type="slidenum">
-              <a:rPr lang="en-US" smtClean="0"/>
-              <a:pPr/>
-              <a:t>18</a:t>
+              <a:t>24</a:t>
             </a:fld>
             <a:endParaRPr lang="en-US"/>
           </a:p>
@@ -3737,12 +3558,6 @@
               </a:rPr>
               <a:t>Lemma</a:t>
             </a:r>
-            <a:endParaRPr lang="en-US" sz="8800" dirty="0" smtClean="0">
-              <a:solidFill>
-                <a:schemeClr val="tx2"/>
-              </a:solidFill>
-              <a:cs typeface="Arial" charset="0"/>
-            </a:endParaRPr>
           </a:p>
         </p:txBody>
       </p:sp>
@@ -3895,6 +3710,895 @@
 </file>
 
 <file path=ppt/slides/slide10.xml><?xml version="1.0" encoding="utf-8"?>
+<p:sld xmlns:a="http://schemas.openxmlformats.org/drawingml/2006/main" xmlns:r="http://schemas.openxmlformats.org/officeDocument/2006/relationships" xmlns:p="http://schemas.openxmlformats.org/presentationml/2006/main">
+  <p:cSld>
+    <p:spTree>
+      <p:nvGrpSpPr>
+        <p:cNvPr id="1" name=""/>
+        <p:cNvGrpSpPr/>
+        <p:nvPr/>
+      </p:nvGrpSpPr>
+      <p:grpSpPr>
+        <a:xfrm>
+          <a:off x="0" y="0"/>
+          <a:ext cx="0" cy="0"/>
+          <a:chOff x="0" y="0"/>
+          <a:chExt cx="0" cy="0"/>
+        </a:xfrm>
+      </p:grpSpPr>
+      <p:sp>
+        <p:nvSpPr>
+          <p:cNvPr id="2" name="Title 1"/>
+          <p:cNvSpPr>
+            <a:spLocks noGrp="1"/>
+          </p:cNvSpPr>
+          <p:nvPr>
+            <p:ph type="title"/>
+          </p:nvPr>
+        </p:nvSpPr>
+        <p:spPr/>
+        <p:txBody>
+          <a:bodyPr/>
+          <a:lstStyle/>
+          <a:p>
+            <a:r>
+              <a:rPr lang="en-US" dirty="0" smtClean="0"/>
+              <a:t>Proof of Lemma</a:t>
+            </a:r>
+            <a:endParaRPr lang="en-US" dirty="0"/>
+          </a:p>
+        </p:txBody>
+      </p:sp>
+      <p:sp>
+        <p:nvSpPr>
+          <p:cNvPr id="3" name="Content Placeholder 2"/>
+          <p:cNvSpPr>
+            <a:spLocks noGrp="1"/>
+          </p:cNvSpPr>
+          <p:nvPr>
+            <p:ph idx="1"/>
+          </p:nvPr>
+        </p:nvSpPr>
+        <p:spPr>
+          <a:xfrm>
+            <a:off x="152400" y="1676400"/>
+            <a:ext cx="8763000" cy="3657600"/>
+          </a:xfrm>
+        </p:spPr>
+        <p:txBody>
+          <a:bodyPr/>
+          <a:lstStyle/>
+          <a:p>
+            <a:r>
+              <a:rPr lang="en-US" sz="4400" dirty="0"/>
+              <a:t>If </a:t>
+            </a:r>
+            <a:r>
+              <a:rPr lang="en-US" sz="4400" dirty="0">
+                <a:solidFill>
+                  <a:srgbClr val="0000E5"/>
+                </a:solidFill>
+              </a:rPr>
+              <a:t>C</a:t>
+            </a:r>
+            <a:r>
+              <a:rPr lang="en-US" sz="4400" dirty="0"/>
+              <a:t> is a connector for </a:t>
+            </a:r>
+            <a:r>
+              <a:rPr lang="en-US" sz="4400" dirty="0" smtClean="0">
+                <a:solidFill>
+                  <a:srgbClr val="0000E5"/>
+                </a:solidFill>
+              </a:rPr>
+              <a:t>S</a:t>
+            </a:r>
+            <a:r>
+              <a:rPr lang="en-US" sz="4400" dirty="0" smtClean="0"/>
+              <a:t>, then </a:t>
+            </a:r>
+          </a:p>
+          <a:p>
+            <a:r>
+              <a:rPr lang="en-US" sz="4400" dirty="0" smtClean="0"/>
+              <a:t>also have connector </a:t>
+            </a:r>
+            <a:r>
+              <a:rPr lang="en-US" sz="4400" dirty="0" smtClean="0">
+                <a:solidFill>
+                  <a:srgbClr val="0000E5"/>
+                </a:solidFill>
+              </a:rPr>
+              <a:t>D</a:t>
+            </a:r>
+            <a:r>
+              <a:rPr lang="en-US" sz="4400" dirty="0" smtClean="0"/>
+              <a:t> for </a:t>
+            </a:r>
+            <a:r>
+              <a:rPr lang="en-US" sz="4400" dirty="0" smtClean="0">
+                <a:solidFill>
+                  <a:srgbClr val="0000E5"/>
+                </a:solidFill>
+              </a:rPr>
+              <a:t>S</a:t>
+            </a:r>
+            <a:r>
+              <a:rPr lang="en-US" sz="4400" dirty="0" smtClean="0"/>
+              <a:t>,</a:t>
+            </a:r>
+            <a:r>
+              <a:rPr lang="en-US" sz="4400" dirty="0" smtClean="0">
+                <a:solidFill>
+                  <a:srgbClr val="0000E5"/>
+                </a:solidFill>
+              </a:rPr>
+              <a:t> </a:t>
+            </a:r>
+            <a:r>
+              <a:rPr lang="en-US" sz="4400" dirty="0" smtClean="0"/>
+              <a:t>and</a:t>
+            </a:r>
+          </a:p>
+          <a:p>
+            <a:pPr marL="571500" indent="-571500">
+              <a:buFont typeface="Arial"/>
+              <a:buChar char="•"/>
+            </a:pPr>
+            <a:r>
+              <a:rPr lang="en-US" sz="5400" dirty="0" smtClean="0">
+                <a:solidFill>
+                  <a:srgbClr val="0000F1"/>
+                </a:solidFill>
+              </a:rPr>
+              <a:t>e</a:t>
+            </a:r>
+            <a:r>
+              <a:rPr lang="en-US" sz="5400" dirty="0" smtClean="0"/>
+              <a:t> is an edge of </a:t>
+            </a:r>
+            <a:r>
+              <a:rPr lang="en-US" sz="5400" dirty="0" smtClean="0">
+                <a:solidFill>
+                  <a:schemeClr val="accent5">
+                    <a:lumMod val="50000"/>
+                  </a:schemeClr>
+                </a:solidFill>
+              </a:rPr>
+              <a:t>D</a:t>
+            </a:r>
+          </a:p>
+          <a:p>
+            <a:pPr marL="571500" indent="-571500">
+              <a:buFont typeface="Arial"/>
+              <a:buChar char="•"/>
+            </a:pPr>
+            <a:r>
+              <a:rPr lang="en-US" sz="5400" dirty="0">
+                <a:solidFill>
+                  <a:srgbClr val="0000F1"/>
+                </a:solidFill>
+              </a:rPr>
+              <a:t>weight </a:t>
+            </a:r>
+            <a:r>
+              <a:rPr lang="en-US" sz="5400" dirty="0" smtClean="0">
+                <a:solidFill>
+                  <a:srgbClr val="0000F1"/>
+                </a:solidFill>
+              </a:rPr>
+              <a:t>(D) </a:t>
+            </a:r>
+            <a:r>
+              <a:rPr lang="en-US" sz="5400" b="1" dirty="0" smtClean="0">
+                <a:solidFill>
+                  <a:srgbClr val="0000F1"/>
+                </a:solidFill>
+                <a:latin typeface="Euclid Symbol" charset="2"/>
+                <a:cs typeface="Euclid Symbol" charset="2"/>
+              </a:rPr>
+              <a:t>≤ </a:t>
+            </a:r>
+            <a:r>
+              <a:rPr lang="en-US" sz="5400" dirty="0">
+                <a:solidFill>
+                  <a:srgbClr val="0000F1"/>
+                </a:solidFill>
+              </a:rPr>
+              <a:t>weight </a:t>
+            </a:r>
+            <a:r>
+              <a:rPr lang="en-US" sz="5400" dirty="0" smtClean="0">
+                <a:solidFill>
+                  <a:srgbClr val="0000F1"/>
+                </a:solidFill>
+              </a:rPr>
+              <a:t>(C) </a:t>
+            </a:r>
+            <a:endParaRPr lang="en-US" sz="5400" b="1" dirty="0">
+              <a:solidFill>
+                <a:srgbClr val="0000F1"/>
+              </a:solidFill>
+              <a:latin typeface="Euclid Symbol" charset="2"/>
+              <a:cs typeface="Euclid Symbol" charset="2"/>
+            </a:endParaRPr>
+          </a:p>
+        </p:txBody>
+      </p:sp>
+      <p:sp>
+        <p:nvSpPr>
+          <p:cNvPr id="4" name="Slide Number Placeholder 3"/>
+          <p:cNvSpPr>
+            <a:spLocks noGrp="1"/>
+          </p:cNvSpPr>
+          <p:nvPr>
+            <p:ph type="sldNum" sz="quarter" idx="4"/>
+          </p:nvPr>
+        </p:nvSpPr>
+        <p:spPr/>
+        <p:txBody>
+          <a:bodyPr/>
+          <a:lstStyle/>
+          <a:p>
+            <a:pPr>
+              <a:defRPr/>
+            </a:pPr>
+            <a:r>
+              <a:rPr lang="en-US" smtClean="0"/>
+              <a:t>connected.</a:t>
+            </a:r>
+            <a:fld id="{D7F2FC53-1536-41A9-A9C1-2199CF803E30}" type="slidenum">
+              <a:rPr lang="en-US" smtClean="0"/>
+              <a:pPr>
+                <a:defRPr/>
+              </a:pPr>
+              <a:t>10</a:t>
+            </a:fld>
+            <a:endParaRPr lang="en-US" dirty="0"/>
+          </a:p>
+        </p:txBody>
+      </p:sp>
+    </p:spTree>
+    <p:extLst>
+      <p:ext uri="{BB962C8B-B14F-4D97-AF65-F5344CB8AC3E}">
+        <p14:creationId xmlns:p14="http://schemas.microsoft.com/office/powerpoint/2010/main" val="3226752972"/>
+      </p:ext>
+    </p:extLst>
+  </p:cSld>
+  <p:clrMapOvr>
+    <a:masterClrMapping/>
+  </p:clrMapOvr>
+  <mc:AlternateContent xmlns:mc="http://schemas.openxmlformats.org/markup-compatibility/2006" xmlns:p14="http://schemas.microsoft.com/office/powerpoint/2010/main">
+    <mc:Choice Requires="p14">
+      <p:transition spd="slow" p14:dur="900" advClick="0">
+        <p:fade/>
+      </p:transition>
+    </mc:Choice>
+    <mc:Fallback xmlns="">
+      <p:transition xmlns:p14="http://schemas.microsoft.com/office/powerpoint/2010/main" spd="slow" advClick="0">
+        <p:fade/>
+      </p:transition>
+    </mc:Fallback>
+  </mc:AlternateContent>
+</p:sld>
+</file>
+
+<file path=ppt/slides/slide11.xml><?xml version="1.0" encoding="utf-8"?>
+<p:sld xmlns:a="http://schemas.openxmlformats.org/drawingml/2006/main" xmlns:r="http://schemas.openxmlformats.org/officeDocument/2006/relationships" xmlns:p="http://schemas.openxmlformats.org/presentationml/2006/main">
+  <p:cSld>
+    <p:spTree>
+      <p:nvGrpSpPr>
+        <p:cNvPr id="1" name=""/>
+        <p:cNvGrpSpPr/>
+        <p:nvPr/>
+      </p:nvGrpSpPr>
+      <p:grpSpPr>
+        <a:xfrm>
+          <a:off x="0" y="0"/>
+          <a:ext cx="0" cy="0"/>
+          <a:chOff x="0" y="0"/>
+          <a:chExt cx="0" cy="0"/>
+        </a:xfrm>
+      </p:grpSpPr>
+      <p:sp>
+        <p:nvSpPr>
+          <p:cNvPr id="3" name="Content Placeholder 2"/>
+          <p:cNvSpPr>
+            <a:spLocks noGrp="1"/>
+          </p:cNvSpPr>
+          <p:nvPr>
+            <p:ph idx="1"/>
+          </p:nvPr>
+        </p:nvSpPr>
+        <p:spPr>
+          <a:xfrm>
+            <a:off x="457200" y="1371600"/>
+            <a:ext cx="8153400" cy="2590800"/>
+          </a:xfrm>
+        </p:spPr>
+        <p:txBody>
+          <a:bodyPr/>
+          <a:lstStyle/>
+          <a:p>
+            <a:r>
+              <a:rPr lang="en-US" sz="4800" dirty="0" smtClean="0">
+                <a:solidFill>
+                  <a:srgbClr val="930093"/>
+                </a:solidFill>
+              </a:rPr>
+              <a:t>Case 1.</a:t>
+            </a:r>
+            <a:r>
+              <a:rPr lang="en-US" sz="6000" dirty="0" smtClean="0"/>
+              <a:t> </a:t>
+            </a:r>
+            <a:r>
+              <a:rPr lang="en-US" sz="6000" dirty="0" smtClean="0">
+                <a:solidFill>
+                  <a:srgbClr val="0000E5"/>
+                </a:solidFill>
+              </a:rPr>
+              <a:t>e</a:t>
+            </a:r>
+            <a:r>
+              <a:rPr lang="en-US" sz="6000" dirty="0" smtClean="0"/>
+              <a:t> is edge of</a:t>
+            </a:r>
+            <a:r>
+              <a:rPr lang="en-US" sz="6000" dirty="0" smtClean="0">
+                <a:solidFill>
+                  <a:srgbClr val="0000E5"/>
+                </a:solidFill>
+              </a:rPr>
+              <a:t> C</a:t>
+            </a:r>
+            <a:r>
+              <a:rPr lang="en-US" sz="6000" dirty="0" smtClean="0"/>
+              <a:t>.</a:t>
+            </a:r>
+          </a:p>
+          <a:p>
+            <a:r>
+              <a:rPr lang="en-US" sz="6600" dirty="0" smtClean="0"/>
+              <a:t>  OK, just let </a:t>
+            </a:r>
+            <a:r>
+              <a:rPr lang="en-US" sz="6600" dirty="0" smtClean="0">
+                <a:solidFill>
+                  <a:schemeClr val="accent1">
+                    <a:lumMod val="50000"/>
+                  </a:schemeClr>
+                </a:solidFill>
+              </a:rPr>
+              <a:t>D</a:t>
+            </a:r>
+            <a:r>
+              <a:rPr lang="en-US" sz="6600" dirty="0" smtClean="0"/>
+              <a:t>::= </a:t>
+            </a:r>
+            <a:r>
+              <a:rPr lang="en-US" sz="6600" dirty="0" smtClean="0">
+                <a:solidFill>
+                  <a:srgbClr val="0000E5"/>
+                </a:solidFill>
+              </a:rPr>
+              <a:t>C</a:t>
+            </a:r>
+            <a:endParaRPr lang="en-US" sz="6600" dirty="0">
+              <a:solidFill>
+                <a:srgbClr val="0000E5"/>
+              </a:solidFill>
+            </a:endParaRPr>
+          </a:p>
+        </p:txBody>
+      </p:sp>
+      <p:sp>
+        <p:nvSpPr>
+          <p:cNvPr id="4" name="Slide Number Placeholder 3"/>
+          <p:cNvSpPr>
+            <a:spLocks noGrp="1"/>
+          </p:cNvSpPr>
+          <p:nvPr>
+            <p:ph type="sldNum" sz="quarter" idx="4"/>
+          </p:nvPr>
+        </p:nvSpPr>
+        <p:spPr/>
+        <p:txBody>
+          <a:bodyPr/>
+          <a:lstStyle/>
+          <a:p>
+            <a:pPr>
+              <a:defRPr/>
+            </a:pPr>
+            <a:r>
+              <a:rPr lang="en-US" smtClean="0"/>
+              <a:t>connected.</a:t>
+            </a:r>
+            <a:fld id="{D7F2FC53-1536-41A9-A9C1-2199CF803E30}" type="slidenum">
+              <a:rPr lang="en-US" smtClean="0"/>
+              <a:pPr>
+                <a:defRPr/>
+              </a:pPr>
+              <a:t>11</a:t>
+            </a:fld>
+            <a:endParaRPr lang="en-US" dirty="0"/>
+          </a:p>
+        </p:txBody>
+      </p:sp>
+      <p:sp>
+        <p:nvSpPr>
+          <p:cNvPr id="5" name="Title 1"/>
+          <p:cNvSpPr>
+            <a:spLocks noGrp="1"/>
+          </p:cNvSpPr>
+          <p:nvPr>
+            <p:ph type="title"/>
+          </p:nvPr>
+        </p:nvSpPr>
+        <p:spPr>
+          <a:xfrm>
+            <a:off x="1524000" y="304800"/>
+            <a:ext cx="7086600" cy="990600"/>
+          </a:xfrm>
+        </p:spPr>
+        <p:txBody>
+          <a:bodyPr/>
+          <a:lstStyle/>
+          <a:p>
+            <a:r>
+              <a:rPr lang="en-US" dirty="0" smtClean="0"/>
+              <a:t>Proof of Lemma</a:t>
+            </a:r>
+            <a:endParaRPr lang="en-US" dirty="0"/>
+          </a:p>
+        </p:txBody>
+      </p:sp>
+    </p:spTree>
+    <p:extLst>
+      <p:ext uri="{BB962C8B-B14F-4D97-AF65-F5344CB8AC3E}">
+        <p14:creationId xmlns:p14="http://schemas.microsoft.com/office/powerpoint/2010/main" val="3590559374"/>
+      </p:ext>
+    </p:extLst>
+  </p:cSld>
+  <p:clrMapOvr>
+    <a:masterClrMapping/>
+  </p:clrMapOvr>
+  <mc:AlternateContent xmlns:mc="http://schemas.openxmlformats.org/markup-compatibility/2006" xmlns:p14="http://schemas.microsoft.com/office/powerpoint/2010/main">
+    <mc:Choice Requires="p14">
+      <p:transition spd="slow" p14:dur="900" advClick="0">
+        <p:fade/>
+      </p:transition>
+    </mc:Choice>
+    <mc:Fallback xmlns="">
+      <p:transition xmlns:p14="http://schemas.microsoft.com/office/powerpoint/2010/main" spd="slow" advClick="0">
+        <p:fade/>
+      </p:transition>
+    </mc:Fallback>
+  </mc:AlternateContent>
+</p:sld>
+</file>
+
+<file path=ppt/slides/slide12.xml><?xml version="1.0" encoding="utf-8"?>
+<p:sld xmlns:a="http://schemas.openxmlformats.org/drawingml/2006/main" xmlns:r="http://schemas.openxmlformats.org/officeDocument/2006/relationships" xmlns:p="http://schemas.openxmlformats.org/presentationml/2006/main">
+  <p:cSld>
+    <p:spTree>
+      <p:nvGrpSpPr>
+        <p:cNvPr id="1" name=""/>
+        <p:cNvGrpSpPr/>
+        <p:nvPr/>
+      </p:nvGrpSpPr>
+      <p:grpSpPr>
+        <a:xfrm>
+          <a:off x="0" y="0"/>
+          <a:ext cx="0" cy="0"/>
+          <a:chOff x="0" y="0"/>
+          <a:chExt cx="0" cy="0"/>
+        </a:xfrm>
+      </p:grpSpPr>
+      <p:sp>
+        <p:nvSpPr>
+          <p:cNvPr id="3" name="Content Placeholder 2"/>
+          <p:cNvSpPr>
+            <a:spLocks noGrp="1"/>
+          </p:cNvSpPr>
+          <p:nvPr>
+            <p:ph idx="1"/>
+          </p:nvPr>
+        </p:nvSpPr>
+        <p:spPr>
+          <a:xfrm>
+            <a:off x="0" y="1371600"/>
+            <a:ext cx="8610600" cy="4876800"/>
+          </a:xfrm>
+        </p:spPr>
+        <p:txBody>
+          <a:bodyPr/>
+          <a:lstStyle/>
+          <a:p>
+            <a:r>
+              <a:rPr lang="en-US" sz="4800" dirty="0" smtClean="0">
+                <a:solidFill>
+                  <a:srgbClr val="930093"/>
+                </a:solidFill>
+              </a:rPr>
+              <a:t>Case 2.</a:t>
+            </a:r>
+            <a:r>
+              <a:rPr lang="en-US" sz="6000" dirty="0" smtClean="0"/>
+              <a:t> </a:t>
+            </a:r>
+            <a:r>
+              <a:rPr lang="en-US" sz="6000" dirty="0" smtClean="0">
+                <a:solidFill>
+                  <a:srgbClr val="0000E5"/>
+                </a:solidFill>
+              </a:rPr>
+              <a:t>e</a:t>
+            </a:r>
+            <a:r>
+              <a:rPr lang="en-US" sz="6000" dirty="0" smtClean="0"/>
+              <a:t> </a:t>
+            </a:r>
+            <a:r>
+              <a:rPr lang="en-US" sz="6000" dirty="0" smtClean="0">
+                <a:solidFill>
+                  <a:srgbClr val="CC0000"/>
+                </a:solidFill>
+              </a:rPr>
+              <a:t>not</a:t>
+            </a:r>
+            <a:r>
+              <a:rPr lang="en-US" sz="6000" dirty="0" smtClean="0"/>
+              <a:t> edge of</a:t>
+            </a:r>
+            <a:r>
+              <a:rPr lang="en-US" sz="6000" dirty="0" smtClean="0">
+                <a:solidFill>
+                  <a:srgbClr val="0000E5"/>
+                </a:solidFill>
+              </a:rPr>
+              <a:t> C</a:t>
+            </a:r>
+            <a:r>
+              <a:rPr lang="en-US" sz="6000" dirty="0" smtClean="0"/>
+              <a:t>.</a:t>
+            </a:r>
+          </a:p>
+          <a:p>
+            <a:r>
+              <a:rPr lang="en-US" sz="6000" dirty="0" smtClean="0"/>
+              <a:t>Say </a:t>
+            </a:r>
+          </a:p>
+          <a:p>
+            <a:r>
+              <a:rPr lang="en-US" sz="6600" dirty="0" smtClean="0">
+                <a:solidFill>
+                  <a:schemeClr val="accent1">
+                    <a:lumMod val="50000"/>
+                  </a:schemeClr>
+                </a:solidFill>
+              </a:rPr>
+              <a:t>C </a:t>
+            </a:r>
+            <a:r>
+              <a:rPr lang="en-US" sz="6600" dirty="0" smtClean="0"/>
+              <a:t>connected so have</a:t>
+            </a:r>
+          </a:p>
+          <a:p>
+            <a:r>
+              <a:rPr lang="en-US" sz="6600" dirty="0" smtClean="0"/>
+              <a:t>path </a:t>
+            </a:r>
+            <a:endParaRPr lang="en-US" sz="6600" dirty="0"/>
+          </a:p>
+        </p:txBody>
+      </p:sp>
+      <p:sp>
+        <p:nvSpPr>
+          <p:cNvPr id="4" name="Slide Number Placeholder 3"/>
+          <p:cNvSpPr>
+            <a:spLocks noGrp="1"/>
+          </p:cNvSpPr>
+          <p:nvPr>
+            <p:ph type="sldNum" sz="quarter" idx="4"/>
+          </p:nvPr>
+        </p:nvSpPr>
+        <p:spPr/>
+        <p:txBody>
+          <a:bodyPr/>
+          <a:lstStyle/>
+          <a:p>
+            <a:pPr>
+              <a:defRPr/>
+            </a:pPr>
+            <a:r>
+              <a:rPr lang="en-US" smtClean="0"/>
+              <a:t>connected.</a:t>
+            </a:r>
+            <a:fld id="{D7F2FC53-1536-41A9-A9C1-2199CF803E30}" type="slidenum">
+              <a:rPr lang="en-US" smtClean="0"/>
+              <a:pPr>
+                <a:defRPr/>
+              </a:pPr>
+              <a:t>12</a:t>
+            </a:fld>
+            <a:endParaRPr lang="en-US" dirty="0"/>
+          </a:p>
+        </p:txBody>
+      </p:sp>
+      <p:sp>
+        <p:nvSpPr>
+          <p:cNvPr id="5" name="Title 1"/>
+          <p:cNvSpPr>
+            <a:spLocks noGrp="1"/>
+          </p:cNvSpPr>
+          <p:nvPr>
+            <p:ph type="title"/>
+          </p:nvPr>
+        </p:nvSpPr>
+        <p:spPr>
+          <a:xfrm>
+            <a:off x="1524000" y="304800"/>
+            <a:ext cx="7086600" cy="990600"/>
+          </a:xfrm>
+        </p:spPr>
+        <p:txBody>
+          <a:bodyPr/>
+          <a:lstStyle/>
+          <a:p>
+            <a:r>
+              <a:rPr lang="en-US" dirty="0" smtClean="0"/>
+              <a:t>Proof of Lemma</a:t>
+            </a:r>
+            <a:endParaRPr lang="en-US" dirty="0"/>
+          </a:p>
+        </p:txBody>
+      </p:sp>
+      <p:graphicFrame>
+        <p:nvGraphicFramePr>
+          <p:cNvPr id="2" name="Object 1"/>
+          <p:cNvGraphicFramePr>
+            <a:graphicFrameLocks noChangeAspect="1"/>
+          </p:cNvGraphicFramePr>
+          <p:nvPr>
+            <p:extLst>
+              <p:ext uri="{D42A27DB-BD31-4B8C-83A1-F6EECF244321}">
+                <p14:modId xmlns:p14="http://schemas.microsoft.com/office/powerpoint/2010/main" val="2864175253"/>
+              </p:ext>
+            </p:extLst>
+          </p:nvPr>
+        </p:nvGraphicFramePr>
+        <p:xfrm>
+          <a:off x="1733550" y="2438400"/>
+          <a:ext cx="5754688" cy="1150938"/>
+        </p:xfrm>
+        <a:graphic>
+          <a:graphicData uri="http://schemas.openxmlformats.org/presentationml/2006/ole">
+            <mc:AlternateContent xmlns:mc="http://schemas.openxmlformats.org/markup-compatibility/2006">
+              <mc:Choice xmlns:v="urn:schemas-microsoft-com:vml" Requires="v">
+                <p:oleObj spid="_x0000_s2053" name="Equation" r:id="rId3" imgW="762000" imgH="152400" progId="Equation.DSMT4">
+                  <p:embed/>
+                </p:oleObj>
+              </mc:Choice>
+              <mc:Fallback>
+                <p:oleObj name="Equation" r:id="rId3" imgW="762000" imgH="152400" progId="Equation.DSMT4">
+                  <p:embed/>
+                  <p:pic>
+                    <p:nvPicPr>
+                      <p:cNvPr id="0" name=""/>
+                      <p:cNvPicPr/>
+                      <p:nvPr/>
+                    </p:nvPicPr>
+                    <p:blipFill>
+                      <a:blip r:embed="rId4"/>
+                      <a:stretch>
+                        <a:fillRect/>
+                      </a:stretch>
+                    </p:blipFill>
+                    <p:spPr>
+                      <a:xfrm>
+                        <a:off x="1733550" y="2438400"/>
+                        <a:ext cx="5754688" cy="1150938"/>
+                      </a:xfrm>
+                      <a:prstGeom prst="rect">
+                        <a:avLst/>
+                      </a:prstGeom>
+                    </p:spPr>
+                  </p:pic>
+                </p:oleObj>
+              </mc:Fallback>
+            </mc:AlternateContent>
+          </a:graphicData>
+        </a:graphic>
+      </p:graphicFrame>
+      <p:graphicFrame>
+        <p:nvGraphicFramePr>
+          <p:cNvPr id="6" name="Object 5"/>
+          <p:cNvGraphicFramePr>
+            <a:graphicFrameLocks noChangeAspect="1"/>
+          </p:cNvGraphicFramePr>
+          <p:nvPr>
+            <p:extLst>
+              <p:ext uri="{D42A27DB-BD31-4B8C-83A1-F6EECF244321}">
+                <p14:modId xmlns:p14="http://schemas.microsoft.com/office/powerpoint/2010/main" val="2045154319"/>
+              </p:ext>
+            </p:extLst>
+          </p:nvPr>
+        </p:nvGraphicFramePr>
+        <p:xfrm>
+          <a:off x="2065338" y="4800600"/>
+          <a:ext cx="6715125" cy="1438275"/>
+        </p:xfrm>
+        <a:graphic>
+          <a:graphicData uri="http://schemas.openxmlformats.org/presentationml/2006/ole">
+            <mc:AlternateContent xmlns:mc="http://schemas.openxmlformats.org/markup-compatibility/2006">
+              <mc:Choice xmlns:v="urn:schemas-microsoft-com:vml" Requires="v">
+                <p:oleObj spid="_x0000_s2054" name="Equation" r:id="rId5" imgW="889000" imgH="190500" progId="Equation.DSMT4">
+                  <p:embed/>
+                </p:oleObj>
+              </mc:Choice>
+              <mc:Fallback>
+                <p:oleObj name="Equation" r:id="rId5" imgW="889000" imgH="190500" progId="Equation.DSMT4">
+                  <p:embed/>
+                  <p:pic>
+                    <p:nvPicPr>
+                      <p:cNvPr id="0" name=""/>
+                      <p:cNvPicPr/>
+                      <p:nvPr/>
+                    </p:nvPicPr>
+                    <p:blipFill>
+                      <a:blip r:embed="rId6"/>
+                      <a:stretch>
+                        <a:fillRect/>
+                      </a:stretch>
+                    </p:blipFill>
+                    <p:spPr>
+                      <a:xfrm>
+                        <a:off x="2065338" y="4800600"/>
+                        <a:ext cx="6715125" cy="1438275"/>
+                      </a:xfrm>
+                      <a:prstGeom prst="rect">
+                        <a:avLst/>
+                      </a:prstGeom>
+                    </p:spPr>
+                  </p:pic>
+                </p:oleObj>
+              </mc:Fallback>
+            </mc:AlternateContent>
+          </a:graphicData>
+        </a:graphic>
+      </p:graphicFrame>
+    </p:spTree>
+    <p:extLst>
+      <p:ext uri="{BB962C8B-B14F-4D97-AF65-F5344CB8AC3E}">
+        <p14:creationId xmlns:p14="http://schemas.microsoft.com/office/powerpoint/2010/main" val="690127973"/>
+      </p:ext>
+    </p:extLst>
+  </p:cSld>
+  <p:clrMapOvr>
+    <a:masterClrMapping/>
+  </p:clrMapOvr>
+  <mc:AlternateContent xmlns:mc="http://schemas.openxmlformats.org/markup-compatibility/2006" xmlns:p14="http://schemas.microsoft.com/office/powerpoint/2010/main">
+    <mc:Choice Requires="p14">
+      <p:transition spd="slow" p14:dur="900" advClick="0">
+        <p:fade/>
+      </p:transition>
+    </mc:Choice>
+    <mc:Fallback xmlns="">
+      <p:transition xmlns:p14="http://schemas.microsoft.com/office/powerpoint/2010/main" spd="slow" advClick="0">
+        <p:fade/>
+      </p:transition>
+    </mc:Fallback>
+  </mc:AlternateContent>
+</p:sld>
+</file>
+
+<file path=ppt/slides/slide13.xml><?xml version="1.0" encoding="utf-8"?>
+<p:sld xmlns:a="http://schemas.openxmlformats.org/drawingml/2006/main" xmlns:r="http://schemas.openxmlformats.org/officeDocument/2006/relationships" xmlns:p="http://schemas.openxmlformats.org/presentationml/2006/main">
+  <p:cSld>
+    <p:spTree>
+      <p:nvGrpSpPr>
+        <p:cNvPr id="1" name=""/>
+        <p:cNvGrpSpPr/>
+        <p:nvPr/>
+      </p:nvGrpSpPr>
+      <p:grpSpPr>
+        <a:xfrm>
+          <a:off x="0" y="0"/>
+          <a:ext cx="0" cy="0"/>
+          <a:chOff x="0" y="0"/>
+          <a:chExt cx="0" cy="0"/>
+        </a:xfrm>
+      </p:grpSpPr>
+      <p:sp>
+        <p:nvSpPr>
+          <p:cNvPr id="4" name="Slide Number Placeholder 3"/>
+          <p:cNvSpPr>
+            <a:spLocks noGrp="1"/>
+          </p:cNvSpPr>
+          <p:nvPr>
+            <p:ph type="sldNum" sz="quarter" idx="4"/>
+          </p:nvPr>
+        </p:nvSpPr>
+        <p:spPr/>
+        <p:txBody>
+          <a:bodyPr/>
+          <a:lstStyle/>
+          <a:p>
+            <a:pPr>
+              <a:defRPr/>
+            </a:pPr>
+            <a:r>
+              <a:rPr lang="en-US" smtClean="0"/>
+              <a:t>connected.</a:t>
+            </a:r>
+            <a:fld id="{D7F2FC53-1536-41A9-A9C1-2199CF803E30}" type="slidenum">
+              <a:rPr lang="en-US" smtClean="0"/>
+              <a:pPr>
+                <a:defRPr/>
+              </a:pPr>
+              <a:t>13</a:t>
+            </a:fld>
+            <a:endParaRPr lang="en-US" dirty="0"/>
+          </a:p>
+        </p:txBody>
+      </p:sp>
+      <p:sp>
+        <p:nvSpPr>
+          <p:cNvPr id="5" name="Title 1"/>
+          <p:cNvSpPr>
+            <a:spLocks noGrp="1"/>
+          </p:cNvSpPr>
+          <p:nvPr>
+            <p:ph type="title"/>
+          </p:nvPr>
+        </p:nvSpPr>
+        <p:spPr>
+          <a:xfrm>
+            <a:off x="1524000" y="304800"/>
+            <a:ext cx="7086600" cy="990600"/>
+          </a:xfrm>
+        </p:spPr>
+        <p:txBody>
+          <a:bodyPr/>
+          <a:lstStyle/>
+          <a:p>
+            <a:r>
+              <a:rPr lang="en-US" dirty="0" smtClean="0"/>
+              <a:t>Proof of Lemma</a:t>
+            </a:r>
+            <a:endParaRPr lang="en-US" dirty="0"/>
+          </a:p>
+        </p:txBody>
+      </p:sp>
+    </p:spTree>
+    <p:extLst>
+      <p:ext uri="{BB962C8B-B14F-4D97-AF65-F5344CB8AC3E}">
+        <p14:creationId xmlns:p14="http://schemas.microsoft.com/office/powerpoint/2010/main" val="1707843014"/>
+      </p:ext>
+    </p:extLst>
+  </p:cSld>
+  <p:clrMapOvr>
+    <a:masterClrMapping/>
+  </p:clrMapOvr>
+  <mc:AlternateContent xmlns:mc="http://schemas.openxmlformats.org/markup-compatibility/2006" xmlns:p14="http://schemas.microsoft.com/office/powerpoint/2010/main">
+    <mc:Choice Requires="p14">
+      <p:transition spd="slow" p14:dur="900" advClick="0">
+        <p:fade/>
+      </p:transition>
+    </mc:Choice>
+    <mc:Fallback xmlns="">
+      <p:transition xmlns:p14="http://schemas.microsoft.com/office/powerpoint/2010/main" spd="slow" advClick="0">
+        <p:fade/>
+      </p:transition>
+    </mc:Fallback>
+  </mc:AlternateContent>
+</p:sld>
+</file>
+
+<file path=ppt/slides/slide14.xml><?xml version="1.0" encoding="utf-8"?>
 <p:sld xmlns:a="http://schemas.openxmlformats.org/drawingml/2006/main" xmlns:r="http://schemas.openxmlformats.org/officeDocument/2006/relationships" xmlns:p="http://schemas.openxmlformats.org/presentationml/2006/main" show="0">
   <p:cSld>
     <p:spTree>
@@ -3946,7 +4650,7 @@
               <a:pPr>
                 <a:defRPr/>
               </a:pPr>
-              <a:t>10</a:t>
+              <a:t>14</a:t>
             </a:fld>
             <a:endParaRPr lang="en-US" sz="1200" dirty="0"/>
           </a:p>
@@ -3964,8 +4668,8 @@
         </p:nvSpPr>
         <p:spPr>
           <a:xfrm>
-            <a:off x="1524000" y="76200"/>
-            <a:ext cx="7086600" cy="990600"/>
+            <a:off x="1066800" y="183662"/>
+            <a:ext cx="8305800" cy="990600"/>
           </a:xfrm>
         </p:spPr>
         <p:txBody>
@@ -3974,7 +4678,7 @@
           <a:p>
             <a:r>
               <a:rPr lang="en-US" dirty="0" smtClean="0"/>
-              <a:t>Proof (cont.)</a:t>
+              <a:t>Visualization</a:t>
             </a:r>
             <a:endParaRPr lang="en-US" dirty="0"/>
           </a:p>
@@ -3982,14 +4686,767 @@
       </p:sp>
       <p:sp>
         <p:nvSpPr>
-          <p:cNvPr id="6" name="TextBox 5"/>
+          <p:cNvPr id="5" name="Oval 4"/>
+          <p:cNvSpPr/>
+          <p:nvPr/>
+        </p:nvSpPr>
+        <p:spPr bwMode="auto">
+          <a:xfrm>
+            <a:off x="5410200" y="4953000"/>
+            <a:ext cx="152400" cy="152400"/>
+          </a:xfrm>
+          <a:prstGeom prst="ellipse">
+            <a:avLst/>
+          </a:prstGeom>
+          <a:solidFill>
+            <a:schemeClr val="tx1"/>
+          </a:solidFill>
+          <a:ln w="31750" cap="flat" cmpd="sng" algn="ctr">
+            <a:solidFill>
+              <a:schemeClr val="tx1"/>
+            </a:solidFill>
+            <a:prstDash val="solid"/>
+            <a:round/>
+            <a:headEnd type="none" w="med" len="med"/>
+            <a:tailEnd type="triangle" w="lg" len="lg"/>
+          </a:ln>
+          <a:effectLst/>
+        </p:spPr>
+        <p:txBody>
+          <a:bodyPr vert="horz" wrap="square" lIns="91440" tIns="45720" rIns="91440" bIns="45720" numCol="1" rtlCol="0" anchor="t" anchorCtr="0" compatLnSpc="1">
+            <a:prstTxWarp prst="textNoShape">
+              <a:avLst/>
+            </a:prstTxWarp>
+          </a:bodyPr>
+          <a:lstStyle/>
+          <a:p>
+            <a:pPr marL="0" marR="0" indent="0" algn="l" defTabSz="914400" rtl="0" eaLnBrk="1" fontAlgn="base" latinLnBrk="0" hangingPunct="1">
+              <a:lnSpc>
+                <a:spcPct val="100000"/>
+              </a:lnSpc>
+              <a:spcBef>
+                <a:spcPct val="0"/>
+              </a:spcBef>
+              <a:spcAft>
+                <a:spcPct val="0"/>
+              </a:spcAft>
+              <a:buClrTx/>
+              <a:buSzTx/>
+              <a:buFontTx/>
+              <a:buNone/>
+              <a:tabLst/>
+            </a:pPr>
+            <a:endParaRPr kumimoji="0" lang="en-US" sz="3200" b="0" i="0" u="none" strike="noStrike" cap="none" normalizeH="0" baseline="0" smtClean="0">
+              <a:ln>
+                <a:noFill/>
+              </a:ln>
+              <a:solidFill>
+                <a:schemeClr val="tx1"/>
+              </a:solidFill>
+              <a:effectLst/>
+              <a:latin typeface="Comic Sans MS" pitchFamily="66" charset="0"/>
+            </a:endParaRPr>
+          </a:p>
+        </p:txBody>
+      </p:sp>
+      <p:sp>
+        <p:nvSpPr>
+          <p:cNvPr id="7" name="Oval 6"/>
+          <p:cNvSpPr/>
+          <p:nvPr/>
+        </p:nvSpPr>
+        <p:spPr bwMode="auto">
+          <a:xfrm>
+            <a:off x="5486400" y="6096000"/>
+            <a:ext cx="152400" cy="152400"/>
+          </a:xfrm>
+          <a:prstGeom prst="ellipse">
+            <a:avLst/>
+          </a:prstGeom>
+          <a:solidFill>
+            <a:schemeClr val="tx1"/>
+          </a:solidFill>
+          <a:ln w="31750" cap="flat" cmpd="sng" algn="ctr">
+            <a:solidFill>
+              <a:schemeClr val="tx1"/>
+            </a:solidFill>
+            <a:prstDash val="solid"/>
+            <a:round/>
+            <a:headEnd type="none" w="med" len="med"/>
+            <a:tailEnd type="triangle" w="lg" len="lg"/>
+          </a:ln>
+          <a:effectLst/>
+        </p:spPr>
+        <p:txBody>
+          <a:bodyPr vert="horz" wrap="square" lIns="91440" tIns="45720" rIns="91440" bIns="45720" numCol="1" rtlCol="0" anchor="t" anchorCtr="0" compatLnSpc="1">
+            <a:prstTxWarp prst="textNoShape">
+              <a:avLst/>
+            </a:prstTxWarp>
+          </a:bodyPr>
+          <a:lstStyle/>
+          <a:p>
+            <a:pPr marL="0" marR="0" indent="0" algn="l" defTabSz="914400" rtl="0" eaLnBrk="1" fontAlgn="base" latinLnBrk="0" hangingPunct="1">
+              <a:lnSpc>
+                <a:spcPct val="100000"/>
+              </a:lnSpc>
+              <a:spcBef>
+                <a:spcPct val="0"/>
+              </a:spcBef>
+              <a:spcAft>
+                <a:spcPct val="0"/>
+              </a:spcAft>
+              <a:buClrTx/>
+              <a:buSzTx/>
+              <a:buFontTx/>
+              <a:buNone/>
+              <a:tabLst/>
+            </a:pPr>
+            <a:endParaRPr kumimoji="0" lang="en-US" sz="3200" b="0" i="0" u="none" strike="noStrike" cap="none" normalizeH="0" baseline="0" smtClean="0">
+              <a:ln>
+                <a:noFill/>
+              </a:ln>
+              <a:solidFill>
+                <a:schemeClr val="tx1"/>
+              </a:solidFill>
+              <a:effectLst/>
+              <a:latin typeface="Comic Sans MS" pitchFamily="66" charset="0"/>
+            </a:endParaRPr>
+          </a:p>
+        </p:txBody>
+      </p:sp>
+      <p:sp>
+        <p:nvSpPr>
+          <p:cNvPr id="8" name="Oval 7"/>
+          <p:cNvSpPr/>
+          <p:nvPr/>
+        </p:nvSpPr>
+        <p:spPr bwMode="auto">
+          <a:xfrm>
+            <a:off x="4038600" y="6019800"/>
+            <a:ext cx="152400" cy="152400"/>
+          </a:xfrm>
+          <a:prstGeom prst="ellipse">
+            <a:avLst/>
+          </a:prstGeom>
+          <a:solidFill>
+            <a:schemeClr val="tx1"/>
+          </a:solidFill>
+          <a:ln w="31750" cap="flat" cmpd="sng" algn="ctr">
+            <a:solidFill>
+              <a:schemeClr val="tx1"/>
+            </a:solidFill>
+            <a:prstDash val="solid"/>
+            <a:round/>
+            <a:headEnd type="none" w="med" len="med"/>
+            <a:tailEnd type="triangle" w="lg" len="lg"/>
+          </a:ln>
+          <a:effectLst/>
+        </p:spPr>
+        <p:txBody>
+          <a:bodyPr vert="horz" wrap="square" lIns="91440" tIns="45720" rIns="91440" bIns="45720" numCol="1" rtlCol="0" anchor="t" anchorCtr="0" compatLnSpc="1">
+            <a:prstTxWarp prst="textNoShape">
+              <a:avLst/>
+            </a:prstTxWarp>
+          </a:bodyPr>
+          <a:lstStyle/>
+          <a:p>
+            <a:pPr marL="0" marR="0" indent="0" algn="l" defTabSz="914400" rtl="0" eaLnBrk="1" fontAlgn="base" latinLnBrk="0" hangingPunct="1">
+              <a:lnSpc>
+                <a:spcPct val="100000"/>
+              </a:lnSpc>
+              <a:spcBef>
+                <a:spcPct val="0"/>
+              </a:spcBef>
+              <a:spcAft>
+                <a:spcPct val="0"/>
+              </a:spcAft>
+              <a:buClrTx/>
+              <a:buSzTx/>
+              <a:buFontTx/>
+              <a:buNone/>
+              <a:tabLst/>
+            </a:pPr>
+            <a:endParaRPr kumimoji="0" lang="en-US" sz="3200" b="0" i="0" u="none" strike="noStrike" cap="none" normalizeH="0" baseline="0" smtClean="0">
+              <a:ln>
+                <a:noFill/>
+              </a:ln>
+              <a:solidFill>
+                <a:schemeClr val="tx1"/>
+              </a:solidFill>
+              <a:effectLst/>
+              <a:latin typeface="Comic Sans MS" pitchFamily="66" charset="0"/>
+            </a:endParaRPr>
+          </a:p>
+        </p:txBody>
+      </p:sp>
+      <p:sp>
+        <p:nvSpPr>
+          <p:cNvPr id="9" name="Oval 8"/>
+          <p:cNvSpPr/>
+          <p:nvPr/>
+        </p:nvSpPr>
+        <p:spPr bwMode="auto">
+          <a:xfrm>
+            <a:off x="5029200" y="2971800"/>
+            <a:ext cx="152400" cy="152400"/>
+          </a:xfrm>
+          <a:prstGeom prst="ellipse">
+            <a:avLst/>
+          </a:prstGeom>
+          <a:solidFill>
+            <a:schemeClr val="bg1"/>
+          </a:solidFill>
+          <a:ln w="3175" cap="flat" cmpd="sng" algn="ctr">
+            <a:solidFill>
+              <a:schemeClr val="tx1"/>
+            </a:solidFill>
+            <a:prstDash val="solid"/>
+            <a:round/>
+            <a:headEnd type="none" w="med" len="med"/>
+            <a:tailEnd type="triangle" w="lg" len="lg"/>
+          </a:ln>
+          <a:effectLst/>
+        </p:spPr>
+        <p:txBody>
+          <a:bodyPr vert="horz" wrap="square" lIns="91440" tIns="45720" rIns="91440" bIns="45720" numCol="1" rtlCol="0" anchor="t" anchorCtr="0" compatLnSpc="1">
+            <a:prstTxWarp prst="textNoShape">
+              <a:avLst/>
+            </a:prstTxWarp>
+          </a:bodyPr>
+          <a:lstStyle/>
+          <a:p>
+            <a:pPr marL="0" marR="0" indent="0" algn="l" defTabSz="914400" rtl="0" eaLnBrk="1" fontAlgn="base" latinLnBrk="0" hangingPunct="1">
+              <a:lnSpc>
+                <a:spcPct val="100000"/>
+              </a:lnSpc>
+              <a:spcBef>
+                <a:spcPct val="0"/>
+              </a:spcBef>
+              <a:spcAft>
+                <a:spcPct val="0"/>
+              </a:spcAft>
+              <a:buClrTx/>
+              <a:buSzTx/>
+              <a:buFontTx/>
+              <a:buNone/>
+              <a:tabLst/>
+            </a:pPr>
+            <a:endParaRPr kumimoji="0" lang="en-US" sz="3200" b="0" i="0" u="none" strike="noStrike" cap="none" normalizeH="0" baseline="0" smtClean="0">
+              <a:ln>
+                <a:noFill/>
+              </a:ln>
+              <a:solidFill>
+                <a:schemeClr val="tx1"/>
+              </a:solidFill>
+              <a:effectLst/>
+              <a:latin typeface="Comic Sans MS" pitchFamily="66" charset="0"/>
+            </a:endParaRPr>
+          </a:p>
+        </p:txBody>
+      </p:sp>
+      <p:sp>
+        <p:nvSpPr>
+          <p:cNvPr id="10" name="Oval 9"/>
+          <p:cNvSpPr/>
+          <p:nvPr/>
+        </p:nvSpPr>
+        <p:spPr bwMode="auto">
+          <a:xfrm>
+            <a:off x="4724400" y="1524000"/>
+            <a:ext cx="152400" cy="152400"/>
+          </a:xfrm>
+          <a:prstGeom prst="ellipse">
+            <a:avLst/>
+          </a:prstGeom>
+          <a:solidFill>
+            <a:schemeClr val="bg1"/>
+          </a:solidFill>
+          <a:ln w="3175" cap="flat" cmpd="sng" algn="ctr">
+            <a:solidFill>
+              <a:schemeClr val="tx1"/>
+            </a:solidFill>
+            <a:prstDash val="solid"/>
+            <a:round/>
+            <a:headEnd type="none" w="med" len="med"/>
+            <a:tailEnd type="triangle" w="lg" len="lg"/>
+          </a:ln>
+          <a:effectLst/>
+        </p:spPr>
+        <p:txBody>
+          <a:bodyPr vert="horz" wrap="square" lIns="91440" tIns="45720" rIns="91440" bIns="45720" numCol="1" rtlCol="0" anchor="t" anchorCtr="0" compatLnSpc="1">
+            <a:prstTxWarp prst="textNoShape">
+              <a:avLst/>
+            </a:prstTxWarp>
+          </a:bodyPr>
+          <a:lstStyle/>
+          <a:p>
+            <a:pPr marL="0" marR="0" indent="0" algn="l" defTabSz="914400" rtl="0" eaLnBrk="1" fontAlgn="base" latinLnBrk="0" hangingPunct="1">
+              <a:lnSpc>
+                <a:spcPct val="100000"/>
+              </a:lnSpc>
+              <a:spcBef>
+                <a:spcPct val="0"/>
+              </a:spcBef>
+              <a:spcAft>
+                <a:spcPct val="0"/>
+              </a:spcAft>
+              <a:buClrTx/>
+              <a:buSzTx/>
+              <a:buFontTx/>
+              <a:buNone/>
+              <a:tabLst/>
+            </a:pPr>
+            <a:endParaRPr kumimoji="0" lang="en-US" sz="3200" b="0" i="0" u="none" strike="noStrike" cap="none" normalizeH="0" baseline="0" smtClean="0">
+              <a:ln>
+                <a:noFill/>
+              </a:ln>
+              <a:solidFill>
+                <a:schemeClr val="tx1"/>
+              </a:solidFill>
+              <a:effectLst/>
+              <a:latin typeface="Comic Sans MS" pitchFamily="66" charset="0"/>
+            </a:endParaRPr>
+          </a:p>
+        </p:txBody>
+      </p:sp>
+      <p:sp>
+        <p:nvSpPr>
+          <p:cNvPr id="11" name="Oval 10"/>
+          <p:cNvSpPr/>
+          <p:nvPr/>
+        </p:nvSpPr>
+        <p:spPr bwMode="auto">
+          <a:xfrm>
+            <a:off x="6324600" y="1752600"/>
+            <a:ext cx="152400" cy="152400"/>
+          </a:xfrm>
+          <a:prstGeom prst="ellipse">
+            <a:avLst/>
+          </a:prstGeom>
+          <a:solidFill>
+            <a:schemeClr val="bg1"/>
+          </a:solidFill>
+          <a:ln w="3175" cap="flat" cmpd="sng" algn="ctr">
+            <a:solidFill>
+              <a:schemeClr val="tx1"/>
+            </a:solidFill>
+            <a:prstDash val="solid"/>
+            <a:round/>
+            <a:headEnd type="none" w="med" len="med"/>
+            <a:tailEnd type="triangle" w="lg" len="lg"/>
+          </a:ln>
+          <a:effectLst/>
+        </p:spPr>
+        <p:txBody>
+          <a:bodyPr vert="horz" wrap="square" lIns="91440" tIns="45720" rIns="91440" bIns="45720" numCol="1" rtlCol="0" anchor="t" anchorCtr="0" compatLnSpc="1">
+            <a:prstTxWarp prst="textNoShape">
+              <a:avLst/>
+            </a:prstTxWarp>
+          </a:bodyPr>
+          <a:lstStyle/>
+          <a:p>
+            <a:pPr marL="0" marR="0" indent="0" algn="l" defTabSz="914400" rtl="0" eaLnBrk="1" fontAlgn="base" latinLnBrk="0" hangingPunct="1">
+              <a:lnSpc>
+                <a:spcPct val="100000"/>
+              </a:lnSpc>
+              <a:spcBef>
+                <a:spcPct val="0"/>
+              </a:spcBef>
+              <a:spcAft>
+                <a:spcPct val="0"/>
+              </a:spcAft>
+              <a:buClrTx/>
+              <a:buSzTx/>
+              <a:buFontTx/>
+              <a:buNone/>
+              <a:tabLst/>
+            </a:pPr>
+            <a:endParaRPr kumimoji="0" lang="en-US" sz="3200" b="0" i="0" u="none" strike="noStrike" cap="none" normalizeH="0" baseline="0" smtClean="0">
+              <a:ln>
+                <a:noFill/>
+              </a:ln>
+              <a:solidFill>
+                <a:schemeClr val="tx1"/>
+              </a:solidFill>
+              <a:effectLst/>
+              <a:latin typeface="Comic Sans MS" pitchFamily="66" charset="0"/>
+            </a:endParaRPr>
+          </a:p>
+        </p:txBody>
+      </p:sp>
+      <p:sp>
+        <p:nvSpPr>
+          <p:cNvPr id="20" name="Rectangle 19"/>
+          <p:cNvSpPr/>
+          <p:nvPr/>
+        </p:nvSpPr>
+        <p:spPr bwMode="auto">
+          <a:xfrm rot="20921640">
+            <a:off x="5289844" y="3110381"/>
+            <a:ext cx="45719" cy="1886136"/>
+          </a:xfrm>
+          <a:prstGeom prst="rect">
+            <a:avLst/>
+          </a:prstGeom>
+          <a:gradFill flip="none" rotWithShape="1">
+            <a:gsLst>
+              <a:gs pos="0">
+                <a:schemeClr val="tx1"/>
+              </a:gs>
+              <a:gs pos="100000">
+                <a:schemeClr val="bg1"/>
+              </a:gs>
+            </a:gsLst>
+            <a:lin ang="16200000" scaled="0"/>
+            <a:tileRect/>
+          </a:gradFill>
+          <a:ln w="3175" cap="flat" cmpd="sng" algn="ctr">
+            <a:solidFill>
+              <a:schemeClr val="tx1"/>
+            </a:solidFill>
+            <a:prstDash val="solid"/>
+            <a:round/>
+            <a:headEnd type="none" w="med" len="med"/>
+            <a:tailEnd type="triangle" w="lg" len="lg"/>
+          </a:ln>
+          <a:effectLst/>
+        </p:spPr>
+        <p:txBody>
+          <a:bodyPr vert="horz" wrap="square" lIns="91440" tIns="45720" rIns="91440" bIns="45720" numCol="1" rtlCol="0" anchor="t" anchorCtr="0" compatLnSpc="1">
+            <a:prstTxWarp prst="textNoShape">
+              <a:avLst/>
+            </a:prstTxWarp>
+          </a:bodyPr>
+          <a:lstStyle/>
+          <a:p>
+            <a:pPr marL="0" marR="0" indent="0" algn="l" defTabSz="914400" rtl="0" eaLnBrk="1" fontAlgn="base" latinLnBrk="0" hangingPunct="1">
+              <a:lnSpc>
+                <a:spcPct val="100000"/>
+              </a:lnSpc>
+              <a:spcBef>
+                <a:spcPct val="0"/>
+              </a:spcBef>
+              <a:spcAft>
+                <a:spcPct val="0"/>
+              </a:spcAft>
+              <a:buClrTx/>
+              <a:buSzTx/>
+              <a:buFontTx/>
+              <a:buNone/>
+              <a:tabLst/>
+            </a:pPr>
+            <a:endParaRPr kumimoji="0" lang="en-US" sz="3200" b="0" i="0" u="none" strike="noStrike" cap="none" normalizeH="0" baseline="0" smtClean="0">
+              <a:ln>
+                <a:noFill/>
+              </a:ln>
+              <a:solidFill>
+                <a:schemeClr val="tx1"/>
+              </a:solidFill>
+              <a:effectLst/>
+              <a:latin typeface="Comic Sans MS" pitchFamily="66" charset="0"/>
+            </a:endParaRPr>
+          </a:p>
+        </p:txBody>
+      </p:sp>
+      <p:cxnSp>
+        <p:nvCxnSpPr>
+          <p:cNvPr id="3" name="Curved Connector 2"/>
+          <p:cNvCxnSpPr>
+            <a:stCxn id="9" idx="1"/>
+            <a:endCxn id="5" idx="2"/>
+          </p:cNvCxnSpPr>
+          <p:nvPr/>
+        </p:nvCxnSpPr>
+        <p:spPr bwMode="auto">
+          <a:xfrm rot="16200000" flipH="1">
+            <a:off x="4213318" y="3832318"/>
+            <a:ext cx="2035082" cy="358682"/>
+          </a:xfrm>
+          <a:prstGeom prst="curvedConnector4">
+            <a:avLst>
+              <a:gd name="adj1" fmla="val -16513"/>
+              <a:gd name="adj2" fmla="val -669975"/>
+            </a:avLst>
+          </a:prstGeom>
+          <a:noFill/>
+          <a:ln w="31750" cap="flat" cmpd="sng" algn="ctr">
+            <a:solidFill>
+              <a:schemeClr val="tx1"/>
+            </a:solidFill>
+            <a:prstDash val="solid"/>
+            <a:round/>
+            <a:headEnd type="none" w="med" len="med"/>
+            <a:tailEnd type="stealth" w="lg" len="lg"/>
+          </a:ln>
+          <a:effectLst/>
+        </p:spPr>
+      </p:cxnSp>
+      <p:sp>
+        <p:nvSpPr>
+          <p:cNvPr id="25" name="Rectangle 24"/>
+          <p:cNvSpPr/>
+          <p:nvPr/>
+        </p:nvSpPr>
+        <p:spPr bwMode="auto">
+          <a:xfrm rot="2726405">
+            <a:off x="5701155" y="1595297"/>
+            <a:ext cx="54295" cy="1694987"/>
+          </a:xfrm>
+          <a:prstGeom prst="rect">
+            <a:avLst/>
+          </a:prstGeom>
+          <a:solidFill>
+            <a:schemeClr val="bg1"/>
+          </a:solidFill>
+          <a:ln w="3175" cap="flat" cmpd="sng" algn="ctr">
+            <a:solidFill>
+              <a:schemeClr val="tx1"/>
+            </a:solidFill>
+            <a:prstDash val="solid"/>
+            <a:round/>
+            <a:headEnd type="none" w="med" len="med"/>
+            <a:tailEnd type="triangle" w="lg" len="lg"/>
+          </a:ln>
+          <a:effectLst/>
+        </p:spPr>
+        <p:txBody>
+          <a:bodyPr vert="horz" wrap="square" lIns="91440" tIns="45720" rIns="91440" bIns="45720" numCol="1" rtlCol="0" anchor="t" anchorCtr="0" compatLnSpc="1">
+            <a:prstTxWarp prst="textNoShape">
+              <a:avLst/>
+            </a:prstTxWarp>
+          </a:bodyPr>
+          <a:lstStyle/>
+          <a:p>
+            <a:pPr marL="0" marR="0" indent="0" algn="l" defTabSz="914400" rtl="0" eaLnBrk="1" fontAlgn="base" latinLnBrk="0" hangingPunct="1">
+              <a:lnSpc>
+                <a:spcPct val="100000"/>
+              </a:lnSpc>
+              <a:spcBef>
+                <a:spcPct val="0"/>
+              </a:spcBef>
+              <a:spcAft>
+                <a:spcPct val="0"/>
+              </a:spcAft>
+              <a:buClrTx/>
+              <a:buSzTx/>
+              <a:buFontTx/>
+              <a:buNone/>
+              <a:tabLst/>
+            </a:pPr>
+            <a:endParaRPr kumimoji="0" lang="en-US" sz="3200" b="0" i="0" u="none" strike="noStrike" cap="none" normalizeH="0" baseline="0" smtClean="0">
+              <a:ln>
+                <a:noFill/>
+              </a:ln>
+              <a:solidFill>
+                <a:schemeClr val="tx1"/>
+              </a:solidFill>
+              <a:effectLst/>
+              <a:latin typeface="Comic Sans MS" pitchFamily="66" charset="0"/>
+            </a:endParaRPr>
+          </a:p>
+        </p:txBody>
+      </p:sp>
+      <p:sp>
+        <p:nvSpPr>
+          <p:cNvPr id="26" name="Rectangle 25"/>
+          <p:cNvSpPr/>
+          <p:nvPr/>
+        </p:nvSpPr>
+        <p:spPr bwMode="auto">
+          <a:xfrm rot="20868294" flipH="1">
+            <a:off x="4929572" y="1642923"/>
+            <a:ext cx="45719" cy="1369277"/>
+          </a:xfrm>
+          <a:prstGeom prst="rect">
+            <a:avLst/>
+          </a:prstGeom>
+          <a:solidFill>
+            <a:schemeClr val="bg1"/>
+          </a:solidFill>
+          <a:ln w="3175" cap="flat" cmpd="sng" algn="ctr">
+            <a:solidFill>
+              <a:schemeClr val="tx1"/>
+            </a:solidFill>
+            <a:prstDash val="solid"/>
+            <a:round/>
+            <a:headEnd type="none" w="med" len="med"/>
+            <a:tailEnd type="triangle" w="lg" len="lg"/>
+          </a:ln>
+          <a:effectLst/>
+        </p:spPr>
+        <p:txBody>
+          <a:bodyPr vert="horz" wrap="square" lIns="91440" tIns="45720" rIns="91440" bIns="45720" numCol="1" rtlCol="0" anchor="t" anchorCtr="0" compatLnSpc="1">
+            <a:prstTxWarp prst="textNoShape">
+              <a:avLst/>
+            </a:prstTxWarp>
+          </a:bodyPr>
+          <a:lstStyle/>
+          <a:p>
+            <a:pPr marL="0" marR="0" indent="0" algn="l" defTabSz="914400" rtl="0" eaLnBrk="1" fontAlgn="base" latinLnBrk="0" hangingPunct="1">
+              <a:lnSpc>
+                <a:spcPct val="100000"/>
+              </a:lnSpc>
+              <a:spcBef>
+                <a:spcPct val="0"/>
+              </a:spcBef>
+              <a:spcAft>
+                <a:spcPct val="0"/>
+              </a:spcAft>
+              <a:buClrTx/>
+              <a:buSzTx/>
+              <a:buFontTx/>
+              <a:buNone/>
+              <a:tabLst/>
+            </a:pPr>
+            <a:endParaRPr kumimoji="0" lang="en-US" sz="3200" b="0" i="0" u="none" strike="noStrike" cap="none" normalizeH="0" baseline="0" smtClean="0">
+              <a:ln>
+                <a:noFill/>
+              </a:ln>
+              <a:solidFill>
+                <a:schemeClr val="tx1"/>
+              </a:solidFill>
+              <a:effectLst/>
+              <a:latin typeface="Comic Sans MS" pitchFamily="66" charset="0"/>
+            </a:endParaRPr>
+          </a:p>
+        </p:txBody>
+      </p:sp>
+      <p:sp>
+        <p:nvSpPr>
+          <p:cNvPr id="27" name="Rectangle 26"/>
+          <p:cNvSpPr/>
+          <p:nvPr/>
+        </p:nvSpPr>
+        <p:spPr bwMode="auto">
+          <a:xfrm rot="13990827" flipH="1">
+            <a:off x="4784734" y="4707579"/>
+            <a:ext cx="45719" cy="1696619"/>
+          </a:xfrm>
+          <a:prstGeom prst="rect">
+            <a:avLst/>
+          </a:prstGeom>
+          <a:solidFill>
+            <a:schemeClr val="tx1"/>
+          </a:solidFill>
+          <a:ln w="31750" cap="flat" cmpd="sng" algn="ctr">
+            <a:noFill/>
+            <a:prstDash val="solid"/>
+            <a:round/>
+            <a:headEnd type="none" w="med" len="med"/>
+            <a:tailEnd type="triangle" w="lg" len="lg"/>
+          </a:ln>
+          <a:effectLst/>
+        </p:spPr>
+        <p:txBody>
+          <a:bodyPr vert="horz" wrap="square" lIns="91440" tIns="45720" rIns="91440" bIns="45720" numCol="1" rtlCol="0" anchor="t" anchorCtr="0" compatLnSpc="1">
+            <a:prstTxWarp prst="textNoShape">
+              <a:avLst/>
+            </a:prstTxWarp>
+          </a:bodyPr>
+          <a:lstStyle/>
+          <a:p>
+            <a:pPr marL="0" marR="0" indent="0" algn="l" defTabSz="914400" rtl="0" eaLnBrk="1" fontAlgn="base" latinLnBrk="0" hangingPunct="1">
+              <a:lnSpc>
+                <a:spcPct val="100000"/>
+              </a:lnSpc>
+              <a:spcBef>
+                <a:spcPct val="0"/>
+              </a:spcBef>
+              <a:spcAft>
+                <a:spcPct val="0"/>
+              </a:spcAft>
+              <a:buClrTx/>
+              <a:buSzTx/>
+              <a:buFontTx/>
+              <a:buNone/>
+              <a:tabLst/>
+            </a:pPr>
+            <a:endParaRPr kumimoji="0" lang="en-US" sz="3200" b="0" i="0" u="none" strike="noStrike" cap="none" normalizeH="0" baseline="0" smtClean="0">
+              <a:ln>
+                <a:noFill/>
+              </a:ln>
+              <a:solidFill>
+                <a:schemeClr val="tx1"/>
+              </a:solidFill>
+              <a:effectLst/>
+              <a:latin typeface="Comic Sans MS" pitchFamily="66" charset="0"/>
+            </a:endParaRPr>
+          </a:p>
+        </p:txBody>
+      </p:sp>
+      <p:sp>
+        <p:nvSpPr>
+          <p:cNvPr id="29" name="Rectangle 28"/>
+          <p:cNvSpPr/>
+          <p:nvPr/>
+        </p:nvSpPr>
+        <p:spPr bwMode="auto">
+          <a:xfrm rot="10551375" flipH="1">
+            <a:off x="5523295" y="5105715"/>
+            <a:ext cx="45719" cy="1022844"/>
+          </a:xfrm>
+          <a:prstGeom prst="rect">
+            <a:avLst/>
+          </a:prstGeom>
+          <a:solidFill>
+            <a:schemeClr val="tx1"/>
+          </a:solidFill>
+          <a:ln w="31750" cap="flat" cmpd="sng" algn="ctr">
+            <a:noFill/>
+            <a:prstDash val="solid"/>
+            <a:round/>
+            <a:headEnd type="none" w="med" len="med"/>
+            <a:tailEnd type="triangle" w="lg" len="lg"/>
+          </a:ln>
+          <a:effectLst/>
+        </p:spPr>
+        <p:txBody>
+          <a:bodyPr vert="horz" wrap="square" lIns="91440" tIns="45720" rIns="91440" bIns="45720" numCol="1" rtlCol="0" anchor="t" anchorCtr="0" compatLnSpc="1">
+            <a:prstTxWarp prst="textNoShape">
+              <a:avLst/>
+            </a:prstTxWarp>
+          </a:bodyPr>
+          <a:lstStyle/>
+          <a:p>
+            <a:pPr marL="0" marR="0" indent="0" algn="l" defTabSz="914400" rtl="0" eaLnBrk="1" fontAlgn="base" latinLnBrk="0" hangingPunct="1">
+              <a:lnSpc>
+                <a:spcPct val="100000"/>
+              </a:lnSpc>
+              <a:spcBef>
+                <a:spcPct val="0"/>
+              </a:spcBef>
+              <a:spcAft>
+                <a:spcPct val="0"/>
+              </a:spcAft>
+              <a:buClrTx/>
+              <a:buSzTx/>
+              <a:buFontTx/>
+              <a:buNone/>
+              <a:tabLst/>
+            </a:pPr>
+            <a:endParaRPr kumimoji="0" lang="en-US" sz="3200" b="0" i="0" u="none" strike="noStrike" cap="none" normalizeH="0" baseline="0" smtClean="0">
+              <a:ln>
+                <a:noFill/>
+              </a:ln>
+              <a:solidFill>
+                <a:schemeClr val="tx1"/>
+              </a:solidFill>
+              <a:effectLst/>
+              <a:latin typeface="Comic Sans MS" pitchFamily="66" charset="0"/>
+            </a:endParaRPr>
+          </a:p>
+        </p:txBody>
+      </p:sp>
+      <p:sp>
+        <p:nvSpPr>
+          <p:cNvPr id="24" name="TextBox 23"/>
           <p:cNvSpPr txBox="1"/>
           <p:nvPr/>
         </p:nvSpPr>
         <p:spPr>
           <a:xfrm>
-            <a:off x="533400" y="1447800"/>
-            <a:ext cx="8001000" cy="4247317"/>
+            <a:off x="2895600" y="2209800"/>
+            <a:ext cx="1295400" cy="584776"/>
           </a:xfrm>
           <a:prstGeom prst="rect">
             <a:avLst/>
@@ -4003,100 +5460,304 @@
           <a:lstStyle/>
           <a:p>
             <a:r>
-              <a:rPr lang="en-US" sz="5400" dirty="0" smtClean="0"/>
-              <a:t>Let </a:t>
-            </a:r>
-            <a:r>
-              <a:rPr lang="en-US" sz="5400" dirty="0" smtClean="0">
-                <a:solidFill>
-                  <a:srgbClr val="0000E5"/>
-                </a:solidFill>
-              </a:rPr>
-              <a:t>M* </a:t>
-            </a:r>
-            <a:r>
-              <a:rPr lang="en-US" sz="5400" dirty="0" smtClean="0"/>
-              <a:t>be </a:t>
-            </a:r>
-            <a:r>
-              <a:rPr lang="en-US" sz="5400" dirty="0" err="1" smtClean="0">
-                <a:solidFill>
-                  <a:srgbClr val="0000E5"/>
-                </a:solidFill>
-              </a:rPr>
-              <a:t>M+e-g</a:t>
-            </a:r>
-            <a:r>
-              <a:rPr lang="en-US" sz="5400" dirty="0" smtClean="0"/>
-              <a:t>.  We claim that </a:t>
-            </a:r>
-            <a:r>
-              <a:rPr lang="en-US" sz="5400" dirty="0" smtClean="0">
-                <a:solidFill>
-                  <a:schemeClr val="accent5">
-                    <a:lumMod val="50000"/>
-                  </a:schemeClr>
-                </a:solidFill>
-              </a:rPr>
-              <a:t>M*</a:t>
-            </a:r>
-            <a:r>
-              <a:rPr lang="en-US" sz="5400" dirty="0" smtClean="0"/>
-              <a:t> is an MST, and it contains</a:t>
-            </a:r>
+              <a:rPr lang="en-US" dirty="0" smtClean="0"/>
+              <a:t>p</a:t>
+            </a:r>
+            <a:endParaRPr lang="en-US" dirty="0"/>
           </a:p>
+        </p:txBody>
+      </p:sp>
+      <p:sp>
+        <p:nvSpPr>
+          <p:cNvPr id="30" name="TextBox 29"/>
+          <p:cNvSpPr txBox="1"/>
+          <p:nvPr/>
+        </p:nvSpPr>
+        <p:spPr>
+          <a:xfrm>
+            <a:off x="5257800" y="2743200"/>
+            <a:ext cx="457200" cy="584776"/>
+          </a:xfrm>
+          <a:prstGeom prst="rect">
+            <a:avLst/>
+          </a:prstGeom>
+          <a:noFill/>
+        </p:spPr>
+        <p:txBody>
+          <a:bodyPr wrap="square" rtlCol="0">
+            <a:spAutoFit/>
+          </a:bodyPr>
+          <a:lstStyle/>
           <a:p>
             <a:r>
-              <a:rPr lang="en-US" sz="5400" dirty="0" err="1" smtClean="0">
-                <a:solidFill>
-                  <a:srgbClr val="0000F1"/>
-                </a:solidFill>
-              </a:rPr>
-              <a:t>F+e</a:t>
-            </a:r>
-            <a:r>
-              <a:rPr lang="en-US" sz="5400" dirty="0" smtClean="0"/>
-              <a:t>, so</a:t>
-            </a:r>
-            <a:endParaRPr lang="en-US" sz="5400" dirty="0">
+              <a:rPr lang="en-US" dirty="0" smtClean="0"/>
+              <a:t>w</a:t>
+            </a:r>
+            <a:endParaRPr lang="en-US" dirty="0"/>
+          </a:p>
+        </p:txBody>
+      </p:sp>
+      <p:sp>
+        <p:nvSpPr>
+          <p:cNvPr id="31" name="TextBox 30"/>
+          <p:cNvSpPr txBox="1"/>
+          <p:nvPr/>
+        </p:nvSpPr>
+        <p:spPr>
+          <a:xfrm>
+            <a:off x="5638800" y="4800600"/>
+            <a:ext cx="685800" cy="584776"/>
+          </a:xfrm>
+          <a:prstGeom prst="rect">
+            <a:avLst/>
+          </a:prstGeom>
+          <a:noFill/>
+        </p:spPr>
+        <p:txBody>
+          <a:bodyPr wrap="square" rtlCol="0">
+            <a:spAutoFit/>
+          </a:bodyPr>
+          <a:lstStyle/>
+          <a:p>
+            <a:r>
+              <a:rPr lang="en-US" dirty="0" smtClean="0"/>
+              <a:t>b</a:t>
+            </a:r>
+            <a:endParaRPr lang="en-US" dirty="0"/>
+          </a:p>
+        </p:txBody>
+      </p:sp>
+      <p:sp>
+        <p:nvSpPr>
+          <p:cNvPr id="32" name="TextBox 31"/>
+          <p:cNvSpPr txBox="1"/>
+          <p:nvPr/>
+        </p:nvSpPr>
+        <p:spPr>
+          <a:xfrm>
+            <a:off x="457200" y="2971800"/>
+            <a:ext cx="3429000" cy="1569660"/>
+          </a:xfrm>
+          <a:prstGeom prst="rect">
+            <a:avLst/>
+          </a:prstGeom>
+          <a:noFill/>
+        </p:spPr>
+        <p:txBody>
+          <a:bodyPr wrap="square" rtlCol="0">
+            <a:spAutoFit/>
+          </a:bodyPr>
+          <a:lstStyle/>
+          <a:p>
+            <a:r>
+              <a:rPr lang="en-US" sz="9600" dirty="0" smtClean="0"/>
+              <a:t>M…</a:t>
+            </a:r>
+            <a:endParaRPr lang="en-US" sz="9600" dirty="0"/>
+          </a:p>
+        </p:txBody>
+      </p:sp>
+      <p:cxnSp>
+        <p:nvCxnSpPr>
+          <p:cNvPr id="35" name="Curved Connector 34"/>
+          <p:cNvCxnSpPr/>
+          <p:nvPr/>
+        </p:nvCxnSpPr>
+        <p:spPr bwMode="auto">
+          <a:xfrm rot="16200000" flipH="1">
+            <a:off x="4191000" y="3810000"/>
+            <a:ext cx="2035082" cy="358682"/>
+          </a:xfrm>
+          <a:prstGeom prst="curvedConnector4">
+            <a:avLst>
+              <a:gd name="adj1" fmla="val -16513"/>
+              <a:gd name="adj2" fmla="val -669975"/>
+            </a:avLst>
+          </a:prstGeom>
+          <a:noFill/>
+          <a:ln w="63500" cap="flat" cmpd="sng" algn="ctr">
+            <a:gradFill flip="none" rotWithShape="1">
+              <a:gsLst>
+                <a:gs pos="0">
+                  <a:prstClr val="white"/>
+                </a:gs>
+                <a:gs pos="100000">
+                  <a:schemeClr val="tx2"/>
+                </a:gs>
+              </a:gsLst>
+              <a:lin ang="0" scaled="1"/>
+              <a:tileRect/>
+            </a:gradFill>
+            <a:prstDash val="solid"/>
+            <a:round/>
+            <a:headEnd type="none" w="med" len="med"/>
+            <a:tailEnd type="none" w="lg" len="lg"/>
+          </a:ln>
+          <a:effectLst/>
+        </p:spPr>
+      </p:cxnSp>
+      <p:sp>
+        <p:nvSpPr>
+          <p:cNvPr id="36" name="TextBox 35"/>
+          <p:cNvSpPr txBox="1"/>
+          <p:nvPr/>
+        </p:nvSpPr>
+        <p:spPr>
+          <a:xfrm>
+            <a:off x="5715000" y="3810000"/>
+            <a:ext cx="1524000" cy="584776"/>
+          </a:xfrm>
+          <a:prstGeom prst="rect">
+            <a:avLst/>
+          </a:prstGeom>
+          <a:noFill/>
+        </p:spPr>
+        <p:txBody>
+          <a:bodyPr wrap="square" rtlCol="0">
+            <a:spAutoFit/>
+          </a:bodyPr>
+          <a:lstStyle/>
+          <a:p>
+            <a:r>
+              <a:rPr lang="en-US" dirty="0" smtClean="0"/>
+              <a:t>e</a:t>
+            </a:r>
+            <a:endParaRPr lang="en-US" dirty="0"/>
+          </a:p>
+        </p:txBody>
+      </p:sp>
+      <p:sp>
+        <p:nvSpPr>
+          <p:cNvPr id="37" name="Rectangle 36"/>
+          <p:cNvSpPr/>
+          <p:nvPr/>
+        </p:nvSpPr>
+        <p:spPr bwMode="auto">
+          <a:xfrm rot="17182474" flipH="1">
+            <a:off x="3464486" y="5051574"/>
+            <a:ext cx="45719" cy="1696619"/>
+          </a:xfrm>
+          <a:prstGeom prst="rect">
+            <a:avLst/>
+          </a:prstGeom>
+          <a:solidFill>
+            <a:schemeClr val="tx1"/>
+          </a:solidFill>
+          <a:ln w="31750" cap="flat" cmpd="sng" algn="ctr">
+            <a:noFill/>
+            <a:prstDash val="solid"/>
+            <a:round/>
+            <a:headEnd type="none" w="med" len="med"/>
+            <a:tailEnd type="triangle" w="lg" len="lg"/>
+          </a:ln>
+          <a:effectLst/>
+        </p:spPr>
+        <p:txBody>
+          <a:bodyPr vert="horz" wrap="square" lIns="91440" tIns="45720" rIns="91440" bIns="45720" numCol="1" rtlCol="0" anchor="t" anchorCtr="0" compatLnSpc="1">
+            <a:prstTxWarp prst="textNoShape">
+              <a:avLst/>
+            </a:prstTxWarp>
+          </a:bodyPr>
+          <a:lstStyle/>
+          <a:p>
+            <a:pPr marL="0" marR="0" indent="0" algn="l" defTabSz="914400" rtl="0" eaLnBrk="1" fontAlgn="base" latinLnBrk="0" hangingPunct="1">
+              <a:lnSpc>
+                <a:spcPct val="100000"/>
+              </a:lnSpc>
+              <a:spcBef>
+                <a:spcPct val="0"/>
+              </a:spcBef>
+              <a:spcAft>
+                <a:spcPct val="0"/>
+              </a:spcAft>
+              <a:buClrTx/>
+              <a:buSzTx/>
+              <a:buFontTx/>
+              <a:buNone/>
+              <a:tabLst/>
+            </a:pPr>
+            <a:endParaRPr kumimoji="0" lang="en-US" sz="3200" b="0" i="0" u="none" strike="noStrike" cap="none" normalizeH="0" baseline="0" smtClean="0">
+              <a:ln>
+                <a:noFill/>
+              </a:ln>
               <a:solidFill>
-                <a:srgbClr val="0000F1"/>
+                <a:schemeClr val="tx1"/>
               </a:solidFill>
+              <a:effectLst/>
+              <a:latin typeface="Comic Sans MS" pitchFamily="66" charset="0"/>
             </a:endParaRPr>
           </a:p>
+        </p:txBody>
+      </p:sp>
+      <p:sp>
+        <p:nvSpPr>
+          <p:cNvPr id="38" name="Rectangle 37"/>
+          <p:cNvSpPr/>
+          <p:nvPr/>
+        </p:nvSpPr>
+        <p:spPr bwMode="auto">
+          <a:xfrm rot="4532338">
+            <a:off x="3845657" y="994011"/>
+            <a:ext cx="61276" cy="1694987"/>
+          </a:xfrm>
+          <a:prstGeom prst="rect">
+            <a:avLst/>
+          </a:prstGeom>
+          <a:solidFill>
+            <a:schemeClr val="bg1"/>
+          </a:solidFill>
+          <a:ln w="3175" cap="flat" cmpd="sng" algn="ctr">
+            <a:solidFill>
+              <a:schemeClr val="tx1"/>
+            </a:solidFill>
+            <a:prstDash val="solid"/>
+            <a:round/>
+            <a:headEnd type="none" w="med" len="med"/>
+            <a:tailEnd type="triangle" w="lg" len="lg"/>
+          </a:ln>
+          <a:effectLst/>
+        </p:spPr>
+        <p:txBody>
+          <a:bodyPr vert="horz" wrap="square" lIns="91440" tIns="45720" rIns="91440" bIns="45720" numCol="1" rtlCol="0" anchor="t" anchorCtr="0" compatLnSpc="1">
+            <a:prstTxWarp prst="textNoShape">
+              <a:avLst/>
+            </a:prstTxWarp>
+          </a:bodyPr>
+          <a:lstStyle/>
           <a:p>
-            <a:pPr algn="ctr"/>
-            <a:r>
-              <a:rPr lang="en-US" sz="5400" dirty="0" err="1" smtClean="0">
-                <a:solidFill>
-                  <a:srgbClr val="0000F1"/>
-                </a:solidFill>
-              </a:rPr>
-              <a:t>F+e</a:t>
-            </a:r>
-            <a:r>
-              <a:rPr lang="en-US" sz="5400" dirty="0" smtClean="0">
-                <a:solidFill>
-                  <a:srgbClr val="0000F1"/>
-                </a:solidFill>
-              </a:rPr>
-              <a:t> </a:t>
-            </a:r>
-            <a:r>
-              <a:rPr lang="en-US" sz="5400" dirty="0" smtClean="0">
-                <a:solidFill>
-                  <a:srgbClr val="000000"/>
-                </a:solidFill>
-              </a:rPr>
-              <a:t>is a pre-MST.</a:t>
-            </a:r>
+            <a:pPr marL="0" marR="0" indent="0" algn="l" defTabSz="914400" rtl="0" eaLnBrk="1" fontAlgn="base" latinLnBrk="0" hangingPunct="1">
+              <a:lnSpc>
+                <a:spcPct val="100000"/>
+              </a:lnSpc>
+              <a:spcBef>
+                <a:spcPct val="0"/>
+              </a:spcBef>
+              <a:spcAft>
+                <a:spcPct val="0"/>
+              </a:spcAft>
+              <a:buClrTx/>
+              <a:buSzTx/>
+              <a:buFontTx/>
+              <a:buNone/>
+              <a:tabLst/>
+            </a:pPr>
+            <a:endParaRPr kumimoji="0" lang="en-US" sz="3200" b="0" i="0" u="none" strike="noStrike" cap="none" normalizeH="0" baseline="0" smtClean="0">
+              <a:ln>
+                <a:noFill/>
+              </a:ln>
+              <a:solidFill>
+                <a:schemeClr val="tx1"/>
+              </a:solidFill>
+              <a:effectLst/>
+              <a:latin typeface="Comic Sans MS" pitchFamily="66" charset="0"/>
+            </a:endParaRPr>
           </a:p>
         </p:txBody>
       </p:sp>
     </p:spTree>
     <p:extLst>
       <p:ext uri="{BB962C8B-B14F-4D97-AF65-F5344CB8AC3E}">
-        <p14:creationId xmlns:p14="http://schemas.microsoft.com/office/powerpoint/2010/main" val="3076675414"/>
+        <p14:creationId xmlns:p14="http://schemas.microsoft.com/office/powerpoint/2010/main" val="2252971555"/>
       </p:ext>
     </p:extLst>
   </p:cSld>
@@ -4118,14 +5779,864 @@
   <p:timing>
     <p:tnLst>
       <p:par>
-        <p:cTn xmlns:p14="http://schemas.microsoft.com/office/powerpoint/2010/main" id="1" dur="indefinite" restart="never" nodeType="tmRoot"/>
+        <p:cTn xmlns:p14="http://schemas.microsoft.com/office/powerpoint/2010/main" id="1" dur="indefinite" restart="never" nodeType="tmRoot">
+          <p:childTnLst>
+            <p:seq concurrent="1" nextAc="seek">
+              <p:cTn id="2" dur="indefinite" nodeType="mainSeq">
+                <p:childTnLst>
+                  <p:par>
+                    <p:cTn id="3" fill="hold">
+                      <p:stCondLst>
+                        <p:cond delay="indefinite"/>
+                      </p:stCondLst>
+                      <p:childTnLst>
+                        <p:par>
+                          <p:cTn id="4" fill="hold">
+                            <p:stCondLst>
+                              <p:cond delay="0"/>
+                            </p:stCondLst>
+                            <p:childTnLst>
+                              <p:par>
+                                <p:cTn id="5" presetID="9" presetClass="entr" presetSubtype="0" fill="hold" grpId="0" nodeType="clickEffect">
+                                  <p:stCondLst>
+                                    <p:cond delay="0"/>
+                                  </p:stCondLst>
+                                  <p:childTnLst>
+                                    <p:set>
+                                      <p:cBhvr>
+                                        <p:cTn id="6" dur="1" fill="hold">
+                                          <p:stCondLst>
+                                            <p:cond delay="0"/>
+                                          </p:stCondLst>
+                                        </p:cTn>
+                                        <p:tgtEl>
+                                          <p:spTgt spid="30"/>
+                                        </p:tgtEl>
+                                        <p:attrNameLst>
+                                          <p:attrName>style.visibility</p:attrName>
+                                        </p:attrNameLst>
+                                      </p:cBhvr>
+                                      <p:to>
+                                        <p:strVal val="visible"/>
+                                      </p:to>
+                                    </p:set>
+                                    <p:animEffect transition="in" filter="dissolve">
+                                      <p:cBhvr>
+                                        <p:cTn id="7" dur="500"/>
+                                        <p:tgtEl>
+                                          <p:spTgt spid="30"/>
+                                        </p:tgtEl>
+                                      </p:cBhvr>
+                                    </p:animEffect>
+                                  </p:childTnLst>
+                                </p:cTn>
+                              </p:par>
+                              <p:par>
+                                <p:cTn id="8" presetID="9" presetClass="entr" presetSubtype="0" fill="hold" grpId="0" nodeType="withEffect">
+                                  <p:stCondLst>
+                                    <p:cond delay="0"/>
+                                  </p:stCondLst>
+                                  <p:childTnLst>
+                                    <p:set>
+                                      <p:cBhvr>
+                                        <p:cTn id="9" dur="1" fill="hold">
+                                          <p:stCondLst>
+                                            <p:cond delay="0"/>
+                                          </p:stCondLst>
+                                        </p:cTn>
+                                        <p:tgtEl>
+                                          <p:spTgt spid="31"/>
+                                        </p:tgtEl>
+                                        <p:attrNameLst>
+                                          <p:attrName>style.visibility</p:attrName>
+                                        </p:attrNameLst>
+                                      </p:cBhvr>
+                                      <p:to>
+                                        <p:strVal val="visible"/>
+                                      </p:to>
+                                    </p:set>
+                                    <p:animEffect transition="in" filter="dissolve">
+                                      <p:cBhvr>
+                                        <p:cTn id="10" dur="500"/>
+                                        <p:tgtEl>
+                                          <p:spTgt spid="31"/>
+                                        </p:tgtEl>
+                                      </p:cBhvr>
+                                    </p:animEffect>
+                                  </p:childTnLst>
+                                </p:cTn>
+                              </p:par>
+                              <p:par>
+                                <p:cTn id="11" presetID="9" presetClass="entr" presetSubtype="0" fill="hold" grpId="0" nodeType="withEffect">
+                                  <p:stCondLst>
+                                    <p:cond delay="0"/>
+                                  </p:stCondLst>
+                                  <p:childTnLst>
+                                    <p:set>
+                                      <p:cBhvr>
+                                        <p:cTn id="12" dur="1" fill="hold">
+                                          <p:stCondLst>
+                                            <p:cond delay="0"/>
+                                          </p:stCondLst>
+                                        </p:cTn>
+                                        <p:tgtEl>
+                                          <p:spTgt spid="32"/>
+                                        </p:tgtEl>
+                                        <p:attrNameLst>
+                                          <p:attrName>style.visibility</p:attrName>
+                                        </p:attrNameLst>
+                                      </p:cBhvr>
+                                      <p:to>
+                                        <p:strVal val="visible"/>
+                                      </p:to>
+                                    </p:set>
+                                    <p:animEffect transition="in" filter="dissolve">
+                                      <p:cBhvr>
+                                        <p:cTn id="13" dur="500"/>
+                                        <p:tgtEl>
+                                          <p:spTgt spid="32"/>
+                                        </p:tgtEl>
+                                      </p:cBhvr>
+                                    </p:animEffect>
+                                  </p:childTnLst>
+                                </p:cTn>
+                              </p:par>
+                              <p:par>
+                                <p:cTn id="14" presetID="9" presetClass="entr" presetSubtype="0" fill="hold" grpId="0" nodeType="withEffect">
+                                  <p:stCondLst>
+                                    <p:cond delay="0"/>
+                                  </p:stCondLst>
+                                  <p:childTnLst>
+                                    <p:set>
+                                      <p:cBhvr>
+                                        <p:cTn id="15" dur="1" fill="hold">
+                                          <p:stCondLst>
+                                            <p:cond delay="0"/>
+                                          </p:stCondLst>
+                                        </p:cTn>
+                                        <p:tgtEl>
+                                          <p:spTgt spid="11"/>
+                                        </p:tgtEl>
+                                        <p:attrNameLst>
+                                          <p:attrName>style.visibility</p:attrName>
+                                        </p:attrNameLst>
+                                      </p:cBhvr>
+                                      <p:to>
+                                        <p:strVal val="visible"/>
+                                      </p:to>
+                                    </p:set>
+                                    <p:animEffect transition="in" filter="dissolve">
+                                      <p:cBhvr>
+                                        <p:cTn id="16" dur="500"/>
+                                        <p:tgtEl>
+                                          <p:spTgt spid="11"/>
+                                        </p:tgtEl>
+                                      </p:cBhvr>
+                                    </p:animEffect>
+                                  </p:childTnLst>
+                                </p:cTn>
+                              </p:par>
+                              <p:par>
+                                <p:cTn id="17" presetID="9" presetClass="entr" presetSubtype="0" fill="hold" grpId="0" nodeType="withEffect">
+                                  <p:stCondLst>
+                                    <p:cond delay="0"/>
+                                  </p:stCondLst>
+                                  <p:childTnLst>
+                                    <p:set>
+                                      <p:cBhvr>
+                                        <p:cTn id="18" dur="1" fill="hold">
+                                          <p:stCondLst>
+                                            <p:cond delay="0"/>
+                                          </p:stCondLst>
+                                        </p:cTn>
+                                        <p:tgtEl>
+                                          <p:spTgt spid="10"/>
+                                        </p:tgtEl>
+                                        <p:attrNameLst>
+                                          <p:attrName>style.visibility</p:attrName>
+                                        </p:attrNameLst>
+                                      </p:cBhvr>
+                                      <p:to>
+                                        <p:strVal val="visible"/>
+                                      </p:to>
+                                    </p:set>
+                                    <p:animEffect transition="in" filter="dissolve">
+                                      <p:cBhvr>
+                                        <p:cTn id="19" dur="500"/>
+                                        <p:tgtEl>
+                                          <p:spTgt spid="10"/>
+                                        </p:tgtEl>
+                                      </p:cBhvr>
+                                    </p:animEffect>
+                                  </p:childTnLst>
+                                </p:cTn>
+                              </p:par>
+                              <p:par>
+                                <p:cTn id="20" presetID="9" presetClass="entr" presetSubtype="0" fill="hold" grpId="0" nodeType="withEffect">
+                                  <p:stCondLst>
+                                    <p:cond delay="0"/>
+                                  </p:stCondLst>
+                                  <p:childTnLst>
+                                    <p:set>
+                                      <p:cBhvr>
+                                        <p:cTn id="21" dur="1" fill="hold">
+                                          <p:stCondLst>
+                                            <p:cond delay="0"/>
+                                          </p:stCondLst>
+                                        </p:cTn>
+                                        <p:tgtEl>
+                                          <p:spTgt spid="9"/>
+                                        </p:tgtEl>
+                                        <p:attrNameLst>
+                                          <p:attrName>style.visibility</p:attrName>
+                                        </p:attrNameLst>
+                                      </p:cBhvr>
+                                      <p:to>
+                                        <p:strVal val="visible"/>
+                                      </p:to>
+                                    </p:set>
+                                    <p:animEffect transition="in" filter="dissolve">
+                                      <p:cBhvr>
+                                        <p:cTn id="22" dur="500"/>
+                                        <p:tgtEl>
+                                          <p:spTgt spid="9"/>
+                                        </p:tgtEl>
+                                      </p:cBhvr>
+                                    </p:animEffect>
+                                  </p:childTnLst>
+                                </p:cTn>
+                              </p:par>
+                              <p:par>
+                                <p:cTn id="23" presetID="9" presetClass="entr" presetSubtype="0" fill="hold" grpId="0" nodeType="withEffect">
+                                  <p:stCondLst>
+                                    <p:cond delay="0"/>
+                                  </p:stCondLst>
+                                  <p:childTnLst>
+                                    <p:set>
+                                      <p:cBhvr>
+                                        <p:cTn id="24" dur="1" fill="hold">
+                                          <p:stCondLst>
+                                            <p:cond delay="0"/>
+                                          </p:stCondLst>
+                                        </p:cTn>
+                                        <p:tgtEl>
+                                          <p:spTgt spid="5"/>
+                                        </p:tgtEl>
+                                        <p:attrNameLst>
+                                          <p:attrName>style.visibility</p:attrName>
+                                        </p:attrNameLst>
+                                      </p:cBhvr>
+                                      <p:to>
+                                        <p:strVal val="visible"/>
+                                      </p:to>
+                                    </p:set>
+                                    <p:animEffect transition="in" filter="dissolve">
+                                      <p:cBhvr>
+                                        <p:cTn id="25" dur="500"/>
+                                        <p:tgtEl>
+                                          <p:spTgt spid="5"/>
+                                        </p:tgtEl>
+                                      </p:cBhvr>
+                                    </p:animEffect>
+                                  </p:childTnLst>
+                                </p:cTn>
+                              </p:par>
+                              <p:par>
+                                <p:cTn id="26" presetID="9" presetClass="entr" presetSubtype="0" fill="hold" grpId="0" nodeType="withEffect">
+                                  <p:stCondLst>
+                                    <p:cond delay="0"/>
+                                  </p:stCondLst>
+                                  <p:childTnLst>
+                                    <p:set>
+                                      <p:cBhvr>
+                                        <p:cTn id="27" dur="1" fill="hold">
+                                          <p:stCondLst>
+                                            <p:cond delay="0"/>
+                                          </p:stCondLst>
+                                        </p:cTn>
+                                        <p:tgtEl>
+                                          <p:spTgt spid="7"/>
+                                        </p:tgtEl>
+                                        <p:attrNameLst>
+                                          <p:attrName>style.visibility</p:attrName>
+                                        </p:attrNameLst>
+                                      </p:cBhvr>
+                                      <p:to>
+                                        <p:strVal val="visible"/>
+                                      </p:to>
+                                    </p:set>
+                                    <p:animEffect transition="in" filter="dissolve">
+                                      <p:cBhvr>
+                                        <p:cTn id="28" dur="500"/>
+                                        <p:tgtEl>
+                                          <p:spTgt spid="7"/>
+                                        </p:tgtEl>
+                                      </p:cBhvr>
+                                    </p:animEffect>
+                                  </p:childTnLst>
+                                </p:cTn>
+                              </p:par>
+                              <p:par>
+                                <p:cTn id="29" presetID="9" presetClass="entr" presetSubtype="0" fill="hold" grpId="0" nodeType="withEffect">
+                                  <p:stCondLst>
+                                    <p:cond delay="0"/>
+                                  </p:stCondLst>
+                                  <p:childTnLst>
+                                    <p:set>
+                                      <p:cBhvr>
+                                        <p:cTn id="30" dur="1" fill="hold">
+                                          <p:stCondLst>
+                                            <p:cond delay="0"/>
+                                          </p:stCondLst>
+                                        </p:cTn>
+                                        <p:tgtEl>
+                                          <p:spTgt spid="8"/>
+                                        </p:tgtEl>
+                                        <p:attrNameLst>
+                                          <p:attrName>style.visibility</p:attrName>
+                                        </p:attrNameLst>
+                                      </p:cBhvr>
+                                      <p:to>
+                                        <p:strVal val="visible"/>
+                                      </p:to>
+                                    </p:set>
+                                    <p:animEffect transition="in" filter="dissolve">
+                                      <p:cBhvr>
+                                        <p:cTn id="31" dur="500"/>
+                                        <p:tgtEl>
+                                          <p:spTgt spid="8"/>
+                                        </p:tgtEl>
+                                      </p:cBhvr>
+                                    </p:animEffect>
+                                  </p:childTnLst>
+                                </p:cTn>
+                              </p:par>
+                              <p:par>
+                                <p:cTn id="32" presetID="9" presetClass="entr" presetSubtype="0" fill="hold" grpId="0" nodeType="withEffect">
+                                  <p:stCondLst>
+                                    <p:cond delay="0"/>
+                                  </p:stCondLst>
+                                  <p:childTnLst>
+                                    <p:set>
+                                      <p:cBhvr>
+                                        <p:cTn id="33" dur="1" fill="hold">
+                                          <p:stCondLst>
+                                            <p:cond delay="0"/>
+                                          </p:stCondLst>
+                                        </p:cTn>
+                                        <p:tgtEl>
+                                          <p:spTgt spid="27"/>
+                                        </p:tgtEl>
+                                        <p:attrNameLst>
+                                          <p:attrName>style.visibility</p:attrName>
+                                        </p:attrNameLst>
+                                      </p:cBhvr>
+                                      <p:to>
+                                        <p:strVal val="visible"/>
+                                      </p:to>
+                                    </p:set>
+                                    <p:animEffect transition="in" filter="dissolve">
+                                      <p:cBhvr>
+                                        <p:cTn id="34" dur="500"/>
+                                        <p:tgtEl>
+                                          <p:spTgt spid="27"/>
+                                        </p:tgtEl>
+                                      </p:cBhvr>
+                                    </p:animEffect>
+                                  </p:childTnLst>
+                                </p:cTn>
+                              </p:par>
+                              <p:par>
+                                <p:cTn id="35" presetID="9" presetClass="entr" presetSubtype="0" fill="hold" grpId="0" nodeType="withEffect">
+                                  <p:stCondLst>
+                                    <p:cond delay="0"/>
+                                  </p:stCondLst>
+                                  <p:childTnLst>
+                                    <p:set>
+                                      <p:cBhvr>
+                                        <p:cTn id="36" dur="1" fill="hold">
+                                          <p:stCondLst>
+                                            <p:cond delay="0"/>
+                                          </p:stCondLst>
+                                        </p:cTn>
+                                        <p:tgtEl>
+                                          <p:spTgt spid="29"/>
+                                        </p:tgtEl>
+                                        <p:attrNameLst>
+                                          <p:attrName>style.visibility</p:attrName>
+                                        </p:attrNameLst>
+                                      </p:cBhvr>
+                                      <p:to>
+                                        <p:strVal val="visible"/>
+                                      </p:to>
+                                    </p:set>
+                                    <p:animEffect transition="in" filter="dissolve">
+                                      <p:cBhvr>
+                                        <p:cTn id="37" dur="500"/>
+                                        <p:tgtEl>
+                                          <p:spTgt spid="29"/>
+                                        </p:tgtEl>
+                                      </p:cBhvr>
+                                    </p:animEffect>
+                                  </p:childTnLst>
+                                </p:cTn>
+                              </p:par>
+                              <p:par>
+                                <p:cTn id="38" presetID="9" presetClass="entr" presetSubtype="0" fill="hold" grpId="0" nodeType="withEffect">
+                                  <p:stCondLst>
+                                    <p:cond delay="0"/>
+                                  </p:stCondLst>
+                                  <p:childTnLst>
+                                    <p:set>
+                                      <p:cBhvr>
+                                        <p:cTn id="39" dur="1" fill="hold">
+                                          <p:stCondLst>
+                                            <p:cond delay="0"/>
+                                          </p:stCondLst>
+                                        </p:cTn>
+                                        <p:tgtEl>
+                                          <p:spTgt spid="25"/>
+                                        </p:tgtEl>
+                                        <p:attrNameLst>
+                                          <p:attrName>style.visibility</p:attrName>
+                                        </p:attrNameLst>
+                                      </p:cBhvr>
+                                      <p:to>
+                                        <p:strVal val="visible"/>
+                                      </p:to>
+                                    </p:set>
+                                    <p:animEffect transition="in" filter="dissolve">
+                                      <p:cBhvr>
+                                        <p:cTn id="40" dur="500"/>
+                                        <p:tgtEl>
+                                          <p:spTgt spid="25"/>
+                                        </p:tgtEl>
+                                      </p:cBhvr>
+                                    </p:animEffect>
+                                  </p:childTnLst>
+                                </p:cTn>
+                              </p:par>
+                              <p:par>
+                                <p:cTn id="41" presetID="9" presetClass="entr" presetSubtype="0" fill="hold" grpId="0" nodeType="withEffect">
+                                  <p:stCondLst>
+                                    <p:cond delay="0"/>
+                                  </p:stCondLst>
+                                  <p:childTnLst>
+                                    <p:set>
+                                      <p:cBhvr>
+                                        <p:cTn id="42" dur="1" fill="hold">
+                                          <p:stCondLst>
+                                            <p:cond delay="0"/>
+                                          </p:stCondLst>
+                                        </p:cTn>
+                                        <p:tgtEl>
+                                          <p:spTgt spid="26"/>
+                                        </p:tgtEl>
+                                        <p:attrNameLst>
+                                          <p:attrName>style.visibility</p:attrName>
+                                        </p:attrNameLst>
+                                      </p:cBhvr>
+                                      <p:to>
+                                        <p:strVal val="visible"/>
+                                      </p:to>
+                                    </p:set>
+                                    <p:animEffect transition="in" filter="dissolve">
+                                      <p:cBhvr>
+                                        <p:cTn id="43" dur="500"/>
+                                        <p:tgtEl>
+                                          <p:spTgt spid="26"/>
+                                        </p:tgtEl>
+                                      </p:cBhvr>
+                                    </p:animEffect>
+                                  </p:childTnLst>
+                                </p:cTn>
+                              </p:par>
+                              <p:par>
+                                <p:cTn id="44" presetID="9" presetClass="entr" presetSubtype="0" fill="hold" grpId="1" nodeType="withEffect">
+                                  <p:stCondLst>
+                                    <p:cond delay="0"/>
+                                  </p:stCondLst>
+                                  <p:childTnLst>
+                                    <p:set>
+                                      <p:cBhvr>
+                                        <p:cTn id="45" dur="1" fill="hold">
+                                          <p:stCondLst>
+                                            <p:cond delay="0"/>
+                                          </p:stCondLst>
+                                        </p:cTn>
+                                        <p:tgtEl>
+                                          <p:spTgt spid="38"/>
+                                        </p:tgtEl>
+                                        <p:attrNameLst>
+                                          <p:attrName>style.visibility</p:attrName>
+                                        </p:attrNameLst>
+                                      </p:cBhvr>
+                                      <p:to>
+                                        <p:strVal val="visible"/>
+                                      </p:to>
+                                    </p:set>
+                                    <p:animEffect transition="in" filter="dissolve">
+                                      <p:cBhvr>
+                                        <p:cTn id="46" dur="500"/>
+                                        <p:tgtEl>
+                                          <p:spTgt spid="38"/>
+                                        </p:tgtEl>
+                                      </p:cBhvr>
+                                    </p:animEffect>
+                                  </p:childTnLst>
+                                </p:cTn>
+                              </p:par>
+                              <p:par>
+                                <p:cTn id="47" presetID="9" presetClass="entr" presetSubtype="0" fill="hold" grpId="1" nodeType="withEffect">
+                                  <p:stCondLst>
+                                    <p:cond delay="0"/>
+                                  </p:stCondLst>
+                                  <p:childTnLst>
+                                    <p:set>
+                                      <p:cBhvr>
+                                        <p:cTn id="48" dur="1" fill="hold">
+                                          <p:stCondLst>
+                                            <p:cond delay="0"/>
+                                          </p:stCondLst>
+                                        </p:cTn>
+                                        <p:tgtEl>
+                                          <p:spTgt spid="37"/>
+                                        </p:tgtEl>
+                                        <p:attrNameLst>
+                                          <p:attrName>style.visibility</p:attrName>
+                                        </p:attrNameLst>
+                                      </p:cBhvr>
+                                      <p:to>
+                                        <p:strVal val="visible"/>
+                                      </p:to>
+                                    </p:set>
+                                    <p:animEffect transition="in" filter="dissolve">
+                                      <p:cBhvr>
+                                        <p:cTn id="49" dur="500"/>
+                                        <p:tgtEl>
+                                          <p:spTgt spid="37"/>
+                                        </p:tgtEl>
+                                      </p:cBhvr>
+                                    </p:animEffect>
+                                  </p:childTnLst>
+                                </p:cTn>
+                              </p:par>
+                            </p:childTnLst>
+                          </p:cTn>
+                        </p:par>
+                      </p:childTnLst>
+                    </p:cTn>
+                  </p:par>
+                  <p:par>
+                    <p:cTn id="50" fill="hold">
+                      <p:stCondLst>
+                        <p:cond delay="indefinite"/>
+                      </p:stCondLst>
+                      <p:childTnLst>
+                        <p:par>
+                          <p:cTn id="51" fill="hold">
+                            <p:stCondLst>
+                              <p:cond delay="0"/>
+                            </p:stCondLst>
+                            <p:childTnLst>
+                              <p:par>
+                                <p:cTn id="52" presetID="9" presetClass="entr" presetSubtype="0" fill="hold" grpId="0" nodeType="clickEffect">
+                                  <p:stCondLst>
+                                    <p:cond delay="0"/>
+                                  </p:stCondLst>
+                                  <p:childTnLst>
+                                    <p:set>
+                                      <p:cBhvr>
+                                        <p:cTn id="53" dur="1" fill="hold">
+                                          <p:stCondLst>
+                                            <p:cond delay="0"/>
+                                          </p:stCondLst>
+                                        </p:cTn>
+                                        <p:tgtEl>
+                                          <p:spTgt spid="24"/>
+                                        </p:tgtEl>
+                                        <p:attrNameLst>
+                                          <p:attrName>style.visibility</p:attrName>
+                                        </p:attrNameLst>
+                                      </p:cBhvr>
+                                      <p:to>
+                                        <p:strVal val="visible"/>
+                                      </p:to>
+                                    </p:set>
+                                    <p:animEffect transition="in" filter="dissolve">
+                                      <p:cBhvr>
+                                        <p:cTn id="54" dur="500"/>
+                                        <p:tgtEl>
+                                          <p:spTgt spid="24"/>
+                                        </p:tgtEl>
+                                      </p:cBhvr>
+                                    </p:animEffect>
+                                  </p:childTnLst>
+                                </p:cTn>
+                              </p:par>
+                              <p:par>
+                                <p:cTn id="55" presetID="9" presetClass="entr" presetSubtype="0" fill="hold" nodeType="withEffect">
+                                  <p:stCondLst>
+                                    <p:cond delay="0"/>
+                                  </p:stCondLst>
+                                  <p:childTnLst>
+                                    <p:set>
+                                      <p:cBhvr>
+                                        <p:cTn id="56" dur="1" fill="hold">
+                                          <p:stCondLst>
+                                            <p:cond delay="0"/>
+                                          </p:stCondLst>
+                                        </p:cTn>
+                                        <p:tgtEl>
+                                          <p:spTgt spid="3"/>
+                                        </p:tgtEl>
+                                        <p:attrNameLst>
+                                          <p:attrName>style.visibility</p:attrName>
+                                        </p:attrNameLst>
+                                      </p:cBhvr>
+                                      <p:to>
+                                        <p:strVal val="visible"/>
+                                      </p:to>
+                                    </p:set>
+                                    <p:animEffect transition="in" filter="dissolve">
+                                      <p:cBhvr>
+                                        <p:cTn id="57" dur="500"/>
+                                        <p:tgtEl>
+                                          <p:spTgt spid="3"/>
+                                        </p:tgtEl>
+                                      </p:cBhvr>
+                                    </p:animEffect>
+                                  </p:childTnLst>
+                                </p:cTn>
+                              </p:par>
+                            </p:childTnLst>
+                          </p:cTn>
+                        </p:par>
+                      </p:childTnLst>
+                    </p:cTn>
+                  </p:par>
+                  <p:par>
+                    <p:cTn id="58" fill="hold">
+                      <p:stCondLst>
+                        <p:cond delay="indefinite"/>
+                      </p:stCondLst>
+                      <p:childTnLst>
+                        <p:par>
+                          <p:cTn id="59" fill="hold">
+                            <p:stCondLst>
+                              <p:cond delay="0"/>
+                            </p:stCondLst>
+                            <p:childTnLst>
+                              <p:par>
+                                <p:cTn id="60" presetID="9" presetClass="entr" presetSubtype="0" fill="hold" grpId="0" nodeType="clickEffect">
+                                  <p:stCondLst>
+                                    <p:cond delay="0"/>
+                                  </p:stCondLst>
+                                  <p:childTnLst>
+                                    <p:set>
+                                      <p:cBhvr>
+                                        <p:cTn id="61" dur="1" fill="hold">
+                                          <p:stCondLst>
+                                            <p:cond delay="0"/>
+                                          </p:stCondLst>
+                                        </p:cTn>
+                                        <p:tgtEl>
+                                          <p:spTgt spid="20"/>
+                                        </p:tgtEl>
+                                        <p:attrNameLst>
+                                          <p:attrName>style.visibility</p:attrName>
+                                        </p:attrNameLst>
+                                      </p:cBhvr>
+                                      <p:to>
+                                        <p:strVal val="visible"/>
+                                      </p:to>
+                                    </p:set>
+                                    <p:animEffect transition="in" filter="dissolve">
+                                      <p:cBhvr>
+                                        <p:cTn id="62" dur="500"/>
+                                        <p:tgtEl>
+                                          <p:spTgt spid="20"/>
+                                        </p:tgtEl>
+                                      </p:cBhvr>
+                                    </p:animEffect>
+                                  </p:childTnLst>
+                                </p:cTn>
+                              </p:par>
+                              <p:par>
+                                <p:cTn id="63" presetID="9" presetClass="entr" presetSubtype="0" fill="hold" grpId="0" nodeType="withEffect">
+                                  <p:stCondLst>
+                                    <p:cond delay="0"/>
+                                  </p:stCondLst>
+                                  <p:childTnLst>
+                                    <p:set>
+                                      <p:cBhvr>
+                                        <p:cTn id="64" dur="1" fill="hold">
+                                          <p:stCondLst>
+                                            <p:cond delay="0"/>
+                                          </p:stCondLst>
+                                        </p:cTn>
+                                        <p:tgtEl>
+                                          <p:spTgt spid="36"/>
+                                        </p:tgtEl>
+                                        <p:attrNameLst>
+                                          <p:attrName>style.visibility</p:attrName>
+                                        </p:attrNameLst>
+                                      </p:cBhvr>
+                                      <p:to>
+                                        <p:strVal val="visible"/>
+                                      </p:to>
+                                    </p:set>
+                                    <p:animEffect transition="in" filter="dissolve">
+                                      <p:cBhvr>
+                                        <p:cTn id="65" dur="500"/>
+                                        <p:tgtEl>
+                                          <p:spTgt spid="36"/>
+                                        </p:tgtEl>
+                                      </p:cBhvr>
+                                    </p:animEffect>
+                                  </p:childTnLst>
+                                </p:cTn>
+                              </p:par>
+                            </p:childTnLst>
+                          </p:cTn>
+                        </p:par>
+                      </p:childTnLst>
+                    </p:cTn>
+                  </p:par>
+                  <p:par>
+                    <p:cTn id="66" fill="hold">
+                      <p:stCondLst>
+                        <p:cond delay="indefinite"/>
+                      </p:stCondLst>
+                      <p:childTnLst>
+                        <p:par>
+                          <p:cTn id="67" fill="hold">
+                            <p:stCondLst>
+                              <p:cond delay="0"/>
+                            </p:stCondLst>
+                            <p:childTnLst>
+                              <p:par>
+                                <p:cTn id="68" presetID="9" presetClass="exit" presetSubtype="0" fill="hold" nodeType="clickEffect">
+                                  <p:stCondLst>
+                                    <p:cond delay="0"/>
+                                  </p:stCondLst>
+                                  <p:childTnLst>
+                                    <p:animEffect transition="out" filter="dissolve">
+                                      <p:cBhvr>
+                                        <p:cTn id="69" dur="500"/>
+                                        <p:tgtEl>
+                                          <p:spTgt spid="3"/>
+                                        </p:tgtEl>
+                                      </p:cBhvr>
+                                    </p:animEffect>
+                                    <p:set>
+                                      <p:cBhvr>
+                                        <p:cTn id="70" dur="1" fill="hold">
+                                          <p:stCondLst>
+                                            <p:cond delay="499"/>
+                                          </p:stCondLst>
+                                        </p:cTn>
+                                        <p:tgtEl>
+                                          <p:spTgt spid="3"/>
+                                        </p:tgtEl>
+                                        <p:attrNameLst>
+                                          <p:attrName>style.visibility</p:attrName>
+                                        </p:attrNameLst>
+                                      </p:cBhvr>
+                                      <p:to>
+                                        <p:strVal val="hidden"/>
+                                      </p:to>
+                                    </p:set>
+                                  </p:childTnLst>
+                                </p:cTn>
+                              </p:par>
+                              <p:par>
+                                <p:cTn id="71" presetID="9" presetClass="entr" presetSubtype="0" fill="hold" nodeType="withEffect">
+                                  <p:stCondLst>
+                                    <p:cond delay="0"/>
+                                  </p:stCondLst>
+                                  <p:childTnLst>
+                                    <p:set>
+                                      <p:cBhvr>
+                                        <p:cTn id="72" dur="1" fill="hold">
+                                          <p:stCondLst>
+                                            <p:cond delay="0"/>
+                                          </p:stCondLst>
+                                        </p:cTn>
+                                        <p:tgtEl>
+                                          <p:spTgt spid="35"/>
+                                        </p:tgtEl>
+                                        <p:attrNameLst>
+                                          <p:attrName>style.visibility</p:attrName>
+                                        </p:attrNameLst>
+                                      </p:cBhvr>
+                                      <p:to>
+                                        <p:strVal val="visible"/>
+                                      </p:to>
+                                    </p:set>
+                                    <p:animEffect transition="in" filter="dissolve">
+                                      <p:cBhvr>
+                                        <p:cTn id="73" dur="500"/>
+                                        <p:tgtEl>
+                                          <p:spTgt spid="35"/>
+                                        </p:tgtEl>
+                                      </p:cBhvr>
+                                    </p:animEffect>
+                                  </p:childTnLst>
+                                </p:cTn>
+                              </p:par>
+                            </p:childTnLst>
+                          </p:cTn>
+                        </p:par>
+                      </p:childTnLst>
+                    </p:cTn>
+                  </p:par>
+                </p:childTnLst>
+              </p:cTn>
+              <p:prevCondLst>
+                <p:cond evt="onPrev" delay="0">
+                  <p:tgtEl>
+                    <p:sldTgt/>
+                  </p:tgtEl>
+                </p:cond>
+              </p:prevCondLst>
+              <p:nextCondLst>
+                <p:cond evt="onNext" delay="0">
+                  <p:tgtEl>
+                    <p:sldTgt/>
+                  </p:tgtEl>
+                </p:cond>
+              </p:nextCondLst>
+            </p:seq>
+          </p:childTnLst>
+        </p:cTn>
       </p:par>
     </p:tnLst>
+    <p:bldLst>
+      <p:bldP spid="5" grpId="0" animBg="1"/>
+      <p:bldP spid="7" grpId="0" animBg="1"/>
+      <p:bldP spid="8" grpId="0" animBg="1"/>
+      <p:bldP spid="9" grpId="0" animBg="1"/>
+      <p:bldP spid="10" grpId="0" animBg="1"/>
+      <p:bldP spid="11" grpId="0" animBg="1"/>
+      <p:bldP spid="20" grpId="0" animBg="1"/>
+      <p:bldP spid="25" grpId="0" animBg="1"/>
+      <p:bldP spid="26" grpId="0" animBg="1"/>
+      <p:bldP spid="27" grpId="0" animBg="1"/>
+      <p:bldP spid="29" grpId="0" animBg="1"/>
+      <p:bldP spid="24" grpId="0"/>
+      <p:bldP spid="30" grpId="0"/>
+      <p:bldP spid="31" grpId="0"/>
+      <p:bldP spid="32" grpId="0"/>
+      <p:bldP spid="36" grpId="0"/>
+      <p:bldP spid="37" grpId="1" animBg="1"/>
+      <p:bldP spid="38" grpId="1" animBg="1"/>
+    </p:bldLst>
   </p:timing>
 </p:sld>
 </file>
 
-<file path=ppt/slides/slide11.xml><?xml version="1.0" encoding="utf-8"?>
+<file path=ppt/slides/slide15.xml><?xml version="1.0" encoding="utf-8"?>
 <p:sld xmlns:a="http://schemas.openxmlformats.org/drawingml/2006/main" xmlns:r="http://schemas.openxmlformats.org/officeDocument/2006/relationships" xmlns:p="http://schemas.openxmlformats.org/presentationml/2006/main" show="0">
   <p:cSld>
     <p:spTree>
@@ -4177,7 +6688,7 @@
               <a:pPr>
                 <a:defRPr/>
               </a:pPr>
-              <a:t>11</a:t>
+              <a:t>15</a:t>
             </a:fld>
             <a:endParaRPr lang="en-US" sz="1200" dirty="0"/>
           </a:p>
@@ -4185,71 +6696,7 @@
       </p:sp>
       <p:sp>
         <p:nvSpPr>
-          <p:cNvPr id="4" name="TextBox 3"/>
-          <p:cNvSpPr txBox="1"/>
-          <p:nvPr/>
-        </p:nvSpPr>
-        <p:spPr>
-          <a:xfrm>
-            <a:off x="685800" y="1920657"/>
-            <a:ext cx="7772400" cy="3108543"/>
-          </a:xfrm>
-          <a:prstGeom prst="rect">
-            <a:avLst/>
-          </a:prstGeom>
-          <a:noFill/>
-        </p:spPr>
-        <p:txBody>
-          <a:bodyPr wrap="square" rtlCol="0">
-            <a:spAutoFit/>
-          </a:bodyPr>
-          <a:lstStyle/>
-          <a:p>
-            <a:r>
-              <a:rPr lang="en-US" sz="6600" dirty="0" smtClean="0"/>
-              <a:t>By the </a:t>
-            </a:r>
-            <a:r>
-              <a:rPr lang="en-US" sz="6600" dirty="0" smtClean="0">
-                <a:solidFill>
-                  <a:srgbClr val="930093"/>
-                </a:solidFill>
-              </a:rPr>
-              <a:t>Lemma</a:t>
-            </a:r>
-            <a:r>
-              <a:rPr lang="en-US" sz="6600" dirty="0" smtClean="0"/>
-              <a:t>, </a:t>
-            </a:r>
-            <a:r>
-              <a:rPr lang="en-US" sz="6600" dirty="0" smtClean="0">
-                <a:solidFill>
-                  <a:schemeClr val="accent1">
-                    <a:lumMod val="50000"/>
-                  </a:schemeClr>
-                </a:solidFill>
-              </a:rPr>
-              <a:t>M*</a:t>
-            </a:r>
-            <a:r>
-              <a:rPr lang="en-US" sz="6600" dirty="0" smtClean="0"/>
-              <a:t> is a spanning tree.</a:t>
-            </a:r>
-            <a:endParaRPr lang="en-US" sz="6600" dirty="0"/>
-          </a:p>
-          <a:p>
-            <a:pPr>
-              <a:lnSpc>
-                <a:spcPct val="140000"/>
-              </a:lnSpc>
-            </a:pPr>
-            <a:endParaRPr lang="en-US" sz="4800" dirty="0"/>
-          </a:p>
-        </p:txBody>
-      </p:sp>
-      <p:sp>
-        <p:nvSpPr>
-          <p:cNvPr id="5" name="Rectangle 2"/>
+          <p:cNvPr id="28" name="Rectangle 2"/>
           <p:cNvSpPr>
             <a:spLocks noGrp="1" noChangeArrowheads="1"/>
           </p:cNvSpPr>
@@ -4275,10 +6722,123 @@
           </a:p>
         </p:txBody>
       </p:sp>
+      <p:sp>
+        <p:nvSpPr>
+          <p:cNvPr id="6" name="TextBox 5"/>
+          <p:cNvSpPr txBox="1"/>
+          <p:nvPr/>
+        </p:nvSpPr>
+        <p:spPr>
+          <a:xfrm>
+            <a:off x="533400" y="1447800"/>
+            <a:ext cx="8001000" cy="4247317"/>
+          </a:xfrm>
+          <a:prstGeom prst="rect">
+            <a:avLst/>
+          </a:prstGeom>
+          <a:noFill/>
+        </p:spPr>
+        <p:txBody>
+          <a:bodyPr wrap="square" rtlCol="0">
+            <a:spAutoFit/>
+          </a:bodyPr>
+          <a:lstStyle/>
+          <a:p>
+            <a:r>
+              <a:rPr lang="en-US" sz="5400" dirty="0" smtClean="0"/>
+              <a:t>Let </a:t>
+            </a:r>
+            <a:r>
+              <a:rPr lang="en-US" sz="5400" dirty="0" smtClean="0">
+                <a:solidFill>
+                  <a:srgbClr val="0000E5"/>
+                </a:solidFill>
+              </a:rPr>
+              <a:t>M* </a:t>
+            </a:r>
+            <a:r>
+              <a:rPr lang="en-US" sz="5400" dirty="0" smtClean="0"/>
+              <a:t>be </a:t>
+            </a:r>
+            <a:r>
+              <a:rPr lang="en-US" sz="5400" dirty="0" err="1" smtClean="0">
+                <a:solidFill>
+                  <a:srgbClr val="0000E5"/>
+                </a:solidFill>
+              </a:rPr>
+              <a:t>M+e-g</a:t>
+            </a:r>
+            <a:r>
+              <a:rPr lang="en-US" sz="5400" dirty="0" smtClean="0"/>
+              <a:t>.  We claim that </a:t>
+            </a:r>
+            <a:r>
+              <a:rPr lang="en-US" sz="5400" dirty="0" smtClean="0">
+                <a:solidFill>
+                  <a:schemeClr val="accent5">
+                    <a:lumMod val="50000"/>
+                  </a:schemeClr>
+                </a:solidFill>
+              </a:rPr>
+              <a:t>M*</a:t>
+            </a:r>
+            <a:r>
+              <a:rPr lang="en-US" sz="5400" dirty="0" smtClean="0"/>
+              <a:t> is an MST, and it contains</a:t>
+            </a:r>
+          </a:p>
+          <a:p>
+            <a:r>
+              <a:rPr lang="en-US" sz="5400" dirty="0" err="1" smtClean="0">
+                <a:solidFill>
+                  <a:srgbClr val="0000F1"/>
+                </a:solidFill>
+              </a:rPr>
+              <a:t>F+e</a:t>
+            </a:r>
+            <a:r>
+              <a:rPr lang="en-US" sz="5400" dirty="0" smtClean="0"/>
+              <a:t>, so</a:t>
+            </a:r>
+            <a:endParaRPr lang="en-US" sz="5400" dirty="0">
+              <a:solidFill>
+                <a:srgbClr val="0000F1"/>
+              </a:solidFill>
+            </a:endParaRPr>
+          </a:p>
+          <a:p>
+            <a:pPr algn="ctr"/>
+            <a:r>
+              <a:rPr lang="en-US" sz="5400" dirty="0" err="1" smtClean="0">
+                <a:solidFill>
+                  <a:srgbClr val="0000F1"/>
+                </a:solidFill>
+              </a:rPr>
+              <a:t>F+e</a:t>
+            </a:r>
+            <a:r>
+              <a:rPr lang="en-US" sz="5400" dirty="0" smtClean="0">
+                <a:solidFill>
+                  <a:srgbClr val="0000F1"/>
+                </a:solidFill>
+              </a:rPr>
+              <a:t> </a:t>
+            </a:r>
+            <a:r>
+              <a:rPr lang="en-US" sz="5400" dirty="0" smtClean="0">
+                <a:solidFill>
+                  <a:srgbClr val="000000"/>
+                </a:solidFill>
+              </a:rPr>
+              <a:t>is a pre-MST.</a:t>
+            </a:r>
+          </a:p>
+        </p:txBody>
+      </p:sp>
     </p:spTree>
     <p:extLst>
       <p:ext uri="{BB962C8B-B14F-4D97-AF65-F5344CB8AC3E}">
-        <p14:creationId xmlns:p14="http://schemas.microsoft.com/office/powerpoint/2010/main" val="1526800579"/>
+        <p14:creationId xmlns:p14="http://schemas.microsoft.com/office/powerpoint/2010/main" val="3076675414"/>
       </p:ext>
     </p:extLst>
   </p:cSld>
@@ -4307,7 +6867,7 @@
 </p:sld>
 </file>
 
-<file path=ppt/slides/slide12.xml><?xml version="1.0" encoding="utf-8"?>
+<file path=ppt/slides/slide16.xml><?xml version="1.0" encoding="utf-8"?>
 <p:sld xmlns:a="http://schemas.openxmlformats.org/drawingml/2006/main" xmlns:r="http://schemas.openxmlformats.org/officeDocument/2006/relationships" xmlns:p="http://schemas.openxmlformats.org/presentationml/2006/main" show="0">
   <p:cSld>
     <p:spTree>
@@ -4359,7 +6919,189 @@
               <a:pPr>
                 <a:defRPr/>
               </a:pPr>
-              <a:t>12</a:t>
+              <a:t>16</a:t>
+            </a:fld>
+            <a:endParaRPr lang="en-US" sz="1200" dirty="0"/>
+          </a:p>
+        </p:txBody>
+      </p:sp>
+      <p:sp>
+        <p:nvSpPr>
+          <p:cNvPr id="4" name="TextBox 3"/>
+          <p:cNvSpPr txBox="1"/>
+          <p:nvPr/>
+        </p:nvSpPr>
+        <p:spPr>
+          <a:xfrm>
+            <a:off x="685800" y="1920657"/>
+            <a:ext cx="7772400" cy="3108543"/>
+          </a:xfrm>
+          <a:prstGeom prst="rect">
+            <a:avLst/>
+          </a:prstGeom>
+          <a:noFill/>
+        </p:spPr>
+        <p:txBody>
+          <a:bodyPr wrap="square" rtlCol="0">
+            <a:spAutoFit/>
+          </a:bodyPr>
+          <a:lstStyle/>
+          <a:p>
+            <a:r>
+              <a:rPr lang="en-US" sz="6600" dirty="0" smtClean="0"/>
+              <a:t>By the </a:t>
+            </a:r>
+            <a:r>
+              <a:rPr lang="en-US" sz="6600" dirty="0" smtClean="0">
+                <a:solidFill>
+                  <a:srgbClr val="930093"/>
+                </a:solidFill>
+              </a:rPr>
+              <a:t>Lemma</a:t>
+            </a:r>
+            <a:r>
+              <a:rPr lang="en-US" sz="6600" dirty="0" smtClean="0"/>
+              <a:t>, </a:t>
+            </a:r>
+            <a:r>
+              <a:rPr lang="en-US" sz="6600" dirty="0" smtClean="0">
+                <a:solidFill>
+                  <a:schemeClr val="accent1">
+                    <a:lumMod val="50000"/>
+                  </a:schemeClr>
+                </a:solidFill>
+              </a:rPr>
+              <a:t>M*</a:t>
+            </a:r>
+            <a:r>
+              <a:rPr lang="en-US" sz="6600" dirty="0" smtClean="0"/>
+              <a:t> is a spanning tree.</a:t>
+            </a:r>
+            <a:endParaRPr lang="en-US" sz="6600" dirty="0"/>
+          </a:p>
+          <a:p>
+            <a:pPr>
+              <a:lnSpc>
+                <a:spcPct val="140000"/>
+              </a:lnSpc>
+            </a:pPr>
+            <a:endParaRPr lang="en-US" sz="4800" dirty="0"/>
+          </a:p>
+        </p:txBody>
+      </p:sp>
+      <p:sp>
+        <p:nvSpPr>
+          <p:cNvPr id="5" name="Rectangle 2"/>
+          <p:cNvSpPr>
+            <a:spLocks noGrp="1" noChangeArrowheads="1"/>
+          </p:cNvSpPr>
+          <p:nvPr>
+            <p:ph type="title"/>
+          </p:nvPr>
+        </p:nvSpPr>
+        <p:spPr>
+          <a:xfrm>
+            <a:off x="1524000" y="76200"/>
+            <a:ext cx="7086600" cy="990600"/>
+          </a:xfrm>
+        </p:spPr>
+        <p:txBody>
+          <a:bodyPr/>
+          <a:lstStyle/>
+          <a:p>
+            <a:r>
+              <a:rPr lang="en-US" dirty="0" smtClean="0"/>
+              <a:t>Proof (cont.)</a:t>
+            </a:r>
+            <a:endParaRPr lang="en-US" dirty="0"/>
+          </a:p>
+        </p:txBody>
+      </p:sp>
+    </p:spTree>
+    <p:extLst>
+      <p:ext uri="{BB962C8B-B14F-4D97-AF65-F5344CB8AC3E}">
+        <p14:creationId xmlns:p14="http://schemas.microsoft.com/office/powerpoint/2010/main" val="1526800579"/>
+      </p:ext>
+    </p:extLst>
+  </p:cSld>
+  <p:clrMapOvr>
+    <a:masterClrMapping/>
+  </p:clrMapOvr>
+  <mc:AlternateContent xmlns:mc="http://schemas.openxmlformats.org/markup-compatibility/2006">
+    <mc:Choice xmlns:p14="http://schemas.microsoft.com/office/powerpoint/2010/main" Requires="p14">
+      <p:transition spd="slow" p14:dur="900" advClick="0">
+        <p:fade/>
+      </p:transition>
+    </mc:Choice>
+    <mc:Fallback>
+      <p:transition xmlns:p14="http://schemas.microsoft.com/office/powerpoint/2010/main" spd="slow" advClick="0">
+        <p:fade/>
+      </p:transition>
+    </mc:Fallback>
+  </mc:AlternateContent>
+  <p:timing>
+    <p:tnLst>
+      <p:par>
+        <p:cTn xmlns:p14="http://schemas.microsoft.com/office/powerpoint/2010/main" id="1" dur="indefinite" restart="never" nodeType="tmRoot"/>
+      </p:par>
+    </p:tnLst>
+  </p:timing>
+</p:sld>
+</file>
+
+<file path=ppt/slides/slide17.xml><?xml version="1.0" encoding="utf-8"?>
+<p:sld xmlns:a="http://schemas.openxmlformats.org/drawingml/2006/main" xmlns:r="http://schemas.openxmlformats.org/officeDocument/2006/relationships" xmlns:p="http://schemas.openxmlformats.org/presentationml/2006/main" show="0">
+  <p:cSld>
+    <p:spTree>
+      <p:nvGrpSpPr>
+        <p:cNvPr id="1" name=""/>
+        <p:cNvGrpSpPr/>
+        <p:nvPr/>
+      </p:nvGrpSpPr>
+      <p:grpSpPr>
+        <a:xfrm>
+          <a:off x="0" y="0"/>
+          <a:ext cx="0" cy="0"/>
+          <a:chOff x="0" y="0"/>
+          <a:chExt cx="0" cy="0"/>
+        </a:xfrm>
+      </p:grpSpPr>
+      <p:sp>
+        <p:nvSpPr>
+          <p:cNvPr id="19" name="Slide Number Placeholder 3"/>
+          <p:cNvSpPr>
+            <a:spLocks noGrp="1"/>
+          </p:cNvSpPr>
+          <p:nvPr>
+            <p:ph type="sldNum" sz="quarter" idx="4294967295"/>
+          </p:nvPr>
+        </p:nvSpPr>
+        <p:spPr>
+          <a:xfrm>
+            <a:off x="8095441" y="6583363"/>
+            <a:ext cx="1048559" cy="276999"/>
+          </a:xfrm>
+          <a:prstGeom prst="rect">
+            <a:avLst/>
+          </a:prstGeom>
+        </p:spPr>
+        <p:txBody>
+          <a:bodyPr/>
+          <a:lstStyle/>
+          <a:p>
+            <a:pPr>
+              <a:defRPr/>
+            </a:pPr>
+            <a:r>
+              <a:rPr lang="en-US" sz="1200" dirty="0" smtClean="0"/>
+              <a:t>connected.</a:t>
+            </a:r>
+            <a:fld id="{19EC3EF5-AAAB-406F-8B8B-2285D28F7116}" type="slidenum">
+              <a:rPr lang="en-US" sz="1200" smtClean="0"/>
+              <a:pPr>
+                <a:defRPr/>
+              </a:pPr>
+              <a:t>17</a:t>
             </a:fld>
             <a:endParaRPr lang="en-US" sz="1200" dirty="0"/>
           </a:p>
@@ -4644,7 +7386,7 @@
 </p:sld>
 </file>
 
-<file path=ppt/slides/slide13.xml><?xml version="1.0" encoding="utf-8"?>
+<file path=ppt/slides/slide18.xml><?xml version="1.0" encoding="utf-8"?>
 <p:sld xmlns:a="http://schemas.openxmlformats.org/drawingml/2006/main" xmlns:r="http://schemas.openxmlformats.org/officeDocument/2006/relationships" xmlns:p="http://schemas.openxmlformats.org/presentationml/2006/main">
   <p:cSld>
     <p:spTree>
@@ -4771,7 +7513,7 @@
               <a:pPr>
                 <a:defRPr/>
               </a:pPr>
-              <a:t>13</a:t>
+              <a:t>18</a:t>
             </a:fld>
             <a:endParaRPr lang="en-US" dirty="0"/>
           </a:p>
@@ -5270,7 +8012,7 @@
 </p:sld>
 </file>
 
-<file path=ppt/slides/slide14.xml><?xml version="1.0" encoding="utf-8"?>
+<file path=ppt/slides/slide19.xml><?xml version="1.0" encoding="utf-8"?>
 <p:sld xmlns:a="http://schemas.openxmlformats.org/drawingml/2006/main" xmlns:r="http://schemas.openxmlformats.org/officeDocument/2006/relationships" xmlns:p="http://schemas.openxmlformats.org/presentationml/2006/main" show="0">
   <p:cSld>
     <p:spTree>
@@ -5356,7 +8098,7 @@
               <a:pPr>
                 <a:defRPr/>
               </a:pPr>
-              <a:t>14</a:t>
+              <a:t>19</a:t>
             </a:fld>
             <a:endParaRPr lang="en-US" dirty="0"/>
           </a:p>
@@ -5650,7 +8392,246 @@
 </p:sld>
 </file>
 
-<file path=ppt/slides/slide15.xml><?xml version="1.0" encoding="utf-8"?>
+<file path=ppt/slides/slide2.xml><?xml version="1.0" encoding="utf-8"?>
+<p:sld xmlns:a="http://schemas.openxmlformats.org/drawingml/2006/main" xmlns:r="http://schemas.openxmlformats.org/officeDocument/2006/relationships" xmlns:p="http://schemas.openxmlformats.org/presentationml/2006/main">
+  <p:cSld>
+    <p:spTree>
+      <p:nvGrpSpPr>
+        <p:cNvPr id="1" name=""/>
+        <p:cNvGrpSpPr/>
+        <p:nvPr/>
+      </p:nvGrpSpPr>
+      <p:grpSpPr>
+        <a:xfrm>
+          <a:off x="0" y="0"/>
+          <a:ext cx="0" cy="0"/>
+          <a:chOff x="0" y="0"/>
+          <a:chExt cx="0" cy="0"/>
+        </a:xfrm>
+      </p:grpSpPr>
+      <p:sp>
+        <p:nvSpPr>
+          <p:cNvPr id="2" name="Title 1"/>
+          <p:cNvSpPr>
+            <a:spLocks noGrp="1"/>
+          </p:cNvSpPr>
+          <p:nvPr>
+            <p:ph type="title"/>
+          </p:nvPr>
+        </p:nvSpPr>
+        <p:spPr/>
+        <p:txBody>
+          <a:bodyPr/>
+          <a:lstStyle/>
+          <a:p>
+            <a:r>
+              <a:rPr lang="en-US" dirty="0" smtClean="0"/>
+              <a:t>Spanning </a:t>
+            </a:r>
+            <a:r>
+              <a:rPr lang="en-US" dirty="0" err="1" smtClean="0"/>
+              <a:t>Subgraphs</a:t>
+            </a:r>
+            <a:endParaRPr lang="en-US" dirty="0"/>
+          </a:p>
+        </p:txBody>
+      </p:sp>
+      <p:sp>
+        <p:nvSpPr>
+          <p:cNvPr id="3" name="Content Placeholder 2"/>
+          <p:cNvSpPr>
+            <a:spLocks noGrp="1"/>
+          </p:cNvSpPr>
+          <p:nvPr>
+            <p:ph idx="1"/>
+          </p:nvPr>
+        </p:nvSpPr>
+        <p:spPr>
+          <a:xfrm>
+            <a:off x="152400" y="1447800"/>
+            <a:ext cx="8839200" cy="4267200"/>
+          </a:xfrm>
+        </p:spPr>
+        <p:txBody>
+          <a:bodyPr/>
+          <a:lstStyle/>
+          <a:p>
+            <a:r>
+              <a:rPr lang="en-US" sz="5400" dirty="0" smtClean="0"/>
+              <a:t>A </a:t>
+            </a:r>
+            <a:r>
+              <a:rPr lang="en-US" sz="5400" dirty="0" smtClean="0">
+                <a:solidFill>
+                  <a:srgbClr val="930093"/>
+                </a:solidFill>
+              </a:rPr>
+              <a:t>spanning </a:t>
+            </a:r>
+            <a:r>
+              <a:rPr lang="en-US" sz="5400" dirty="0" err="1" smtClean="0">
+                <a:solidFill>
+                  <a:srgbClr val="930093"/>
+                </a:solidFill>
+              </a:rPr>
+              <a:t>subgraph</a:t>
+            </a:r>
+            <a:r>
+              <a:rPr lang="en-US" sz="5400" dirty="0" smtClean="0"/>
+              <a:t> </a:t>
+            </a:r>
+            <a:r>
+              <a:rPr lang="en-US" sz="5400" dirty="0" smtClean="0">
+                <a:solidFill>
+                  <a:schemeClr val="accent1">
+                    <a:lumMod val="50000"/>
+                  </a:schemeClr>
+                </a:solidFill>
+              </a:rPr>
+              <a:t>S</a:t>
+            </a:r>
+            <a:r>
+              <a:rPr lang="en-US" sz="5400" dirty="0" smtClean="0"/>
+              <a:t> of a </a:t>
+            </a:r>
+          </a:p>
+          <a:p>
+            <a:r>
+              <a:rPr lang="en-US" sz="5400" dirty="0" smtClean="0"/>
+              <a:t>graph </a:t>
+            </a:r>
+            <a:r>
+              <a:rPr lang="en-US" sz="5400" dirty="0" smtClean="0">
+                <a:solidFill>
+                  <a:srgbClr val="0000E5"/>
+                </a:solidFill>
+              </a:rPr>
+              <a:t>G</a:t>
+            </a:r>
+            <a:r>
+              <a:rPr lang="en-US" sz="5400" dirty="0" smtClean="0"/>
+              <a:t> is any </a:t>
+            </a:r>
+            <a:r>
+              <a:rPr lang="en-US" sz="5400" dirty="0" err="1" smtClean="0"/>
+              <a:t>subgraph</a:t>
+            </a:r>
+            <a:r>
+              <a:rPr lang="en-US" sz="5400" dirty="0" smtClean="0"/>
+              <a:t> of </a:t>
+            </a:r>
+          </a:p>
+          <a:p>
+            <a:r>
+              <a:rPr lang="en-US" sz="5400" dirty="0" smtClean="0">
+                <a:solidFill>
+                  <a:srgbClr val="0000E5"/>
+                </a:solidFill>
+              </a:rPr>
+              <a:t>G</a:t>
+            </a:r>
+            <a:r>
+              <a:rPr lang="en-US" sz="5400" dirty="0" smtClean="0"/>
+              <a:t> with the same vertices:</a:t>
+            </a:r>
+          </a:p>
+          <a:p>
+            <a:pPr algn="ctr"/>
+            <a:r>
+              <a:rPr lang="en-US" sz="5400" dirty="0" smtClean="0">
+                <a:solidFill>
+                  <a:srgbClr val="0000FF"/>
+                </a:solidFill>
+              </a:rPr>
+              <a:t>V(S) </a:t>
+            </a:r>
+            <a:r>
+              <a:rPr lang="en-US" sz="5400" b="1" dirty="0" smtClean="0">
+                <a:solidFill>
+                  <a:srgbClr val="0000FF"/>
+                </a:solidFill>
+                <a:latin typeface="Euclid Symbol" charset="2"/>
+                <a:cs typeface="Euclid Symbol" charset="2"/>
+              </a:rPr>
+              <a:t>=</a:t>
+            </a:r>
+            <a:r>
+              <a:rPr lang="en-US" sz="5400" dirty="0" smtClean="0">
+                <a:solidFill>
+                  <a:srgbClr val="0000FF"/>
+                </a:solidFill>
+              </a:rPr>
+              <a:t> V(G)</a:t>
+            </a:r>
+          </a:p>
+        </p:txBody>
+      </p:sp>
+      <p:sp>
+        <p:nvSpPr>
+          <p:cNvPr id="4" name="Slide Number Placeholder 3"/>
+          <p:cNvSpPr>
+            <a:spLocks noGrp="1"/>
+          </p:cNvSpPr>
+          <p:nvPr>
+            <p:ph type="sldNum" sz="quarter" idx="4"/>
+          </p:nvPr>
+        </p:nvSpPr>
+        <p:spPr/>
+        <p:txBody>
+          <a:bodyPr/>
+          <a:lstStyle/>
+          <a:p>
+            <a:pPr>
+              <a:defRPr/>
+            </a:pPr>
+            <a:r>
+              <a:rPr lang="en-US" smtClean="0"/>
+              <a:t>connected.</a:t>
+            </a:r>
+            <a:fld id="{D7F2FC53-1536-41A9-A9C1-2199CF803E30}" type="slidenum">
+              <a:rPr lang="en-US" smtClean="0"/>
+              <a:pPr>
+                <a:defRPr/>
+              </a:pPr>
+              <a:t>2</a:t>
+            </a:fld>
+            <a:endParaRPr lang="en-US" dirty="0"/>
+          </a:p>
+        </p:txBody>
+      </p:sp>
+    </p:spTree>
+    <p:extLst>
+      <p:ext uri="{BB962C8B-B14F-4D97-AF65-F5344CB8AC3E}">
+        <p14:creationId xmlns:p14="http://schemas.microsoft.com/office/powerpoint/2010/main" val="2204235905"/>
+      </p:ext>
+    </p:extLst>
+  </p:cSld>
+  <p:clrMapOvr>
+    <a:masterClrMapping/>
+  </p:clrMapOvr>
+  <mc:AlternateContent xmlns:mc="http://schemas.openxmlformats.org/markup-compatibility/2006" xmlns:p14="http://schemas.microsoft.com/office/powerpoint/2010/main">
+    <mc:Choice Requires="p14">
+      <p:transition spd="slow" p14:dur="900" advClick="0">
+        <p:fade/>
+      </p:transition>
+    </mc:Choice>
+    <mc:Fallback xmlns="">
+      <p:transition xmlns:p14="http://schemas.microsoft.com/office/powerpoint/2010/main" spd="slow" advClick="0">
+        <p:fade/>
+      </p:transition>
+    </mc:Fallback>
+  </mc:AlternateContent>
+  <p:timing>
+    <p:tnLst>
+      <p:par>
+        <p:cTn xmlns:p14="http://schemas.microsoft.com/office/powerpoint/2010/main" id="1" dur="indefinite" restart="never" nodeType="tmRoot"/>
+      </p:par>
+    </p:tnLst>
+  </p:timing>
+</p:sld>
+</file>
+
+<file path=ppt/slides/slide20.xml><?xml version="1.0" encoding="utf-8"?>
 <p:sld xmlns:a="http://schemas.openxmlformats.org/drawingml/2006/main" xmlns:r="http://schemas.openxmlformats.org/officeDocument/2006/relationships" xmlns:p="http://schemas.openxmlformats.org/presentationml/2006/main" show="0">
   <p:cSld>
     <p:spTree>
@@ -6662,7 +9643,7 @@
               <a:pPr>
                 <a:defRPr/>
               </a:pPr>
-              <a:t>15</a:t>
+              <a:t>20</a:t>
             </a:fld>
             <a:endParaRPr lang="en-US" dirty="0"/>
           </a:p>
@@ -8637,7 +11618,7 @@
 </p:sld>
 </file>
 
-<file path=ppt/slides/slide16.xml><?xml version="1.0" encoding="utf-8"?>
+<file path=ppt/slides/slide21.xml><?xml version="1.0" encoding="utf-8"?>
 <p:sld xmlns:a="http://schemas.openxmlformats.org/drawingml/2006/main" xmlns:r="http://schemas.openxmlformats.org/officeDocument/2006/relationships" xmlns:p="http://schemas.openxmlformats.org/presentationml/2006/main" show="0">
   <p:cSld>
     <p:spTree>
@@ -9649,7 +12630,7 @@
               <a:pPr>
                 <a:defRPr/>
               </a:pPr>
-              <a:t>16</a:t>
+              <a:t>21</a:t>
             </a:fld>
             <a:endParaRPr lang="en-US" dirty="0"/>
           </a:p>
@@ -11343,7 +14324,7 @@
 </p:sld>
 </file>
 
-<file path=ppt/slides/slide17.xml><?xml version="1.0" encoding="utf-8"?>
+<file path=ppt/slides/slide22.xml><?xml version="1.0" encoding="utf-8"?>
 <p:sld xmlns:a="http://schemas.openxmlformats.org/drawingml/2006/main" xmlns:r="http://schemas.openxmlformats.org/officeDocument/2006/relationships" xmlns:p="http://schemas.openxmlformats.org/presentationml/2006/main" show="0">
   <p:cSld>
     <p:spTree>
@@ -11429,7 +14410,7 @@
               <a:pPr>
                 <a:defRPr/>
               </a:pPr>
-              <a:t>17</a:t>
+              <a:t>22</a:t>
             </a:fld>
             <a:endParaRPr lang="en-US" dirty="0"/>
           </a:p>
@@ -11755,7 +14736,7 @@
 </p:sld>
 </file>
 
-<file path=ppt/slides/slide18.xml><?xml version="1.0" encoding="utf-8"?>
+<file path=ppt/slides/slide23.xml><?xml version="1.0" encoding="utf-8"?>
 <p:sld xmlns:a="http://schemas.openxmlformats.org/drawingml/2006/main" xmlns:r="http://schemas.openxmlformats.org/officeDocument/2006/relationships" xmlns:p="http://schemas.openxmlformats.org/presentationml/2006/main" show="0">
   <p:cSld>
     <p:spTree>
@@ -12662,7 +15643,7 @@
               <a:pPr>
                 <a:defRPr/>
               </a:pPr>
-              <a:t>18</a:t>
+              <a:t>23</a:t>
             </a:fld>
             <a:endParaRPr lang="en-US" dirty="0"/>
           </a:p>
@@ -14497,7 +17478,7 @@
 </p:sld>
 </file>
 
-<file path=ppt/slides/slide19.xml><?xml version="1.0" encoding="utf-8"?>
+<file path=ppt/slides/slide24.xml><?xml version="1.0" encoding="utf-8"?>
 <p:sld xmlns:a="http://schemas.openxmlformats.org/drawingml/2006/main" xmlns:r="http://schemas.openxmlformats.org/officeDocument/2006/relationships" xmlns:p="http://schemas.openxmlformats.org/presentationml/2006/main" show="0">
   <p:cSld>
     <p:spTree>
@@ -15374,7 +18355,7 @@
               <a:pPr>
                 <a:defRPr/>
               </a:pPr>
-              <a:t>19</a:t>
+              <a:t>24</a:t>
             </a:fld>
             <a:endParaRPr lang="en-US" dirty="0"/>
           </a:p>
@@ -15999,246 +18980,7 @@
 </p:sld>
 </file>
 
-<file path=ppt/slides/slide2.xml><?xml version="1.0" encoding="utf-8"?>
-<p:sld xmlns:a="http://schemas.openxmlformats.org/drawingml/2006/main" xmlns:r="http://schemas.openxmlformats.org/officeDocument/2006/relationships" xmlns:p="http://schemas.openxmlformats.org/presentationml/2006/main">
-  <p:cSld>
-    <p:spTree>
-      <p:nvGrpSpPr>
-        <p:cNvPr id="1" name=""/>
-        <p:cNvGrpSpPr/>
-        <p:nvPr/>
-      </p:nvGrpSpPr>
-      <p:grpSpPr>
-        <a:xfrm>
-          <a:off x="0" y="0"/>
-          <a:ext cx="0" cy="0"/>
-          <a:chOff x="0" y="0"/>
-          <a:chExt cx="0" cy="0"/>
-        </a:xfrm>
-      </p:grpSpPr>
-      <p:sp>
-        <p:nvSpPr>
-          <p:cNvPr id="2" name="Title 1"/>
-          <p:cNvSpPr>
-            <a:spLocks noGrp="1"/>
-          </p:cNvSpPr>
-          <p:nvPr>
-            <p:ph type="title"/>
-          </p:nvPr>
-        </p:nvSpPr>
-        <p:spPr/>
-        <p:txBody>
-          <a:bodyPr/>
-          <a:lstStyle/>
-          <a:p>
-            <a:r>
-              <a:rPr lang="en-US" dirty="0" smtClean="0"/>
-              <a:t>Spanning </a:t>
-            </a:r>
-            <a:r>
-              <a:rPr lang="en-US" dirty="0" err="1" smtClean="0"/>
-              <a:t>Subgraphs</a:t>
-            </a:r>
-            <a:endParaRPr lang="en-US" dirty="0"/>
-          </a:p>
-        </p:txBody>
-      </p:sp>
-      <p:sp>
-        <p:nvSpPr>
-          <p:cNvPr id="3" name="Content Placeholder 2"/>
-          <p:cNvSpPr>
-            <a:spLocks noGrp="1"/>
-          </p:cNvSpPr>
-          <p:nvPr>
-            <p:ph idx="1"/>
-          </p:nvPr>
-        </p:nvSpPr>
-        <p:spPr>
-          <a:xfrm>
-            <a:off x="152400" y="1447800"/>
-            <a:ext cx="8839200" cy="4267200"/>
-          </a:xfrm>
-        </p:spPr>
-        <p:txBody>
-          <a:bodyPr/>
-          <a:lstStyle/>
-          <a:p>
-            <a:r>
-              <a:rPr lang="en-US" sz="5400" dirty="0" smtClean="0"/>
-              <a:t>A </a:t>
-            </a:r>
-            <a:r>
-              <a:rPr lang="en-US" sz="5400" dirty="0" smtClean="0">
-                <a:solidFill>
-                  <a:srgbClr val="930093"/>
-                </a:solidFill>
-              </a:rPr>
-              <a:t>spanning </a:t>
-            </a:r>
-            <a:r>
-              <a:rPr lang="en-US" sz="5400" dirty="0" err="1" smtClean="0">
-                <a:solidFill>
-                  <a:srgbClr val="930093"/>
-                </a:solidFill>
-              </a:rPr>
-              <a:t>subgraph</a:t>
-            </a:r>
-            <a:r>
-              <a:rPr lang="en-US" sz="5400" dirty="0" smtClean="0"/>
-              <a:t> </a:t>
-            </a:r>
-            <a:r>
-              <a:rPr lang="en-US" sz="5400" dirty="0" smtClean="0">
-                <a:solidFill>
-                  <a:schemeClr val="accent1">
-                    <a:lumMod val="50000"/>
-                  </a:schemeClr>
-                </a:solidFill>
-              </a:rPr>
-              <a:t>S</a:t>
-            </a:r>
-            <a:r>
-              <a:rPr lang="en-US" sz="5400" dirty="0" smtClean="0"/>
-              <a:t> of a </a:t>
-            </a:r>
-          </a:p>
-          <a:p>
-            <a:r>
-              <a:rPr lang="en-US" sz="5400" dirty="0" smtClean="0"/>
-              <a:t>graph </a:t>
-            </a:r>
-            <a:r>
-              <a:rPr lang="en-US" sz="5400" dirty="0" smtClean="0">
-                <a:solidFill>
-                  <a:srgbClr val="0000E5"/>
-                </a:solidFill>
-              </a:rPr>
-              <a:t>G</a:t>
-            </a:r>
-            <a:r>
-              <a:rPr lang="en-US" sz="5400" dirty="0" smtClean="0"/>
-              <a:t> is any </a:t>
-            </a:r>
-            <a:r>
-              <a:rPr lang="en-US" sz="5400" dirty="0" err="1" smtClean="0"/>
-              <a:t>subgraph</a:t>
-            </a:r>
-            <a:r>
-              <a:rPr lang="en-US" sz="5400" dirty="0" smtClean="0"/>
-              <a:t> of </a:t>
-            </a:r>
-          </a:p>
-          <a:p>
-            <a:r>
-              <a:rPr lang="en-US" sz="5400" dirty="0" smtClean="0">
-                <a:solidFill>
-                  <a:srgbClr val="0000E5"/>
-                </a:solidFill>
-              </a:rPr>
-              <a:t>G</a:t>
-            </a:r>
-            <a:r>
-              <a:rPr lang="en-US" sz="5400" dirty="0" smtClean="0"/>
-              <a:t> with the same vertices:</a:t>
-            </a:r>
-          </a:p>
-          <a:p>
-            <a:pPr algn="ctr"/>
-            <a:r>
-              <a:rPr lang="en-US" sz="5400" dirty="0" smtClean="0">
-                <a:solidFill>
-                  <a:srgbClr val="0000FF"/>
-                </a:solidFill>
-              </a:rPr>
-              <a:t>V(S) </a:t>
-            </a:r>
-            <a:r>
-              <a:rPr lang="en-US" sz="5400" b="1" dirty="0" smtClean="0">
-                <a:solidFill>
-                  <a:srgbClr val="0000FF"/>
-                </a:solidFill>
-                <a:latin typeface="Euclid Symbol" charset="2"/>
-                <a:cs typeface="Euclid Symbol" charset="2"/>
-              </a:rPr>
-              <a:t>=</a:t>
-            </a:r>
-            <a:r>
-              <a:rPr lang="en-US" sz="5400" dirty="0" smtClean="0">
-                <a:solidFill>
-                  <a:srgbClr val="0000FF"/>
-                </a:solidFill>
-              </a:rPr>
-              <a:t> V(G)</a:t>
-            </a:r>
-          </a:p>
-        </p:txBody>
-      </p:sp>
-      <p:sp>
-        <p:nvSpPr>
-          <p:cNvPr id="4" name="Slide Number Placeholder 3"/>
-          <p:cNvSpPr>
-            <a:spLocks noGrp="1"/>
-          </p:cNvSpPr>
-          <p:nvPr>
-            <p:ph type="sldNum" sz="quarter" idx="4"/>
-          </p:nvPr>
-        </p:nvSpPr>
-        <p:spPr/>
-        <p:txBody>
-          <a:bodyPr/>
-          <a:lstStyle/>
-          <a:p>
-            <a:pPr>
-              <a:defRPr/>
-            </a:pPr>
-            <a:r>
-              <a:rPr lang="en-US" smtClean="0"/>
-              <a:t>connected.</a:t>
-            </a:r>
-            <a:fld id="{D7F2FC53-1536-41A9-A9C1-2199CF803E30}" type="slidenum">
-              <a:rPr lang="en-US" smtClean="0"/>
-              <a:pPr>
-                <a:defRPr/>
-              </a:pPr>
-              <a:t>2</a:t>
-            </a:fld>
-            <a:endParaRPr lang="en-US" dirty="0"/>
-          </a:p>
-        </p:txBody>
-      </p:sp>
-    </p:spTree>
-    <p:extLst>
-      <p:ext uri="{BB962C8B-B14F-4D97-AF65-F5344CB8AC3E}">
-        <p14:creationId xmlns:p14="http://schemas.microsoft.com/office/powerpoint/2010/main" val="2204235905"/>
-      </p:ext>
-    </p:extLst>
-  </p:cSld>
-  <p:clrMapOvr>
-    <a:masterClrMapping/>
-  </p:clrMapOvr>
-  <mc:AlternateContent xmlns:mc="http://schemas.openxmlformats.org/markup-compatibility/2006" xmlns:p14="http://schemas.microsoft.com/office/powerpoint/2010/main">
-    <mc:Choice Requires="p14">
-      <p:transition spd="slow" p14:dur="900" advClick="0">
-        <p:fade/>
-      </p:transition>
-    </mc:Choice>
-    <mc:Fallback xmlns="">
-      <p:transition xmlns:p14="http://schemas.microsoft.com/office/powerpoint/2010/main" spd="slow" advClick="0">
-        <p:fade/>
-      </p:transition>
-    </mc:Fallback>
-  </mc:AlternateContent>
-  <p:timing>
-    <p:tnLst>
-      <p:par>
-        <p:cTn xmlns:p14="http://schemas.microsoft.com/office/powerpoint/2010/main" id="1" dur="indefinite" restart="never" nodeType="tmRoot"/>
-      </p:par>
-    </p:tnLst>
-  </p:timing>
-</p:sld>
-</file>
-
-<file path=ppt/slides/slide20.xml><?xml version="1.0" encoding="utf-8"?>
+<file path=ppt/slides/slide25.xml><?xml version="1.0" encoding="utf-8"?>
 <p:sld xmlns:a="http://schemas.openxmlformats.org/drawingml/2006/main" xmlns:r="http://schemas.openxmlformats.org/officeDocument/2006/relationships" xmlns:p="http://schemas.openxmlformats.org/presentationml/2006/main" show="0">
   <p:cSld>
     <p:spTree>
@@ -16282,7 +19024,7 @@
               <a:pPr>
                 <a:defRPr/>
               </a:pPr>
-              <a:t>20</a:t>
+              <a:t>25</a:t>
             </a:fld>
             <a:endParaRPr lang="en-US" dirty="0"/>
           </a:p>
@@ -19325,7 +22067,7 @@
 </file>
 
 <file path=ppt/slides/slide6.xml><?xml version="1.0" encoding="utf-8"?>
-<p:sld xmlns:a="http://schemas.openxmlformats.org/drawingml/2006/main" xmlns:r="http://schemas.openxmlformats.org/officeDocument/2006/relationships" xmlns:p="http://schemas.openxmlformats.org/presentationml/2006/main" show="0">
+<p:sld xmlns:a="http://schemas.openxmlformats.org/drawingml/2006/main" xmlns:r="http://schemas.openxmlformats.org/officeDocument/2006/relationships" xmlns:p="http://schemas.openxmlformats.org/presentationml/2006/main">
   <p:cSld>
     <p:spTree>
       <p:nvGrpSpPr>
@@ -19343,50 +22085,431 @@
       </p:grpSpPr>
       <p:sp>
         <p:nvSpPr>
-          <p:cNvPr id="19" name="Slide Number Placeholder 3"/>
+          <p:cNvPr id="2" name="Title 1"/>
           <p:cNvSpPr>
             <a:spLocks noGrp="1"/>
           </p:cNvSpPr>
           <p:nvPr>
-            <p:ph type="sldNum" sz="quarter" idx="4294967295"/>
+            <p:ph type="title"/>
+          </p:nvPr>
+        </p:nvSpPr>
+        <p:spPr/>
+        <p:txBody>
+          <a:bodyPr/>
+          <a:lstStyle/>
+          <a:p>
+            <a:r>
+              <a:rPr lang="en-US" dirty="0" smtClean="0"/>
+              <a:t>Minimum Gray Edge</a:t>
+            </a:r>
+            <a:endParaRPr lang="en-US" dirty="0"/>
+          </a:p>
+        </p:txBody>
+      </p:sp>
+      <p:sp>
+        <p:nvSpPr>
+          <p:cNvPr id="3" name="Content Placeholder 2"/>
+          <p:cNvSpPr>
+            <a:spLocks noGrp="1"/>
+          </p:cNvSpPr>
+          <p:nvPr>
+            <p:ph idx="1"/>
           </p:nvPr>
         </p:nvSpPr>
         <p:spPr>
           <a:xfrm>
-            <a:off x="8095441" y="6583363"/>
-            <a:ext cx="1048559" cy="276999"/>
+            <a:off x="457200" y="1676400"/>
+            <a:ext cx="8077200" cy="3657600"/>
           </a:xfrm>
-          <a:prstGeom prst="rect">
-            <a:avLst/>
-          </a:prstGeom>
         </p:spPr>
         <p:txBody>
           <a:bodyPr/>
           <a:lstStyle/>
           <a:p>
-            <a:pPr algn="l">
-              <a:defRPr/>
-            </a:pPr>
-            <a:r>
-              <a:rPr lang="en-US" sz="1200" dirty="0" smtClean="0"/>
-              <a:t>connected.</a:t>
-            </a:r>
-            <a:fld id="{19EC3EF5-AAAB-406F-8B8B-2285D28F7116}" type="slidenum">
-              <a:rPr lang="en-US" sz="1200" smtClean="0"/>
-              <a:pPr algn="l">
-                <a:defRPr/>
-              </a:pPr>
-              <a:t>6</a:t>
-            </a:fld>
-            <a:endParaRPr lang="en-US" sz="1200" dirty="0"/>
+            <a:r>
+              <a:rPr lang="en-US" sz="5400" dirty="0" smtClean="0"/>
+              <a:t> Suppose </a:t>
+            </a:r>
+            <a:r>
+              <a:rPr lang="en-US" sz="5400" dirty="0" smtClean="0">
+                <a:solidFill>
+                  <a:schemeClr val="accent1">
+                    <a:lumMod val="50000"/>
+                  </a:schemeClr>
+                </a:solidFill>
+              </a:rPr>
+              <a:t>e</a:t>
+            </a:r>
+            <a:r>
+              <a:rPr lang="en-US" sz="5400" dirty="0" smtClean="0"/>
+              <a:t> is a minimum weight gray edge in a black-white coloring of the components of </a:t>
+            </a:r>
+            <a:r>
+              <a:rPr lang="en-US" sz="5400" dirty="0" smtClean="0">
+                <a:solidFill>
+                  <a:srgbClr val="0000E5"/>
+                </a:solidFill>
+              </a:rPr>
+              <a:t>S.</a:t>
+            </a:r>
+            <a:endParaRPr lang="en-US" sz="5400" dirty="0"/>
           </a:p>
         </p:txBody>
       </p:sp>
       <p:sp>
         <p:nvSpPr>
-          <p:cNvPr id="28" name="Rectangle 2"/>
+          <p:cNvPr id="4" name="Slide Number Placeholder 3"/>
           <p:cNvSpPr>
-            <a:spLocks noGrp="1" noChangeArrowheads="1"/>
+            <a:spLocks noGrp="1"/>
+          </p:cNvSpPr>
+          <p:nvPr>
+            <p:ph type="sldNum" sz="quarter" idx="4"/>
+          </p:nvPr>
+        </p:nvSpPr>
+        <p:spPr/>
+        <p:txBody>
+          <a:bodyPr/>
+          <a:lstStyle/>
+          <a:p>
+            <a:pPr>
+              <a:defRPr/>
+            </a:pPr>
+            <a:r>
+              <a:rPr lang="en-US" smtClean="0"/>
+              <a:t>connected.</a:t>
+            </a:r>
+            <a:fld id="{D7F2FC53-1536-41A9-A9C1-2199CF803E30}" type="slidenum">
+              <a:rPr lang="en-US" smtClean="0"/>
+              <a:pPr>
+                <a:defRPr/>
+              </a:pPr>
+              <a:t>6</a:t>
+            </a:fld>
+            <a:endParaRPr lang="en-US" dirty="0"/>
+          </a:p>
+        </p:txBody>
+      </p:sp>
+    </p:spTree>
+    <p:extLst>
+      <p:ext uri="{BB962C8B-B14F-4D97-AF65-F5344CB8AC3E}">
+        <p14:creationId xmlns:p14="http://schemas.microsoft.com/office/powerpoint/2010/main" val="449379075"/>
+      </p:ext>
+    </p:extLst>
+  </p:cSld>
+  <p:clrMapOvr>
+    <a:masterClrMapping/>
+  </p:clrMapOvr>
+  <mc:AlternateContent xmlns:mc="http://schemas.openxmlformats.org/markup-compatibility/2006" xmlns:p14="http://schemas.microsoft.com/office/powerpoint/2010/main">
+    <mc:Choice Requires="p14">
+      <p:transition spd="slow" p14:dur="900" advClick="0">
+        <p:fade/>
+      </p:transition>
+    </mc:Choice>
+    <mc:Fallback xmlns="">
+      <p:transition xmlns:p14="http://schemas.microsoft.com/office/powerpoint/2010/main" spd="slow" advClick="0">
+        <p:fade/>
+      </p:transition>
+    </mc:Fallback>
+  </mc:AlternateContent>
+</p:sld>
+</file>
+
+<file path=ppt/slides/slide7.xml><?xml version="1.0" encoding="utf-8"?>
+<p:sld xmlns:a="http://schemas.openxmlformats.org/drawingml/2006/main" xmlns:r="http://schemas.openxmlformats.org/officeDocument/2006/relationships" xmlns:p="http://schemas.openxmlformats.org/presentationml/2006/main">
+  <p:cSld>
+    <p:spTree>
+      <p:nvGrpSpPr>
+        <p:cNvPr id="1" name=""/>
+        <p:cNvGrpSpPr/>
+        <p:nvPr/>
+      </p:nvGrpSpPr>
+      <p:grpSpPr>
+        <a:xfrm>
+          <a:off x="0" y="0"/>
+          <a:ext cx="0" cy="0"/>
+          <a:chOff x="0" y="0"/>
+          <a:chExt cx="0" cy="0"/>
+        </a:xfrm>
+      </p:grpSpPr>
+      <p:sp>
+        <p:nvSpPr>
+          <p:cNvPr id="2" name="Title 1"/>
+          <p:cNvSpPr>
+            <a:spLocks noGrp="1"/>
+          </p:cNvSpPr>
+          <p:nvPr>
+            <p:ph type="title"/>
+          </p:nvPr>
+        </p:nvSpPr>
+        <p:spPr/>
+        <p:txBody>
+          <a:bodyPr/>
+          <a:lstStyle/>
+          <a:p>
+            <a:r>
+              <a:rPr lang="en-US" dirty="0" smtClean="0"/>
+              <a:t>Gray Edge Lemma</a:t>
+            </a:r>
+            <a:endParaRPr lang="en-US" dirty="0"/>
+          </a:p>
+        </p:txBody>
+      </p:sp>
+      <p:sp>
+        <p:nvSpPr>
+          <p:cNvPr id="3" name="Content Placeholder 2"/>
+          <p:cNvSpPr>
+            <a:spLocks noGrp="1"/>
+          </p:cNvSpPr>
+          <p:nvPr>
+            <p:ph idx="1"/>
+          </p:nvPr>
+        </p:nvSpPr>
+        <p:spPr>
+          <a:xfrm>
+            <a:off x="152400" y="1676400"/>
+            <a:ext cx="8763000" cy="3657600"/>
+          </a:xfrm>
+        </p:spPr>
+        <p:txBody>
+          <a:bodyPr/>
+          <a:lstStyle/>
+          <a:p>
+            <a:r>
+              <a:rPr lang="en-US" sz="4400" dirty="0"/>
+              <a:t>If </a:t>
+            </a:r>
+            <a:r>
+              <a:rPr lang="en-US" sz="4400" dirty="0">
+                <a:solidFill>
+                  <a:srgbClr val="0000E5"/>
+                </a:solidFill>
+              </a:rPr>
+              <a:t>C</a:t>
+            </a:r>
+            <a:r>
+              <a:rPr lang="en-US" sz="4400" dirty="0"/>
+              <a:t> is a connector for </a:t>
+            </a:r>
+            <a:r>
+              <a:rPr lang="en-US" sz="4400" dirty="0" smtClean="0">
+                <a:solidFill>
+                  <a:srgbClr val="0000E5"/>
+                </a:solidFill>
+              </a:rPr>
+              <a:t>S</a:t>
+            </a:r>
+            <a:r>
+              <a:rPr lang="en-US" sz="4400" dirty="0" smtClean="0"/>
+              <a:t>, then </a:t>
+            </a:r>
+          </a:p>
+          <a:p>
+            <a:r>
+              <a:rPr lang="en-US" sz="4400" dirty="0" smtClean="0"/>
+              <a:t>also have connector </a:t>
+            </a:r>
+            <a:r>
+              <a:rPr lang="en-US" sz="4400" dirty="0" smtClean="0">
+                <a:solidFill>
+                  <a:srgbClr val="0000E5"/>
+                </a:solidFill>
+              </a:rPr>
+              <a:t>D</a:t>
+            </a:r>
+            <a:r>
+              <a:rPr lang="en-US" sz="4400" dirty="0" smtClean="0"/>
+              <a:t> for </a:t>
+            </a:r>
+            <a:r>
+              <a:rPr lang="en-US" sz="4400" dirty="0" smtClean="0">
+                <a:solidFill>
+                  <a:srgbClr val="0000E5"/>
+                </a:solidFill>
+              </a:rPr>
+              <a:t>S</a:t>
+            </a:r>
+            <a:r>
+              <a:rPr lang="en-US" sz="4400" dirty="0" smtClean="0"/>
+              <a:t>,</a:t>
+            </a:r>
+            <a:r>
+              <a:rPr lang="en-US" sz="4400" dirty="0" smtClean="0">
+                <a:solidFill>
+                  <a:srgbClr val="0000E5"/>
+                </a:solidFill>
+              </a:rPr>
+              <a:t> </a:t>
+            </a:r>
+            <a:r>
+              <a:rPr lang="en-US" sz="4400" dirty="0" smtClean="0"/>
+              <a:t>and</a:t>
+            </a:r>
+          </a:p>
+          <a:p>
+            <a:pPr marL="571500" indent="-571500">
+              <a:buFont typeface="Arial"/>
+              <a:buChar char="•"/>
+            </a:pPr>
+            <a:r>
+              <a:rPr lang="en-US" sz="5400" dirty="0" smtClean="0">
+                <a:solidFill>
+                  <a:srgbClr val="0000F1"/>
+                </a:solidFill>
+              </a:rPr>
+              <a:t>e</a:t>
+            </a:r>
+            <a:r>
+              <a:rPr lang="en-US" sz="5400" dirty="0" smtClean="0"/>
+              <a:t> is an edge of </a:t>
+            </a:r>
+            <a:r>
+              <a:rPr lang="en-US" sz="5400" dirty="0" smtClean="0">
+                <a:solidFill>
+                  <a:schemeClr val="accent5">
+                    <a:lumMod val="50000"/>
+                  </a:schemeClr>
+                </a:solidFill>
+              </a:rPr>
+              <a:t>D</a:t>
+            </a:r>
+          </a:p>
+          <a:p>
+            <a:pPr marL="571500" indent="-571500">
+              <a:buFont typeface="Arial"/>
+              <a:buChar char="•"/>
+            </a:pPr>
+            <a:r>
+              <a:rPr lang="en-US" sz="5400" dirty="0">
+                <a:solidFill>
+                  <a:srgbClr val="0000F1"/>
+                </a:solidFill>
+              </a:rPr>
+              <a:t>weight </a:t>
+            </a:r>
+            <a:r>
+              <a:rPr lang="en-US" sz="5400" dirty="0" smtClean="0">
+                <a:solidFill>
+                  <a:srgbClr val="0000F1"/>
+                </a:solidFill>
+              </a:rPr>
+              <a:t>(D) </a:t>
+            </a:r>
+            <a:r>
+              <a:rPr lang="en-US" sz="5400" b="1" dirty="0" smtClean="0">
+                <a:solidFill>
+                  <a:srgbClr val="0000F1"/>
+                </a:solidFill>
+                <a:latin typeface="Euclid Symbol" charset="2"/>
+                <a:cs typeface="Euclid Symbol" charset="2"/>
+              </a:rPr>
+              <a:t>≤ </a:t>
+            </a:r>
+            <a:r>
+              <a:rPr lang="en-US" sz="5400" dirty="0">
+                <a:solidFill>
+                  <a:srgbClr val="0000F1"/>
+                </a:solidFill>
+              </a:rPr>
+              <a:t>weight </a:t>
+            </a:r>
+            <a:r>
+              <a:rPr lang="en-US" sz="5400" dirty="0" smtClean="0">
+                <a:solidFill>
+                  <a:srgbClr val="0000F1"/>
+                </a:solidFill>
+              </a:rPr>
+              <a:t>(C) </a:t>
+            </a:r>
+            <a:endParaRPr lang="en-US" sz="5400" b="1" dirty="0">
+              <a:solidFill>
+                <a:srgbClr val="0000F1"/>
+              </a:solidFill>
+              <a:latin typeface="Euclid Symbol" charset="2"/>
+              <a:cs typeface="Euclid Symbol" charset="2"/>
+            </a:endParaRPr>
+          </a:p>
+        </p:txBody>
+      </p:sp>
+      <p:sp>
+        <p:nvSpPr>
+          <p:cNvPr id="4" name="Slide Number Placeholder 3"/>
+          <p:cNvSpPr>
+            <a:spLocks noGrp="1"/>
+          </p:cNvSpPr>
+          <p:nvPr>
+            <p:ph type="sldNum" sz="quarter" idx="4"/>
+          </p:nvPr>
+        </p:nvSpPr>
+        <p:spPr/>
+        <p:txBody>
+          <a:bodyPr/>
+          <a:lstStyle/>
+          <a:p>
+            <a:pPr>
+              <a:defRPr/>
+            </a:pPr>
+            <a:r>
+              <a:rPr lang="en-US" smtClean="0"/>
+              <a:t>connected.</a:t>
+            </a:r>
+            <a:fld id="{D7F2FC53-1536-41A9-A9C1-2199CF803E30}" type="slidenum">
+              <a:rPr lang="en-US" smtClean="0"/>
+              <a:pPr>
+                <a:defRPr/>
+              </a:pPr>
+              <a:t>7</a:t>
+            </a:fld>
+            <a:endParaRPr lang="en-US" dirty="0"/>
+          </a:p>
+        </p:txBody>
+      </p:sp>
+    </p:spTree>
+    <p:extLst>
+      <p:ext uri="{BB962C8B-B14F-4D97-AF65-F5344CB8AC3E}">
+        <p14:creationId xmlns:p14="http://schemas.microsoft.com/office/powerpoint/2010/main" val="2486443792"/>
+      </p:ext>
+    </p:extLst>
+  </p:cSld>
+  <p:clrMapOvr>
+    <a:masterClrMapping/>
+  </p:clrMapOvr>
+  <mc:AlternateContent xmlns:mc="http://schemas.openxmlformats.org/markup-compatibility/2006" xmlns:p14="http://schemas.microsoft.com/office/powerpoint/2010/main">
+    <mc:Choice Requires="p14">
+      <p:transition spd="slow" p14:dur="900" advClick="0">
+        <p:fade/>
+      </p:transition>
+    </mc:Choice>
+    <mc:Fallback xmlns="">
+      <p:transition xmlns:p14="http://schemas.microsoft.com/office/powerpoint/2010/main" spd="slow" advClick="0">
+        <p:fade/>
+      </p:transition>
+    </mc:Fallback>
+  </mc:AlternateContent>
+</p:sld>
+</file>
+
+<file path=ppt/slides/slide8.xml><?xml version="1.0" encoding="utf-8"?>
+<p:sld xmlns:a="http://schemas.openxmlformats.org/drawingml/2006/main" xmlns:r="http://schemas.openxmlformats.org/officeDocument/2006/relationships" xmlns:p="http://schemas.openxmlformats.org/presentationml/2006/main">
+  <p:cSld>
+    <p:spTree>
+      <p:nvGrpSpPr>
+        <p:cNvPr id="1" name=""/>
+        <p:cNvGrpSpPr/>
+        <p:nvPr/>
+      </p:nvGrpSpPr>
+      <p:grpSpPr>
+        <a:xfrm>
+          <a:off x="0" y="0"/>
+          <a:ext cx="0" cy="0"/>
+          <a:chOff x="0" y="0"/>
+          <a:chExt cx="0" cy="0"/>
+        </a:xfrm>
+      </p:grpSpPr>
+      <p:sp>
+        <p:nvSpPr>
+          <p:cNvPr id="2" name="Title 1"/>
+          <p:cNvSpPr>
+            <a:spLocks noGrp="1"/>
           </p:cNvSpPr>
           <p:nvPr>
             <p:ph type="title"/>
@@ -19394,158 +22517,216 @@
         </p:nvSpPr>
         <p:spPr>
           <a:xfrm>
-            <a:off x="1524000" y="76200"/>
-            <a:ext cx="7086600" cy="990600"/>
+            <a:off x="1447800" y="9763"/>
+            <a:ext cx="7315200" cy="1295400"/>
           </a:xfrm>
         </p:spPr>
         <p:txBody>
           <a:bodyPr/>
           <a:lstStyle/>
           <a:p>
-            <a:pPr algn="l"/>
-            <a:r>
-              <a:rPr lang="en-US" sz="4800" dirty="0" smtClean="0"/>
-              <a:t>Lemma 11.11.11</a:t>
-            </a:r>
-            <a:endParaRPr lang="en-US" sz="4800" dirty="0"/>
+            <a:r>
+              <a:rPr lang="en-US" dirty="0" smtClean="0"/>
+              <a:t>Gray</a:t>
+            </a:r>
+            <a:r>
+              <a:rPr lang="en-US" dirty="0"/>
+              <a:t>-edge construction</a:t>
+            </a:r>
           </a:p>
         </p:txBody>
       </p:sp>
       <p:sp>
         <p:nvSpPr>
-          <p:cNvPr id="23" name="TextBox 22"/>
-          <p:cNvSpPr txBox="1"/>
-          <p:nvPr/>
+          <p:cNvPr id="3" name="Content Placeholder 2"/>
+          <p:cNvSpPr>
+            <a:spLocks noGrp="1"/>
+          </p:cNvSpPr>
+          <p:nvPr>
+            <p:ph idx="1"/>
+          </p:nvPr>
         </p:nvSpPr>
         <p:spPr>
           <a:xfrm>
-            <a:off x="381000" y="1548348"/>
-            <a:ext cx="8382000" cy="3785652"/>
+            <a:off x="720653" y="1371600"/>
+            <a:ext cx="8270947" cy="4572000"/>
           </a:xfrm>
-          <a:prstGeom prst="rect">
-            <a:avLst/>
-          </a:prstGeom>
-          <a:noFill/>
         </p:spPr>
         <p:txBody>
-          <a:bodyPr wrap="square" rtlCol="0">
-            <a:spAutoFit/>
-          </a:bodyPr>
+          <a:bodyPr/>
           <a:lstStyle/>
           <a:p>
             <a:r>
-              <a:rPr lang="en-US" sz="6000" dirty="0" smtClean="0">
+              <a:rPr lang="en-US" sz="4800" dirty="0" smtClean="0"/>
+              <a:t>If an MST </a:t>
+            </a:r>
+            <a:r>
+              <a:rPr lang="en-US" sz="4800" dirty="0" smtClean="0">
                 <a:solidFill>
-                  <a:schemeClr val="tx2"/>
-                </a:solidFill>
-                <a:latin typeface="Comic Sans MS"/>
-                <a:cs typeface="Comic Sans MS"/>
-              </a:rPr>
-              <a:t>If </a:t>
-            </a:r>
-            <a:r>
-              <a:rPr lang="en-US" sz="6000" dirty="0" smtClean="0">
-                <a:solidFill>
-                  <a:schemeClr val="accent5">
+                  <a:schemeClr val="accent1">
                     <a:lumMod val="50000"/>
                   </a:schemeClr>
                 </a:solidFill>
-                <a:latin typeface="Comic Sans MS"/>
-                <a:cs typeface="Comic Sans MS"/>
               </a:rPr>
-              <a:t>F</a:t>
-            </a:r>
-            <a:r>
-              <a:rPr lang="en-US" sz="6000" dirty="0" smtClean="0">
+              <a:t>C</a:t>
+            </a:r>
+            <a:r>
+              <a:rPr lang="en-US" sz="4800" dirty="0" smtClean="0"/>
+              <a:t> is a connector</a:t>
+            </a:r>
+          </a:p>
+          <a:p>
+            <a:r>
+              <a:rPr lang="en-US" sz="4800" dirty="0" smtClean="0"/>
+              <a:t>for </a:t>
+            </a:r>
+            <a:r>
+              <a:rPr lang="en-US" sz="4800" dirty="0" smtClean="0">
                 <a:solidFill>
-                  <a:schemeClr val="tx2"/>
+                  <a:srgbClr val="0000E5"/>
                 </a:solidFill>
-                <a:latin typeface="Comic Sans MS"/>
-                <a:cs typeface="Comic Sans MS"/>
               </a:rPr>
-              <a:t> is a pre-MST and </a:t>
-            </a:r>
-            <a:r>
-              <a:rPr lang="en-US" sz="6000" dirty="0" smtClean="0">
+              <a:t>S</a:t>
+            </a:r>
+            <a:r>
+              <a:rPr lang="en-US" sz="4800" dirty="0" smtClean="0"/>
+              <a:t>,  then an MST </a:t>
+            </a:r>
+            <a:r>
+              <a:rPr lang="en-US" sz="4800" dirty="0" smtClean="0">
                 <a:solidFill>
-                  <a:schemeClr val="accent5">
+                  <a:srgbClr val="0000E5"/>
+                </a:solidFill>
+              </a:rPr>
+              <a:t>D</a:t>
+            </a:r>
+            <a:r>
+              <a:rPr lang="en-US" sz="4800" dirty="0" smtClean="0"/>
+              <a:t> is a</a:t>
+            </a:r>
+            <a:r>
+              <a:rPr lang="en-US" sz="4800" dirty="0" smtClean="0">
+                <a:solidFill>
+                  <a:srgbClr val="0000E5"/>
+                </a:solidFill>
+              </a:rPr>
+              <a:t> </a:t>
+            </a:r>
+          </a:p>
+          <a:p>
+            <a:r>
+              <a:rPr lang="en-US" sz="4800" dirty="0" smtClean="0"/>
+              <a:t>connector for </a:t>
+            </a:r>
+            <a:r>
+              <a:rPr lang="en-US" sz="4800" dirty="0" err="1" smtClean="0">
+                <a:solidFill>
+                  <a:srgbClr val="0000E5"/>
+                </a:solidFill>
+              </a:rPr>
+              <a:t>S</a:t>
+            </a:r>
+            <a:r>
+              <a:rPr lang="en-US" sz="4800" b="1" dirty="0" err="1" smtClean="0">
+                <a:solidFill>
+                  <a:srgbClr val="0000E5"/>
+                </a:solidFill>
+                <a:latin typeface="Euclid Symbol" charset="2"/>
+                <a:cs typeface="Euclid Symbol" charset="2"/>
+              </a:rPr>
+              <a:t>+</a:t>
+            </a:r>
+            <a:r>
+              <a:rPr lang="en-US" sz="4800" dirty="0" err="1" smtClean="0">
+                <a:solidFill>
+                  <a:srgbClr val="0000E5"/>
+                </a:solidFill>
+              </a:rPr>
+              <a:t>e</a:t>
+            </a:r>
+            <a:r>
+              <a:rPr lang="en-US" sz="4800" dirty="0" smtClean="0"/>
+              <a:t>.</a:t>
+            </a:r>
+          </a:p>
+          <a:p>
+            <a:r>
+              <a:rPr lang="en-US" sz="4800" dirty="0" smtClean="0"/>
+              <a:t>So keep adding min gray</a:t>
+            </a:r>
+          </a:p>
+          <a:p>
+            <a:r>
+              <a:rPr lang="en-US" sz="4800" dirty="0" smtClean="0"/>
+              <a:t>edges </a:t>
+            </a:r>
+            <a:r>
+              <a:rPr lang="en-US" sz="4800" dirty="0" smtClean="0">
+                <a:solidFill>
+                  <a:schemeClr val="accent1">
                     <a:lumMod val="50000"/>
                   </a:schemeClr>
                 </a:solidFill>
-                <a:latin typeface="Comic Sans MS"/>
-                <a:cs typeface="Comic Sans MS"/>
               </a:rPr>
               <a:t>e</a:t>
             </a:r>
             <a:r>
-              <a:rPr lang="en-US" sz="6000" dirty="0" smtClean="0">
-                <a:solidFill>
-                  <a:schemeClr val="tx2"/>
-                </a:solidFill>
-                <a:latin typeface="Comic Sans MS"/>
-                <a:cs typeface="Comic Sans MS"/>
-              </a:rPr>
-              <a:t> is an extending edge for </a:t>
-            </a:r>
-            <a:r>
-              <a:rPr lang="en-US" sz="6000" dirty="0" smtClean="0">
-                <a:solidFill>
-                  <a:srgbClr val="0000F1"/>
-                </a:solidFill>
-                <a:latin typeface="Comic Sans MS"/>
-                <a:cs typeface="Comic Sans MS"/>
-              </a:rPr>
-              <a:t>F</a:t>
-            </a:r>
-            <a:r>
-              <a:rPr lang="en-US" sz="6000" dirty="0" smtClean="0">
-                <a:solidFill>
-                  <a:schemeClr val="tx2"/>
-                </a:solidFill>
-                <a:latin typeface="Comic Sans MS"/>
-                <a:cs typeface="Comic Sans MS"/>
-              </a:rPr>
-              <a:t>, then </a:t>
-            </a:r>
-            <a:r>
-              <a:rPr lang="en-US" sz="6000" dirty="0" smtClean="0">
-                <a:solidFill>
-                  <a:srgbClr val="0000F1"/>
-                </a:solidFill>
-                <a:latin typeface="Comic Sans MS"/>
-                <a:cs typeface="Comic Sans MS"/>
-              </a:rPr>
-              <a:t>F + e</a:t>
+              <a:rPr lang="en-US" sz="4800" dirty="0" smtClean="0"/>
+              <a:t> to get an MST.</a:t>
             </a:r>
           </a:p>
+        </p:txBody>
+      </p:sp>
+      <p:sp>
+        <p:nvSpPr>
+          <p:cNvPr id="4" name="Slide Number Placeholder 3"/>
+          <p:cNvSpPr>
+            <a:spLocks noGrp="1"/>
+          </p:cNvSpPr>
+          <p:nvPr>
+            <p:ph type="sldNum" sz="quarter" idx="4"/>
+          </p:nvPr>
+        </p:nvSpPr>
+        <p:spPr/>
+        <p:txBody>
+          <a:bodyPr/>
+          <a:lstStyle/>
           <a:p>
-            <a:r>
-              <a:rPr lang="en-US" sz="6000" dirty="0" smtClean="0">
-                <a:latin typeface="Comic Sans MS"/>
-                <a:cs typeface="Comic Sans MS"/>
-              </a:rPr>
-              <a:t>is a pre-MST</a:t>
-            </a:r>
+            <a:pPr>
+              <a:defRPr/>
+            </a:pPr>
+            <a:r>
+              <a:rPr lang="en-US" smtClean="0"/>
+              <a:t>connected.</a:t>
+            </a:r>
+            <a:fld id="{D7F2FC53-1536-41A9-A9C1-2199CF803E30}" type="slidenum">
+              <a:rPr lang="en-US" smtClean="0"/>
+              <a:pPr>
+                <a:defRPr/>
+              </a:pPr>
+              <a:t>8</a:t>
+            </a:fld>
+            <a:endParaRPr lang="en-US" dirty="0"/>
           </a:p>
         </p:txBody>
       </p:sp>
     </p:spTree>
     <p:extLst>
       <p:ext uri="{BB962C8B-B14F-4D97-AF65-F5344CB8AC3E}">
-        <p14:creationId xmlns:p14="http://schemas.microsoft.com/office/powerpoint/2010/main" val="4162088455"/>
+        <p14:creationId xmlns:p14="http://schemas.microsoft.com/office/powerpoint/2010/main" val="450597358"/>
       </p:ext>
     </p:extLst>
   </p:cSld>
   <p:clrMapOvr>
     <a:masterClrMapping/>
   </p:clrMapOvr>
-  <mc:AlternateContent xmlns:mc="http://schemas.openxmlformats.org/markup-compatibility/2006">
-    <mc:Choice xmlns:p14="http://schemas.microsoft.com/office/powerpoint/2010/main" Requires="p14">
+  <mc:AlternateContent xmlns:mc="http://schemas.openxmlformats.org/markup-compatibility/2006" xmlns:p14="http://schemas.microsoft.com/office/powerpoint/2010/main">
+    <mc:Choice Requires="p14">
       <p:transition spd="slow" p14:dur="900" advClick="0">
         <p:fade/>
       </p:transition>
     </mc:Choice>
-    <mc:Fallback>
+    <mc:Fallback xmlns="">
       <p:transition xmlns:p14="http://schemas.microsoft.com/office/powerpoint/2010/main" spd="slow" advClick="0">
         <p:fade/>
       </p:transition>
@@ -19572,7 +22753,7 @@
                             </p:stCondLst>
                             <p:childTnLst>
                               <p:par>
-                                <p:cTn id="5" presetID="9" presetClass="entr" presetSubtype="0" fill="hold" grpId="0" nodeType="clickEffect">
+                                <p:cTn id="5" presetID="10" presetClass="entr" presetSubtype="0" fill="hold" nodeType="clickEffect">
                                   <p:stCondLst>
                                     <p:cond delay="0"/>
                                   </p:stCondLst>
@@ -19585,9 +22766,9 @@
                                           </p:stCondLst>
                                         </p:cTn>
                                         <p:tgtEl>
-                                          <p:spTgt spid="23">
+                                          <p:spTgt spid="3">
                                             <p:txEl>
-                                              <p:pRg st="0" end="0"/>
+                                              <p:pRg st="3" end="3"/>
                                             </p:txEl>
                                           </p:spTgt>
                                         </p:tgtEl>
@@ -19599,13 +22780,13 @@
                                         <p:strVal val="visible"/>
                                       </p:to>
                                     </p:set>
-                                    <p:animEffect transition="in" filter="dissolve">
+                                    <p:animEffect transition="in" filter="fade">
                                       <p:cBhvr>
                                         <p:cTn id="7" dur="500"/>
                                         <p:tgtEl>
-                                          <p:spTgt spid="23">
+                                          <p:spTgt spid="3">
                                             <p:txEl>
-                                              <p:pRg st="0" end="0"/>
+                                              <p:pRg st="3" end="3"/>
                                             </p:txEl>
                                           </p:spTgt>
                                         </p:tgtEl>
@@ -19614,41 +22795,23 @@
                                   </p:childTnLst>
                                 </p:cTn>
                               </p:par>
-                            </p:childTnLst>
-                          </p:cTn>
-                        </p:par>
-                      </p:childTnLst>
-                    </p:cTn>
-                  </p:par>
-                  <p:par>
-                    <p:cTn id="8" fill="hold">
-                      <p:stCondLst>
-                        <p:cond delay="indefinite"/>
-                      </p:stCondLst>
-                      <p:childTnLst>
-                        <p:par>
-                          <p:cTn id="9" fill="hold">
-                            <p:stCondLst>
-                              <p:cond delay="0"/>
-                            </p:stCondLst>
-                            <p:childTnLst>
                               <p:par>
-                                <p:cTn id="10" presetID="9" presetClass="entr" presetSubtype="0" fill="hold" grpId="0" nodeType="clickEffect">
+                                <p:cTn id="8" presetID="10" presetClass="entr" presetSubtype="0" fill="hold" nodeType="withEffect">
                                   <p:stCondLst>
                                     <p:cond delay="0"/>
                                   </p:stCondLst>
                                   <p:childTnLst>
                                     <p:set>
                                       <p:cBhvr>
-                                        <p:cTn id="11" dur="1" fill="hold">
+                                        <p:cTn id="9" dur="1" fill="hold">
                                           <p:stCondLst>
                                             <p:cond delay="0"/>
                                           </p:stCondLst>
                                         </p:cTn>
                                         <p:tgtEl>
-                                          <p:spTgt spid="23">
+                                          <p:spTgt spid="3">
                                             <p:txEl>
-                                              <p:pRg st="1" end="1"/>
+                                              <p:pRg st="4" end="4"/>
                                             </p:txEl>
                                           </p:spTgt>
                                         </p:tgtEl>
@@ -19660,13 +22823,13 @@
                                         <p:strVal val="visible"/>
                                       </p:to>
                                     </p:set>
-                                    <p:animEffect transition="in" filter="dissolve">
+                                    <p:animEffect transition="in" filter="fade">
                                       <p:cBhvr>
-                                        <p:cTn id="12" dur="500"/>
+                                        <p:cTn id="10" dur="500"/>
                                         <p:tgtEl>
-                                          <p:spTgt spid="23">
+                                          <p:spTgt spid="3">
                                             <p:txEl>
-                                              <p:pRg st="1" end="1"/>
+                                              <p:pRg st="4" end="4"/>
                                             </p:txEl>
                                           </p:spTgt>
                                         </p:tgtEl>
@@ -19702,362 +22865,11 @@
         </p:cTn>
       </p:par>
     </p:tnLst>
-    <p:bldLst>
-      <p:bldP spid="23" grpId="0" build="p"/>
-    </p:bldLst>
   </p:timing>
 </p:sld>
 </file>
 
-<file path=ppt/slides/slide7.xml><?xml version="1.0" encoding="utf-8"?>
-<p:sld xmlns:a="http://schemas.openxmlformats.org/drawingml/2006/main" xmlns:r="http://schemas.openxmlformats.org/officeDocument/2006/relationships" xmlns:p="http://schemas.openxmlformats.org/presentationml/2006/main" show="0">
-  <p:cSld>
-    <p:spTree>
-      <p:nvGrpSpPr>
-        <p:cNvPr id="1" name=""/>
-        <p:cNvGrpSpPr/>
-        <p:nvPr/>
-      </p:nvGrpSpPr>
-      <p:grpSpPr>
-        <a:xfrm>
-          <a:off x="0" y="0"/>
-          <a:ext cx="0" cy="0"/>
-          <a:chOff x="0" y="0"/>
-          <a:chExt cx="0" cy="0"/>
-        </a:xfrm>
-      </p:grpSpPr>
-      <p:sp>
-        <p:nvSpPr>
-          <p:cNvPr id="19" name="Slide Number Placeholder 3"/>
-          <p:cNvSpPr>
-            <a:spLocks noGrp="1"/>
-          </p:cNvSpPr>
-          <p:nvPr>
-            <p:ph type="sldNum" sz="quarter" idx="4294967295"/>
-          </p:nvPr>
-        </p:nvSpPr>
-        <p:spPr>
-          <a:xfrm>
-            <a:off x="8095441" y="6583363"/>
-            <a:ext cx="1048559" cy="276999"/>
-          </a:xfrm>
-          <a:prstGeom prst="rect">
-            <a:avLst/>
-          </a:prstGeom>
-        </p:spPr>
-        <p:txBody>
-          <a:bodyPr/>
-          <a:lstStyle/>
-          <a:p>
-            <a:pPr>
-              <a:defRPr/>
-            </a:pPr>
-            <a:r>
-              <a:rPr lang="en-US" sz="1200" dirty="0" smtClean="0"/>
-              <a:t>connected.</a:t>
-            </a:r>
-            <a:fld id="{19EC3EF5-AAAB-406F-8B8B-2285D28F7116}" type="slidenum">
-              <a:rPr lang="en-US" sz="1200" smtClean="0"/>
-              <a:pPr>
-                <a:defRPr/>
-              </a:pPr>
-              <a:t>7</a:t>
-            </a:fld>
-            <a:endParaRPr lang="en-US" sz="1200" dirty="0"/>
-          </a:p>
-        </p:txBody>
-      </p:sp>
-      <p:sp>
-        <p:nvSpPr>
-          <p:cNvPr id="28" name="Rectangle 2"/>
-          <p:cNvSpPr>
-            <a:spLocks noGrp="1" noChangeArrowheads="1"/>
-          </p:cNvSpPr>
-          <p:nvPr>
-            <p:ph type="title"/>
-          </p:nvPr>
-        </p:nvSpPr>
-        <p:spPr>
-          <a:xfrm>
-            <a:off x="1524000" y="76200"/>
-            <a:ext cx="7086600" cy="990600"/>
-          </a:xfrm>
-        </p:spPr>
-        <p:txBody>
-          <a:bodyPr/>
-          <a:lstStyle/>
-          <a:p>
-            <a:r>
-              <a:rPr lang="en-US" sz="4800" dirty="0" smtClean="0"/>
-              <a:t>Proof</a:t>
-            </a:r>
-            <a:endParaRPr lang="en-US" sz="4000" dirty="0"/>
-          </a:p>
-        </p:txBody>
-      </p:sp>
-      <p:sp>
-        <p:nvSpPr>
-          <p:cNvPr id="23" name="TextBox 22"/>
-          <p:cNvSpPr txBox="1"/>
-          <p:nvPr/>
-        </p:nvSpPr>
-        <p:spPr>
-          <a:xfrm>
-            <a:off x="228600" y="1371600"/>
-            <a:ext cx="8610600" cy="3046988"/>
-          </a:xfrm>
-          <a:prstGeom prst="rect">
-            <a:avLst/>
-          </a:prstGeom>
-          <a:noFill/>
-        </p:spPr>
-        <p:txBody>
-          <a:bodyPr wrap="square" rtlCol="0">
-            <a:spAutoFit/>
-          </a:bodyPr>
-          <a:lstStyle/>
-          <a:p>
-            <a:r>
-              <a:rPr lang="en-US" sz="4800" dirty="0" smtClean="0">
-                <a:latin typeface="Comic Sans MS"/>
-                <a:cs typeface="Comic Sans MS"/>
-              </a:rPr>
-              <a:t>Say </a:t>
-            </a:r>
-            <a:r>
-              <a:rPr lang="en-US" sz="4800" dirty="0" smtClean="0">
-                <a:solidFill>
-                  <a:schemeClr val="accent1">
-                    <a:lumMod val="50000"/>
-                  </a:schemeClr>
-                </a:solidFill>
-                <a:latin typeface="Comic Sans MS"/>
-                <a:cs typeface="Comic Sans MS"/>
-              </a:rPr>
-              <a:t>F</a:t>
-            </a:r>
-            <a:r>
-              <a:rPr lang="en-US" sz="4800" dirty="0" smtClean="0">
-                <a:latin typeface="Comic Sans MS"/>
-                <a:cs typeface="Comic Sans MS"/>
-              </a:rPr>
-              <a:t> is a sub graph of an MST </a:t>
-            </a:r>
-            <a:r>
-              <a:rPr lang="en-US" sz="4800" dirty="0" smtClean="0">
-                <a:solidFill>
-                  <a:srgbClr val="0000E5"/>
-                </a:solidFill>
-                <a:latin typeface="Comic Sans MS"/>
-                <a:cs typeface="Comic Sans MS"/>
-              </a:rPr>
-              <a:t>M.</a:t>
-            </a:r>
-            <a:r>
-              <a:rPr lang="en-US" sz="4800" dirty="0">
-                <a:latin typeface="Comic Sans MS"/>
-                <a:cs typeface="Comic Sans MS"/>
-              </a:rPr>
-              <a:t> </a:t>
-            </a:r>
-            <a:r>
-              <a:rPr lang="en-US" sz="4800" dirty="0" smtClean="0">
-                <a:latin typeface="Comic Sans MS"/>
-                <a:cs typeface="Comic Sans MS"/>
-              </a:rPr>
-              <a:t> We want to show that </a:t>
-            </a:r>
-            <a:r>
-              <a:rPr lang="en-US" sz="4800" dirty="0" err="1" smtClean="0">
-                <a:solidFill>
-                  <a:srgbClr val="0000E5"/>
-                </a:solidFill>
-                <a:latin typeface="Comic Sans MS"/>
-                <a:cs typeface="Comic Sans MS"/>
-              </a:rPr>
-              <a:t>F+e</a:t>
-            </a:r>
-            <a:r>
-              <a:rPr lang="en-US" sz="4800" dirty="0" smtClean="0">
-                <a:latin typeface="Comic Sans MS"/>
-                <a:cs typeface="Comic Sans MS"/>
-              </a:rPr>
-              <a:t> is a </a:t>
-            </a:r>
-            <a:r>
-              <a:rPr lang="en-US" sz="4800" dirty="0" err="1" smtClean="0">
-                <a:latin typeface="Comic Sans MS"/>
-                <a:cs typeface="Comic Sans MS"/>
-              </a:rPr>
-              <a:t>subgraph</a:t>
-            </a:r>
-            <a:r>
-              <a:rPr lang="en-US" sz="4800" dirty="0" smtClean="0">
-                <a:latin typeface="Comic Sans MS"/>
-                <a:cs typeface="Comic Sans MS"/>
-              </a:rPr>
-              <a:t> of some MST.</a:t>
-            </a:r>
-          </a:p>
-        </p:txBody>
-      </p:sp>
-      <p:sp>
-        <p:nvSpPr>
-          <p:cNvPr id="2" name="TextBox 1"/>
-          <p:cNvSpPr txBox="1"/>
-          <p:nvPr/>
-        </p:nvSpPr>
-        <p:spPr>
-          <a:xfrm>
-            <a:off x="76200" y="4495800"/>
-            <a:ext cx="8915400" cy="1015663"/>
-          </a:xfrm>
-          <a:prstGeom prst="rect">
-            <a:avLst/>
-          </a:prstGeom>
-          <a:noFill/>
-        </p:spPr>
-        <p:txBody>
-          <a:bodyPr wrap="square" rtlCol="0">
-            <a:spAutoFit/>
-          </a:bodyPr>
-          <a:lstStyle/>
-          <a:p>
-            <a:r>
-              <a:rPr lang="en-US" sz="6000" dirty="0" smtClean="0"/>
-              <a:t>If </a:t>
-            </a:r>
-            <a:r>
-              <a:rPr lang="en-US" sz="6000" dirty="0" smtClean="0">
-                <a:solidFill>
-                  <a:srgbClr val="0000E5"/>
-                </a:solidFill>
-              </a:rPr>
-              <a:t>e</a:t>
-            </a:r>
-            <a:r>
-              <a:rPr lang="en-US" sz="6000" dirty="0" smtClean="0"/>
-              <a:t> is in </a:t>
-            </a:r>
-            <a:r>
-              <a:rPr lang="en-US" sz="6000" dirty="0" smtClean="0">
-                <a:solidFill>
-                  <a:srgbClr val="0000E5"/>
-                </a:solidFill>
-              </a:rPr>
-              <a:t>M</a:t>
-            </a:r>
-            <a:r>
-              <a:rPr lang="en-US" sz="6000" dirty="0" smtClean="0"/>
-              <a:t>, we are done</a:t>
-            </a:r>
-            <a:endParaRPr lang="en-US" sz="6000" dirty="0"/>
-          </a:p>
-        </p:txBody>
-      </p:sp>
-    </p:spTree>
-    <p:extLst>
-      <p:ext uri="{BB962C8B-B14F-4D97-AF65-F5344CB8AC3E}">
-        <p14:creationId xmlns:p14="http://schemas.microsoft.com/office/powerpoint/2010/main" val="2337666963"/>
-      </p:ext>
-    </p:extLst>
-  </p:cSld>
-  <p:clrMapOvr>
-    <a:masterClrMapping/>
-  </p:clrMapOvr>
-  <p:transition xmlns:p14="http://schemas.microsoft.com/office/powerpoint/2010/main" spd="slow" advClick="0">
-    <p:fade thruBlk="1"/>
-  </p:transition>
-  <p:timing>
-    <p:tnLst>
-      <p:par>
-        <p:cTn xmlns:p14="http://schemas.microsoft.com/office/powerpoint/2010/main" id="1" dur="indefinite" restart="never" nodeType="tmRoot">
-          <p:childTnLst>
-            <p:seq concurrent="1" nextAc="seek">
-              <p:cTn id="2" dur="indefinite" nodeType="mainSeq">
-                <p:childTnLst>
-                  <p:par>
-                    <p:cTn id="3" fill="hold">
-                      <p:stCondLst>
-                        <p:cond delay="indefinite"/>
-                      </p:stCondLst>
-                      <p:childTnLst>
-                        <p:par>
-                          <p:cTn id="4" fill="hold">
-                            <p:stCondLst>
-                              <p:cond delay="0"/>
-                            </p:stCondLst>
-                            <p:childTnLst>
-                              <p:par>
-                                <p:cTn id="5" presetID="9" presetClass="entr" presetSubtype="0" fill="hold" grpId="0" nodeType="clickEffect">
-                                  <p:stCondLst>
-                                    <p:cond delay="0"/>
-                                  </p:stCondLst>
-                                  <p:childTnLst>
-                                    <p:set>
-                                      <p:cBhvr>
-                                        <p:cTn id="6" dur="1" fill="hold">
-                                          <p:stCondLst>
-                                            <p:cond delay="0"/>
-                                          </p:stCondLst>
-                                        </p:cTn>
-                                        <p:tgtEl>
-                                          <p:spTgt spid="2"/>
-                                        </p:tgtEl>
-                                        <p:attrNameLst>
-                                          <p:attrName>style.visibility</p:attrName>
-                                        </p:attrNameLst>
-                                      </p:cBhvr>
-                                      <p:to>
-                                        <p:strVal val="visible"/>
-                                      </p:to>
-                                    </p:set>
-                                    <p:animEffect transition="in" filter="dissolve">
-                                      <p:cBhvr>
-                                        <p:cTn id="7" dur="500"/>
-                                        <p:tgtEl>
-                                          <p:spTgt spid="2"/>
-                                        </p:tgtEl>
-                                      </p:cBhvr>
-                                    </p:animEffect>
-                                  </p:childTnLst>
-                                </p:cTn>
-                              </p:par>
-                            </p:childTnLst>
-                          </p:cTn>
-                        </p:par>
-                      </p:childTnLst>
-                    </p:cTn>
-                  </p:par>
-                </p:childTnLst>
-              </p:cTn>
-              <p:prevCondLst>
-                <p:cond evt="onPrev" delay="0">
-                  <p:tgtEl>
-                    <p:sldTgt/>
-                  </p:tgtEl>
-                </p:cond>
-              </p:prevCondLst>
-              <p:nextCondLst>
-                <p:cond evt="onNext" delay="0">
-                  <p:tgtEl>
-                    <p:sldTgt/>
-                  </p:tgtEl>
-                </p:cond>
-              </p:nextCondLst>
-            </p:seq>
-          </p:childTnLst>
-        </p:cTn>
-      </p:par>
-    </p:tnLst>
-    <p:bldLst>
-      <p:bldP spid="2" grpId="0"/>
-    </p:bldLst>
-  </p:timing>
-</p:sld>
-</file>
-
-<file path=ppt/slides/slide8.xml><?xml version="1.0" encoding="utf-8"?>
+<file path=ppt/slides/slide9.xml><?xml version="1.0" encoding="utf-8"?>
 <p:sld xmlns:a="http://schemas.openxmlformats.org/drawingml/2006/main" xmlns:r="http://schemas.openxmlformats.org/officeDocument/2006/relationships" xmlns:p="http://schemas.openxmlformats.org/presentationml/2006/main" show="0">
   <p:cSld>
     <p:spTree>
@@ -20285,7 +23097,7 @@
               <a:pPr>
                 <a:defRPr/>
               </a:pPr>
-              <a:t>8</a:t>
+              <a:t>9</a:t>
             </a:fld>
             <a:endParaRPr lang="en-US" dirty="0"/>
           </a:p>
@@ -20313,7 +23125,7 @@
           <a:graphicData uri="http://schemas.openxmlformats.org/presentationml/2006/ole">
             <mc:AlternateContent xmlns:mc="http://schemas.openxmlformats.org/markup-compatibility/2006">
               <mc:Choice xmlns:v="urn:schemas-microsoft-com:vml" Requires="v">
-                <p:oleObj spid="_x0000_s1078" name="Equation" r:id="rId3" imgW="139700" imgH="241300" progId="Equation.DSMT4">
+                <p:oleObj spid="_x0000_s1091" name="Equation" r:id="rId3" imgW="139700" imgH="241300" progId="Equation.DSMT4">
                   <p:embed/>
                 </p:oleObj>
               </mc:Choice>
@@ -20370,7 +23182,7 @@
           <a:graphicData uri="http://schemas.openxmlformats.org/presentationml/2006/ole">
             <mc:AlternateContent xmlns:mc="http://schemas.openxmlformats.org/markup-compatibility/2006">
               <mc:Choice xmlns:v="urn:schemas-microsoft-com:vml" Requires="v">
-                <p:oleObj spid="_x0000_s1079" name="Equation" r:id="rId5" imgW="139700" imgH="241300" progId="Equation.DSMT4">
+                <p:oleObj spid="_x0000_s1092" name="Equation" r:id="rId5" imgW="139700" imgH="241300" progId="Equation.DSMT4">
                   <p:embed/>
                 </p:oleObj>
               </mc:Choice>
@@ -20427,7 +23239,7 @@
           <a:graphicData uri="http://schemas.openxmlformats.org/presentationml/2006/ole">
             <mc:AlternateContent xmlns:mc="http://schemas.openxmlformats.org/markup-compatibility/2006">
               <mc:Choice xmlns:v="urn:schemas-microsoft-com:vml" Requires="v">
-                <p:oleObj spid="_x0000_s1080" name="Equation" r:id="rId6" imgW="139700" imgH="241300" progId="Equation.DSMT4">
+                <p:oleObj spid="_x0000_s1093" name="Equation" r:id="rId6" imgW="139700" imgH="241300" progId="Equation.DSMT4">
                   <p:embed/>
                 </p:oleObj>
               </mc:Choice>
@@ -20490,2044 +23302,6 @@
         <p:cTn xmlns:p14="http://schemas.microsoft.com/office/powerpoint/2010/main" id="1" dur="indefinite" restart="never" nodeType="tmRoot"/>
       </p:par>
     </p:tnLst>
-  </p:timing>
-</p:sld>
-</file>
-
-<file path=ppt/slides/slide9.xml><?xml version="1.0" encoding="utf-8"?>
-<p:sld xmlns:a="http://schemas.openxmlformats.org/drawingml/2006/main" xmlns:r="http://schemas.openxmlformats.org/officeDocument/2006/relationships" xmlns:p="http://schemas.openxmlformats.org/presentationml/2006/main" show="0">
-  <p:cSld>
-    <p:spTree>
-      <p:nvGrpSpPr>
-        <p:cNvPr id="1" name=""/>
-        <p:cNvGrpSpPr/>
-        <p:nvPr/>
-      </p:nvGrpSpPr>
-      <p:grpSpPr>
-        <a:xfrm>
-          <a:off x="0" y="0"/>
-          <a:ext cx="0" cy="0"/>
-          <a:chOff x="0" y="0"/>
-          <a:chExt cx="0" cy="0"/>
-        </a:xfrm>
-      </p:grpSpPr>
-      <p:sp>
-        <p:nvSpPr>
-          <p:cNvPr id="19" name="Slide Number Placeholder 3"/>
-          <p:cNvSpPr>
-            <a:spLocks noGrp="1"/>
-          </p:cNvSpPr>
-          <p:nvPr>
-            <p:ph type="sldNum" sz="quarter" idx="4294967295"/>
-          </p:nvPr>
-        </p:nvSpPr>
-        <p:spPr>
-          <a:xfrm>
-            <a:off x="8095441" y="6583363"/>
-            <a:ext cx="1048559" cy="276999"/>
-          </a:xfrm>
-          <a:prstGeom prst="rect">
-            <a:avLst/>
-          </a:prstGeom>
-        </p:spPr>
-        <p:txBody>
-          <a:bodyPr/>
-          <a:lstStyle/>
-          <a:p>
-            <a:pPr>
-              <a:defRPr/>
-            </a:pPr>
-            <a:r>
-              <a:rPr lang="en-US" sz="1200" dirty="0" smtClean="0"/>
-              <a:t>connected.</a:t>
-            </a:r>
-            <a:fld id="{19EC3EF5-AAAB-406F-8B8B-2285D28F7116}" type="slidenum">
-              <a:rPr lang="en-US" sz="1200" smtClean="0"/>
-              <a:pPr>
-                <a:defRPr/>
-              </a:pPr>
-              <a:t>9</a:t>
-            </a:fld>
-            <a:endParaRPr lang="en-US" sz="1200" dirty="0"/>
-          </a:p>
-        </p:txBody>
-      </p:sp>
-      <p:sp>
-        <p:nvSpPr>
-          <p:cNvPr id="28" name="Rectangle 2"/>
-          <p:cNvSpPr>
-            <a:spLocks noGrp="1" noChangeArrowheads="1"/>
-          </p:cNvSpPr>
-          <p:nvPr>
-            <p:ph type="title"/>
-          </p:nvPr>
-        </p:nvSpPr>
-        <p:spPr>
-          <a:xfrm>
-            <a:off x="1066800" y="183662"/>
-            <a:ext cx="8305800" cy="990600"/>
-          </a:xfrm>
-        </p:spPr>
-        <p:txBody>
-          <a:bodyPr/>
-          <a:lstStyle/>
-          <a:p>
-            <a:r>
-              <a:rPr lang="en-US" dirty="0" smtClean="0"/>
-              <a:t>Visualization</a:t>
-            </a:r>
-            <a:endParaRPr lang="en-US" dirty="0"/>
-          </a:p>
-        </p:txBody>
-      </p:sp>
-      <p:sp>
-        <p:nvSpPr>
-          <p:cNvPr id="5" name="Oval 4"/>
-          <p:cNvSpPr/>
-          <p:nvPr/>
-        </p:nvSpPr>
-        <p:spPr bwMode="auto">
-          <a:xfrm>
-            <a:off x="5410200" y="4953000"/>
-            <a:ext cx="152400" cy="152400"/>
-          </a:xfrm>
-          <a:prstGeom prst="ellipse">
-            <a:avLst/>
-          </a:prstGeom>
-          <a:solidFill>
-            <a:schemeClr val="tx1"/>
-          </a:solidFill>
-          <a:ln w="31750" cap="flat" cmpd="sng" algn="ctr">
-            <a:solidFill>
-              <a:schemeClr val="tx1"/>
-            </a:solidFill>
-            <a:prstDash val="solid"/>
-            <a:round/>
-            <a:headEnd type="none" w="med" len="med"/>
-            <a:tailEnd type="triangle" w="lg" len="lg"/>
-          </a:ln>
-          <a:effectLst/>
-        </p:spPr>
-        <p:txBody>
-          <a:bodyPr vert="horz" wrap="square" lIns="91440" tIns="45720" rIns="91440" bIns="45720" numCol="1" rtlCol="0" anchor="t" anchorCtr="0" compatLnSpc="1">
-            <a:prstTxWarp prst="textNoShape">
-              <a:avLst/>
-            </a:prstTxWarp>
-          </a:bodyPr>
-          <a:lstStyle/>
-          <a:p>
-            <a:pPr marL="0" marR="0" indent="0" algn="l" defTabSz="914400" rtl="0" eaLnBrk="1" fontAlgn="base" latinLnBrk="0" hangingPunct="1">
-              <a:lnSpc>
-                <a:spcPct val="100000"/>
-              </a:lnSpc>
-              <a:spcBef>
-                <a:spcPct val="0"/>
-              </a:spcBef>
-              <a:spcAft>
-                <a:spcPct val="0"/>
-              </a:spcAft>
-              <a:buClrTx/>
-              <a:buSzTx/>
-              <a:buFontTx/>
-              <a:buNone/>
-              <a:tabLst/>
-            </a:pPr>
-            <a:endParaRPr kumimoji="0" lang="en-US" sz="3200" b="0" i="0" u="none" strike="noStrike" cap="none" normalizeH="0" baseline="0" smtClean="0">
-              <a:ln>
-                <a:noFill/>
-              </a:ln>
-              <a:solidFill>
-                <a:schemeClr val="tx1"/>
-              </a:solidFill>
-              <a:effectLst/>
-              <a:latin typeface="Comic Sans MS" pitchFamily="66" charset="0"/>
-            </a:endParaRPr>
-          </a:p>
-        </p:txBody>
-      </p:sp>
-      <p:sp>
-        <p:nvSpPr>
-          <p:cNvPr id="7" name="Oval 6"/>
-          <p:cNvSpPr/>
-          <p:nvPr/>
-        </p:nvSpPr>
-        <p:spPr bwMode="auto">
-          <a:xfrm>
-            <a:off x="5486400" y="6096000"/>
-            <a:ext cx="152400" cy="152400"/>
-          </a:xfrm>
-          <a:prstGeom prst="ellipse">
-            <a:avLst/>
-          </a:prstGeom>
-          <a:solidFill>
-            <a:schemeClr val="tx1"/>
-          </a:solidFill>
-          <a:ln w="31750" cap="flat" cmpd="sng" algn="ctr">
-            <a:solidFill>
-              <a:schemeClr val="tx1"/>
-            </a:solidFill>
-            <a:prstDash val="solid"/>
-            <a:round/>
-            <a:headEnd type="none" w="med" len="med"/>
-            <a:tailEnd type="triangle" w="lg" len="lg"/>
-          </a:ln>
-          <a:effectLst/>
-        </p:spPr>
-        <p:txBody>
-          <a:bodyPr vert="horz" wrap="square" lIns="91440" tIns="45720" rIns="91440" bIns="45720" numCol="1" rtlCol="0" anchor="t" anchorCtr="0" compatLnSpc="1">
-            <a:prstTxWarp prst="textNoShape">
-              <a:avLst/>
-            </a:prstTxWarp>
-          </a:bodyPr>
-          <a:lstStyle/>
-          <a:p>
-            <a:pPr marL="0" marR="0" indent="0" algn="l" defTabSz="914400" rtl="0" eaLnBrk="1" fontAlgn="base" latinLnBrk="0" hangingPunct="1">
-              <a:lnSpc>
-                <a:spcPct val="100000"/>
-              </a:lnSpc>
-              <a:spcBef>
-                <a:spcPct val="0"/>
-              </a:spcBef>
-              <a:spcAft>
-                <a:spcPct val="0"/>
-              </a:spcAft>
-              <a:buClrTx/>
-              <a:buSzTx/>
-              <a:buFontTx/>
-              <a:buNone/>
-              <a:tabLst/>
-            </a:pPr>
-            <a:endParaRPr kumimoji="0" lang="en-US" sz="3200" b="0" i="0" u="none" strike="noStrike" cap="none" normalizeH="0" baseline="0" smtClean="0">
-              <a:ln>
-                <a:noFill/>
-              </a:ln>
-              <a:solidFill>
-                <a:schemeClr val="tx1"/>
-              </a:solidFill>
-              <a:effectLst/>
-              <a:latin typeface="Comic Sans MS" pitchFamily="66" charset="0"/>
-            </a:endParaRPr>
-          </a:p>
-        </p:txBody>
-      </p:sp>
-      <p:sp>
-        <p:nvSpPr>
-          <p:cNvPr id="8" name="Oval 7"/>
-          <p:cNvSpPr/>
-          <p:nvPr/>
-        </p:nvSpPr>
-        <p:spPr bwMode="auto">
-          <a:xfrm>
-            <a:off x="4038600" y="6019800"/>
-            <a:ext cx="152400" cy="152400"/>
-          </a:xfrm>
-          <a:prstGeom prst="ellipse">
-            <a:avLst/>
-          </a:prstGeom>
-          <a:solidFill>
-            <a:schemeClr val="tx1"/>
-          </a:solidFill>
-          <a:ln w="31750" cap="flat" cmpd="sng" algn="ctr">
-            <a:solidFill>
-              <a:schemeClr val="tx1"/>
-            </a:solidFill>
-            <a:prstDash val="solid"/>
-            <a:round/>
-            <a:headEnd type="none" w="med" len="med"/>
-            <a:tailEnd type="triangle" w="lg" len="lg"/>
-          </a:ln>
-          <a:effectLst/>
-        </p:spPr>
-        <p:txBody>
-          <a:bodyPr vert="horz" wrap="square" lIns="91440" tIns="45720" rIns="91440" bIns="45720" numCol="1" rtlCol="0" anchor="t" anchorCtr="0" compatLnSpc="1">
-            <a:prstTxWarp prst="textNoShape">
-              <a:avLst/>
-            </a:prstTxWarp>
-          </a:bodyPr>
-          <a:lstStyle/>
-          <a:p>
-            <a:pPr marL="0" marR="0" indent="0" algn="l" defTabSz="914400" rtl="0" eaLnBrk="1" fontAlgn="base" latinLnBrk="0" hangingPunct="1">
-              <a:lnSpc>
-                <a:spcPct val="100000"/>
-              </a:lnSpc>
-              <a:spcBef>
-                <a:spcPct val="0"/>
-              </a:spcBef>
-              <a:spcAft>
-                <a:spcPct val="0"/>
-              </a:spcAft>
-              <a:buClrTx/>
-              <a:buSzTx/>
-              <a:buFontTx/>
-              <a:buNone/>
-              <a:tabLst/>
-            </a:pPr>
-            <a:endParaRPr kumimoji="0" lang="en-US" sz="3200" b="0" i="0" u="none" strike="noStrike" cap="none" normalizeH="0" baseline="0" smtClean="0">
-              <a:ln>
-                <a:noFill/>
-              </a:ln>
-              <a:solidFill>
-                <a:schemeClr val="tx1"/>
-              </a:solidFill>
-              <a:effectLst/>
-              <a:latin typeface="Comic Sans MS" pitchFamily="66" charset="0"/>
-            </a:endParaRPr>
-          </a:p>
-        </p:txBody>
-      </p:sp>
-      <p:sp>
-        <p:nvSpPr>
-          <p:cNvPr id="9" name="Oval 8"/>
-          <p:cNvSpPr/>
-          <p:nvPr/>
-        </p:nvSpPr>
-        <p:spPr bwMode="auto">
-          <a:xfrm>
-            <a:off x="5029200" y="2971800"/>
-            <a:ext cx="152400" cy="152400"/>
-          </a:xfrm>
-          <a:prstGeom prst="ellipse">
-            <a:avLst/>
-          </a:prstGeom>
-          <a:solidFill>
-            <a:schemeClr val="bg1"/>
-          </a:solidFill>
-          <a:ln w="3175" cap="flat" cmpd="sng" algn="ctr">
-            <a:solidFill>
-              <a:schemeClr val="tx1"/>
-            </a:solidFill>
-            <a:prstDash val="solid"/>
-            <a:round/>
-            <a:headEnd type="none" w="med" len="med"/>
-            <a:tailEnd type="triangle" w="lg" len="lg"/>
-          </a:ln>
-          <a:effectLst/>
-        </p:spPr>
-        <p:txBody>
-          <a:bodyPr vert="horz" wrap="square" lIns="91440" tIns="45720" rIns="91440" bIns="45720" numCol="1" rtlCol="0" anchor="t" anchorCtr="0" compatLnSpc="1">
-            <a:prstTxWarp prst="textNoShape">
-              <a:avLst/>
-            </a:prstTxWarp>
-          </a:bodyPr>
-          <a:lstStyle/>
-          <a:p>
-            <a:pPr marL="0" marR="0" indent="0" algn="l" defTabSz="914400" rtl="0" eaLnBrk="1" fontAlgn="base" latinLnBrk="0" hangingPunct="1">
-              <a:lnSpc>
-                <a:spcPct val="100000"/>
-              </a:lnSpc>
-              <a:spcBef>
-                <a:spcPct val="0"/>
-              </a:spcBef>
-              <a:spcAft>
-                <a:spcPct val="0"/>
-              </a:spcAft>
-              <a:buClrTx/>
-              <a:buSzTx/>
-              <a:buFontTx/>
-              <a:buNone/>
-              <a:tabLst/>
-            </a:pPr>
-            <a:endParaRPr kumimoji="0" lang="en-US" sz="3200" b="0" i="0" u="none" strike="noStrike" cap="none" normalizeH="0" baseline="0" smtClean="0">
-              <a:ln>
-                <a:noFill/>
-              </a:ln>
-              <a:solidFill>
-                <a:schemeClr val="tx1"/>
-              </a:solidFill>
-              <a:effectLst/>
-              <a:latin typeface="Comic Sans MS" pitchFamily="66" charset="0"/>
-            </a:endParaRPr>
-          </a:p>
-        </p:txBody>
-      </p:sp>
-      <p:sp>
-        <p:nvSpPr>
-          <p:cNvPr id="10" name="Oval 9"/>
-          <p:cNvSpPr/>
-          <p:nvPr/>
-        </p:nvSpPr>
-        <p:spPr bwMode="auto">
-          <a:xfrm>
-            <a:off x="4724400" y="1524000"/>
-            <a:ext cx="152400" cy="152400"/>
-          </a:xfrm>
-          <a:prstGeom prst="ellipse">
-            <a:avLst/>
-          </a:prstGeom>
-          <a:solidFill>
-            <a:schemeClr val="bg1"/>
-          </a:solidFill>
-          <a:ln w="3175" cap="flat" cmpd="sng" algn="ctr">
-            <a:solidFill>
-              <a:schemeClr val="tx1"/>
-            </a:solidFill>
-            <a:prstDash val="solid"/>
-            <a:round/>
-            <a:headEnd type="none" w="med" len="med"/>
-            <a:tailEnd type="triangle" w="lg" len="lg"/>
-          </a:ln>
-          <a:effectLst/>
-        </p:spPr>
-        <p:txBody>
-          <a:bodyPr vert="horz" wrap="square" lIns="91440" tIns="45720" rIns="91440" bIns="45720" numCol="1" rtlCol="0" anchor="t" anchorCtr="0" compatLnSpc="1">
-            <a:prstTxWarp prst="textNoShape">
-              <a:avLst/>
-            </a:prstTxWarp>
-          </a:bodyPr>
-          <a:lstStyle/>
-          <a:p>
-            <a:pPr marL="0" marR="0" indent="0" algn="l" defTabSz="914400" rtl="0" eaLnBrk="1" fontAlgn="base" latinLnBrk="0" hangingPunct="1">
-              <a:lnSpc>
-                <a:spcPct val="100000"/>
-              </a:lnSpc>
-              <a:spcBef>
-                <a:spcPct val="0"/>
-              </a:spcBef>
-              <a:spcAft>
-                <a:spcPct val="0"/>
-              </a:spcAft>
-              <a:buClrTx/>
-              <a:buSzTx/>
-              <a:buFontTx/>
-              <a:buNone/>
-              <a:tabLst/>
-            </a:pPr>
-            <a:endParaRPr kumimoji="0" lang="en-US" sz="3200" b="0" i="0" u="none" strike="noStrike" cap="none" normalizeH="0" baseline="0" smtClean="0">
-              <a:ln>
-                <a:noFill/>
-              </a:ln>
-              <a:solidFill>
-                <a:schemeClr val="tx1"/>
-              </a:solidFill>
-              <a:effectLst/>
-              <a:latin typeface="Comic Sans MS" pitchFamily="66" charset="0"/>
-            </a:endParaRPr>
-          </a:p>
-        </p:txBody>
-      </p:sp>
-      <p:sp>
-        <p:nvSpPr>
-          <p:cNvPr id="11" name="Oval 10"/>
-          <p:cNvSpPr/>
-          <p:nvPr/>
-        </p:nvSpPr>
-        <p:spPr bwMode="auto">
-          <a:xfrm>
-            <a:off x="6324600" y="1752600"/>
-            <a:ext cx="152400" cy="152400"/>
-          </a:xfrm>
-          <a:prstGeom prst="ellipse">
-            <a:avLst/>
-          </a:prstGeom>
-          <a:solidFill>
-            <a:schemeClr val="bg1"/>
-          </a:solidFill>
-          <a:ln w="3175" cap="flat" cmpd="sng" algn="ctr">
-            <a:solidFill>
-              <a:schemeClr val="tx1"/>
-            </a:solidFill>
-            <a:prstDash val="solid"/>
-            <a:round/>
-            <a:headEnd type="none" w="med" len="med"/>
-            <a:tailEnd type="triangle" w="lg" len="lg"/>
-          </a:ln>
-          <a:effectLst/>
-        </p:spPr>
-        <p:txBody>
-          <a:bodyPr vert="horz" wrap="square" lIns="91440" tIns="45720" rIns="91440" bIns="45720" numCol="1" rtlCol="0" anchor="t" anchorCtr="0" compatLnSpc="1">
-            <a:prstTxWarp prst="textNoShape">
-              <a:avLst/>
-            </a:prstTxWarp>
-          </a:bodyPr>
-          <a:lstStyle/>
-          <a:p>
-            <a:pPr marL="0" marR="0" indent="0" algn="l" defTabSz="914400" rtl="0" eaLnBrk="1" fontAlgn="base" latinLnBrk="0" hangingPunct="1">
-              <a:lnSpc>
-                <a:spcPct val="100000"/>
-              </a:lnSpc>
-              <a:spcBef>
-                <a:spcPct val="0"/>
-              </a:spcBef>
-              <a:spcAft>
-                <a:spcPct val="0"/>
-              </a:spcAft>
-              <a:buClrTx/>
-              <a:buSzTx/>
-              <a:buFontTx/>
-              <a:buNone/>
-              <a:tabLst/>
-            </a:pPr>
-            <a:endParaRPr kumimoji="0" lang="en-US" sz="3200" b="0" i="0" u="none" strike="noStrike" cap="none" normalizeH="0" baseline="0" smtClean="0">
-              <a:ln>
-                <a:noFill/>
-              </a:ln>
-              <a:solidFill>
-                <a:schemeClr val="tx1"/>
-              </a:solidFill>
-              <a:effectLst/>
-              <a:latin typeface="Comic Sans MS" pitchFamily="66" charset="0"/>
-            </a:endParaRPr>
-          </a:p>
-        </p:txBody>
-      </p:sp>
-      <p:sp>
-        <p:nvSpPr>
-          <p:cNvPr id="20" name="Rectangle 19"/>
-          <p:cNvSpPr/>
-          <p:nvPr/>
-        </p:nvSpPr>
-        <p:spPr bwMode="auto">
-          <a:xfrm rot="20921640">
-            <a:off x="5289844" y="3110381"/>
-            <a:ext cx="45719" cy="1886136"/>
-          </a:xfrm>
-          <a:prstGeom prst="rect">
-            <a:avLst/>
-          </a:prstGeom>
-          <a:gradFill flip="none" rotWithShape="1">
-            <a:gsLst>
-              <a:gs pos="0">
-                <a:schemeClr val="tx1"/>
-              </a:gs>
-              <a:gs pos="100000">
-                <a:schemeClr val="bg1"/>
-              </a:gs>
-            </a:gsLst>
-            <a:lin ang="16200000" scaled="0"/>
-            <a:tileRect/>
-          </a:gradFill>
-          <a:ln w="3175" cap="flat" cmpd="sng" algn="ctr">
-            <a:solidFill>
-              <a:schemeClr val="tx1"/>
-            </a:solidFill>
-            <a:prstDash val="solid"/>
-            <a:round/>
-            <a:headEnd type="none" w="med" len="med"/>
-            <a:tailEnd type="triangle" w="lg" len="lg"/>
-          </a:ln>
-          <a:effectLst/>
-        </p:spPr>
-        <p:txBody>
-          <a:bodyPr vert="horz" wrap="square" lIns="91440" tIns="45720" rIns="91440" bIns="45720" numCol="1" rtlCol="0" anchor="t" anchorCtr="0" compatLnSpc="1">
-            <a:prstTxWarp prst="textNoShape">
-              <a:avLst/>
-            </a:prstTxWarp>
-          </a:bodyPr>
-          <a:lstStyle/>
-          <a:p>
-            <a:pPr marL="0" marR="0" indent="0" algn="l" defTabSz="914400" rtl="0" eaLnBrk="1" fontAlgn="base" latinLnBrk="0" hangingPunct="1">
-              <a:lnSpc>
-                <a:spcPct val="100000"/>
-              </a:lnSpc>
-              <a:spcBef>
-                <a:spcPct val="0"/>
-              </a:spcBef>
-              <a:spcAft>
-                <a:spcPct val="0"/>
-              </a:spcAft>
-              <a:buClrTx/>
-              <a:buSzTx/>
-              <a:buFontTx/>
-              <a:buNone/>
-              <a:tabLst/>
-            </a:pPr>
-            <a:endParaRPr kumimoji="0" lang="en-US" sz="3200" b="0" i="0" u="none" strike="noStrike" cap="none" normalizeH="0" baseline="0" smtClean="0">
-              <a:ln>
-                <a:noFill/>
-              </a:ln>
-              <a:solidFill>
-                <a:schemeClr val="tx1"/>
-              </a:solidFill>
-              <a:effectLst/>
-              <a:latin typeface="Comic Sans MS" pitchFamily="66" charset="0"/>
-            </a:endParaRPr>
-          </a:p>
-        </p:txBody>
-      </p:sp>
-      <p:cxnSp>
-        <p:nvCxnSpPr>
-          <p:cNvPr id="3" name="Curved Connector 2"/>
-          <p:cNvCxnSpPr>
-            <a:stCxn id="9" idx="1"/>
-            <a:endCxn id="5" idx="2"/>
-          </p:cNvCxnSpPr>
-          <p:nvPr/>
-        </p:nvCxnSpPr>
-        <p:spPr bwMode="auto">
-          <a:xfrm rot="16200000" flipH="1">
-            <a:off x="4213318" y="3832318"/>
-            <a:ext cx="2035082" cy="358682"/>
-          </a:xfrm>
-          <a:prstGeom prst="curvedConnector4">
-            <a:avLst>
-              <a:gd name="adj1" fmla="val -16513"/>
-              <a:gd name="adj2" fmla="val -669975"/>
-            </a:avLst>
-          </a:prstGeom>
-          <a:noFill/>
-          <a:ln w="31750" cap="flat" cmpd="sng" algn="ctr">
-            <a:solidFill>
-              <a:schemeClr val="tx1"/>
-            </a:solidFill>
-            <a:prstDash val="solid"/>
-            <a:round/>
-            <a:headEnd type="none" w="med" len="med"/>
-            <a:tailEnd type="stealth" w="lg" len="lg"/>
-          </a:ln>
-          <a:effectLst/>
-        </p:spPr>
-      </p:cxnSp>
-      <p:sp>
-        <p:nvSpPr>
-          <p:cNvPr id="25" name="Rectangle 24"/>
-          <p:cNvSpPr/>
-          <p:nvPr/>
-        </p:nvSpPr>
-        <p:spPr bwMode="auto">
-          <a:xfrm rot="2726405">
-            <a:off x="5701155" y="1595297"/>
-            <a:ext cx="54295" cy="1694987"/>
-          </a:xfrm>
-          <a:prstGeom prst="rect">
-            <a:avLst/>
-          </a:prstGeom>
-          <a:solidFill>
-            <a:schemeClr val="bg1"/>
-          </a:solidFill>
-          <a:ln w="3175" cap="flat" cmpd="sng" algn="ctr">
-            <a:solidFill>
-              <a:schemeClr val="tx1"/>
-            </a:solidFill>
-            <a:prstDash val="solid"/>
-            <a:round/>
-            <a:headEnd type="none" w="med" len="med"/>
-            <a:tailEnd type="triangle" w="lg" len="lg"/>
-          </a:ln>
-          <a:effectLst/>
-        </p:spPr>
-        <p:txBody>
-          <a:bodyPr vert="horz" wrap="square" lIns="91440" tIns="45720" rIns="91440" bIns="45720" numCol="1" rtlCol="0" anchor="t" anchorCtr="0" compatLnSpc="1">
-            <a:prstTxWarp prst="textNoShape">
-              <a:avLst/>
-            </a:prstTxWarp>
-          </a:bodyPr>
-          <a:lstStyle/>
-          <a:p>
-            <a:pPr marL="0" marR="0" indent="0" algn="l" defTabSz="914400" rtl="0" eaLnBrk="1" fontAlgn="base" latinLnBrk="0" hangingPunct="1">
-              <a:lnSpc>
-                <a:spcPct val="100000"/>
-              </a:lnSpc>
-              <a:spcBef>
-                <a:spcPct val="0"/>
-              </a:spcBef>
-              <a:spcAft>
-                <a:spcPct val="0"/>
-              </a:spcAft>
-              <a:buClrTx/>
-              <a:buSzTx/>
-              <a:buFontTx/>
-              <a:buNone/>
-              <a:tabLst/>
-            </a:pPr>
-            <a:endParaRPr kumimoji="0" lang="en-US" sz="3200" b="0" i="0" u="none" strike="noStrike" cap="none" normalizeH="0" baseline="0" smtClean="0">
-              <a:ln>
-                <a:noFill/>
-              </a:ln>
-              <a:solidFill>
-                <a:schemeClr val="tx1"/>
-              </a:solidFill>
-              <a:effectLst/>
-              <a:latin typeface="Comic Sans MS" pitchFamily="66" charset="0"/>
-            </a:endParaRPr>
-          </a:p>
-        </p:txBody>
-      </p:sp>
-      <p:sp>
-        <p:nvSpPr>
-          <p:cNvPr id="26" name="Rectangle 25"/>
-          <p:cNvSpPr/>
-          <p:nvPr/>
-        </p:nvSpPr>
-        <p:spPr bwMode="auto">
-          <a:xfrm rot="20868294" flipH="1">
-            <a:off x="4929572" y="1642923"/>
-            <a:ext cx="45719" cy="1369277"/>
-          </a:xfrm>
-          <a:prstGeom prst="rect">
-            <a:avLst/>
-          </a:prstGeom>
-          <a:solidFill>
-            <a:schemeClr val="bg1"/>
-          </a:solidFill>
-          <a:ln w="3175" cap="flat" cmpd="sng" algn="ctr">
-            <a:solidFill>
-              <a:schemeClr val="tx1"/>
-            </a:solidFill>
-            <a:prstDash val="solid"/>
-            <a:round/>
-            <a:headEnd type="none" w="med" len="med"/>
-            <a:tailEnd type="triangle" w="lg" len="lg"/>
-          </a:ln>
-          <a:effectLst/>
-        </p:spPr>
-        <p:txBody>
-          <a:bodyPr vert="horz" wrap="square" lIns="91440" tIns="45720" rIns="91440" bIns="45720" numCol="1" rtlCol="0" anchor="t" anchorCtr="0" compatLnSpc="1">
-            <a:prstTxWarp prst="textNoShape">
-              <a:avLst/>
-            </a:prstTxWarp>
-          </a:bodyPr>
-          <a:lstStyle/>
-          <a:p>
-            <a:pPr marL="0" marR="0" indent="0" algn="l" defTabSz="914400" rtl="0" eaLnBrk="1" fontAlgn="base" latinLnBrk="0" hangingPunct="1">
-              <a:lnSpc>
-                <a:spcPct val="100000"/>
-              </a:lnSpc>
-              <a:spcBef>
-                <a:spcPct val="0"/>
-              </a:spcBef>
-              <a:spcAft>
-                <a:spcPct val="0"/>
-              </a:spcAft>
-              <a:buClrTx/>
-              <a:buSzTx/>
-              <a:buFontTx/>
-              <a:buNone/>
-              <a:tabLst/>
-            </a:pPr>
-            <a:endParaRPr kumimoji="0" lang="en-US" sz="3200" b="0" i="0" u="none" strike="noStrike" cap="none" normalizeH="0" baseline="0" smtClean="0">
-              <a:ln>
-                <a:noFill/>
-              </a:ln>
-              <a:solidFill>
-                <a:schemeClr val="tx1"/>
-              </a:solidFill>
-              <a:effectLst/>
-              <a:latin typeface="Comic Sans MS" pitchFamily="66" charset="0"/>
-            </a:endParaRPr>
-          </a:p>
-        </p:txBody>
-      </p:sp>
-      <p:sp>
-        <p:nvSpPr>
-          <p:cNvPr id="27" name="Rectangle 26"/>
-          <p:cNvSpPr/>
-          <p:nvPr/>
-        </p:nvSpPr>
-        <p:spPr bwMode="auto">
-          <a:xfrm rot="13990827" flipH="1">
-            <a:off x="4784734" y="4707579"/>
-            <a:ext cx="45719" cy="1696619"/>
-          </a:xfrm>
-          <a:prstGeom prst="rect">
-            <a:avLst/>
-          </a:prstGeom>
-          <a:solidFill>
-            <a:schemeClr val="tx1"/>
-          </a:solidFill>
-          <a:ln w="31750" cap="flat" cmpd="sng" algn="ctr">
-            <a:noFill/>
-            <a:prstDash val="solid"/>
-            <a:round/>
-            <a:headEnd type="none" w="med" len="med"/>
-            <a:tailEnd type="triangle" w="lg" len="lg"/>
-          </a:ln>
-          <a:effectLst/>
-        </p:spPr>
-        <p:txBody>
-          <a:bodyPr vert="horz" wrap="square" lIns="91440" tIns="45720" rIns="91440" bIns="45720" numCol="1" rtlCol="0" anchor="t" anchorCtr="0" compatLnSpc="1">
-            <a:prstTxWarp prst="textNoShape">
-              <a:avLst/>
-            </a:prstTxWarp>
-          </a:bodyPr>
-          <a:lstStyle/>
-          <a:p>
-            <a:pPr marL="0" marR="0" indent="0" algn="l" defTabSz="914400" rtl="0" eaLnBrk="1" fontAlgn="base" latinLnBrk="0" hangingPunct="1">
-              <a:lnSpc>
-                <a:spcPct val="100000"/>
-              </a:lnSpc>
-              <a:spcBef>
-                <a:spcPct val="0"/>
-              </a:spcBef>
-              <a:spcAft>
-                <a:spcPct val="0"/>
-              </a:spcAft>
-              <a:buClrTx/>
-              <a:buSzTx/>
-              <a:buFontTx/>
-              <a:buNone/>
-              <a:tabLst/>
-            </a:pPr>
-            <a:endParaRPr kumimoji="0" lang="en-US" sz="3200" b="0" i="0" u="none" strike="noStrike" cap="none" normalizeH="0" baseline="0" smtClean="0">
-              <a:ln>
-                <a:noFill/>
-              </a:ln>
-              <a:solidFill>
-                <a:schemeClr val="tx1"/>
-              </a:solidFill>
-              <a:effectLst/>
-              <a:latin typeface="Comic Sans MS" pitchFamily="66" charset="0"/>
-            </a:endParaRPr>
-          </a:p>
-        </p:txBody>
-      </p:sp>
-      <p:sp>
-        <p:nvSpPr>
-          <p:cNvPr id="29" name="Rectangle 28"/>
-          <p:cNvSpPr/>
-          <p:nvPr/>
-        </p:nvSpPr>
-        <p:spPr bwMode="auto">
-          <a:xfrm rot="10551375" flipH="1">
-            <a:off x="5523295" y="5105715"/>
-            <a:ext cx="45719" cy="1022844"/>
-          </a:xfrm>
-          <a:prstGeom prst="rect">
-            <a:avLst/>
-          </a:prstGeom>
-          <a:solidFill>
-            <a:schemeClr val="tx1"/>
-          </a:solidFill>
-          <a:ln w="31750" cap="flat" cmpd="sng" algn="ctr">
-            <a:noFill/>
-            <a:prstDash val="solid"/>
-            <a:round/>
-            <a:headEnd type="none" w="med" len="med"/>
-            <a:tailEnd type="triangle" w="lg" len="lg"/>
-          </a:ln>
-          <a:effectLst/>
-        </p:spPr>
-        <p:txBody>
-          <a:bodyPr vert="horz" wrap="square" lIns="91440" tIns="45720" rIns="91440" bIns="45720" numCol="1" rtlCol="0" anchor="t" anchorCtr="0" compatLnSpc="1">
-            <a:prstTxWarp prst="textNoShape">
-              <a:avLst/>
-            </a:prstTxWarp>
-          </a:bodyPr>
-          <a:lstStyle/>
-          <a:p>
-            <a:pPr marL="0" marR="0" indent="0" algn="l" defTabSz="914400" rtl="0" eaLnBrk="1" fontAlgn="base" latinLnBrk="0" hangingPunct="1">
-              <a:lnSpc>
-                <a:spcPct val="100000"/>
-              </a:lnSpc>
-              <a:spcBef>
-                <a:spcPct val="0"/>
-              </a:spcBef>
-              <a:spcAft>
-                <a:spcPct val="0"/>
-              </a:spcAft>
-              <a:buClrTx/>
-              <a:buSzTx/>
-              <a:buFontTx/>
-              <a:buNone/>
-              <a:tabLst/>
-            </a:pPr>
-            <a:endParaRPr kumimoji="0" lang="en-US" sz="3200" b="0" i="0" u="none" strike="noStrike" cap="none" normalizeH="0" baseline="0" smtClean="0">
-              <a:ln>
-                <a:noFill/>
-              </a:ln>
-              <a:solidFill>
-                <a:schemeClr val="tx1"/>
-              </a:solidFill>
-              <a:effectLst/>
-              <a:latin typeface="Comic Sans MS" pitchFamily="66" charset="0"/>
-            </a:endParaRPr>
-          </a:p>
-        </p:txBody>
-      </p:sp>
-      <p:sp>
-        <p:nvSpPr>
-          <p:cNvPr id="24" name="TextBox 23"/>
-          <p:cNvSpPr txBox="1"/>
-          <p:nvPr/>
-        </p:nvSpPr>
-        <p:spPr>
-          <a:xfrm>
-            <a:off x="2895600" y="2209800"/>
-            <a:ext cx="1295400" cy="584776"/>
-          </a:xfrm>
-          <a:prstGeom prst="rect">
-            <a:avLst/>
-          </a:prstGeom>
-          <a:noFill/>
-        </p:spPr>
-        <p:txBody>
-          <a:bodyPr wrap="square" rtlCol="0">
-            <a:spAutoFit/>
-          </a:bodyPr>
-          <a:lstStyle/>
-          <a:p>
-            <a:r>
-              <a:rPr lang="en-US" dirty="0" smtClean="0"/>
-              <a:t>p</a:t>
-            </a:r>
-            <a:endParaRPr lang="en-US" dirty="0"/>
-          </a:p>
-        </p:txBody>
-      </p:sp>
-      <p:sp>
-        <p:nvSpPr>
-          <p:cNvPr id="30" name="TextBox 29"/>
-          <p:cNvSpPr txBox="1"/>
-          <p:nvPr/>
-        </p:nvSpPr>
-        <p:spPr>
-          <a:xfrm>
-            <a:off x="5257800" y="2743200"/>
-            <a:ext cx="457200" cy="584776"/>
-          </a:xfrm>
-          <a:prstGeom prst="rect">
-            <a:avLst/>
-          </a:prstGeom>
-          <a:noFill/>
-        </p:spPr>
-        <p:txBody>
-          <a:bodyPr wrap="square" rtlCol="0">
-            <a:spAutoFit/>
-          </a:bodyPr>
-          <a:lstStyle/>
-          <a:p>
-            <a:r>
-              <a:rPr lang="en-US" dirty="0" smtClean="0"/>
-              <a:t>w</a:t>
-            </a:r>
-            <a:endParaRPr lang="en-US" dirty="0"/>
-          </a:p>
-        </p:txBody>
-      </p:sp>
-      <p:sp>
-        <p:nvSpPr>
-          <p:cNvPr id="31" name="TextBox 30"/>
-          <p:cNvSpPr txBox="1"/>
-          <p:nvPr/>
-        </p:nvSpPr>
-        <p:spPr>
-          <a:xfrm>
-            <a:off x="5638800" y="4800600"/>
-            <a:ext cx="685800" cy="584776"/>
-          </a:xfrm>
-          <a:prstGeom prst="rect">
-            <a:avLst/>
-          </a:prstGeom>
-          <a:noFill/>
-        </p:spPr>
-        <p:txBody>
-          <a:bodyPr wrap="square" rtlCol="0">
-            <a:spAutoFit/>
-          </a:bodyPr>
-          <a:lstStyle/>
-          <a:p>
-            <a:r>
-              <a:rPr lang="en-US" dirty="0" smtClean="0"/>
-              <a:t>b</a:t>
-            </a:r>
-            <a:endParaRPr lang="en-US" dirty="0"/>
-          </a:p>
-        </p:txBody>
-      </p:sp>
-      <p:sp>
-        <p:nvSpPr>
-          <p:cNvPr id="32" name="TextBox 31"/>
-          <p:cNvSpPr txBox="1"/>
-          <p:nvPr/>
-        </p:nvSpPr>
-        <p:spPr>
-          <a:xfrm>
-            <a:off x="457200" y="2971800"/>
-            <a:ext cx="3429000" cy="1569660"/>
-          </a:xfrm>
-          <a:prstGeom prst="rect">
-            <a:avLst/>
-          </a:prstGeom>
-          <a:noFill/>
-        </p:spPr>
-        <p:txBody>
-          <a:bodyPr wrap="square" rtlCol="0">
-            <a:spAutoFit/>
-          </a:bodyPr>
-          <a:lstStyle/>
-          <a:p>
-            <a:r>
-              <a:rPr lang="en-US" sz="9600" dirty="0" smtClean="0"/>
-              <a:t>M…</a:t>
-            </a:r>
-            <a:endParaRPr lang="en-US" sz="9600" dirty="0"/>
-          </a:p>
-        </p:txBody>
-      </p:sp>
-      <p:cxnSp>
-        <p:nvCxnSpPr>
-          <p:cNvPr id="35" name="Curved Connector 34"/>
-          <p:cNvCxnSpPr/>
-          <p:nvPr/>
-        </p:nvCxnSpPr>
-        <p:spPr bwMode="auto">
-          <a:xfrm rot="16200000" flipH="1">
-            <a:off x="4191000" y="3810000"/>
-            <a:ext cx="2035082" cy="358682"/>
-          </a:xfrm>
-          <a:prstGeom prst="curvedConnector4">
-            <a:avLst>
-              <a:gd name="adj1" fmla="val -16513"/>
-              <a:gd name="adj2" fmla="val -669975"/>
-            </a:avLst>
-          </a:prstGeom>
-          <a:noFill/>
-          <a:ln w="63500" cap="flat" cmpd="sng" algn="ctr">
-            <a:gradFill flip="none" rotWithShape="1">
-              <a:gsLst>
-                <a:gs pos="0">
-                  <a:prstClr val="white"/>
-                </a:gs>
-                <a:gs pos="100000">
-                  <a:schemeClr val="tx2"/>
-                </a:gs>
-              </a:gsLst>
-              <a:lin ang="0" scaled="1"/>
-              <a:tileRect/>
-            </a:gradFill>
-            <a:prstDash val="solid"/>
-            <a:round/>
-            <a:headEnd type="none" w="med" len="med"/>
-            <a:tailEnd type="none" w="lg" len="lg"/>
-          </a:ln>
-          <a:effectLst/>
-        </p:spPr>
-      </p:cxnSp>
-      <p:sp>
-        <p:nvSpPr>
-          <p:cNvPr id="36" name="TextBox 35"/>
-          <p:cNvSpPr txBox="1"/>
-          <p:nvPr/>
-        </p:nvSpPr>
-        <p:spPr>
-          <a:xfrm>
-            <a:off x="5715000" y="3810000"/>
-            <a:ext cx="1524000" cy="584776"/>
-          </a:xfrm>
-          <a:prstGeom prst="rect">
-            <a:avLst/>
-          </a:prstGeom>
-          <a:noFill/>
-        </p:spPr>
-        <p:txBody>
-          <a:bodyPr wrap="square" rtlCol="0">
-            <a:spAutoFit/>
-          </a:bodyPr>
-          <a:lstStyle/>
-          <a:p>
-            <a:r>
-              <a:rPr lang="en-US" dirty="0" smtClean="0"/>
-              <a:t>e</a:t>
-            </a:r>
-            <a:endParaRPr lang="en-US" dirty="0"/>
-          </a:p>
-        </p:txBody>
-      </p:sp>
-      <p:sp>
-        <p:nvSpPr>
-          <p:cNvPr id="37" name="Rectangle 36"/>
-          <p:cNvSpPr/>
-          <p:nvPr/>
-        </p:nvSpPr>
-        <p:spPr bwMode="auto">
-          <a:xfrm rot="17182474" flipH="1">
-            <a:off x="3464486" y="5051574"/>
-            <a:ext cx="45719" cy="1696619"/>
-          </a:xfrm>
-          <a:prstGeom prst="rect">
-            <a:avLst/>
-          </a:prstGeom>
-          <a:solidFill>
-            <a:schemeClr val="tx1"/>
-          </a:solidFill>
-          <a:ln w="31750" cap="flat" cmpd="sng" algn="ctr">
-            <a:noFill/>
-            <a:prstDash val="solid"/>
-            <a:round/>
-            <a:headEnd type="none" w="med" len="med"/>
-            <a:tailEnd type="triangle" w="lg" len="lg"/>
-          </a:ln>
-          <a:effectLst/>
-        </p:spPr>
-        <p:txBody>
-          <a:bodyPr vert="horz" wrap="square" lIns="91440" tIns="45720" rIns="91440" bIns="45720" numCol="1" rtlCol="0" anchor="t" anchorCtr="0" compatLnSpc="1">
-            <a:prstTxWarp prst="textNoShape">
-              <a:avLst/>
-            </a:prstTxWarp>
-          </a:bodyPr>
-          <a:lstStyle/>
-          <a:p>
-            <a:pPr marL="0" marR="0" indent="0" algn="l" defTabSz="914400" rtl="0" eaLnBrk="1" fontAlgn="base" latinLnBrk="0" hangingPunct="1">
-              <a:lnSpc>
-                <a:spcPct val="100000"/>
-              </a:lnSpc>
-              <a:spcBef>
-                <a:spcPct val="0"/>
-              </a:spcBef>
-              <a:spcAft>
-                <a:spcPct val="0"/>
-              </a:spcAft>
-              <a:buClrTx/>
-              <a:buSzTx/>
-              <a:buFontTx/>
-              <a:buNone/>
-              <a:tabLst/>
-            </a:pPr>
-            <a:endParaRPr kumimoji="0" lang="en-US" sz="3200" b="0" i="0" u="none" strike="noStrike" cap="none" normalizeH="0" baseline="0" smtClean="0">
-              <a:ln>
-                <a:noFill/>
-              </a:ln>
-              <a:solidFill>
-                <a:schemeClr val="tx1"/>
-              </a:solidFill>
-              <a:effectLst/>
-              <a:latin typeface="Comic Sans MS" pitchFamily="66" charset="0"/>
-            </a:endParaRPr>
-          </a:p>
-        </p:txBody>
-      </p:sp>
-      <p:sp>
-        <p:nvSpPr>
-          <p:cNvPr id="38" name="Rectangle 37"/>
-          <p:cNvSpPr/>
-          <p:nvPr/>
-        </p:nvSpPr>
-        <p:spPr bwMode="auto">
-          <a:xfrm rot="4532338">
-            <a:off x="3845657" y="994011"/>
-            <a:ext cx="61276" cy="1694987"/>
-          </a:xfrm>
-          <a:prstGeom prst="rect">
-            <a:avLst/>
-          </a:prstGeom>
-          <a:solidFill>
-            <a:schemeClr val="bg1"/>
-          </a:solidFill>
-          <a:ln w="3175" cap="flat" cmpd="sng" algn="ctr">
-            <a:solidFill>
-              <a:schemeClr val="tx1"/>
-            </a:solidFill>
-            <a:prstDash val="solid"/>
-            <a:round/>
-            <a:headEnd type="none" w="med" len="med"/>
-            <a:tailEnd type="triangle" w="lg" len="lg"/>
-          </a:ln>
-          <a:effectLst/>
-        </p:spPr>
-        <p:txBody>
-          <a:bodyPr vert="horz" wrap="square" lIns="91440" tIns="45720" rIns="91440" bIns="45720" numCol="1" rtlCol="0" anchor="t" anchorCtr="0" compatLnSpc="1">
-            <a:prstTxWarp prst="textNoShape">
-              <a:avLst/>
-            </a:prstTxWarp>
-          </a:bodyPr>
-          <a:lstStyle/>
-          <a:p>
-            <a:pPr marL="0" marR="0" indent="0" algn="l" defTabSz="914400" rtl="0" eaLnBrk="1" fontAlgn="base" latinLnBrk="0" hangingPunct="1">
-              <a:lnSpc>
-                <a:spcPct val="100000"/>
-              </a:lnSpc>
-              <a:spcBef>
-                <a:spcPct val="0"/>
-              </a:spcBef>
-              <a:spcAft>
-                <a:spcPct val="0"/>
-              </a:spcAft>
-              <a:buClrTx/>
-              <a:buSzTx/>
-              <a:buFontTx/>
-              <a:buNone/>
-              <a:tabLst/>
-            </a:pPr>
-            <a:endParaRPr kumimoji="0" lang="en-US" sz="3200" b="0" i="0" u="none" strike="noStrike" cap="none" normalizeH="0" baseline="0" smtClean="0">
-              <a:ln>
-                <a:noFill/>
-              </a:ln>
-              <a:solidFill>
-                <a:schemeClr val="tx1"/>
-              </a:solidFill>
-              <a:effectLst/>
-              <a:latin typeface="Comic Sans MS" pitchFamily="66" charset="0"/>
-            </a:endParaRPr>
-          </a:p>
-        </p:txBody>
-      </p:sp>
-    </p:spTree>
-    <p:extLst>
-      <p:ext uri="{BB962C8B-B14F-4D97-AF65-F5344CB8AC3E}">
-        <p14:creationId xmlns:p14="http://schemas.microsoft.com/office/powerpoint/2010/main" val="2252971555"/>
-      </p:ext>
-    </p:extLst>
-  </p:cSld>
-  <p:clrMapOvr>
-    <a:masterClrMapping/>
-  </p:clrMapOvr>
-  <mc:AlternateContent xmlns:mc="http://schemas.openxmlformats.org/markup-compatibility/2006">
-    <mc:Choice xmlns:p14="http://schemas.microsoft.com/office/powerpoint/2010/main" Requires="p14">
-      <p:transition spd="slow" p14:dur="900" advClick="0">
-        <p:fade/>
-      </p:transition>
-    </mc:Choice>
-    <mc:Fallback>
-      <p:transition xmlns:p14="http://schemas.microsoft.com/office/powerpoint/2010/main" spd="slow" advClick="0">
-        <p:fade/>
-      </p:transition>
-    </mc:Fallback>
-  </mc:AlternateContent>
-  <p:timing>
-    <p:tnLst>
-      <p:par>
-        <p:cTn xmlns:p14="http://schemas.microsoft.com/office/powerpoint/2010/main" id="1" dur="indefinite" restart="never" nodeType="tmRoot">
-          <p:childTnLst>
-            <p:seq concurrent="1" nextAc="seek">
-              <p:cTn id="2" dur="indefinite" nodeType="mainSeq">
-                <p:childTnLst>
-                  <p:par>
-                    <p:cTn id="3" fill="hold">
-                      <p:stCondLst>
-                        <p:cond delay="indefinite"/>
-                      </p:stCondLst>
-                      <p:childTnLst>
-                        <p:par>
-                          <p:cTn id="4" fill="hold">
-                            <p:stCondLst>
-                              <p:cond delay="0"/>
-                            </p:stCondLst>
-                            <p:childTnLst>
-                              <p:par>
-                                <p:cTn id="5" presetID="9" presetClass="entr" presetSubtype="0" fill="hold" grpId="0" nodeType="clickEffect">
-                                  <p:stCondLst>
-                                    <p:cond delay="0"/>
-                                  </p:stCondLst>
-                                  <p:childTnLst>
-                                    <p:set>
-                                      <p:cBhvr>
-                                        <p:cTn id="6" dur="1" fill="hold">
-                                          <p:stCondLst>
-                                            <p:cond delay="0"/>
-                                          </p:stCondLst>
-                                        </p:cTn>
-                                        <p:tgtEl>
-                                          <p:spTgt spid="30"/>
-                                        </p:tgtEl>
-                                        <p:attrNameLst>
-                                          <p:attrName>style.visibility</p:attrName>
-                                        </p:attrNameLst>
-                                      </p:cBhvr>
-                                      <p:to>
-                                        <p:strVal val="visible"/>
-                                      </p:to>
-                                    </p:set>
-                                    <p:animEffect transition="in" filter="dissolve">
-                                      <p:cBhvr>
-                                        <p:cTn id="7" dur="500"/>
-                                        <p:tgtEl>
-                                          <p:spTgt spid="30"/>
-                                        </p:tgtEl>
-                                      </p:cBhvr>
-                                    </p:animEffect>
-                                  </p:childTnLst>
-                                </p:cTn>
-                              </p:par>
-                              <p:par>
-                                <p:cTn id="8" presetID="9" presetClass="entr" presetSubtype="0" fill="hold" grpId="0" nodeType="withEffect">
-                                  <p:stCondLst>
-                                    <p:cond delay="0"/>
-                                  </p:stCondLst>
-                                  <p:childTnLst>
-                                    <p:set>
-                                      <p:cBhvr>
-                                        <p:cTn id="9" dur="1" fill="hold">
-                                          <p:stCondLst>
-                                            <p:cond delay="0"/>
-                                          </p:stCondLst>
-                                        </p:cTn>
-                                        <p:tgtEl>
-                                          <p:spTgt spid="31"/>
-                                        </p:tgtEl>
-                                        <p:attrNameLst>
-                                          <p:attrName>style.visibility</p:attrName>
-                                        </p:attrNameLst>
-                                      </p:cBhvr>
-                                      <p:to>
-                                        <p:strVal val="visible"/>
-                                      </p:to>
-                                    </p:set>
-                                    <p:animEffect transition="in" filter="dissolve">
-                                      <p:cBhvr>
-                                        <p:cTn id="10" dur="500"/>
-                                        <p:tgtEl>
-                                          <p:spTgt spid="31"/>
-                                        </p:tgtEl>
-                                      </p:cBhvr>
-                                    </p:animEffect>
-                                  </p:childTnLst>
-                                </p:cTn>
-                              </p:par>
-                              <p:par>
-                                <p:cTn id="11" presetID="9" presetClass="entr" presetSubtype="0" fill="hold" grpId="0" nodeType="withEffect">
-                                  <p:stCondLst>
-                                    <p:cond delay="0"/>
-                                  </p:stCondLst>
-                                  <p:childTnLst>
-                                    <p:set>
-                                      <p:cBhvr>
-                                        <p:cTn id="12" dur="1" fill="hold">
-                                          <p:stCondLst>
-                                            <p:cond delay="0"/>
-                                          </p:stCondLst>
-                                        </p:cTn>
-                                        <p:tgtEl>
-                                          <p:spTgt spid="32"/>
-                                        </p:tgtEl>
-                                        <p:attrNameLst>
-                                          <p:attrName>style.visibility</p:attrName>
-                                        </p:attrNameLst>
-                                      </p:cBhvr>
-                                      <p:to>
-                                        <p:strVal val="visible"/>
-                                      </p:to>
-                                    </p:set>
-                                    <p:animEffect transition="in" filter="dissolve">
-                                      <p:cBhvr>
-                                        <p:cTn id="13" dur="500"/>
-                                        <p:tgtEl>
-                                          <p:spTgt spid="32"/>
-                                        </p:tgtEl>
-                                      </p:cBhvr>
-                                    </p:animEffect>
-                                  </p:childTnLst>
-                                </p:cTn>
-                              </p:par>
-                              <p:par>
-                                <p:cTn id="14" presetID="9" presetClass="entr" presetSubtype="0" fill="hold" grpId="0" nodeType="withEffect">
-                                  <p:stCondLst>
-                                    <p:cond delay="0"/>
-                                  </p:stCondLst>
-                                  <p:childTnLst>
-                                    <p:set>
-                                      <p:cBhvr>
-                                        <p:cTn id="15" dur="1" fill="hold">
-                                          <p:stCondLst>
-                                            <p:cond delay="0"/>
-                                          </p:stCondLst>
-                                        </p:cTn>
-                                        <p:tgtEl>
-                                          <p:spTgt spid="11"/>
-                                        </p:tgtEl>
-                                        <p:attrNameLst>
-                                          <p:attrName>style.visibility</p:attrName>
-                                        </p:attrNameLst>
-                                      </p:cBhvr>
-                                      <p:to>
-                                        <p:strVal val="visible"/>
-                                      </p:to>
-                                    </p:set>
-                                    <p:animEffect transition="in" filter="dissolve">
-                                      <p:cBhvr>
-                                        <p:cTn id="16" dur="500"/>
-                                        <p:tgtEl>
-                                          <p:spTgt spid="11"/>
-                                        </p:tgtEl>
-                                      </p:cBhvr>
-                                    </p:animEffect>
-                                  </p:childTnLst>
-                                </p:cTn>
-                              </p:par>
-                              <p:par>
-                                <p:cTn id="17" presetID="9" presetClass="entr" presetSubtype="0" fill="hold" grpId="0" nodeType="withEffect">
-                                  <p:stCondLst>
-                                    <p:cond delay="0"/>
-                                  </p:stCondLst>
-                                  <p:childTnLst>
-                                    <p:set>
-                                      <p:cBhvr>
-                                        <p:cTn id="18" dur="1" fill="hold">
-                                          <p:stCondLst>
-                                            <p:cond delay="0"/>
-                                          </p:stCondLst>
-                                        </p:cTn>
-                                        <p:tgtEl>
-                                          <p:spTgt spid="10"/>
-                                        </p:tgtEl>
-                                        <p:attrNameLst>
-                                          <p:attrName>style.visibility</p:attrName>
-                                        </p:attrNameLst>
-                                      </p:cBhvr>
-                                      <p:to>
-                                        <p:strVal val="visible"/>
-                                      </p:to>
-                                    </p:set>
-                                    <p:animEffect transition="in" filter="dissolve">
-                                      <p:cBhvr>
-                                        <p:cTn id="19" dur="500"/>
-                                        <p:tgtEl>
-                                          <p:spTgt spid="10"/>
-                                        </p:tgtEl>
-                                      </p:cBhvr>
-                                    </p:animEffect>
-                                  </p:childTnLst>
-                                </p:cTn>
-                              </p:par>
-                              <p:par>
-                                <p:cTn id="20" presetID="9" presetClass="entr" presetSubtype="0" fill="hold" grpId="0" nodeType="withEffect">
-                                  <p:stCondLst>
-                                    <p:cond delay="0"/>
-                                  </p:stCondLst>
-                                  <p:childTnLst>
-                                    <p:set>
-                                      <p:cBhvr>
-                                        <p:cTn id="21" dur="1" fill="hold">
-                                          <p:stCondLst>
-                                            <p:cond delay="0"/>
-                                          </p:stCondLst>
-                                        </p:cTn>
-                                        <p:tgtEl>
-                                          <p:spTgt spid="9"/>
-                                        </p:tgtEl>
-                                        <p:attrNameLst>
-                                          <p:attrName>style.visibility</p:attrName>
-                                        </p:attrNameLst>
-                                      </p:cBhvr>
-                                      <p:to>
-                                        <p:strVal val="visible"/>
-                                      </p:to>
-                                    </p:set>
-                                    <p:animEffect transition="in" filter="dissolve">
-                                      <p:cBhvr>
-                                        <p:cTn id="22" dur="500"/>
-                                        <p:tgtEl>
-                                          <p:spTgt spid="9"/>
-                                        </p:tgtEl>
-                                      </p:cBhvr>
-                                    </p:animEffect>
-                                  </p:childTnLst>
-                                </p:cTn>
-                              </p:par>
-                              <p:par>
-                                <p:cTn id="23" presetID="9" presetClass="entr" presetSubtype="0" fill="hold" grpId="0" nodeType="withEffect">
-                                  <p:stCondLst>
-                                    <p:cond delay="0"/>
-                                  </p:stCondLst>
-                                  <p:childTnLst>
-                                    <p:set>
-                                      <p:cBhvr>
-                                        <p:cTn id="24" dur="1" fill="hold">
-                                          <p:stCondLst>
-                                            <p:cond delay="0"/>
-                                          </p:stCondLst>
-                                        </p:cTn>
-                                        <p:tgtEl>
-                                          <p:spTgt spid="5"/>
-                                        </p:tgtEl>
-                                        <p:attrNameLst>
-                                          <p:attrName>style.visibility</p:attrName>
-                                        </p:attrNameLst>
-                                      </p:cBhvr>
-                                      <p:to>
-                                        <p:strVal val="visible"/>
-                                      </p:to>
-                                    </p:set>
-                                    <p:animEffect transition="in" filter="dissolve">
-                                      <p:cBhvr>
-                                        <p:cTn id="25" dur="500"/>
-                                        <p:tgtEl>
-                                          <p:spTgt spid="5"/>
-                                        </p:tgtEl>
-                                      </p:cBhvr>
-                                    </p:animEffect>
-                                  </p:childTnLst>
-                                </p:cTn>
-                              </p:par>
-                              <p:par>
-                                <p:cTn id="26" presetID="9" presetClass="entr" presetSubtype="0" fill="hold" grpId="0" nodeType="withEffect">
-                                  <p:stCondLst>
-                                    <p:cond delay="0"/>
-                                  </p:stCondLst>
-                                  <p:childTnLst>
-                                    <p:set>
-                                      <p:cBhvr>
-                                        <p:cTn id="27" dur="1" fill="hold">
-                                          <p:stCondLst>
-                                            <p:cond delay="0"/>
-                                          </p:stCondLst>
-                                        </p:cTn>
-                                        <p:tgtEl>
-                                          <p:spTgt spid="7"/>
-                                        </p:tgtEl>
-                                        <p:attrNameLst>
-                                          <p:attrName>style.visibility</p:attrName>
-                                        </p:attrNameLst>
-                                      </p:cBhvr>
-                                      <p:to>
-                                        <p:strVal val="visible"/>
-                                      </p:to>
-                                    </p:set>
-                                    <p:animEffect transition="in" filter="dissolve">
-                                      <p:cBhvr>
-                                        <p:cTn id="28" dur="500"/>
-                                        <p:tgtEl>
-                                          <p:spTgt spid="7"/>
-                                        </p:tgtEl>
-                                      </p:cBhvr>
-                                    </p:animEffect>
-                                  </p:childTnLst>
-                                </p:cTn>
-                              </p:par>
-                              <p:par>
-                                <p:cTn id="29" presetID="9" presetClass="entr" presetSubtype="0" fill="hold" grpId="0" nodeType="withEffect">
-                                  <p:stCondLst>
-                                    <p:cond delay="0"/>
-                                  </p:stCondLst>
-                                  <p:childTnLst>
-                                    <p:set>
-                                      <p:cBhvr>
-                                        <p:cTn id="30" dur="1" fill="hold">
-                                          <p:stCondLst>
-                                            <p:cond delay="0"/>
-                                          </p:stCondLst>
-                                        </p:cTn>
-                                        <p:tgtEl>
-                                          <p:spTgt spid="8"/>
-                                        </p:tgtEl>
-                                        <p:attrNameLst>
-                                          <p:attrName>style.visibility</p:attrName>
-                                        </p:attrNameLst>
-                                      </p:cBhvr>
-                                      <p:to>
-                                        <p:strVal val="visible"/>
-                                      </p:to>
-                                    </p:set>
-                                    <p:animEffect transition="in" filter="dissolve">
-                                      <p:cBhvr>
-                                        <p:cTn id="31" dur="500"/>
-                                        <p:tgtEl>
-                                          <p:spTgt spid="8"/>
-                                        </p:tgtEl>
-                                      </p:cBhvr>
-                                    </p:animEffect>
-                                  </p:childTnLst>
-                                </p:cTn>
-                              </p:par>
-                              <p:par>
-                                <p:cTn id="32" presetID="9" presetClass="entr" presetSubtype="0" fill="hold" grpId="0" nodeType="withEffect">
-                                  <p:stCondLst>
-                                    <p:cond delay="0"/>
-                                  </p:stCondLst>
-                                  <p:childTnLst>
-                                    <p:set>
-                                      <p:cBhvr>
-                                        <p:cTn id="33" dur="1" fill="hold">
-                                          <p:stCondLst>
-                                            <p:cond delay="0"/>
-                                          </p:stCondLst>
-                                        </p:cTn>
-                                        <p:tgtEl>
-                                          <p:spTgt spid="27"/>
-                                        </p:tgtEl>
-                                        <p:attrNameLst>
-                                          <p:attrName>style.visibility</p:attrName>
-                                        </p:attrNameLst>
-                                      </p:cBhvr>
-                                      <p:to>
-                                        <p:strVal val="visible"/>
-                                      </p:to>
-                                    </p:set>
-                                    <p:animEffect transition="in" filter="dissolve">
-                                      <p:cBhvr>
-                                        <p:cTn id="34" dur="500"/>
-                                        <p:tgtEl>
-                                          <p:spTgt spid="27"/>
-                                        </p:tgtEl>
-                                      </p:cBhvr>
-                                    </p:animEffect>
-                                  </p:childTnLst>
-                                </p:cTn>
-                              </p:par>
-                              <p:par>
-                                <p:cTn id="35" presetID="9" presetClass="entr" presetSubtype="0" fill="hold" grpId="0" nodeType="withEffect">
-                                  <p:stCondLst>
-                                    <p:cond delay="0"/>
-                                  </p:stCondLst>
-                                  <p:childTnLst>
-                                    <p:set>
-                                      <p:cBhvr>
-                                        <p:cTn id="36" dur="1" fill="hold">
-                                          <p:stCondLst>
-                                            <p:cond delay="0"/>
-                                          </p:stCondLst>
-                                        </p:cTn>
-                                        <p:tgtEl>
-                                          <p:spTgt spid="29"/>
-                                        </p:tgtEl>
-                                        <p:attrNameLst>
-                                          <p:attrName>style.visibility</p:attrName>
-                                        </p:attrNameLst>
-                                      </p:cBhvr>
-                                      <p:to>
-                                        <p:strVal val="visible"/>
-                                      </p:to>
-                                    </p:set>
-                                    <p:animEffect transition="in" filter="dissolve">
-                                      <p:cBhvr>
-                                        <p:cTn id="37" dur="500"/>
-                                        <p:tgtEl>
-                                          <p:spTgt spid="29"/>
-                                        </p:tgtEl>
-                                      </p:cBhvr>
-                                    </p:animEffect>
-                                  </p:childTnLst>
-                                </p:cTn>
-                              </p:par>
-                              <p:par>
-                                <p:cTn id="38" presetID="9" presetClass="entr" presetSubtype="0" fill="hold" grpId="0" nodeType="withEffect">
-                                  <p:stCondLst>
-                                    <p:cond delay="0"/>
-                                  </p:stCondLst>
-                                  <p:childTnLst>
-                                    <p:set>
-                                      <p:cBhvr>
-                                        <p:cTn id="39" dur="1" fill="hold">
-                                          <p:stCondLst>
-                                            <p:cond delay="0"/>
-                                          </p:stCondLst>
-                                        </p:cTn>
-                                        <p:tgtEl>
-                                          <p:spTgt spid="25"/>
-                                        </p:tgtEl>
-                                        <p:attrNameLst>
-                                          <p:attrName>style.visibility</p:attrName>
-                                        </p:attrNameLst>
-                                      </p:cBhvr>
-                                      <p:to>
-                                        <p:strVal val="visible"/>
-                                      </p:to>
-                                    </p:set>
-                                    <p:animEffect transition="in" filter="dissolve">
-                                      <p:cBhvr>
-                                        <p:cTn id="40" dur="500"/>
-                                        <p:tgtEl>
-                                          <p:spTgt spid="25"/>
-                                        </p:tgtEl>
-                                      </p:cBhvr>
-                                    </p:animEffect>
-                                  </p:childTnLst>
-                                </p:cTn>
-                              </p:par>
-                              <p:par>
-                                <p:cTn id="41" presetID="9" presetClass="entr" presetSubtype="0" fill="hold" grpId="0" nodeType="withEffect">
-                                  <p:stCondLst>
-                                    <p:cond delay="0"/>
-                                  </p:stCondLst>
-                                  <p:childTnLst>
-                                    <p:set>
-                                      <p:cBhvr>
-                                        <p:cTn id="42" dur="1" fill="hold">
-                                          <p:stCondLst>
-                                            <p:cond delay="0"/>
-                                          </p:stCondLst>
-                                        </p:cTn>
-                                        <p:tgtEl>
-                                          <p:spTgt spid="26"/>
-                                        </p:tgtEl>
-                                        <p:attrNameLst>
-                                          <p:attrName>style.visibility</p:attrName>
-                                        </p:attrNameLst>
-                                      </p:cBhvr>
-                                      <p:to>
-                                        <p:strVal val="visible"/>
-                                      </p:to>
-                                    </p:set>
-                                    <p:animEffect transition="in" filter="dissolve">
-                                      <p:cBhvr>
-                                        <p:cTn id="43" dur="500"/>
-                                        <p:tgtEl>
-                                          <p:spTgt spid="26"/>
-                                        </p:tgtEl>
-                                      </p:cBhvr>
-                                    </p:animEffect>
-                                  </p:childTnLst>
-                                </p:cTn>
-                              </p:par>
-                              <p:par>
-                                <p:cTn id="44" presetID="9" presetClass="entr" presetSubtype="0" fill="hold" grpId="1" nodeType="withEffect">
-                                  <p:stCondLst>
-                                    <p:cond delay="0"/>
-                                  </p:stCondLst>
-                                  <p:childTnLst>
-                                    <p:set>
-                                      <p:cBhvr>
-                                        <p:cTn id="45" dur="1" fill="hold">
-                                          <p:stCondLst>
-                                            <p:cond delay="0"/>
-                                          </p:stCondLst>
-                                        </p:cTn>
-                                        <p:tgtEl>
-                                          <p:spTgt spid="38"/>
-                                        </p:tgtEl>
-                                        <p:attrNameLst>
-                                          <p:attrName>style.visibility</p:attrName>
-                                        </p:attrNameLst>
-                                      </p:cBhvr>
-                                      <p:to>
-                                        <p:strVal val="visible"/>
-                                      </p:to>
-                                    </p:set>
-                                    <p:animEffect transition="in" filter="dissolve">
-                                      <p:cBhvr>
-                                        <p:cTn id="46" dur="500"/>
-                                        <p:tgtEl>
-                                          <p:spTgt spid="38"/>
-                                        </p:tgtEl>
-                                      </p:cBhvr>
-                                    </p:animEffect>
-                                  </p:childTnLst>
-                                </p:cTn>
-                              </p:par>
-                              <p:par>
-                                <p:cTn id="47" presetID="9" presetClass="entr" presetSubtype="0" fill="hold" grpId="1" nodeType="withEffect">
-                                  <p:stCondLst>
-                                    <p:cond delay="0"/>
-                                  </p:stCondLst>
-                                  <p:childTnLst>
-                                    <p:set>
-                                      <p:cBhvr>
-                                        <p:cTn id="48" dur="1" fill="hold">
-                                          <p:stCondLst>
-                                            <p:cond delay="0"/>
-                                          </p:stCondLst>
-                                        </p:cTn>
-                                        <p:tgtEl>
-                                          <p:spTgt spid="37"/>
-                                        </p:tgtEl>
-                                        <p:attrNameLst>
-                                          <p:attrName>style.visibility</p:attrName>
-                                        </p:attrNameLst>
-                                      </p:cBhvr>
-                                      <p:to>
-                                        <p:strVal val="visible"/>
-                                      </p:to>
-                                    </p:set>
-                                    <p:animEffect transition="in" filter="dissolve">
-                                      <p:cBhvr>
-                                        <p:cTn id="49" dur="500"/>
-                                        <p:tgtEl>
-                                          <p:spTgt spid="37"/>
-                                        </p:tgtEl>
-                                      </p:cBhvr>
-                                    </p:animEffect>
-                                  </p:childTnLst>
-                                </p:cTn>
-                              </p:par>
-                            </p:childTnLst>
-                          </p:cTn>
-                        </p:par>
-                      </p:childTnLst>
-                    </p:cTn>
-                  </p:par>
-                  <p:par>
-                    <p:cTn id="50" fill="hold">
-                      <p:stCondLst>
-                        <p:cond delay="indefinite"/>
-                      </p:stCondLst>
-                      <p:childTnLst>
-                        <p:par>
-                          <p:cTn id="51" fill="hold">
-                            <p:stCondLst>
-                              <p:cond delay="0"/>
-                            </p:stCondLst>
-                            <p:childTnLst>
-                              <p:par>
-                                <p:cTn id="52" presetID="9" presetClass="entr" presetSubtype="0" fill="hold" grpId="0" nodeType="clickEffect">
-                                  <p:stCondLst>
-                                    <p:cond delay="0"/>
-                                  </p:stCondLst>
-                                  <p:childTnLst>
-                                    <p:set>
-                                      <p:cBhvr>
-                                        <p:cTn id="53" dur="1" fill="hold">
-                                          <p:stCondLst>
-                                            <p:cond delay="0"/>
-                                          </p:stCondLst>
-                                        </p:cTn>
-                                        <p:tgtEl>
-                                          <p:spTgt spid="24"/>
-                                        </p:tgtEl>
-                                        <p:attrNameLst>
-                                          <p:attrName>style.visibility</p:attrName>
-                                        </p:attrNameLst>
-                                      </p:cBhvr>
-                                      <p:to>
-                                        <p:strVal val="visible"/>
-                                      </p:to>
-                                    </p:set>
-                                    <p:animEffect transition="in" filter="dissolve">
-                                      <p:cBhvr>
-                                        <p:cTn id="54" dur="500"/>
-                                        <p:tgtEl>
-                                          <p:spTgt spid="24"/>
-                                        </p:tgtEl>
-                                      </p:cBhvr>
-                                    </p:animEffect>
-                                  </p:childTnLst>
-                                </p:cTn>
-                              </p:par>
-                              <p:par>
-                                <p:cTn id="55" presetID="9" presetClass="entr" presetSubtype="0" fill="hold" nodeType="withEffect">
-                                  <p:stCondLst>
-                                    <p:cond delay="0"/>
-                                  </p:stCondLst>
-                                  <p:childTnLst>
-                                    <p:set>
-                                      <p:cBhvr>
-                                        <p:cTn id="56" dur="1" fill="hold">
-                                          <p:stCondLst>
-                                            <p:cond delay="0"/>
-                                          </p:stCondLst>
-                                        </p:cTn>
-                                        <p:tgtEl>
-                                          <p:spTgt spid="3"/>
-                                        </p:tgtEl>
-                                        <p:attrNameLst>
-                                          <p:attrName>style.visibility</p:attrName>
-                                        </p:attrNameLst>
-                                      </p:cBhvr>
-                                      <p:to>
-                                        <p:strVal val="visible"/>
-                                      </p:to>
-                                    </p:set>
-                                    <p:animEffect transition="in" filter="dissolve">
-                                      <p:cBhvr>
-                                        <p:cTn id="57" dur="500"/>
-                                        <p:tgtEl>
-                                          <p:spTgt spid="3"/>
-                                        </p:tgtEl>
-                                      </p:cBhvr>
-                                    </p:animEffect>
-                                  </p:childTnLst>
-                                </p:cTn>
-                              </p:par>
-                            </p:childTnLst>
-                          </p:cTn>
-                        </p:par>
-                      </p:childTnLst>
-                    </p:cTn>
-                  </p:par>
-                  <p:par>
-                    <p:cTn id="58" fill="hold">
-                      <p:stCondLst>
-                        <p:cond delay="indefinite"/>
-                      </p:stCondLst>
-                      <p:childTnLst>
-                        <p:par>
-                          <p:cTn id="59" fill="hold">
-                            <p:stCondLst>
-                              <p:cond delay="0"/>
-                            </p:stCondLst>
-                            <p:childTnLst>
-                              <p:par>
-                                <p:cTn id="60" presetID="9" presetClass="entr" presetSubtype="0" fill="hold" grpId="0" nodeType="clickEffect">
-                                  <p:stCondLst>
-                                    <p:cond delay="0"/>
-                                  </p:stCondLst>
-                                  <p:childTnLst>
-                                    <p:set>
-                                      <p:cBhvr>
-                                        <p:cTn id="61" dur="1" fill="hold">
-                                          <p:stCondLst>
-                                            <p:cond delay="0"/>
-                                          </p:stCondLst>
-                                        </p:cTn>
-                                        <p:tgtEl>
-                                          <p:spTgt spid="20"/>
-                                        </p:tgtEl>
-                                        <p:attrNameLst>
-                                          <p:attrName>style.visibility</p:attrName>
-                                        </p:attrNameLst>
-                                      </p:cBhvr>
-                                      <p:to>
-                                        <p:strVal val="visible"/>
-                                      </p:to>
-                                    </p:set>
-                                    <p:animEffect transition="in" filter="dissolve">
-                                      <p:cBhvr>
-                                        <p:cTn id="62" dur="500"/>
-                                        <p:tgtEl>
-                                          <p:spTgt spid="20"/>
-                                        </p:tgtEl>
-                                      </p:cBhvr>
-                                    </p:animEffect>
-                                  </p:childTnLst>
-                                </p:cTn>
-                              </p:par>
-                              <p:par>
-                                <p:cTn id="63" presetID="9" presetClass="entr" presetSubtype="0" fill="hold" grpId="0" nodeType="withEffect">
-                                  <p:stCondLst>
-                                    <p:cond delay="0"/>
-                                  </p:stCondLst>
-                                  <p:childTnLst>
-                                    <p:set>
-                                      <p:cBhvr>
-                                        <p:cTn id="64" dur="1" fill="hold">
-                                          <p:stCondLst>
-                                            <p:cond delay="0"/>
-                                          </p:stCondLst>
-                                        </p:cTn>
-                                        <p:tgtEl>
-                                          <p:spTgt spid="36"/>
-                                        </p:tgtEl>
-                                        <p:attrNameLst>
-                                          <p:attrName>style.visibility</p:attrName>
-                                        </p:attrNameLst>
-                                      </p:cBhvr>
-                                      <p:to>
-                                        <p:strVal val="visible"/>
-                                      </p:to>
-                                    </p:set>
-                                    <p:animEffect transition="in" filter="dissolve">
-                                      <p:cBhvr>
-                                        <p:cTn id="65" dur="500"/>
-                                        <p:tgtEl>
-                                          <p:spTgt spid="36"/>
-                                        </p:tgtEl>
-                                      </p:cBhvr>
-                                    </p:animEffect>
-                                  </p:childTnLst>
-                                </p:cTn>
-                              </p:par>
-                            </p:childTnLst>
-                          </p:cTn>
-                        </p:par>
-                      </p:childTnLst>
-                    </p:cTn>
-                  </p:par>
-                  <p:par>
-                    <p:cTn id="66" fill="hold">
-                      <p:stCondLst>
-                        <p:cond delay="indefinite"/>
-                      </p:stCondLst>
-                      <p:childTnLst>
-                        <p:par>
-                          <p:cTn id="67" fill="hold">
-                            <p:stCondLst>
-                              <p:cond delay="0"/>
-                            </p:stCondLst>
-                            <p:childTnLst>
-                              <p:par>
-                                <p:cTn id="68" presetID="9" presetClass="exit" presetSubtype="0" fill="hold" nodeType="clickEffect">
-                                  <p:stCondLst>
-                                    <p:cond delay="0"/>
-                                  </p:stCondLst>
-                                  <p:childTnLst>
-                                    <p:animEffect transition="out" filter="dissolve">
-                                      <p:cBhvr>
-                                        <p:cTn id="69" dur="500"/>
-                                        <p:tgtEl>
-                                          <p:spTgt spid="3"/>
-                                        </p:tgtEl>
-                                      </p:cBhvr>
-                                    </p:animEffect>
-                                    <p:set>
-                                      <p:cBhvr>
-                                        <p:cTn id="70" dur="1" fill="hold">
-                                          <p:stCondLst>
-                                            <p:cond delay="499"/>
-                                          </p:stCondLst>
-                                        </p:cTn>
-                                        <p:tgtEl>
-                                          <p:spTgt spid="3"/>
-                                        </p:tgtEl>
-                                        <p:attrNameLst>
-                                          <p:attrName>style.visibility</p:attrName>
-                                        </p:attrNameLst>
-                                      </p:cBhvr>
-                                      <p:to>
-                                        <p:strVal val="hidden"/>
-                                      </p:to>
-                                    </p:set>
-                                  </p:childTnLst>
-                                </p:cTn>
-                              </p:par>
-                              <p:par>
-                                <p:cTn id="71" presetID="9" presetClass="entr" presetSubtype="0" fill="hold" nodeType="withEffect">
-                                  <p:stCondLst>
-                                    <p:cond delay="0"/>
-                                  </p:stCondLst>
-                                  <p:childTnLst>
-                                    <p:set>
-                                      <p:cBhvr>
-                                        <p:cTn id="72" dur="1" fill="hold">
-                                          <p:stCondLst>
-                                            <p:cond delay="0"/>
-                                          </p:stCondLst>
-                                        </p:cTn>
-                                        <p:tgtEl>
-                                          <p:spTgt spid="35"/>
-                                        </p:tgtEl>
-                                        <p:attrNameLst>
-                                          <p:attrName>style.visibility</p:attrName>
-                                        </p:attrNameLst>
-                                      </p:cBhvr>
-                                      <p:to>
-                                        <p:strVal val="visible"/>
-                                      </p:to>
-                                    </p:set>
-                                    <p:animEffect transition="in" filter="dissolve">
-                                      <p:cBhvr>
-                                        <p:cTn id="73" dur="500"/>
-                                        <p:tgtEl>
-                                          <p:spTgt spid="35"/>
-                                        </p:tgtEl>
-                                      </p:cBhvr>
-                                    </p:animEffect>
-                                  </p:childTnLst>
-                                </p:cTn>
-                              </p:par>
-                            </p:childTnLst>
-                          </p:cTn>
-                        </p:par>
-                      </p:childTnLst>
-                    </p:cTn>
-                  </p:par>
-                </p:childTnLst>
-              </p:cTn>
-              <p:prevCondLst>
-                <p:cond evt="onPrev" delay="0">
-                  <p:tgtEl>
-                    <p:sldTgt/>
-                  </p:tgtEl>
-                </p:cond>
-              </p:prevCondLst>
-              <p:nextCondLst>
-                <p:cond evt="onNext" delay="0">
-                  <p:tgtEl>
-                    <p:sldTgt/>
-                  </p:tgtEl>
-                </p:cond>
-              </p:nextCondLst>
-            </p:seq>
-          </p:childTnLst>
-        </p:cTn>
-      </p:par>
-    </p:tnLst>
-    <p:bldLst>
-      <p:bldP spid="5" grpId="0" animBg="1"/>
-      <p:bldP spid="7" grpId="0" animBg="1"/>
-      <p:bldP spid="8" grpId="0" animBg="1"/>
-      <p:bldP spid="9" grpId="0" animBg="1"/>
-      <p:bldP spid="10" grpId="0" animBg="1"/>
-      <p:bldP spid="11" grpId="0" animBg="1"/>
-      <p:bldP spid="20" grpId="0" animBg="1"/>
-      <p:bldP spid="25" grpId="0" animBg="1"/>
-      <p:bldP spid="26" grpId="0" animBg="1"/>
-      <p:bldP spid="27" grpId="0" animBg="1"/>
-      <p:bldP spid="29" grpId="0" animBg="1"/>
-      <p:bldP spid="24" grpId="0"/>
-      <p:bldP spid="30" grpId="0"/>
-      <p:bldP spid="31" grpId="0"/>
-      <p:bldP spid="32" grpId="0"/>
-      <p:bldP spid="36" grpId="0"/>
-      <p:bldP spid="37" grpId="1" animBg="1"/>
-      <p:bldP spid="38" grpId="1" animBg="1"/>
-    </p:bldLst>
   </p:timing>
 </p:sld>
 </file>

--- a/fall15/slidesF15/gray-edges.pptx
+++ b/fall15/slidesF15/gray-edges.pptx
@@ -30,16 +30,16 @@
     <p:sldId id="616" r:id="rId18"/>
     <p:sldId id="618" r:id="rId19"/>
     <p:sldId id="619" r:id="rId20"/>
-    <p:sldId id="579" r:id="rId21"/>
-    <p:sldId id="622" r:id="rId22"/>
-    <p:sldId id="592" r:id="rId23"/>
-    <p:sldId id="593" r:id="rId24"/>
-    <p:sldId id="594" r:id="rId25"/>
-    <p:sldId id="620" r:id="rId26"/>
-    <p:sldId id="595" r:id="rId27"/>
-    <p:sldId id="596" r:id="rId28"/>
-    <p:sldId id="597" r:id="rId29"/>
-    <p:sldId id="598" r:id="rId30"/>
+    <p:sldId id="592" r:id="rId21"/>
+    <p:sldId id="593" r:id="rId22"/>
+    <p:sldId id="594" r:id="rId23"/>
+    <p:sldId id="620" r:id="rId24"/>
+    <p:sldId id="595" r:id="rId25"/>
+    <p:sldId id="596" r:id="rId26"/>
+    <p:sldId id="597" r:id="rId27"/>
+    <p:sldId id="598" r:id="rId28"/>
+    <p:sldId id="621" r:id="rId29"/>
+    <p:sldId id="622" r:id="rId30"/>
   </p:sldIdLst>
   <p:sldSz cx="9144000" cy="6858000" type="letter"/>
   <p:notesSz cx="9601200" cy="7315200"/>
@@ -979,7 +979,7 @@
             <a:fld id="{2290380C-F846-4D61-BB06-6FCFBA28E193}" type="slidenum">
               <a:rPr lang="en-US" smtClean="0"/>
               <a:pPr/>
-              <a:t>24</a:t>
+              <a:t>22</a:t>
             </a:fld>
             <a:endParaRPr lang="en-US"/>
           </a:p>
@@ -1064,7 +1064,7 @@
             <a:fld id="{2290380C-F846-4D61-BB06-6FCFBA28E193}" type="slidenum">
               <a:rPr lang="en-US" smtClean="0"/>
               <a:pPr/>
-              <a:t>27</a:t>
+              <a:t>25</a:t>
             </a:fld>
             <a:endParaRPr lang="en-US"/>
           </a:p>
@@ -1149,7 +1149,7 @@
             <a:fld id="{2290380C-F846-4D61-BB06-6FCFBA28E193}" type="slidenum">
               <a:rPr lang="en-US" smtClean="0"/>
               <a:pPr/>
-              <a:t>28</a:t>
+              <a:t>26</a:t>
             </a:fld>
             <a:endParaRPr lang="en-US"/>
           </a:p>
@@ -3732,25 +3732,25 @@
           <p:nvPr>
             <p:extLst>
               <p:ext uri="{D42A27DB-BD31-4B8C-83A1-F6EECF244321}">
-                <p14:modId xmlns:p14="http://schemas.microsoft.com/office/powerpoint/2010/main" val="1079804529"/>
+                <p14:modId xmlns:p14="http://schemas.microsoft.com/office/powerpoint/2010/main" val="2613430238"/>
               </p:ext>
             </p:extLst>
           </p:nvPr>
         </p:nvGraphicFramePr>
         <p:xfrm>
-          <a:off x="1611312" y="2198688"/>
-          <a:ext cx="6618288" cy="1630362"/>
+          <a:off x="1643401" y="2590800"/>
+          <a:ext cx="7043399" cy="949510"/>
         </p:xfrm>
         <a:graphic>
           <a:graphicData uri="http://schemas.openxmlformats.org/presentationml/2006/ole">
             <mc:AlternateContent xmlns:mc="http://schemas.openxmlformats.org/markup-compatibility/2006">
               <mc:Choice xmlns:v="urn:schemas-microsoft-com:vml" Requires="v">
-                <p:oleObj spid="_x0000_s2069" name="Equation" r:id="rId3" imgW="876300" imgH="215900" progId="Equation.DSMT4">
+                <p:oleObj spid="_x0000_s2074" name="Equation" r:id="rId3" imgW="1130300" imgH="152400" progId="Equation.DSMT4">
                   <p:embed/>
                 </p:oleObj>
               </mc:Choice>
               <mc:Fallback>
-                <p:oleObj name="Equation" r:id="rId3" imgW="876300" imgH="215900" progId="Equation.DSMT4">
+                <p:oleObj name="Equation" r:id="rId3" imgW="1130300" imgH="152400" progId="Equation.DSMT4">
                   <p:embed/>
                   <p:pic>
                     <p:nvPicPr>
@@ -3766,8 +3766,8 @@
                     </p:blipFill>
                     <p:spPr>
                       <a:xfrm>
-                        <a:off x="1611312" y="2198688"/>
-                        <a:ext cx="6618288" cy="1630362"/>
+                        <a:off x="1643401" y="2590800"/>
+                        <a:ext cx="7043399" cy="949510"/>
                       </a:xfrm>
                       <a:prstGeom prst="rect">
                         <a:avLst/>
@@ -3802,7 +3802,7 @@
           <a:graphicData uri="http://schemas.openxmlformats.org/presentationml/2006/ole">
             <mc:AlternateContent xmlns:mc="http://schemas.openxmlformats.org/markup-compatibility/2006">
               <mc:Choice xmlns:v="urn:schemas-microsoft-com:vml" Requires="v">
-                <p:oleObj spid="_x0000_s2070" name="Equation" r:id="rId5" imgW="889000" imgH="190500" progId="Equation.DSMT4">
+                <p:oleObj spid="_x0000_s2075" name="Equation" r:id="rId5" imgW="889000" imgH="190500" progId="Equation.DSMT4">
                   <p:embed/>
                 </p:oleObj>
               </mc:Choice>
@@ -6226,11 +6226,7 @@
             </a:r>
             <a:r>
               <a:rPr lang="en-US" sz="5400" dirty="0" smtClean="0"/>
-              <a:t> </a:t>
-            </a:r>
-            <a:r>
-              <a:rPr lang="en-US" sz="5400" dirty="0" smtClean="0"/>
-              <a:t>connects</a:t>
+              <a:t> connects</a:t>
             </a:r>
           </a:p>
           <a:p>
@@ -13131,7 +13127,7 @@
           <a:graphicData uri="http://schemas.openxmlformats.org/presentationml/2006/ole">
             <mc:AlternateContent xmlns:mc="http://schemas.openxmlformats.org/markup-compatibility/2006">
               <mc:Choice xmlns:v="urn:schemas-microsoft-com:vml" Requires="v">
-                <p:oleObj spid="_x0000_s9223" name="Equation" r:id="rId3" imgW="546100" imgH="228600" progId="Equation.DSMT4">
+                <p:oleObj spid="_x0000_s9226" name="Equation" r:id="rId3" imgW="546100" imgH="228600" progId="Equation.DSMT4">
                   <p:embed/>
                 </p:oleObj>
               </mc:Choice>
@@ -15469,7 +15465,7 @@
           <a:graphicData uri="http://schemas.openxmlformats.org/presentationml/2006/ole">
             <mc:AlternateContent xmlns:mc="http://schemas.openxmlformats.org/markup-compatibility/2006">
               <mc:Choice xmlns:v="urn:schemas-microsoft-com:vml" Requires="v">
-                <p:oleObj spid="_x0000_s10246" name="Equation" r:id="rId3" imgW="647700" imgH="228600" progId="Equation.DSMT4">
+                <p:oleObj spid="_x0000_s10249" name="Equation" r:id="rId3" imgW="647700" imgH="228600" progId="Equation.DSMT4">
                   <p:embed/>
                 </p:oleObj>
               </mc:Choice>
@@ -15666,7 +15662,7 @@
           <a:graphicData uri="http://schemas.openxmlformats.org/presentationml/2006/ole">
             <mc:AlternateContent xmlns:mc="http://schemas.openxmlformats.org/markup-compatibility/2006">
               <mc:Choice xmlns:v="urn:schemas-microsoft-com:vml" Requires="v">
-                <p:oleObj spid="_x0000_s11271" name="Equation" r:id="rId3" imgW="1016000" imgH="228600" progId="Equation.DSMT4">
+                <p:oleObj spid="_x0000_s11274" name="Equation" r:id="rId3" imgW="1016000" imgH="228600" progId="Equation.DSMT4">
                   <p:embed/>
                 </p:oleObj>
               </mc:Choice>
@@ -16058,7 +16054,7 @@
           <a:graphicData uri="http://schemas.openxmlformats.org/presentationml/2006/ole">
             <mc:AlternateContent xmlns:mc="http://schemas.openxmlformats.org/markup-compatibility/2006">
               <mc:Choice xmlns:v="urn:schemas-microsoft-com:vml" Requires="v">
-                <p:oleObj spid="_x0000_s1027" name="Equation" r:id="rId3" imgW="1016000" imgH="228600" progId="Equation.DSMT4">
+                <p:oleObj spid="_x0000_s1030" name="Equation" r:id="rId3" imgW="1016000" imgH="228600" progId="Equation.DSMT4">
                   <p:embed/>
                 </p:oleObj>
               </mc:Choice>
@@ -16275,11 +16271,11 @@
   <p:clrMapOvr>
     <a:masterClrMapping/>
   </p:clrMapOvr>
-  <mc:AlternateContent xmlns:mc="http://schemas.openxmlformats.org/markup-compatibility/2006">
-    <mc:Choice xmlns:p14="http://schemas.microsoft.com/office/powerpoint/2010/main" Requires="p14">
+  <mc:AlternateContent xmlns:mc="http://schemas.openxmlformats.org/markup-compatibility/2006" xmlns:p14="http://schemas.microsoft.com/office/powerpoint/2010/main">
+    <mc:Choice Requires="p14">
       <p:transition p14:dur="0" advClick="0"/>
     </mc:Choice>
-    <mc:Fallback>
+    <mc:Fallback xmlns="">
       <p:transition xmlns:p14="http://schemas.microsoft.com/office/powerpoint/2010/main" advClick="0"/>
     </mc:Fallback>
   </mc:AlternateContent>
@@ -16632,7 +16628,7 @@
           <a:graphicData uri="http://schemas.openxmlformats.org/presentationml/2006/ole">
             <mc:AlternateContent xmlns:mc="http://schemas.openxmlformats.org/markup-compatibility/2006">
               <mc:Choice xmlns:v="urn:schemas-microsoft-com:vml" Requires="v">
-                <p:oleObj spid="_x0000_s14339" name="Equation" r:id="rId3" imgW="1016000" imgH="228600" progId="Equation.DSMT4">
+                <p:oleObj spid="_x0000_s14342" name="Equation" r:id="rId3" imgW="1016000" imgH="228600" progId="Equation.DSMT4">
                   <p:embed/>
                 </p:oleObj>
               </mc:Choice>
@@ -16675,8 +16671,8 @@
         </p:nvSpPr>
         <p:spPr>
           <a:xfrm>
-            <a:off x="1037162" y="2604310"/>
-            <a:ext cx="6963838" cy="2308324"/>
+            <a:off x="1037162" y="2209800"/>
+            <a:ext cx="6963838" cy="3046988"/>
           </a:xfrm>
           <a:prstGeom prst="rect">
             <a:avLst/>
@@ -16692,10 +16688,31 @@
             <a:r>
               <a:rPr lang="en-US" sz="4800" dirty="0" smtClean="0">
                 <a:solidFill>
+                  <a:schemeClr val="tx1">
+                    <a:lumMod val="85000"/>
+                    <a:lumOff val="15000"/>
+                  </a:schemeClr>
+                </a:solidFill>
+              </a:rPr>
+              <a:t>also</a:t>
+            </a:r>
+          </a:p>
+          <a:p>
+            <a:r>
+              <a:rPr lang="en-US" sz="4800" dirty="0" smtClean="0">
+                <a:solidFill>
                   <a:srgbClr val="0000F1"/>
                 </a:solidFill>
               </a:rPr>
-              <a:t>weight (</a:t>
+              <a:t>weight </a:t>
+            </a:r>
+            <a:r>
+              <a:rPr lang="en-US" sz="4800" dirty="0" smtClean="0">
+                <a:solidFill>
+                  <a:srgbClr val="0000F1"/>
+                </a:solidFill>
+              </a:rPr>
+              <a:t>(</a:t>
             </a:r>
             <a:r>
               <a:rPr lang="en-US" sz="4800" dirty="0" smtClean="0">
@@ -16873,11 +16890,11 @@
   <p:clrMapOvr>
     <a:masterClrMapping/>
   </p:clrMapOvr>
-  <mc:AlternateContent xmlns:mc="http://schemas.openxmlformats.org/markup-compatibility/2006">
-    <mc:Choice xmlns:p14="http://schemas.microsoft.com/office/powerpoint/2010/main" Requires="p14">
+  <mc:AlternateContent xmlns:mc="http://schemas.openxmlformats.org/markup-compatibility/2006" xmlns:p14="http://schemas.microsoft.com/office/powerpoint/2010/main">
+    <mc:Choice Requires="p14">
       <p:transition p14:dur="0" advClick="0"/>
     </mc:Choice>
-    <mc:Fallback>
+    <mc:Fallback xmlns="">
       <p:transition xmlns:p14="http://schemas.microsoft.com/office/powerpoint/2010/main" advClick="0"/>
     </mc:Fallback>
   </mc:AlternateContent>
@@ -16947,33 +16964,15 @@
                                   </p:childTnLst>
                                 </p:cTn>
                               </p:par>
-                            </p:childTnLst>
-                          </p:cTn>
-                        </p:par>
-                      </p:childTnLst>
-                    </p:cTn>
-                  </p:par>
-                  <p:par>
-                    <p:cTn id="8" fill="hold">
-                      <p:stCondLst>
-                        <p:cond delay="indefinite"/>
-                      </p:stCondLst>
-                      <p:childTnLst>
-                        <p:par>
-                          <p:cTn id="9" fill="hold">
-                            <p:stCondLst>
-                              <p:cond delay="0"/>
-                            </p:stCondLst>
-                            <p:childTnLst>
                               <p:par>
-                                <p:cTn id="10" presetID="10" presetClass="entr" presetSubtype="0" fill="hold" nodeType="clickEffect">
+                                <p:cTn id="8" presetID="10" presetClass="entr" presetSubtype="0" fill="hold" nodeType="withEffect">
                                   <p:stCondLst>
                                     <p:cond delay="0"/>
                                   </p:stCondLst>
                                   <p:childTnLst>
                                     <p:set>
                                       <p:cBhvr>
-                                        <p:cTn id="11" dur="1" fill="hold">
+                                        <p:cTn id="9" dur="1" fill="hold">
                                           <p:stCondLst>
                                             <p:cond delay="0"/>
                                           </p:stCondLst>
@@ -16995,7 +16994,7 @@
                                     </p:set>
                                     <p:animEffect transition="in" filter="fade">
                                       <p:cBhvr>
-                                        <p:cTn id="12" dur="500"/>
+                                        <p:cTn id="10" dur="500"/>
                                         <p:tgtEl>
                                           <p:spTgt spid="3">
                                             <p:txEl>
@@ -17011,21 +17010,30 @@
                             </p:childTnLst>
                           </p:cTn>
                         </p:par>
+                      </p:childTnLst>
+                    </p:cTn>
+                  </p:par>
+                  <p:par>
+                    <p:cTn id="11" fill="hold">
+                      <p:stCondLst>
+                        <p:cond delay="indefinite"/>
+                      </p:stCondLst>
+                      <p:childTnLst>
                         <p:par>
-                          <p:cTn id="13" fill="hold">
+                          <p:cTn id="12" fill="hold">
                             <p:stCondLst>
-                              <p:cond delay="500"/>
+                              <p:cond delay="0"/>
                             </p:stCondLst>
                             <p:childTnLst>
                               <p:par>
-                                <p:cTn id="14" presetID="22" presetClass="entr" presetSubtype="8" fill="hold" nodeType="afterEffect">
+                                <p:cTn id="13" presetID="10" presetClass="entr" presetSubtype="0" fill="hold" nodeType="clickEffect">
                                   <p:stCondLst>
                                     <p:cond delay="0"/>
                                   </p:stCondLst>
                                   <p:childTnLst>
                                     <p:set>
                                       <p:cBhvr>
-                                        <p:cTn id="15" dur="1" fill="hold">
+                                        <p:cTn id="14" dur="1" fill="hold">
                                           <p:stCondLst>
                                             <p:cond delay="0"/>
                                           </p:stCondLst>
@@ -17045,9 +17053,9 @@
                                         <p:strVal val="visible"/>
                                       </p:to>
                                     </p:set>
-                                    <p:animEffect transition="in" filter="wipe(left)">
+                                    <p:animEffect transition="in" filter="fade">
                                       <p:cBhvr>
-                                        <p:cTn id="16" dur="1000"/>
+                                        <p:cTn id="15" dur="500"/>
                                         <p:tgtEl>
                                           <p:spTgt spid="3">
                                             <p:txEl>
@@ -17063,30 +17071,82 @@
                             </p:childTnLst>
                           </p:cTn>
                         </p:par>
-                      </p:childTnLst>
-                    </p:cTn>
-                  </p:par>
-                  <p:par>
-                    <p:cTn id="17" fill="hold">
-                      <p:stCondLst>
-                        <p:cond delay="indefinite"/>
-                      </p:stCondLst>
-                      <p:childTnLst>
                         <p:par>
-                          <p:cTn id="18" fill="hold">
+                          <p:cTn id="16" fill="hold">
                             <p:stCondLst>
-                              <p:cond delay="0"/>
+                              <p:cond delay="500"/>
                             </p:stCondLst>
                             <p:childTnLst>
                               <p:par>
-                                <p:cTn id="19" presetID="23" presetClass="entr" presetSubtype="16" fill="hold" nodeType="clickEffect">
+                                <p:cTn id="17" presetID="22" presetClass="entr" presetSubtype="8" fill="hold" nodeType="afterEffect">
                                   <p:stCondLst>
                                     <p:cond delay="0"/>
                                   </p:stCondLst>
                                   <p:childTnLst>
                                     <p:set>
                                       <p:cBhvr>
-                                        <p:cTn id="20" dur="1" fill="hold">
+                                        <p:cTn id="18" dur="1" fill="hold">
+                                          <p:stCondLst>
+                                            <p:cond delay="0"/>
+                                          </p:stCondLst>
+                                        </p:cTn>
+                                        <p:tgtEl>
+                                          <p:spTgt spid="3">
+                                            <p:txEl>
+                                              <p:pRg st="3" end="3"/>
+                                            </p:txEl>
+                                          </p:spTgt>
+                                        </p:tgtEl>
+                                        <p:attrNameLst>
+                                          <p:attrName>style.visibility</p:attrName>
+                                        </p:attrNameLst>
+                                      </p:cBhvr>
+                                      <p:to>
+                                        <p:strVal val="visible"/>
+                                      </p:to>
+                                    </p:set>
+                                    <p:animEffect transition="in" filter="wipe(left)">
+                                      <p:cBhvr>
+                                        <p:cTn id="19" dur="1000"/>
+                                        <p:tgtEl>
+                                          <p:spTgt spid="3">
+                                            <p:txEl>
+                                              <p:pRg st="3" end="3"/>
+                                            </p:txEl>
+                                          </p:spTgt>
+                                        </p:tgtEl>
+                                      </p:cBhvr>
+                                    </p:animEffect>
+                                  </p:childTnLst>
+                                </p:cTn>
+                              </p:par>
+                            </p:childTnLst>
+                          </p:cTn>
+                        </p:par>
+                      </p:childTnLst>
+                    </p:cTn>
+                  </p:par>
+                  <p:par>
+                    <p:cTn id="20" fill="hold">
+                      <p:stCondLst>
+                        <p:cond delay="indefinite"/>
+                      </p:stCondLst>
+                      <p:childTnLst>
+                        <p:par>
+                          <p:cTn id="21" fill="hold">
+                            <p:stCondLst>
+                              <p:cond delay="0"/>
+                            </p:stCondLst>
+                            <p:childTnLst>
+                              <p:par>
+                                <p:cTn id="22" presetID="23" presetClass="entr" presetSubtype="16" fill="hold" nodeType="clickEffect">
+                                  <p:stCondLst>
+                                    <p:cond delay="0"/>
+                                  </p:stCondLst>
+                                  <p:childTnLst>
+                                    <p:set>
+                                      <p:cBhvr>
+                                        <p:cTn id="23" dur="1" fill="hold">
                                           <p:stCondLst>
                                             <p:cond delay="0"/>
                                           </p:stCondLst>
@@ -17108,7 +17168,7 @@
                                     </p:set>
                                     <p:anim calcmode="lin" valueType="num">
                                       <p:cBhvr>
-                                        <p:cTn id="21" dur="500" fill="hold"/>
+                                        <p:cTn id="24" dur="500" fill="hold"/>
                                         <p:tgtEl>
                                           <p:spTgt spid="5">
                                             <p:txEl>
@@ -17135,7 +17195,7 @@
                                     </p:anim>
                                     <p:anim calcmode="lin" valueType="num">
                                       <p:cBhvr>
-                                        <p:cTn id="22" dur="500" fill="hold"/>
+                                        <p:cTn id="25" dur="500" fill="hold"/>
                                         <p:tgtEl>
                                           <p:spTgt spid="5">
                                             <p:txEl>
@@ -17377,15 +17437,7 @@
                   <a:srgbClr val="0000FF"/>
                 </a:solidFill>
               </a:rPr>
-              <a:t> V(G</a:t>
-            </a:r>
-            <a:r>
-              <a:rPr lang="en-US" sz="5400" dirty="0" smtClean="0">
-                <a:solidFill>
-                  <a:srgbClr val="0000FF"/>
-                </a:solidFill>
-              </a:rPr>
-              <a:t>)</a:t>
+              <a:t> V(G)</a:t>
             </a:r>
           </a:p>
           <a:p>
@@ -17687,1240 +17739,6 @@
 </file>
 
 <file path=ppt/slides/slide20.xml><?xml version="1.0" encoding="utf-8"?>
-<p:sld xmlns:a="http://schemas.openxmlformats.org/drawingml/2006/main" xmlns:r="http://schemas.openxmlformats.org/officeDocument/2006/relationships" xmlns:p="http://schemas.openxmlformats.org/presentationml/2006/main">
-  <p:cSld>
-    <p:spTree>
-      <p:nvGrpSpPr>
-        <p:cNvPr id="1" name=""/>
-        <p:cNvGrpSpPr/>
-        <p:nvPr/>
-      </p:nvGrpSpPr>
-      <p:grpSpPr>
-        <a:xfrm>
-          <a:off x="0" y="0"/>
-          <a:ext cx="0" cy="0"/>
-          <a:chOff x="0" y="0"/>
-          <a:chExt cx="0" cy="0"/>
-        </a:xfrm>
-      </p:grpSpPr>
-      <p:sp>
-        <p:nvSpPr>
-          <p:cNvPr id="2" name="Title 1"/>
-          <p:cNvSpPr>
-            <a:spLocks noGrp="1"/>
-          </p:cNvSpPr>
-          <p:nvPr>
-            <p:ph type="title"/>
-          </p:nvPr>
-        </p:nvSpPr>
-        <p:spPr/>
-        <p:txBody>
-          <a:bodyPr/>
-          <a:lstStyle/>
-          <a:p>
-            <a:r>
-              <a:rPr lang="en-US" dirty="0" smtClean="0"/>
-              <a:t>Corollary</a:t>
-            </a:r>
-            <a:endParaRPr lang="en-US" dirty="0"/>
-          </a:p>
-        </p:txBody>
-      </p:sp>
-      <p:sp>
-        <p:nvSpPr>
-          <p:cNvPr id="3" name="Content Placeholder 2"/>
-          <p:cNvSpPr>
-            <a:spLocks noGrp="1"/>
-          </p:cNvSpPr>
-          <p:nvPr>
-            <p:ph idx="1"/>
-          </p:nvPr>
-        </p:nvSpPr>
-        <p:spPr>
-          <a:xfrm>
-            <a:off x="381000" y="1143000"/>
-            <a:ext cx="8763000" cy="2057400"/>
-          </a:xfrm>
-        </p:spPr>
-        <p:txBody>
-          <a:bodyPr/>
-          <a:lstStyle/>
-          <a:p>
-            <a:pPr>
-              <a:lnSpc>
-                <a:spcPct val="80000"/>
-              </a:lnSpc>
-            </a:pPr>
-            <a:r>
-              <a:rPr lang="en-US" sz="4400" dirty="0" smtClean="0"/>
-              <a:t>     MST </a:t>
-            </a:r>
-            <a:r>
-              <a:rPr lang="en-US" sz="4400" dirty="0">
-                <a:solidFill>
-                  <a:schemeClr val="accent1">
-                    <a:lumMod val="50000"/>
-                  </a:schemeClr>
-                </a:solidFill>
-              </a:rPr>
-              <a:t>C</a:t>
-            </a:r>
-            <a:r>
-              <a:rPr lang="en-US" sz="4400" dirty="0"/>
-              <a:t> is </a:t>
-            </a:r>
-            <a:r>
-              <a:rPr lang="en-US" sz="4400" dirty="0" smtClean="0"/>
-              <a:t>unique i</a:t>
-            </a:r>
-            <a:r>
-              <a:rPr lang="en-US" sz="4400" dirty="0" smtClean="0"/>
-              <a:t>f all weights </a:t>
-            </a:r>
-          </a:p>
-          <a:p>
-            <a:pPr>
-              <a:lnSpc>
-                <a:spcPct val="80000"/>
-              </a:lnSpc>
-            </a:pPr>
-            <a:r>
-              <a:rPr lang="en-US" sz="4400" dirty="0" smtClean="0"/>
-              <a:t>differ:</a:t>
-            </a:r>
-          </a:p>
-        </p:txBody>
-      </p:sp>
-      <p:sp>
-        <p:nvSpPr>
-          <p:cNvPr id="4" name="Slide Number Placeholder 3"/>
-          <p:cNvSpPr>
-            <a:spLocks noGrp="1"/>
-          </p:cNvSpPr>
-          <p:nvPr>
-            <p:ph type="sldNum" sz="quarter" idx="4"/>
-          </p:nvPr>
-        </p:nvSpPr>
-        <p:spPr/>
-        <p:txBody>
-          <a:bodyPr/>
-          <a:lstStyle/>
-          <a:p>
-            <a:pPr>
-              <a:defRPr/>
-            </a:pPr>
-            <a:r>
-              <a:rPr lang="en-US" smtClean="0"/>
-              <a:t>connected.</a:t>
-            </a:r>
-            <a:fld id="{D7F2FC53-1536-41A9-A9C1-2199CF803E30}" type="slidenum">
-              <a:rPr lang="en-US" smtClean="0"/>
-              <a:pPr>
-                <a:defRPr/>
-              </a:pPr>
-              <a:t>20</a:t>
-            </a:fld>
-            <a:endParaRPr lang="en-US" dirty="0"/>
-          </a:p>
-        </p:txBody>
-      </p:sp>
-      <p:sp>
-        <p:nvSpPr>
-          <p:cNvPr id="6" name="TextBox 5"/>
-          <p:cNvSpPr txBox="1"/>
-          <p:nvPr/>
-        </p:nvSpPr>
-        <p:spPr>
-          <a:xfrm>
-            <a:off x="381000" y="1676400"/>
-            <a:ext cx="8534400" cy="3477875"/>
-          </a:xfrm>
-          <a:prstGeom prst="rect">
-            <a:avLst/>
-          </a:prstGeom>
-          <a:noFill/>
-        </p:spPr>
-        <p:txBody>
-          <a:bodyPr wrap="square" rtlCol="0">
-            <a:spAutoFit/>
-          </a:bodyPr>
-          <a:lstStyle/>
-          <a:p>
-            <a:r>
-              <a:rPr lang="en-US" sz="4400" dirty="0" smtClean="0"/>
-              <a:t>            if </a:t>
-            </a:r>
-            <a:r>
-              <a:rPr lang="en-US" sz="4400" dirty="0" smtClean="0">
-                <a:solidFill>
-                  <a:schemeClr val="accent1">
-                    <a:lumMod val="50000"/>
-                  </a:schemeClr>
-                </a:solidFill>
-              </a:rPr>
-              <a:t>e </a:t>
-            </a:r>
-            <a:r>
-              <a:rPr lang="en-US" sz="4400" dirty="0" smtClean="0"/>
-              <a:t>not a </a:t>
-            </a:r>
-            <a:r>
-              <a:rPr lang="en-US" sz="4400" dirty="0" smtClean="0">
-                <a:solidFill>
-                  <a:srgbClr val="0000E5"/>
-                </a:solidFill>
-              </a:rPr>
-              <a:t>C</a:t>
-            </a:r>
-            <a:r>
-              <a:rPr lang="en-US" sz="4400" dirty="0" smtClean="0"/>
-              <a:t>-edge then</a:t>
-            </a:r>
-          </a:p>
-          <a:p>
-            <a:pPr algn="ctr"/>
-            <a:r>
-              <a:rPr lang="en-US" sz="4400" dirty="0" smtClean="0">
-                <a:solidFill>
-                  <a:srgbClr val="0000E5"/>
-                </a:solidFill>
-                <a:latin typeface="Comic Sans MS"/>
-                <a:cs typeface="Comic Sans MS"/>
-              </a:rPr>
-              <a:t>w</a:t>
-            </a:r>
-            <a:r>
-              <a:rPr lang="en-US" sz="4400" dirty="0">
-                <a:solidFill>
-                  <a:srgbClr val="0000E5"/>
-                </a:solidFill>
-                <a:latin typeface="Comic Sans MS"/>
-                <a:cs typeface="Comic Sans MS"/>
-              </a:rPr>
-              <a:t>(e) </a:t>
-            </a:r>
-            <a:r>
-              <a:rPr lang="en-US" sz="4400" b="1" dirty="0" smtClean="0">
-                <a:solidFill>
-                  <a:srgbClr val="0000E5"/>
-                </a:solidFill>
-                <a:latin typeface="Euclid Symbol" charset="2"/>
-                <a:cs typeface="Euclid Symbol" charset="2"/>
-              </a:rPr>
-              <a:t>&lt; </a:t>
-            </a:r>
-            <a:r>
-              <a:rPr lang="en-US" sz="4400" dirty="0">
-                <a:solidFill>
-                  <a:srgbClr val="0000E5"/>
-                </a:solidFill>
-                <a:latin typeface="Comic Sans MS"/>
-                <a:cs typeface="Comic Sans MS"/>
-              </a:rPr>
-              <a:t>w(g</a:t>
-            </a:r>
-            <a:r>
-              <a:rPr lang="en-US" sz="4400" dirty="0" smtClean="0">
-                <a:solidFill>
-                  <a:srgbClr val="0000E5"/>
-                </a:solidFill>
-                <a:latin typeface="Comic Sans MS"/>
-                <a:cs typeface="Comic Sans MS"/>
-              </a:rPr>
-              <a:t>)</a:t>
-            </a:r>
-            <a:endParaRPr lang="en-US" sz="4400" dirty="0">
-              <a:latin typeface="Comic Sans MS"/>
-              <a:cs typeface="Comic Sans MS"/>
-            </a:endParaRPr>
-          </a:p>
-          <a:p>
-            <a:pPr algn="ctr"/>
-            <a:r>
-              <a:rPr lang="en-US" sz="4400" dirty="0">
-                <a:latin typeface="Comic Sans MS"/>
-                <a:cs typeface="Comic Sans MS"/>
-              </a:rPr>
-              <a:t> </a:t>
-            </a:r>
-            <a:r>
-              <a:rPr lang="en-US" sz="4400" dirty="0">
-                <a:solidFill>
-                  <a:schemeClr val="accent1">
-                    <a:lumMod val="50000"/>
-                  </a:schemeClr>
-                </a:solidFill>
-                <a:latin typeface="Comic Sans MS"/>
-                <a:cs typeface="Comic Sans MS"/>
-              </a:rPr>
-              <a:t>w</a:t>
-            </a:r>
-            <a:r>
-              <a:rPr lang="en-US" sz="4400" dirty="0" smtClean="0">
-                <a:solidFill>
-                  <a:schemeClr val="accent1">
-                    <a:lumMod val="50000"/>
-                  </a:schemeClr>
-                </a:solidFill>
-                <a:latin typeface="Comic Sans MS"/>
-                <a:cs typeface="Comic Sans MS"/>
-              </a:rPr>
-              <a:t>(</a:t>
-            </a:r>
-            <a:r>
-              <a:rPr lang="en-US" sz="4400" dirty="0">
-                <a:solidFill>
-                  <a:srgbClr val="008000"/>
-                </a:solidFill>
-                <a:latin typeface="Comic Sans MS"/>
-                <a:cs typeface="Comic Sans MS"/>
-              </a:rPr>
-              <a:t>D</a:t>
-            </a:r>
-            <a:r>
-              <a:rPr lang="en-US" sz="4400" dirty="0" smtClean="0">
-                <a:solidFill>
-                  <a:schemeClr val="accent1">
-                    <a:lumMod val="50000"/>
-                  </a:schemeClr>
-                </a:solidFill>
-                <a:latin typeface="Comic Sans MS"/>
-                <a:cs typeface="Comic Sans MS"/>
-              </a:rPr>
-              <a:t>) </a:t>
-            </a:r>
-            <a:r>
-              <a:rPr lang="en-US" sz="4400" b="1" dirty="0" smtClean="0">
-                <a:solidFill>
-                  <a:srgbClr val="0000E5"/>
-                </a:solidFill>
-                <a:latin typeface="Euclid Symbol" charset="2"/>
-                <a:cs typeface="Euclid Symbol" charset="2"/>
-              </a:rPr>
-              <a:t>&lt; </a:t>
-            </a:r>
-            <a:r>
-              <a:rPr lang="en-US" sz="4400" dirty="0">
-                <a:solidFill>
-                  <a:srgbClr val="0000E5"/>
-                </a:solidFill>
-                <a:latin typeface="Comic Sans MS"/>
-                <a:cs typeface="Comic Sans MS"/>
-              </a:rPr>
-              <a:t>w</a:t>
-            </a:r>
-            <a:r>
-              <a:rPr lang="en-US" sz="4400" dirty="0" smtClean="0">
-                <a:solidFill>
-                  <a:srgbClr val="0000E5"/>
-                </a:solidFill>
-                <a:latin typeface="Comic Sans MS"/>
-                <a:cs typeface="Comic Sans MS"/>
-              </a:rPr>
-              <a:t>(C)</a:t>
-            </a:r>
-            <a:endParaRPr lang="en-US" sz="4400" dirty="0" smtClean="0">
-              <a:solidFill>
-                <a:srgbClr val="0000E5"/>
-              </a:solidFill>
-              <a:latin typeface="Comic Sans MS"/>
-              <a:cs typeface="Comic Sans MS"/>
-            </a:endParaRPr>
-          </a:p>
-          <a:p>
-            <a:r>
-              <a:rPr lang="en-US" sz="4400" dirty="0" smtClean="0">
-                <a:latin typeface="Comic Sans MS"/>
-                <a:cs typeface="Comic Sans MS"/>
-              </a:rPr>
-              <a:t>contradicting min weight for</a:t>
-            </a:r>
-            <a:r>
-              <a:rPr lang="en-US" sz="4400" dirty="0" smtClean="0">
-                <a:solidFill>
-                  <a:srgbClr val="0000E5"/>
-                </a:solidFill>
-                <a:latin typeface="Comic Sans MS"/>
-                <a:cs typeface="Comic Sans MS"/>
-              </a:rPr>
-              <a:t> </a:t>
-            </a:r>
-            <a:r>
-              <a:rPr lang="en-US" sz="4400" dirty="0" smtClean="0">
-                <a:solidFill>
-                  <a:srgbClr val="0000E5"/>
-                </a:solidFill>
-                <a:latin typeface="Comic Sans MS"/>
-                <a:cs typeface="Comic Sans MS"/>
-              </a:rPr>
-              <a:t>C</a:t>
-            </a:r>
-            <a:r>
-              <a:rPr lang="en-US" sz="4400" dirty="0" smtClean="0">
-                <a:latin typeface="Comic Sans MS"/>
-                <a:cs typeface="Comic Sans MS"/>
-              </a:rPr>
-              <a:t>.</a:t>
-            </a:r>
-          </a:p>
-          <a:p>
-            <a:r>
-              <a:rPr lang="en-US" sz="4400" dirty="0" smtClean="0">
-                <a:latin typeface="Comic Sans MS"/>
-                <a:cs typeface="Comic Sans MS"/>
-              </a:rPr>
-              <a:t>So only </a:t>
-            </a:r>
-            <a:r>
-              <a:rPr lang="en-US" sz="4400" dirty="0" smtClean="0">
-                <a:solidFill>
-                  <a:srgbClr val="930093"/>
-                </a:solidFill>
-                <a:latin typeface="Comic Sans MS"/>
-                <a:cs typeface="Comic Sans MS"/>
-              </a:rPr>
-              <a:t>Case 1</a:t>
-            </a:r>
-            <a:r>
-              <a:rPr lang="en-US" sz="4400" dirty="0" smtClean="0">
-                <a:latin typeface="Comic Sans MS"/>
-                <a:cs typeface="Comic Sans MS"/>
-              </a:rPr>
-              <a:t> is possible:</a:t>
-            </a:r>
-          </a:p>
-        </p:txBody>
-      </p:sp>
-    </p:spTree>
-    <p:extLst>
-      <p:ext uri="{BB962C8B-B14F-4D97-AF65-F5344CB8AC3E}">
-        <p14:creationId xmlns:p14="http://schemas.microsoft.com/office/powerpoint/2010/main" val="3475477639"/>
-      </p:ext>
-    </p:extLst>
-  </p:cSld>
-  <p:clrMapOvr>
-    <a:masterClrMapping/>
-  </p:clrMapOvr>
-  <p:transition xmlns:p14="http://schemas.microsoft.com/office/powerpoint/2010/main" spd="slow" advClick="0">
-    <p:fade thruBlk="1"/>
-  </p:transition>
-  <p:timing>
-    <p:tnLst>
-      <p:par>
-        <p:cTn xmlns:p14="http://schemas.microsoft.com/office/powerpoint/2010/main" id="1" dur="indefinite" restart="never" nodeType="tmRoot">
-          <p:childTnLst>
-            <p:seq concurrent="1" nextAc="seek">
-              <p:cTn id="2" dur="indefinite" nodeType="mainSeq">
-                <p:childTnLst>
-                  <p:par>
-                    <p:cTn id="3" fill="hold">
-                      <p:stCondLst>
-                        <p:cond delay="indefinite"/>
-                      </p:stCondLst>
-                      <p:childTnLst>
-                        <p:par>
-                          <p:cTn id="4" fill="hold">
-                            <p:stCondLst>
-                              <p:cond delay="0"/>
-                            </p:stCondLst>
-                            <p:childTnLst>
-                              <p:par>
-                                <p:cTn id="5" presetID="10" presetClass="entr" presetSubtype="0" fill="hold" grpId="0" nodeType="clickEffect">
-                                  <p:stCondLst>
-                                    <p:cond delay="0"/>
-                                  </p:stCondLst>
-                                  <p:childTnLst>
-                                    <p:set>
-                                      <p:cBhvr>
-                                        <p:cTn id="6" dur="1" fill="hold">
-                                          <p:stCondLst>
-                                            <p:cond delay="0"/>
-                                          </p:stCondLst>
-                                        </p:cTn>
-                                        <p:tgtEl>
-                                          <p:spTgt spid="6">
-                                            <p:txEl>
-                                              <p:pRg st="0" end="0"/>
-                                            </p:txEl>
-                                          </p:spTgt>
-                                        </p:tgtEl>
-                                        <p:attrNameLst>
-                                          <p:attrName>style.visibility</p:attrName>
-                                        </p:attrNameLst>
-                                      </p:cBhvr>
-                                      <p:to>
-                                        <p:strVal val="visible"/>
-                                      </p:to>
-                                    </p:set>
-                                    <p:animEffect transition="in" filter="fade">
-                                      <p:cBhvr>
-                                        <p:cTn id="7" dur="500"/>
-                                        <p:tgtEl>
-                                          <p:spTgt spid="6">
-                                            <p:txEl>
-                                              <p:pRg st="0" end="0"/>
-                                            </p:txEl>
-                                          </p:spTgt>
-                                        </p:tgtEl>
-                                      </p:cBhvr>
-                                    </p:animEffect>
-                                  </p:childTnLst>
-                                </p:cTn>
-                              </p:par>
-                            </p:childTnLst>
-                          </p:cTn>
-                        </p:par>
-                      </p:childTnLst>
-                    </p:cTn>
-                  </p:par>
-                  <p:par>
-                    <p:cTn id="8" fill="hold">
-                      <p:stCondLst>
-                        <p:cond delay="indefinite"/>
-                      </p:stCondLst>
-                      <p:childTnLst>
-                        <p:par>
-                          <p:cTn id="9" fill="hold">
-                            <p:stCondLst>
-                              <p:cond delay="0"/>
-                            </p:stCondLst>
-                            <p:childTnLst>
-                              <p:par>
-                                <p:cTn id="10" presetID="22" presetClass="entr" presetSubtype="8" fill="hold" grpId="0" nodeType="clickEffect">
-                                  <p:stCondLst>
-                                    <p:cond delay="0"/>
-                                  </p:stCondLst>
-                                  <p:childTnLst>
-                                    <p:set>
-                                      <p:cBhvr>
-                                        <p:cTn id="11" dur="1" fill="hold">
-                                          <p:stCondLst>
-                                            <p:cond delay="0"/>
-                                          </p:stCondLst>
-                                        </p:cTn>
-                                        <p:tgtEl>
-                                          <p:spTgt spid="6">
-                                            <p:txEl>
-                                              <p:pRg st="1" end="1"/>
-                                            </p:txEl>
-                                          </p:spTgt>
-                                        </p:tgtEl>
-                                        <p:attrNameLst>
-                                          <p:attrName>style.visibility</p:attrName>
-                                        </p:attrNameLst>
-                                      </p:cBhvr>
-                                      <p:to>
-                                        <p:strVal val="visible"/>
-                                      </p:to>
-                                    </p:set>
-                                    <p:animEffect transition="in" filter="wipe(left)">
-                                      <p:cBhvr>
-                                        <p:cTn id="12" dur="1000"/>
-                                        <p:tgtEl>
-                                          <p:spTgt spid="6">
-                                            <p:txEl>
-                                              <p:pRg st="1" end="1"/>
-                                            </p:txEl>
-                                          </p:spTgt>
-                                        </p:tgtEl>
-                                      </p:cBhvr>
-                                    </p:animEffect>
-                                  </p:childTnLst>
-                                </p:cTn>
-                              </p:par>
-                            </p:childTnLst>
-                          </p:cTn>
-                        </p:par>
-                      </p:childTnLst>
-                    </p:cTn>
-                  </p:par>
-                  <p:par>
-                    <p:cTn id="13" fill="hold">
-                      <p:stCondLst>
-                        <p:cond delay="indefinite"/>
-                      </p:stCondLst>
-                      <p:childTnLst>
-                        <p:par>
-                          <p:cTn id="14" fill="hold">
-                            <p:stCondLst>
-                              <p:cond delay="0"/>
-                            </p:stCondLst>
-                            <p:childTnLst>
-                              <p:par>
-                                <p:cTn id="15" presetID="22" presetClass="entr" presetSubtype="8" fill="hold" grpId="0" nodeType="clickEffect">
-                                  <p:stCondLst>
-                                    <p:cond delay="0"/>
-                                  </p:stCondLst>
-                                  <p:childTnLst>
-                                    <p:set>
-                                      <p:cBhvr>
-                                        <p:cTn id="16" dur="1" fill="hold">
-                                          <p:stCondLst>
-                                            <p:cond delay="0"/>
-                                          </p:stCondLst>
-                                        </p:cTn>
-                                        <p:tgtEl>
-                                          <p:spTgt spid="6">
-                                            <p:txEl>
-                                              <p:pRg st="2" end="2"/>
-                                            </p:txEl>
-                                          </p:spTgt>
-                                        </p:tgtEl>
-                                        <p:attrNameLst>
-                                          <p:attrName>style.visibility</p:attrName>
-                                        </p:attrNameLst>
-                                      </p:cBhvr>
-                                      <p:to>
-                                        <p:strVal val="visible"/>
-                                      </p:to>
-                                    </p:set>
-                                    <p:animEffect transition="in" filter="wipe(left)">
-                                      <p:cBhvr>
-                                        <p:cTn id="17" dur="1000"/>
-                                        <p:tgtEl>
-                                          <p:spTgt spid="6">
-                                            <p:txEl>
-                                              <p:pRg st="2" end="2"/>
-                                            </p:txEl>
-                                          </p:spTgt>
-                                        </p:tgtEl>
-                                      </p:cBhvr>
-                                    </p:animEffect>
-                                  </p:childTnLst>
-                                </p:cTn>
-                              </p:par>
-                            </p:childTnLst>
-                          </p:cTn>
-                        </p:par>
-                      </p:childTnLst>
-                    </p:cTn>
-                  </p:par>
-                  <p:par>
-                    <p:cTn id="18" fill="hold">
-                      <p:stCondLst>
-                        <p:cond delay="indefinite"/>
-                      </p:stCondLst>
-                      <p:childTnLst>
-                        <p:par>
-                          <p:cTn id="19" fill="hold">
-                            <p:stCondLst>
-                              <p:cond delay="0"/>
-                            </p:stCondLst>
-                            <p:childTnLst>
-                              <p:par>
-                                <p:cTn id="20" presetID="10" presetClass="entr" presetSubtype="0" fill="hold" grpId="0" nodeType="clickEffect">
-                                  <p:stCondLst>
-                                    <p:cond delay="0"/>
-                                  </p:stCondLst>
-                                  <p:childTnLst>
-                                    <p:set>
-                                      <p:cBhvr>
-                                        <p:cTn id="21" dur="1" fill="hold">
-                                          <p:stCondLst>
-                                            <p:cond delay="0"/>
-                                          </p:stCondLst>
-                                        </p:cTn>
-                                        <p:tgtEl>
-                                          <p:spTgt spid="6">
-                                            <p:txEl>
-                                              <p:pRg st="3" end="3"/>
-                                            </p:txEl>
-                                          </p:spTgt>
-                                        </p:tgtEl>
-                                        <p:attrNameLst>
-                                          <p:attrName>style.visibility</p:attrName>
-                                        </p:attrNameLst>
-                                      </p:cBhvr>
-                                      <p:to>
-                                        <p:strVal val="visible"/>
-                                      </p:to>
-                                    </p:set>
-                                    <p:animEffect transition="in" filter="fade">
-                                      <p:cBhvr>
-                                        <p:cTn id="22" dur="500"/>
-                                        <p:tgtEl>
-                                          <p:spTgt spid="6">
-                                            <p:txEl>
-                                              <p:pRg st="3" end="3"/>
-                                            </p:txEl>
-                                          </p:spTgt>
-                                        </p:tgtEl>
-                                      </p:cBhvr>
-                                    </p:animEffect>
-                                  </p:childTnLst>
-                                </p:cTn>
-                              </p:par>
-                            </p:childTnLst>
-                          </p:cTn>
-                        </p:par>
-                      </p:childTnLst>
-                    </p:cTn>
-                  </p:par>
-                  <p:par>
-                    <p:cTn id="23" fill="hold">
-                      <p:stCondLst>
-                        <p:cond delay="indefinite"/>
-                      </p:stCondLst>
-                      <p:childTnLst>
-                        <p:par>
-                          <p:cTn id="24" fill="hold">
-                            <p:stCondLst>
-                              <p:cond delay="0"/>
-                            </p:stCondLst>
-                            <p:childTnLst>
-                              <p:par>
-                                <p:cTn id="25" presetID="10" presetClass="entr" presetSubtype="0" fill="hold" grpId="0" nodeType="clickEffect">
-                                  <p:stCondLst>
-                                    <p:cond delay="0"/>
-                                  </p:stCondLst>
-                                  <p:childTnLst>
-                                    <p:set>
-                                      <p:cBhvr>
-                                        <p:cTn id="26" dur="1" fill="hold">
-                                          <p:stCondLst>
-                                            <p:cond delay="0"/>
-                                          </p:stCondLst>
-                                        </p:cTn>
-                                        <p:tgtEl>
-                                          <p:spTgt spid="6">
-                                            <p:txEl>
-                                              <p:pRg st="4" end="4"/>
-                                            </p:txEl>
-                                          </p:spTgt>
-                                        </p:tgtEl>
-                                        <p:attrNameLst>
-                                          <p:attrName>style.visibility</p:attrName>
-                                        </p:attrNameLst>
-                                      </p:cBhvr>
-                                      <p:to>
-                                        <p:strVal val="visible"/>
-                                      </p:to>
-                                    </p:set>
-                                    <p:animEffect transition="in" filter="fade">
-                                      <p:cBhvr>
-                                        <p:cTn id="27" dur="500"/>
-                                        <p:tgtEl>
-                                          <p:spTgt spid="6">
-                                            <p:txEl>
-                                              <p:pRg st="4" end="4"/>
-                                            </p:txEl>
-                                          </p:spTgt>
-                                        </p:tgtEl>
-                                      </p:cBhvr>
-                                    </p:animEffect>
-                                  </p:childTnLst>
-                                </p:cTn>
-                              </p:par>
-                            </p:childTnLst>
-                          </p:cTn>
-                        </p:par>
-                      </p:childTnLst>
-                    </p:cTn>
-                  </p:par>
-                </p:childTnLst>
-              </p:cTn>
-              <p:prevCondLst>
-                <p:cond evt="onPrev" delay="0">
-                  <p:tgtEl>
-                    <p:sldTgt/>
-                  </p:tgtEl>
-                </p:cond>
-              </p:prevCondLst>
-              <p:nextCondLst>
-                <p:cond evt="onNext" delay="0">
-                  <p:tgtEl>
-                    <p:sldTgt/>
-                  </p:tgtEl>
-                </p:cond>
-              </p:nextCondLst>
-            </p:seq>
-          </p:childTnLst>
-        </p:cTn>
-      </p:par>
-    </p:tnLst>
-    <p:bldLst>
-      <p:bldP spid="6" grpId="0" build="p"/>
-    </p:bldLst>
-  </p:timing>
-</p:sld>
-</file>
-
-<file path=ppt/slides/slide21.xml><?xml version="1.0" encoding="utf-8"?>
-<p:sld xmlns:a="http://schemas.openxmlformats.org/drawingml/2006/main" xmlns:r="http://schemas.openxmlformats.org/officeDocument/2006/relationships" xmlns:p="http://schemas.openxmlformats.org/presentationml/2006/main">
-  <p:cSld>
-    <p:spTree>
-      <p:nvGrpSpPr>
-        <p:cNvPr id="1" name=""/>
-        <p:cNvGrpSpPr/>
-        <p:nvPr/>
-      </p:nvGrpSpPr>
-      <p:grpSpPr>
-        <a:xfrm>
-          <a:off x="0" y="0"/>
-          <a:ext cx="0" cy="0"/>
-          <a:chOff x="0" y="0"/>
-          <a:chExt cx="0" cy="0"/>
-        </a:xfrm>
-      </p:grpSpPr>
-      <p:sp>
-        <p:nvSpPr>
-          <p:cNvPr id="2" name="Title 1"/>
-          <p:cNvSpPr>
-            <a:spLocks noGrp="1"/>
-          </p:cNvSpPr>
-          <p:nvPr>
-            <p:ph type="title"/>
-          </p:nvPr>
-        </p:nvSpPr>
-        <p:spPr/>
-        <p:txBody>
-          <a:bodyPr/>
-          <a:lstStyle/>
-          <a:p>
-            <a:r>
-              <a:rPr lang="en-US" dirty="0" smtClean="0"/>
-              <a:t>Corollary</a:t>
-            </a:r>
-            <a:endParaRPr lang="en-US" dirty="0"/>
-          </a:p>
-        </p:txBody>
-      </p:sp>
-      <p:sp>
-        <p:nvSpPr>
-          <p:cNvPr id="3" name="Content Placeholder 2"/>
-          <p:cNvSpPr>
-            <a:spLocks noGrp="1"/>
-          </p:cNvSpPr>
-          <p:nvPr>
-            <p:ph idx="1"/>
-          </p:nvPr>
-        </p:nvSpPr>
-        <p:spPr>
-          <a:xfrm>
-            <a:off x="381000" y="1143000"/>
-            <a:ext cx="8763000" cy="2057400"/>
-          </a:xfrm>
-        </p:spPr>
-        <p:txBody>
-          <a:bodyPr/>
-          <a:lstStyle/>
-          <a:p>
-            <a:pPr>
-              <a:lnSpc>
-                <a:spcPct val="80000"/>
-              </a:lnSpc>
-            </a:pPr>
-            <a:r>
-              <a:rPr lang="en-US" sz="4400" dirty="0" smtClean="0"/>
-              <a:t>     MST </a:t>
-            </a:r>
-            <a:r>
-              <a:rPr lang="en-US" sz="4400" dirty="0">
-                <a:solidFill>
-                  <a:schemeClr val="accent1">
-                    <a:lumMod val="50000"/>
-                  </a:schemeClr>
-                </a:solidFill>
-              </a:rPr>
-              <a:t>C</a:t>
-            </a:r>
-            <a:r>
-              <a:rPr lang="en-US" sz="4400" dirty="0"/>
-              <a:t> is </a:t>
-            </a:r>
-            <a:r>
-              <a:rPr lang="en-US" sz="4400" dirty="0" smtClean="0"/>
-              <a:t>unique i</a:t>
-            </a:r>
-            <a:r>
-              <a:rPr lang="en-US" sz="4400" dirty="0" smtClean="0"/>
-              <a:t>f all weights </a:t>
-            </a:r>
-          </a:p>
-          <a:p>
-            <a:pPr>
-              <a:lnSpc>
-                <a:spcPct val="80000"/>
-              </a:lnSpc>
-            </a:pPr>
-            <a:r>
-              <a:rPr lang="en-US" sz="4400" dirty="0" smtClean="0"/>
-              <a:t>differ:</a:t>
-            </a:r>
-          </a:p>
-        </p:txBody>
-      </p:sp>
-      <p:sp>
-        <p:nvSpPr>
-          <p:cNvPr id="4" name="Slide Number Placeholder 3"/>
-          <p:cNvSpPr>
-            <a:spLocks noGrp="1"/>
-          </p:cNvSpPr>
-          <p:nvPr>
-            <p:ph type="sldNum" sz="quarter" idx="4"/>
-          </p:nvPr>
-        </p:nvSpPr>
-        <p:spPr/>
-        <p:txBody>
-          <a:bodyPr/>
-          <a:lstStyle/>
-          <a:p>
-            <a:pPr>
-              <a:defRPr/>
-            </a:pPr>
-            <a:r>
-              <a:rPr lang="en-US" smtClean="0"/>
-              <a:t>connected.</a:t>
-            </a:r>
-            <a:fld id="{D7F2FC53-1536-41A9-A9C1-2199CF803E30}" type="slidenum">
-              <a:rPr lang="en-US" smtClean="0"/>
-              <a:pPr>
-                <a:defRPr/>
-              </a:pPr>
-              <a:t>21</a:t>
-            </a:fld>
-            <a:endParaRPr lang="en-US" dirty="0"/>
-          </a:p>
-        </p:txBody>
-      </p:sp>
-      <p:sp>
-        <p:nvSpPr>
-          <p:cNvPr id="6" name="TextBox 5"/>
-          <p:cNvSpPr txBox="1"/>
-          <p:nvPr/>
-        </p:nvSpPr>
-        <p:spPr>
-          <a:xfrm>
-            <a:off x="381000" y="1676400"/>
-            <a:ext cx="8534400" cy="2800767"/>
-          </a:xfrm>
-          <a:prstGeom prst="rect">
-            <a:avLst/>
-          </a:prstGeom>
-          <a:noFill/>
-        </p:spPr>
-        <p:txBody>
-          <a:bodyPr wrap="square" rtlCol="0">
-            <a:spAutoFit/>
-          </a:bodyPr>
-          <a:lstStyle/>
-          <a:p>
-            <a:r>
-              <a:rPr lang="en-US" sz="4400" dirty="0" smtClean="0"/>
-              <a:t>            if </a:t>
-            </a:r>
-            <a:r>
-              <a:rPr lang="en-US" sz="4400" dirty="0" smtClean="0">
-                <a:solidFill>
-                  <a:schemeClr val="accent1">
-                    <a:lumMod val="50000"/>
-                  </a:schemeClr>
-                </a:solidFill>
-              </a:rPr>
-              <a:t>e </a:t>
-            </a:r>
-            <a:r>
-              <a:rPr lang="en-US" sz="4400" dirty="0" smtClean="0"/>
-              <a:t>not a </a:t>
-            </a:r>
-            <a:r>
-              <a:rPr lang="en-US" sz="4400" dirty="0" smtClean="0">
-                <a:solidFill>
-                  <a:srgbClr val="0000E5"/>
-                </a:solidFill>
-              </a:rPr>
-              <a:t>C</a:t>
-            </a:r>
-            <a:r>
-              <a:rPr lang="en-US" sz="4400" dirty="0" smtClean="0"/>
-              <a:t>-edge then</a:t>
-            </a:r>
-          </a:p>
-          <a:p>
-            <a:pPr algn="ctr"/>
-            <a:r>
-              <a:rPr lang="en-US" sz="4400" dirty="0" smtClean="0">
-                <a:solidFill>
-                  <a:srgbClr val="0000E5"/>
-                </a:solidFill>
-                <a:latin typeface="Comic Sans MS"/>
-                <a:cs typeface="Comic Sans MS"/>
-              </a:rPr>
-              <a:t>w</a:t>
-            </a:r>
-            <a:r>
-              <a:rPr lang="en-US" sz="4400" dirty="0">
-                <a:solidFill>
-                  <a:srgbClr val="0000E5"/>
-                </a:solidFill>
-                <a:latin typeface="Comic Sans MS"/>
-                <a:cs typeface="Comic Sans MS"/>
-              </a:rPr>
-              <a:t>(e) </a:t>
-            </a:r>
-            <a:r>
-              <a:rPr lang="en-US" sz="4400" b="1" dirty="0" smtClean="0">
-                <a:solidFill>
-                  <a:srgbClr val="0000E5"/>
-                </a:solidFill>
-                <a:latin typeface="Euclid Symbol" charset="2"/>
-                <a:cs typeface="Euclid Symbol" charset="2"/>
-              </a:rPr>
-              <a:t>&lt; </a:t>
-            </a:r>
-            <a:r>
-              <a:rPr lang="en-US" sz="4400" dirty="0">
-                <a:solidFill>
-                  <a:srgbClr val="0000E5"/>
-                </a:solidFill>
-                <a:latin typeface="Comic Sans MS"/>
-                <a:cs typeface="Comic Sans MS"/>
-              </a:rPr>
-              <a:t>w(g</a:t>
-            </a:r>
-            <a:r>
-              <a:rPr lang="en-US" sz="4400" dirty="0" smtClean="0">
-                <a:solidFill>
-                  <a:srgbClr val="0000E5"/>
-                </a:solidFill>
-                <a:latin typeface="Comic Sans MS"/>
-                <a:cs typeface="Comic Sans MS"/>
-              </a:rPr>
-              <a:t>)</a:t>
-            </a:r>
-            <a:endParaRPr lang="en-US" sz="4400" dirty="0">
-              <a:latin typeface="Comic Sans MS"/>
-              <a:cs typeface="Comic Sans MS"/>
-            </a:endParaRPr>
-          </a:p>
-          <a:p>
-            <a:pPr algn="ctr"/>
-            <a:r>
-              <a:rPr lang="en-US" sz="4400" dirty="0">
-                <a:latin typeface="Comic Sans MS"/>
-                <a:cs typeface="Comic Sans MS"/>
-              </a:rPr>
-              <a:t> </a:t>
-            </a:r>
-            <a:r>
-              <a:rPr lang="en-US" sz="4400" dirty="0">
-                <a:solidFill>
-                  <a:schemeClr val="accent1">
-                    <a:lumMod val="50000"/>
-                  </a:schemeClr>
-                </a:solidFill>
-                <a:latin typeface="Comic Sans MS"/>
-                <a:cs typeface="Comic Sans MS"/>
-              </a:rPr>
-              <a:t>w</a:t>
-            </a:r>
-            <a:r>
-              <a:rPr lang="en-US" sz="4400" dirty="0" smtClean="0">
-                <a:solidFill>
-                  <a:schemeClr val="accent1">
-                    <a:lumMod val="50000"/>
-                  </a:schemeClr>
-                </a:solidFill>
-                <a:latin typeface="Comic Sans MS"/>
-                <a:cs typeface="Comic Sans MS"/>
-              </a:rPr>
-              <a:t>(</a:t>
-            </a:r>
-            <a:r>
-              <a:rPr lang="en-US" sz="4400" dirty="0">
-                <a:solidFill>
-                  <a:srgbClr val="008000"/>
-                </a:solidFill>
-                <a:latin typeface="Comic Sans MS"/>
-                <a:cs typeface="Comic Sans MS"/>
-              </a:rPr>
-              <a:t>D</a:t>
-            </a:r>
-            <a:r>
-              <a:rPr lang="en-US" sz="4400" dirty="0" smtClean="0">
-                <a:solidFill>
-                  <a:schemeClr val="accent1">
-                    <a:lumMod val="50000"/>
-                  </a:schemeClr>
-                </a:solidFill>
-                <a:latin typeface="Comic Sans MS"/>
-                <a:cs typeface="Comic Sans MS"/>
-              </a:rPr>
-              <a:t>) </a:t>
-            </a:r>
-            <a:r>
-              <a:rPr lang="en-US" sz="4400" b="1" dirty="0" smtClean="0">
-                <a:solidFill>
-                  <a:srgbClr val="0000E5"/>
-                </a:solidFill>
-                <a:latin typeface="Euclid Symbol" charset="2"/>
-                <a:cs typeface="Euclid Symbol" charset="2"/>
-              </a:rPr>
-              <a:t>&lt; </a:t>
-            </a:r>
-            <a:r>
-              <a:rPr lang="en-US" sz="4400" dirty="0">
-                <a:solidFill>
-                  <a:srgbClr val="0000E5"/>
-                </a:solidFill>
-                <a:latin typeface="Comic Sans MS"/>
-                <a:cs typeface="Comic Sans MS"/>
-              </a:rPr>
-              <a:t>w</a:t>
-            </a:r>
-            <a:r>
-              <a:rPr lang="en-US" sz="4400" dirty="0" smtClean="0">
-                <a:solidFill>
-                  <a:srgbClr val="0000E5"/>
-                </a:solidFill>
-                <a:latin typeface="Comic Sans MS"/>
-                <a:cs typeface="Comic Sans MS"/>
-              </a:rPr>
-              <a:t>(C)</a:t>
-            </a:r>
-            <a:endParaRPr lang="en-US" sz="4400" dirty="0" smtClean="0">
-              <a:solidFill>
-                <a:srgbClr val="0000E5"/>
-              </a:solidFill>
-              <a:latin typeface="Comic Sans MS"/>
-              <a:cs typeface="Comic Sans MS"/>
-            </a:endParaRPr>
-          </a:p>
-          <a:p>
-            <a:r>
-              <a:rPr lang="en-US" sz="4400" dirty="0" smtClean="0">
-                <a:latin typeface="Comic Sans MS"/>
-                <a:cs typeface="Comic Sans MS"/>
-              </a:rPr>
-              <a:t>contradicting min weight for</a:t>
-            </a:r>
-            <a:r>
-              <a:rPr lang="en-US" sz="4400" dirty="0" smtClean="0">
-                <a:solidFill>
-                  <a:srgbClr val="0000E5"/>
-                </a:solidFill>
-                <a:latin typeface="Comic Sans MS"/>
-                <a:cs typeface="Comic Sans MS"/>
-              </a:rPr>
-              <a:t> </a:t>
-            </a:r>
-            <a:r>
-              <a:rPr lang="en-US" sz="4400" dirty="0" smtClean="0">
-                <a:solidFill>
-                  <a:srgbClr val="0000E5"/>
-                </a:solidFill>
-                <a:latin typeface="Comic Sans MS"/>
-                <a:cs typeface="Comic Sans MS"/>
-              </a:rPr>
-              <a:t>C</a:t>
-            </a:r>
-            <a:r>
-              <a:rPr lang="en-US" sz="4400" dirty="0" smtClean="0">
-                <a:latin typeface="Comic Sans MS"/>
-                <a:cs typeface="Comic Sans MS"/>
-              </a:rPr>
-              <a:t>.</a:t>
-            </a:r>
-          </a:p>
-        </p:txBody>
-      </p:sp>
-      <p:sp>
-        <p:nvSpPr>
-          <p:cNvPr id="5" name="Rectangle 4"/>
-          <p:cNvSpPr/>
-          <p:nvPr/>
-        </p:nvSpPr>
-        <p:spPr>
-          <a:xfrm>
-            <a:off x="762000" y="4419600"/>
-            <a:ext cx="7772400" cy="1754327"/>
-          </a:xfrm>
-          <a:prstGeom prst="rect">
-            <a:avLst/>
-          </a:prstGeom>
-        </p:spPr>
-        <p:txBody>
-          <a:bodyPr wrap="square">
-            <a:spAutoFit/>
-          </a:bodyPr>
-          <a:lstStyle/>
-          <a:p>
-            <a:r>
-              <a:rPr lang="en-US" sz="5400" dirty="0" smtClean="0">
-                <a:solidFill>
-                  <a:srgbClr val="930093"/>
-                </a:solidFill>
-                <a:latin typeface="Comic Sans MS"/>
-                <a:cs typeface="Comic Sans MS"/>
-              </a:rPr>
-              <a:t>MST </a:t>
-            </a:r>
-            <a:r>
-              <a:rPr lang="en-US" sz="5400" dirty="0">
-                <a:solidFill>
-                  <a:srgbClr val="930093"/>
-                </a:solidFill>
-                <a:latin typeface="Comic Sans MS"/>
-                <a:cs typeface="Comic Sans MS"/>
-              </a:rPr>
-              <a:t>consists of all the </a:t>
-            </a:r>
-            <a:r>
-              <a:rPr lang="en-US" sz="5400" dirty="0" smtClean="0">
-                <a:solidFill>
-                  <a:srgbClr val="930093"/>
-                </a:solidFill>
-                <a:latin typeface="Comic Sans MS"/>
-                <a:cs typeface="Comic Sans MS"/>
-              </a:rPr>
-              <a:t>min weight </a:t>
-            </a:r>
-            <a:r>
-              <a:rPr lang="en-US" sz="5400" dirty="0">
-                <a:solidFill>
-                  <a:srgbClr val="930093"/>
-                </a:solidFill>
-                <a:latin typeface="Comic Sans MS"/>
-                <a:cs typeface="Comic Sans MS"/>
-              </a:rPr>
-              <a:t>gray edges.</a:t>
-            </a:r>
-          </a:p>
-        </p:txBody>
-      </p:sp>
-    </p:spTree>
-    <p:extLst>
-      <p:ext uri="{BB962C8B-B14F-4D97-AF65-F5344CB8AC3E}">
-        <p14:creationId xmlns:p14="http://schemas.microsoft.com/office/powerpoint/2010/main" val="4242604747"/>
-      </p:ext>
-    </p:extLst>
-  </p:cSld>
-  <p:clrMapOvr>
-    <a:masterClrMapping/>
-  </p:clrMapOvr>
-  <mc:AlternateContent xmlns:mc="http://schemas.openxmlformats.org/markup-compatibility/2006">
-    <mc:Choice xmlns:p14="http://schemas.microsoft.com/office/powerpoint/2010/main" Requires="p14">
-      <p:transition spd="med" p14:dur="700" advClick="0">
-        <p:fade/>
-      </p:transition>
-    </mc:Choice>
-    <mc:Fallback>
-      <p:transition xmlns:p14="http://schemas.microsoft.com/office/powerpoint/2010/main" spd="med" advClick="0">
-        <p:fade/>
-      </p:transition>
-    </mc:Fallback>
-  </mc:AlternateContent>
-  <p:timing>
-    <p:tnLst>
-      <p:par>
-        <p:cTn xmlns:p14="http://schemas.microsoft.com/office/powerpoint/2010/main" id="1" dur="indefinite" restart="never" nodeType="tmRoot"/>
-      </p:par>
-    </p:tnLst>
-  </p:timing>
-</p:sld>
-</file>
-
-<file path=ppt/slides/slide22.xml><?xml version="1.0" encoding="utf-8"?>
 <p:sld xmlns:a="http://schemas.openxmlformats.org/drawingml/2006/main" xmlns:r="http://schemas.openxmlformats.org/officeDocument/2006/relationships" xmlns:p="http://schemas.openxmlformats.org/presentationml/2006/main" show="0">
   <p:cSld>
     <p:spTree>
@@ -19006,7 +17824,7 @@
               <a:pPr>
                 <a:defRPr/>
               </a:pPr>
-              <a:t>22</a:t>
+              <a:t>20</a:t>
             </a:fld>
             <a:endParaRPr lang="en-US" dirty="0"/>
           </a:p>
@@ -19300,7 +18118,7 @@
 </p:sld>
 </file>
 
-<file path=ppt/slides/slide23.xml><?xml version="1.0" encoding="utf-8"?>
+<file path=ppt/slides/slide21.xml><?xml version="1.0" encoding="utf-8"?>
 <p:sld xmlns:a="http://schemas.openxmlformats.org/drawingml/2006/main" xmlns:r="http://schemas.openxmlformats.org/officeDocument/2006/relationships" xmlns:p="http://schemas.openxmlformats.org/presentationml/2006/main" show="0">
   <p:cSld>
     <p:spTree>
@@ -20312,7 +19130,7 @@
               <a:pPr>
                 <a:defRPr/>
               </a:pPr>
-              <a:t>23</a:t>
+              <a:t>21</a:t>
             </a:fld>
             <a:endParaRPr lang="en-US" dirty="0"/>
           </a:p>
@@ -22287,7 +21105,7 @@
 </p:sld>
 </file>
 
-<file path=ppt/slides/slide24.xml><?xml version="1.0" encoding="utf-8"?>
+<file path=ppt/slides/slide22.xml><?xml version="1.0" encoding="utf-8"?>
 <p:sld xmlns:a="http://schemas.openxmlformats.org/drawingml/2006/main" xmlns:r="http://schemas.openxmlformats.org/officeDocument/2006/relationships" xmlns:p="http://schemas.openxmlformats.org/presentationml/2006/main" show="0">
   <p:cSld>
     <p:spTree>
@@ -23299,7 +22117,7 @@
               <a:pPr>
                 <a:defRPr/>
               </a:pPr>
-              <a:t>24</a:t>
+              <a:t>22</a:t>
             </a:fld>
             <a:endParaRPr lang="en-US" dirty="0"/>
           </a:p>
@@ -24993,7 +23811,7 @@
 </p:sld>
 </file>
 
-<file path=ppt/slides/slide25.xml><?xml version="1.0" encoding="utf-8"?>
+<file path=ppt/slides/slide23.xml><?xml version="1.0" encoding="utf-8"?>
 <p:sld xmlns:a="http://schemas.openxmlformats.org/drawingml/2006/main" xmlns:r="http://schemas.openxmlformats.org/officeDocument/2006/relationships" xmlns:p="http://schemas.openxmlformats.org/presentationml/2006/main" show="0">
   <p:cSld>
     <p:spTree>
@@ -25862,7 +24680,7 @@
               <a:pPr>
                 <a:defRPr/>
               </a:pPr>
-              <a:t>25</a:t>
+              <a:t>23</a:t>
             </a:fld>
             <a:endParaRPr lang="en-US" dirty="0"/>
           </a:p>
@@ -27578,7 +26396,7 @@
 </p:sld>
 </file>
 
-<file path=ppt/slides/slide26.xml><?xml version="1.0" encoding="utf-8"?>
+<file path=ppt/slides/slide24.xml><?xml version="1.0" encoding="utf-8"?>
 <p:sld xmlns:a="http://schemas.openxmlformats.org/drawingml/2006/main" xmlns:r="http://schemas.openxmlformats.org/officeDocument/2006/relationships" xmlns:p="http://schemas.openxmlformats.org/presentationml/2006/main" show="0">
   <p:cSld>
     <p:spTree>
@@ -27664,7 +26482,7 @@
               <a:pPr>
                 <a:defRPr/>
               </a:pPr>
-              <a:t>26</a:t>
+              <a:t>24</a:t>
             </a:fld>
             <a:endParaRPr lang="en-US" dirty="0"/>
           </a:p>
@@ -27990,7 +26808,7 @@
 </p:sld>
 </file>
 
-<file path=ppt/slides/slide27.xml><?xml version="1.0" encoding="utf-8"?>
+<file path=ppt/slides/slide25.xml><?xml version="1.0" encoding="utf-8"?>
 <p:sld xmlns:a="http://schemas.openxmlformats.org/drawingml/2006/main" xmlns:r="http://schemas.openxmlformats.org/officeDocument/2006/relationships" xmlns:p="http://schemas.openxmlformats.org/presentationml/2006/main" show="0">
   <p:cSld>
     <p:spTree>
@@ -28897,7 +27715,7 @@
               <a:pPr>
                 <a:defRPr/>
               </a:pPr>
-              <a:t>27</a:t>
+              <a:t>25</a:t>
             </a:fld>
             <a:endParaRPr lang="en-US" dirty="0"/>
           </a:p>
@@ -30732,7 +29550,7 @@
 </p:sld>
 </file>
 
-<file path=ppt/slides/slide28.xml><?xml version="1.0" encoding="utf-8"?>
+<file path=ppt/slides/slide26.xml><?xml version="1.0" encoding="utf-8"?>
 <p:sld xmlns:a="http://schemas.openxmlformats.org/drawingml/2006/main" xmlns:r="http://schemas.openxmlformats.org/officeDocument/2006/relationships" xmlns:p="http://schemas.openxmlformats.org/presentationml/2006/main" show="0">
   <p:cSld>
     <p:spTree>
@@ -31609,7 +30427,7 @@
               <a:pPr>
                 <a:defRPr/>
               </a:pPr>
-              <a:t>28</a:t>
+              <a:t>26</a:t>
             </a:fld>
             <a:endParaRPr lang="en-US" dirty="0"/>
           </a:p>
@@ -32234,7 +31052,7 @@
 </p:sld>
 </file>
 
-<file path=ppt/slides/slide29.xml><?xml version="1.0" encoding="utf-8"?>
+<file path=ppt/slides/slide27.xml><?xml version="1.0" encoding="utf-8"?>
 <p:sld xmlns:a="http://schemas.openxmlformats.org/drawingml/2006/main" xmlns:r="http://schemas.openxmlformats.org/officeDocument/2006/relationships" xmlns:p="http://schemas.openxmlformats.org/presentationml/2006/main" show="0">
   <p:cSld>
     <p:spTree>
@@ -32278,7 +31096,7 @@
               <a:pPr>
                 <a:defRPr/>
               </a:pPr>
-              <a:t>29</a:t>
+              <a:t>27</a:t>
             </a:fld>
             <a:endParaRPr lang="en-US" dirty="0"/>
           </a:p>
@@ -34294,6 +33112,1198 @@
 </p:sld>
 </file>
 
+<file path=ppt/slides/slide28.xml><?xml version="1.0" encoding="utf-8"?>
+<p:sld xmlns:a="http://schemas.openxmlformats.org/drawingml/2006/main" xmlns:r="http://schemas.openxmlformats.org/officeDocument/2006/relationships" xmlns:p="http://schemas.openxmlformats.org/presentationml/2006/main" show="0">
+  <p:cSld>
+    <p:spTree>
+      <p:nvGrpSpPr>
+        <p:cNvPr id="1" name=""/>
+        <p:cNvGrpSpPr/>
+        <p:nvPr/>
+      </p:nvGrpSpPr>
+      <p:grpSpPr>
+        <a:xfrm>
+          <a:off x="0" y="0"/>
+          <a:ext cx="0" cy="0"/>
+          <a:chOff x="0" y="0"/>
+          <a:chExt cx="0" cy="0"/>
+        </a:xfrm>
+      </p:grpSpPr>
+      <p:sp>
+        <p:nvSpPr>
+          <p:cNvPr id="2" name="Title 1"/>
+          <p:cNvSpPr>
+            <a:spLocks noGrp="1"/>
+          </p:cNvSpPr>
+          <p:nvPr>
+            <p:ph type="title"/>
+          </p:nvPr>
+        </p:nvSpPr>
+        <p:spPr/>
+        <p:txBody>
+          <a:bodyPr/>
+          <a:lstStyle/>
+          <a:p>
+            <a:r>
+              <a:rPr lang="en-US" dirty="0" smtClean="0"/>
+              <a:t>Corollary</a:t>
+            </a:r>
+            <a:endParaRPr lang="en-US" dirty="0"/>
+          </a:p>
+        </p:txBody>
+      </p:sp>
+      <p:sp>
+        <p:nvSpPr>
+          <p:cNvPr id="3" name="Content Placeholder 2"/>
+          <p:cNvSpPr>
+            <a:spLocks noGrp="1"/>
+          </p:cNvSpPr>
+          <p:nvPr>
+            <p:ph idx="1"/>
+          </p:nvPr>
+        </p:nvSpPr>
+        <p:spPr>
+          <a:xfrm>
+            <a:off x="381000" y="1143000"/>
+            <a:ext cx="8763000" cy="2057400"/>
+          </a:xfrm>
+        </p:spPr>
+        <p:txBody>
+          <a:bodyPr/>
+          <a:lstStyle/>
+          <a:p>
+            <a:pPr>
+              <a:lnSpc>
+                <a:spcPct val="80000"/>
+              </a:lnSpc>
+            </a:pPr>
+            <a:r>
+              <a:rPr lang="en-US" sz="4400" dirty="0" smtClean="0"/>
+              <a:t>     MST </a:t>
+            </a:r>
+            <a:r>
+              <a:rPr lang="en-US" sz="4400" dirty="0">
+                <a:solidFill>
+                  <a:schemeClr val="accent1">
+                    <a:lumMod val="50000"/>
+                  </a:schemeClr>
+                </a:solidFill>
+              </a:rPr>
+              <a:t>C</a:t>
+            </a:r>
+            <a:r>
+              <a:rPr lang="en-US" sz="4400" dirty="0"/>
+              <a:t> is </a:t>
+            </a:r>
+            <a:r>
+              <a:rPr lang="en-US" sz="4400" dirty="0" smtClean="0"/>
+              <a:t>unique if all weights </a:t>
+            </a:r>
+          </a:p>
+          <a:p>
+            <a:pPr>
+              <a:lnSpc>
+                <a:spcPct val="80000"/>
+              </a:lnSpc>
+            </a:pPr>
+            <a:r>
+              <a:rPr lang="en-US" sz="4400" dirty="0" smtClean="0"/>
+              <a:t>differ:</a:t>
+            </a:r>
+          </a:p>
+        </p:txBody>
+      </p:sp>
+      <p:sp>
+        <p:nvSpPr>
+          <p:cNvPr id="4" name="Slide Number Placeholder 3"/>
+          <p:cNvSpPr>
+            <a:spLocks noGrp="1"/>
+          </p:cNvSpPr>
+          <p:nvPr>
+            <p:ph type="sldNum" sz="quarter" idx="4"/>
+          </p:nvPr>
+        </p:nvSpPr>
+        <p:spPr/>
+        <p:txBody>
+          <a:bodyPr/>
+          <a:lstStyle/>
+          <a:p>
+            <a:pPr>
+              <a:defRPr/>
+            </a:pPr>
+            <a:r>
+              <a:rPr lang="en-US" smtClean="0"/>
+              <a:t>connected.</a:t>
+            </a:r>
+            <a:fld id="{D7F2FC53-1536-41A9-A9C1-2199CF803E30}" type="slidenum">
+              <a:rPr lang="en-US" smtClean="0"/>
+              <a:pPr>
+                <a:defRPr/>
+              </a:pPr>
+              <a:t>28</a:t>
+            </a:fld>
+            <a:endParaRPr lang="en-US" dirty="0"/>
+          </a:p>
+        </p:txBody>
+      </p:sp>
+      <p:sp>
+        <p:nvSpPr>
+          <p:cNvPr id="6" name="TextBox 5"/>
+          <p:cNvSpPr txBox="1"/>
+          <p:nvPr/>
+        </p:nvSpPr>
+        <p:spPr>
+          <a:xfrm>
+            <a:off x="381000" y="1676400"/>
+            <a:ext cx="8534400" cy="3477875"/>
+          </a:xfrm>
+          <a:prstGeom prst="rect">
+            <a:avLst/>
+          </a:prstGeom>
+          <a:noFill/>
+        </p:spPr>
+        <p:txBody>
+          <a:bodyPr wrap="square" rtlCol="0">
+            <a:spAutoFit/>
+          </a:bodyPr>
+          <a:lstStyle/>
+          <a:p>
+            <a:r>
+              <a:rPr lang="en-US" sz="4400" dirty="0" smtClean="0"/>
+              <a:t>            if </a:t>
+            </a:r>
+            <a:r>
+              <a:rPr lang="en-US" sz="4400" dirty="0" smtClean="0">
+                <a:solidFill>
+                  <a:schemeClr val="accent1">
+                    <a:lumMod val="50000"/>
+                  </a:schemeClr>
+                </a:solidFill>
+              </a:rPr>
+              <a:t>e </a:t>
+            </a:r>
+            <a:r>
+              <a:rPr lang="en-US" sz="4400" dirty="0" smtClean="0"/>
+              <a:t>not a </a:t>
+            </a:r>
+            <a:r>
+              <a:rPr lang="en-US" sz="4400" dirty="0" smtClean="0">
+                <a:solidFill>
+                  <a:srgbClr val="0000E5"/>
+                </a:solidFill>
+              </a:rPr>
+              <a:t>C</a:t>
+            </a:r>
+            <a:r>
+              <a:rPr lang="en-US" sz="4400" dirty="0" smtClean="0"/>
+              <a:t>-edge then</a:t>
+            </a:r>
+          </a:p>
+          <a:p>
+            <a:pPr algn="ctr"/>
+            <a:r>
+              <a:rPr lang="en-US" sz="4400" dirty="0" smtClean="0">
+                <a:solidFill>
+                  <a:srgbClr val="0000E5"/>
+                </a:solidFill>
+                <a:latin typeface="Comic Sans MS"/>
+                <a:cs typeface="Comic Sans MS"/>
+              </a:rPr>
+              <a:t>w</a:t>
+            </a:r>
+            <a:r>
+              <a:rPr lang="en-US" sz="4400" dirty="0">
+                <a:solidFill>
+                  <a:srgbClr val="0000E5"/>
+                </a:solidFill>
+                <a:latin typeface="Comic Sans MS"/>
+                <a:cs typeface="Comic Sans MS"/>
+              </a:rPr>
+              <a:t>(e) </a:t>
+            </a:r>
+            <a:r>
+              <a:rPr lang="en-US" sz="4400" b="1" dirty="0" smtClean="0">
+                <a:solidFill>
+                  <a:srgbClr val="0000E5"/>
+                </a:solidFill>
+                <a:latin typeface="Euclid Symbol" charset="2"/>
+                <a:cs typeface="Euclid Symbol" charset="2"/>
+              </a:rPr>
+              <a:t>&lt; </a:t>
+            </a:r>
+            <a:r>
+              <a:rPr lang="en-US" sz="4400" dirty="0">
+                <a:solidFill>
+                  <a:srgbClr val="0000E5"/>
+                </a:solidFill>
+                <a:latin typeface="Comic Sans MS"/>
+                <a:cs typeface="Comic Sans MS"/>
+              </a:rPr>
+              <a:t>w(g</a:t>
+            </a:r>
+            <a:r>
+              <a:rPr lang="en-US" sz="4400" dirty="0" smtClean="0">
+                <a:solidFill>
+                  <a:srgbClr val="0000E5"/>
+                </a:solidFill>
+                <a:latin typeface="Comic Sans MS"/>
+                <a:cs typeface="Comic Sans MS"/>
+              </a:rPr>
+              <a:t>)</a:t>
+            </a:r>
+            <a:endParaRPr lang="en-US" sz="4400" dirty="0">
+              <a:latin typeface="Comic Sans MS"/>
+              <a:cs typeface="Comic Sans MS"/>
+            </a:endParaRPr>
+          </a:p>
+          <a:p>
+            <a:pPr algn="ctr"/>
+            <a:r>
+              <a:rPr lang="en-US" sz="4400" dirty="0">
+                <a:latin typeface="Comic Sans MS"/>
+                <a:cs typeface="Comic Sans MS"/>
+              </a:rPr>
+              <a:t> </a:t>
+            </a:r>
+            <a:r>
+              <a:rPr lang="en-US" sz="4400" dirty="0">
+                <a:solidFill>
+                  <a:schemeClr val="accent1">
+                    <a:lumMod val="50000"/>
+                  </a:schemeClr>
+                </a:solidFill>
+                <a:latin typeface="Comic Sans MS"/>
+                <a:cs typeface="Comic Sans MS"/>
+              </a:rPr>
+              <a:t>w</a:t>
+            </a:r>
+            <a:r>
+              <a:rPr lang="en-US" sz="4400" dirty="0" smtClean="0">
+                <a:solidFill>
+                  <a:schemeClr val="accent1">
+                    <a:lumMod val="50000"/>
+                  </a:schemeClr>
+                </a:solidFill>
+                <a:latin typeface="Comic Sans MS"/>
+                <a:cs typeface="Comic Sans MS"/>
+              </a:rPr>
+              <a:t>(</a:t>
+            </a:r>
+            <a:r>
+              <a:rPr lang="en-US" sz="4400" dirty="0">
+                <a:solidFill>
+                  <a:srgbClr val="008000"/>
+                </a:solidFill>
+                <a:latin typeface="Comic Sans MS"/>
+                <a:cs typeface="Comic Sans MS"/>
+              </a:rPr>
+              <a:t>D</a:t>
+            </a:r>
+            <a:r>
+              <a:rPr lang="en-US" sz="4400" dirty="0" smtClean="0">
+                <a:solidFill>
+                  <a:schemeClr val="accent1">
+                    <a:lumMod val="50000"/>
+                  </a:schemeClr>
+                </a:solidFill>
+                <a:latin typeface="Comic Sans MS"/>
+                <a:cs typeface="Comic Sans MS"/>
+              </a:rPr>
+              <a:t>) </a:t>
+            </a:r>
+            <a:r>
+              <a:rPr lang="en-US" sz="4400" b="1" dirty="0" smtClean="0">
+                <a:solidFill>
+                  <a:srgbClr val="0000E5"/>
+                </a:solidFill>
+                <a:latin typeface="Euclid Symbol" charset="2"/>
+                <a:cs typeface="Euclid Symbol" charset="2"/>
+              </a:rPr>
+              <a:t>&lt; </a:t>
+            </a:r>
+            <a:r>
+              <a:rPr lang="en-US" sz="4400" dirty="0">
+                <a:solidFill>
+                  <a:srgbClr val="0000E5"/>
+                </a:solidFill>
+                <a:latin typeface="Comic Sans MS"/>
+                <a:cs typeface="Comic Sans MS"/>
+              </a:rPr>
+              <a:t>w</a:t>
+            </a:r>
+            <a:r>
+              <a:rPr lang="en-US" sz="4400" dirty="0" smtClean="0">
+                <a:solidFill>
+                  <a:srgbClr val="0000E5"/>
+                </a:solidFill>
+                <a:latin typeface="Comic Sans MS"/>
+                <a:cs typeface="Comic Sans MS"/>
+              </a:rPr>
+              <a:t>(C)</a:t>
+            </a:r>
+          </a:p>
+          <a:p>
+            <a:r>
+              <a:rPr lang="en-US" sz="4400" dirty="0" smtClean="0">
+                <a:latin typeface="Comic Sans MS"/>
+                <a:cs typeface="Comic Sans MS"/>
+              </a:rPr>
+              <a:t>contradicting min weight for</a:t>
+            </a:r>
+            <a:r>
+              <a:rPr lang="en-US" sz="4400" dirty="0" smtClean="0">
+                <a:solidFill>
+                  <a:srgbClr val="0000E5"/>
+                </a:solidFill>
+                <a:latin typeface="Comic Sans MS"/>
+                <a:cs typeface="Comic Sans MS"/>
+              </a:rPr>
+              <a:t> C</a:t>
+            </a:r>
+            <a:r>
+              <a:rPr lang="en-US" sz="4400" dirty="0" smtClean="0">
+                <a:latin typeface="Comic Sans MS"/>
+                <a:cs typeface="Comic Sans MS"/>
+              </a:rPr>
+              <a:t>.</a:t>
+            </a:r>
+          </a:p>
+          <a:p>
+            <a:r>
+              <a:rPr lang="en-US" sz="4400" dirty="0" smtClean="0">
+                <a:latin typeface="Comic Sans MS"/>
+                <a:cs typeface="Comic Sans MS"/>
+              </a:rPr>
+              <a:t>So only </a:t>
+            </a:r>
+            <a:r>
+              <a:rPr lang="en-US" sz="4400" dirty="0" smtClean="0">
+                <a:solidFill>
+                  <a:srgbClr val="930093"/>
+                </a:solidFill>
+                <a:latin typeface="Comic Sans MS"/>
+                <a:cs typeface="Comic Sans MS"/>
+              </a:rPr>
+              <a:t>Case 1</a:t>
+            </a:r>
+            <a:r>
+              <a:rPr lang="en-US" sz="4400" dirty="0" smtClean="0">
+                <a:latin typeface="Comic Sans MS"/>
+                <a:cs typeface="Comic Sans MS"/>
+              </a:rPr>
+              <a:t> is possible:</a:t>
+            </a:r>
+          </a:p>
+        </p:txBody>
+      </p:sp>
+    </p:spTree>
+    <p:extLst>
+      <p:ext uri="{BB962C8B-B14F-4D97-AF65-F5344CB8AC3E}">
+        <p14:creationId xmlns:p14="http://schemas.microsoft.com/office/powerpoint/2010/main" val="1887847755"/>
+      </p:ext>
+    </p:extLst>
+  </p:cSld>
+  <p:clrMapOvr>
+    <a:masterClrMapping/>
+  </p:clrMapOvr>
+  <p:transition xmlns:p14="http://schemas.microsoft.com/office/powerpoint/2010/main" spd="slow" advClick="0">
+    <p:fade thruBlk="1"/>
+  </p:transition>
+  <p:timing>
+    <p:tnLst>
+      <p:par>
+        <p:cTn xmlns:p14="http://schemas.microsoft.com/office/powerpoint/2010/main" id="1" dur="indefinite" restart="never" nodeType="tmRoot">
+          <p:childTnLst>
+            <p:seq concurrent="1" nextAc="seek">
+              <p:cTn id="2" dur="indefinite" nodeType="mainSeq">
+                <p:childTnLst>
+                  <p:par>
+                    <p:cTn id="3" fill="hold">
+                      <p:stCondLst>
+                        <p:cond delay="indefinite"/>
+                      </p:stCondLst>
+                      <p:childTnLst>
+                        <p:par>
+                          <p:cTn id="4" fill="hold">
+                            <p:stCondLst>
+                              <p:cond delay="0"/>
+                            </p:stCondLst>
+                            <p:childTnLst>
+                              <p:par>
+                                <p:cTn id="5" presetID="10" presetClass="entr" presetSubtype="0" fill="hold" grpId="0" nodeType="clickEffect">
+                                  <p:stCondLst>
+                                    <p:cond delay="0"/>
+                                  </p:stCondLst>
+                                  <p:childTnLst>
+                                    <p:set>
+                                      <p:cBhvr>
+                                        <p:cTn id="6" dur="1" fill="hold">
+                                          <p:stCondLst>
+                                            <p:cond delay="0"/>
+                                          </p:stCondLst>
+                                        </p:cTn>
+                                        <p:tgtEl>
+                                          <p:spTgt spid="6">
+                                            <p:txEl>
+                                              <p:pRg st="0" end="0"/>
+                                            </p:txEl>
+                                          </p:spTgt>
+                                        </p:tgtEl>
+                                        <p:attrNameLst>
+                                          <p:attrName>style.visibility</p:attrName>
+                                        </p:attrNameLst>
+                                      </p:cBhvr>
+                                      <p:to>
+                                        <p:strVal val="visible"/>
+                                      </p:to>
+                                    </p:set>
+                                    <p:animEffect transition="in" filter="fade">
+                                      <p:cBhvr>
+                                        <p:cTn id="7" dur="500"/>
+                                        <p:tgtEl>
+                                          <p:spTgt spid="6">
+                                            <p:txEl>
+                                              <p:pRg st="0" end="0"/>
+                                            </p:txEl>
+                                          </p:spTgt>
+                                        </p:tgtEl>
+                                      </p:cBhvr>
+                                    </p:animEffect>
+                                  </p:childTnLst>
+                                </p:cTn>
+                              </p:par>
+                            </p:childTnLst>
+                          </p:cTn>
+                        </p:par>
+                      </p:childTnLst>
+                    </p:cTn>
+                  </p:par>
+                  <p:par>
+                    <p:cTn id="8" fill="hold">
+                      <p:stCondLst>
+                        <p:cond delay="indefinite"/>
+                      </p:stCondLst>
+                      <p:childTnLst>
+                        <p:par>
+                          <p:cTn id="9" fill="hold">
+                            <p:stCondLst>
+                              <p:cond delay="0"/>
+                            </p:stCondLst>
+                            <p:childTnLst>
+                              <p:par>
+                                <p:cTn id="10" presetID="22" presetClass="entr" presetSubtype="8" fill="hold" grpId="0" nodeType="clickEffect">
+                                  <p:stCondLst>
+                                    <p:cond delay="0"/>
+                                  </p:stCondLst>
+                                  <p:childTnLst>
+                                    <p:set>
+                                      <p:cBhvr>
+                                        <p:cTn id="11" dur="1" fill="hold">
+                                          <p:stCondLst>
+                                            <p:cond delay="0"/>
+                                          </p:stCondLst>
+                                        </p:cTn>
+                                        <p:tgtEl>
+                                          <p:spTgt spid="6">
+                                            <p:txEl>
+                                              <p:pRg st="1" end="1"/>
+                                            </p:txEl>
+                                          </p:spTgt>
+                                        </p:tgtEl>
+                                        <p:attrNameLst>
+                                          <p:attrName>style.visibility</p:attrName>
+                                        </p:attrNameLst>
+                                      </p:cBhvr>
+                                      <p:to>
+                                        <p:strVal val="visible"/>
+                                      </p:to>
+                                    </p:set>
+                                    <p:animEffect transition="in" filter="wipe(left)">
+                                      <p:cBhvr>
+                                        <p:cTn id="12" dur="1000"/>
+                                        <p:tgtEl>
+                                          <p:spTgt spid="6">
+                                            <p:txEl>
+                                              <p:pRg st="1" end="1"/>
+                                            </p:txEl>
+                                          </p:spTgt>
+                                        </p:tgtEl>
+                                      </p:cBhvr>
+                                    </p:animEffect>
+                                  </p:childTnLst>
+                                </p:cTn>
+                              </p:par>
+                            </p:childTnLst>
+                          </p:cTn>
+                        </p:par>
+                      </p:childTnLst>
+                    </p:cTn>
+                  </p:par>
+                  <p:par>
+                    <p:cTn id="13" fill="hold">
+                      <p:stCondLst>
+                        <p:cond delay="indefinite"/>
+                      </p:stCondLst>
+                      <p:childTnLst>
+                        <p:par>
+                          <p:cTn id="14" fill="hold">
+                            <p:stCondLst>
+                              <p:cond delay="0"/>
+                            </p:stCondLst>
+                            <p:childTnLst>
+                              <p:par>
+                                <p:cTn id="15" presetID="22" presetClass="entr" presetSubtype="8" fill="hold" grpId="0" nodeType="clickEffect">
+                                  <p:stCondLst>
+                                    <p:cond delay="0"/>
+                                  </p:stCondLst>
+                                  <p:childTnLst>
+                                    <p:set>
+                                      <p:cBhvr>
+                                        <p:cTn id="16" dur="1" fill="hold">
+                                          <p:stCondLst>
+                                            <p:cond delay="0"/>
+                                          </p:stCondLst>
+                                        </p:cTn>
+                                        <p:tgtEl>
+                                          <p:spTgt spid="6">
+                                            <p:txEl>
+                                              <p:pRg st="2" end="2"/>
+                                            </p:txEl>
+                                          </p:spTgt>
+                                        </p:tgtEl>
+                                        <p:attrNameLst>
+                                          <p:attrName>style.visibility</p:attrName>
+                                        </p:attrNameLst>
+                                      </p:cBhvr>
+                                      <p:to>
+                                        <p:strVal val="visible"/>
+                                      </p:to>
+                                    </p:set>
+                                    <p:animEffect transition="in" filter="wipe(left)">
+                                      <p:cBhvr>
+                                        <p:cTn id="17" dur="1000"/>
+                                        <p:tgtEl>
+                                          <p:spTgt spid="6">
+                                            <p:txEl>
+                                              <p:pRg st="2" end="2"/>
+                                            </p:txEl>
+                                          </p:spTgt>
+                                        </p:tgtEl>
+                                      </p:cBhvr>
+                                    </p:animEffect>
+                                  </p:childTnLst>
+                                </p:cTn>
+                              </p:par>
+                            </p:childTnLst>
+                          </p:cTn>
+                        </p:par>
+                      </p:childTnLst>
+                    </p:cTn>
+                  </p:par>
+                  <p:par>
+                    <p:cTn id="18" fill="hold">
+                      <p:stCondLst>
+                        <p:cond delay="indefinite"/>
+                      </p:stCondLst>
+                      <p:childTnLst>
+                        <p:par>
+                          <p:cTn id="19" fill="hold">
+                            <p:stCondLst>
+                              <p:cond delay="0"/>
+                            </p:stCondLst>
+                            <p:childTnLst>
+                              <p:par>
+                                <p:cTn id="20" presetID="10" presetClass="entr" presetSubtype="0" fill="hold" grpId="0" nodeType="clickEffect">
+                                  <p:stCondLst>
+                                    <p:cond delay="0"/>
+                                  </p:stCondLst>
+                                  <p:childTnLst>
+                                    <p:set>
+                                      <p:cBhvr>
+                                        <p:cTn id="21" dur="1" fill="hold">
+                                          <p:stCondLst>
+                                            <p:cond delay="0"/>
+                                          </p:stCondLst>
+                                        </p:cTn>
+                                        <p:tgtEl>
+                                          <p:spTgt spid="6">
+                                            <p:txEl>
+                                              <p:pRg st="3" end="3"/>
+                                            </p:txEl>
+                                          </p:spTgt>
+                                        </p:tgtEl>
+                                        <p:attrNameLst>
+                                          <p:attrName>style.visibility</p:attrName>
+                                        </p:attrNameLst>
+                                      </p:cBhvr>
+                                      <p:to>
+                                        <p:strVal val="visible"/>
+                                      </p:to>
+                                    </p:set>
+                                    <p:animEffect transition="in" filter="fade">
+                                      <p:cBhvr>
+                                        <p:cTn id="22" dur="500"/>
+                                        <p:tgtEl>
+                                          <p:spTgt spid="6">
+                                            <p:txEl>
+                                              <p:pRg st="3" end="3"/>
+                                            </p:txEl>
+                                          </p:spTgt>
+                                        </p:tgtEl>
+                                      </p:cBhvr>
+                                    </p:animEffect>
+                                  </p:childTnLst>
+                                </p:cTn>
+                              </p:par>
+                            </p:childTnLst>
+                          </p:cTn>
+                        </p:par>
+                      </p:childTnLst>
+                    </p:cTn>
+                  </p:par>
+                  <p:par>
+                    <p:cTn id="23" fill="hold">
+                      <p:stCondLst>
+                        <p:cond delay="indefinite"/>
+                      </p:stCondLst>
+                      <p:childTnLst>
+                        <p:par>
+                          <p:cTn id="24" fill="hold">
+                            <p:stCondLst>
+                              <p:cond delay="0"/>
+                            </p:stCondLst>
+                            <p:childTnLst>
+                              <p:par>
+                                <p:cTn id="25" presetID="10" presetClass="entr" presetSubtype="0" fill="hold" grpId="0" nodeType="clickEffect">
+                                  <p:stCondLst>
+                                    <p:cond delay="0"/>
+                                  </p:stCondLst>
+                                  <p:childTnLst>
+                                    <p:set>
+                                      <p:cBhvr>
+                                        <p:cTn id="26" dur="1" fill="hold">
+                                          <p:stCondLst>
+                                            <p:cond delay="0"/>
+                                          </p:stCondLst>
+                                        </p:cTn>
+                                        <p:tgtEl>
+                                          <p:spTgt spid="6">
+                                            <p:txEl>
+                                              <p:pRg st="4" end="4"/>
+                                            </p:txEl>
+                                          </p:spTgt>
+                                        </p:tgtEl>
+                                        <p:attrNameLst>
+                                          <p:attrName>style.visibility</p:attrName>
+                                        </p:attrNameLst>
+                                      </p:cBhvr>
+                                      <p:to>
+                                        <p:strVal val="visible"/>
+                                      </p:to>
+                                    </p:set>
+                                    <p:animEffect transition="in" filter="fade">
+                                      <p:cBhvr>
+                                        <p:cTn id="27" dur="500"/>
+                                        <p:tgtEl>
+                                          <p:spTgt spid="6">
+                                            <p:txEl>
+                                              <p:pRg st="4" end="4"/>
+                                            </p:txEl>
+                                          </p:spTgt>
+                                        </p:tgtEl>
+                                      </p:cBhvr>
+                                    </p:animEffect>
+                                  </p:childTnLst>
+                                </p:cTn>
+                              </p:par>
+                            </p:childTnLst>
+                          </p:cTn>
+                        </p:par>
+                      </p:childTnLst>
+                    </p:cTn>
+                  </p:par>
+                </p:childTnLst>
+              </p:cTn>
+              <p:prevCondLst>
+                <p:cond evt="onPrev" delay="0">
+                  <p:tgtEl>
+                    <p:sldTgt/>
+                  </p:tgtEl>
+                </p:cond>
+              </p:prevCondLst>
+              <p:nextCondLst>
+                <p:cond evt="onNext" delay="0">
+                  <p:tgtEl>
+                    <p:sldTgt/>
+                  </p:tgtEl>
+                </p:cond>
+              </p:nextCondLst>
+            </p:seq>
+          </p:childTnLst>
+        </p:cTn>
+      </p:par>
+    </p:tnLst>
+    <p:bldLst>
+      <p:bldP spid="6" grpId="0" build="p"/>
+    </p:bldLst>
+  </p:timing>
+</p:sld>
+</file>
+
+<file path=ppt/slides/slide29.xml><?xml version="1.0" encoding="utf-8"?>
+<p:sld xmlns:a="http://schemas.openxmlformats.org/drawingml/2006/main" xmlns:r="http://schemas.openxmlformats.org/officeDocument/2006/relationships" xmlns:p="http://schemas.openxmlformats.org/presentationml/2006/main" show="0">
+  <p:cSld>
+    <p:spTree>
+      <p:nvGrpSpPr>
+        <p:cNvPr id="1" name=""/>
+        <p:cNvGrpSpPr/>
+        <p:nvPr/>
+      </p:nvGrpSpPr>
+      <p:grpSpPr>
+        <a:xfrm>
+          <a:off x="0" y="0"/>
+          <a:ext cx="0" cy="0"/>
+          <a:chOff x="0" y="0"/>
+          <a:chExt cx="0" cy="0"/>
+        </a:xfrm>
+      </p:grpSpPr>
+      <p:sp>
+        <p:nvSpPr>
+          <p:cNvPr id="2" name="Title 1"/>
+          <p:cNvSpPr>
+            <a:spLocks noGrp="1"/>
+          </p:cNvSpPr>
+          <p:nvPr>
+            <p:ph type="title"/>
+          </p:nvPr>
+        </p:nvSpPr>
+        <p:spPr/>
+        <p:txBody>
+          <a:bodyPr/>
+          <a:lstStyle/>
+          <a:p>
+            <a:r>
+              <a:rPr lang="en-US" dirty="0" smtClean="0"/>
+              <a:t>Corollary</a:t>
+            </a:r>
+            <a:endParaRPr lang="en-US" dirty="0"/>
+          </a:p>
+        </p:txBody>
+      </p:sp>
+      <p:sp>
+        <p:nvSpPr>
+          <p:cNvPr id="3" name="Content Placeholder 2"/>
+          <p:cNvSpPr>
+            <a:spLocks noGrp="1"/>
+          </p:cNvSpPr>
+          <p:nvPr>
+            <p:ph idx="1"/>
+          </p:nvPr>
+        </p:nvSpPr>
+        <p:spPr>
+          <a:xfrm>
+            <a:off x="381000" y="1143000"/>
+            <a:ext cx="8763000" cy="2057400"/>
+          </a:xfrm>
+        </p:spPr>
+        <p:txBody>
+          <a:bodyPr/>
+          <a:lstStyle/>
+          <a:p>
+            <a:pPr>
+              <a:lnSpc>
+                <a:spcPct val="80000"/>
+              </a:lnSpc>
+            </a:pPr>
+            <a:r>
+              <a:rPr lang="en-US" sz="4400" dirty="0" smtClean="0"/>
+              <a:t>     MST </a:t>
+            </a:r>
+            <a:r>
+              <a:rPr lang="en-US" sz="4400" dirty="0">
+                <a:solidFill>
+                  <a:schemeClr val="accent1">
+                    <a:lumMod val="50000"/>
+                  </a:schemeClr>
+                </a:solidFill>
+              </a:rPr>
+              <a:t>C</a:t>
+            </a:r>
+            <a:r>
+              <a:rPr lang="en-US" sz="4400" dirty="0"/>
+              <a:t> is </a:t>
+            </a:r>
+            <a:r>
+              <a:rPr lang="en-US" sz="4400" dirty="0" smtClean="0"/>
+              <a:t>unique if all weights </a:t>
+            </a:r>
+          </a:p>
+          <a:p>
+            <a:pPr>
+              <a:lnSpc>
+                <a:spcPct val="80000"/>
+              </a:lnSpc>
+            </a:pPr>
+            <a:r>
+              <a:rPr lang="en-US" sz="4400" dirty="0" smtClean="0"/>
+              <a:t>differ:</a:t>
+            </a:r>
+          </a:p>
+        </p:txBody>
+      </p:sp>
+      <p:sp>
+        <p:nvSpPr>
+          <p:cNvPr id="4" name="Slide Number Placeholder 3"/>
+          <p:cNvSpPr>
+            <a:spLocks noGrp="1"/>
+          </p:cNvSpPr>
+          <p:nvPr>
+            <p:ph type="sldNum" sz="quarter" idx="4"/>
+          </p:nvPr>
+        </p:nvSpPr>
+        <p:spPr/>
+        <p:txBody>
+          <a:bodyPr/>
+          <a:lstStyle/>
+          <a:p>
+            <a:pPr>
+              <a:defRPr/>
+            </a:pPr>
+            <a:r>
+              <a:rPr lang="en-US" smtClean="0"/>
+              <a:t>connected.</a:t>
+            </a:r>
+            <a:fld id="{D7F2FC53-1536-41A9-A9C1-2199CF803E30}" type="slidenum">
+              <a:rPr lang="en-US" smtClean="0"/>
+              <a:pPr>
+                <a:defRPr/>
+              </a:pPr>
+              <a:t>29</a:t>
+            </a:fld>
+            <a:endParaRPr lang="en-US" dirty="0"/>
+          </a:p>
+        </p:txBody>
+      </p:sp>
+      <p:sp>
+        <p:nvSpPr>
+          <p:cNvPr id="6" name="TextBox 5"/>
+          <p:cNvSpPr txBox="1"/>
+          <p:nvPr/>
+        </p:nvSpPr>
+        <p:spPr>
+          <a:xfrm>
+            <a:off x="381000" y="1676400"/>
+            <a:ext cx="8534400" cy="2800767"/>
+          </a:xfrm>
+          <a:prstGeom prst="rect">
+            <a:avLst/>
+          </a:prstGeom>
+          <a:noFill/>
+        </p:spPr>
+        <p:txBody>
+          <a:bodyPr wrap="square" rtlCol="0">
+            <a:spAutoFit/>
+          </a:bodyPr>
+          <a:lstStyle/>
+          <a:p>
+            <a:r>
+              <a:rPr lang="en-US" sz="4400" dirty="0" smtClean="0"/>
+              <a:t>            if </a:t>
+            </a:r>
+            <a:r>
+              <a:rPr lang="en-US" sz="4400" dirty="0" smtClean="0">
+                <a:solidFill>
+                  <a:schemeClr val="accent1">
+                    <a:lumMod val="50000"/>
+                  </a:schemeClr>
+                </a:solidFill>
+              </a:rPr>
+              <a:t>e </a:t>
+            </a:r>
+            <a:r>
+              <a:rPr lang="en-US" sz="4400" dirty="0" smtClean="0"/>
+              <a:t>not a </a:t>
+            </a:r>
+            <a:r>
+              <a:rPr lang="en-US" sz="4400" dirty="0" smtClean="0">
+                <a:solidFill>
+                  <a:srgbClr val="0000E5"/>
+                </a:solidFill>
+              </a:rPr>
+              <a:t>C</a:t>
+            </a:r>
+            <a:r>
+              <a:rPr lang="en-US" sz="4400" dirty="0" smtClean="0"/>
+              <a:t>-edge then</a:t>
+            </a:r>
+          </a:p>
+          <a:p>
+            <a:pPr algn="ctr"/>
+            <a:r>
+              <a:rPr lang="en-US" sz="4400" dirty="0" smtClean="0">
+                <a:solidFill>
+                  <a:srgbClr val="0000E5"/>
+                </a:solidFill>
+                <a:latin typeface="Comic Sans MS"/>
+                <a:cs typeface="Comic Sans MS"/>
+              </a:rPr>
+              <a:t>w</a:t>
+            </a:r>
+            <a:r>
+              <a:rPr lang="en-US" sz="4400" dirty="0">
+                <a:solidFill>
+                  <a:srgbClr val="0000E5"/>
+                </a:solidFill>
+                <a:latin typeface="Comic Sans MS"/>
+                <a:cs typeface="Comic Sans MS"/>
+              </a:rPr>
+              <a:t>(e) </a:t>
+            </a:r>
+            <a:r>
+              <a:rPr lang="en-US" sz="4400" b="1" dirty="0" smtClean="0">
+                <a:solidFill>
+                  <a:srgbClr val="0000E5"/>
+                </a:solidFill>
+                <a:latin typeface="Euclid Symbol" charset="2"/>
+                <a:cs typeface="Euclid Symbol" charset="2"/>
+              </a:rPr>
+              <a:t>&lt; </a:t>
+            </a:r>
+            <a:r>
+              <a:rPr lang="en-US" sz="4400" dirty="0">
+                <a:solidFill>
+                  <a:srgbClr val="0000E5"/>
+                </a:solidFill>
+                <a:latin typeface="Comic Sans MS"/>
+                <a:cs typeface="Comic Sans MS"/>
+              </a:rPr>
+              <a:t>w(g</a:t>
+            </a:r>
+            <a:r>
+              <a:rPr lang="en-US" sz="4400" dirty="0" smtClean="0">
+                <a:solidFill>
+                  <a:srgbClr val="0000E5"/>
+                </a:solidFill>
+                <a:latin typeface="Comic Sans MS"/>
+                <a:cs typeface="Comic Sans MS"/>
+              </a:rPr>
+              <a:t>)</a:t>
+            </a:r>
+            <a:endParaRPr lang="en-US" sz="4400" dirty="0">
+              <a:latin typeface="Comic Sans MS"/>
+              <a:cs typeface="Comic Sans MS"/>
+            </a:endParaRPr>
+          </a:p>
+          <a:p>
+            <a:pPr algn="ctr"/>
+            <a:r>
+              <a:rPr lang="en-US" sz="4400" dirty="0">
+                <a:latin typeface="Comic Sans MS"/>
+                <a:cs typeface="Comic Sans MS"/>
+              </a:rPr>
+              <a:t> </a:t>
+            </a:r>
+            <a:r>
+              <a:rPr lang="en-US" sz="4400" dirty="0">
+                <a:solidFill>
+                  <a:schemeClr val="accent1">
+                    <a:lumMod val="50000"/>
+                  </a:schemeClr>
+                </a:solidFill>
+                <a:latin typeface="Comic Sans MS"/>
+                <a:cs typeface="Comic Sans MS"/>
+              </a:rPr>
+              <a:t>w</a:t>
+            </a:r>
+            <a:r>
+              <a:rPr lang="en-US" sz="4400" dirty="0" smtClean="0">
+                <a:solidFill>
+                  <a:schemeClr val="accent1">
+                    <a:lumMod val="50000"/>
+                  </a:schemeClr>
+                </a:solidFill>
+                <a:latin typeface="Comic Sans MS"/>
+                <a:cs typeface="Comic Sans MS"/>
+              </a:rPr>
+              <a:t>(</a:t>
+            </a:r>
+            <a:r>
+              <a:rPr lang="en-US" sz="4400" dirty="0">
+                <a:solidFill>
+                  <a:srgbClr val="008000"/>
+                </a:solidFill>
+                <a:latin typeface="Comic Sans MS"/>
+                <a:cs typeface="Comic Sans MS"/>
+              </a:rPr>
+              <a:t>D</a:t>
+            </a:r>
+            <a:r>
+              <a:rPr lang="en-US" sz="4400" dirty="0" smtClean="0">
+                <a:solidFill>
+                  <a:schemeClr val="accent1">
+                    <a:lumMod val="50000"/>
+                  </a:schemeClr>
+                </a:solidFill>
+                <a:latin typeface="Comic Sans MS"/>
+                <a:cs typeface="Comic Sans MS"/>
+              </a:rPr>
+              <a:t>) </a:t>
+            </a:r>
+            <a:r>
+              <a:rPr lang="en-US" sz="4400" b="1" dirty="0" smtClean="0">
+                <a:solidFill>
+                  <a:srgbClr val="0000E5"/>
+                </a:solidFill>
+                <a:latin typeface="Euclid Symbol" charset="2"/>
+                <a:cs typeface="Euclid Symbol" charset="2"/>
+              </a:rPr>
+              <a:t>&lt; </a:t>
+            </a:r>
+            <a:r>
+              <a:rPr lang="en-US" sz="4400" dirty="0">
+                <a:solidFill>
+                  <a:srgbClr val="0000E5"/>
+                </a:solidFill>
+                <a:latin typeface="Comic Sans MS"/>
+                <a:cs typeface="Comic Sans MS"/>
+              </a:rPr>
+              <a:t>w</a:t>
+            </a:r>
+            <a:r>
+              <a:rPr lang="en-US" sz="4400" dirty="0" smtClean="0">
+                <a:solidFill>
+                  <a:srgbClr val="0000E5"/>
+                </a:solidFill>
+                <a:latin typeface="Comic Sans MS"/>
+                <a:cs typeface="Comic Sans MS"/>
+              </a:rPr>
+              <a:t>(C)</a:t>
+            </a:r>
+          </a:p>
+          <a:p>
+            <a:r>
+              <a:rPr lang="en-US" sz="4400" dirty="0" smtClean="0">
+                <a:latin typeface="Comic Sans MS"/>
+                <a:cs typeface="Comic Sans MS"/>
+              </a:rPr>
+              <a:t>contradicting min weight for</a:t>
+            </a:r>
+            <a:r>
+              <a:rPr lang="en-US" sz="4400" dirty="0" smtClean="0">
+                <a:solidFill>
+                  <a:srgbClr val="0000E5"/>
+                </a:solidFill>
+                <a:latin typeface="Comic Sans MS"/>
+                <a:cs typeface="Comic Sans MS"/>
+              </a:rPr>
+              <a:t> C</a:t>
+            </a:r>
+            <a:r>
+              <a:rPr lang="en-US" sz="4400" dirty="0" smtClean="0">
+                <a:latin typeface="Comic Sans MS"/>
+                <a:cs typeface="Comic Sans MS"/>
+              </a:rPr>
+              <a:t>.</a:t>
+            </a:r>
+          </a:p>
+        </p:txBody>
+      </p:sp>
+      <p:sp>
+        <p:nvSpPr>
+          <p:cNvPr id="5" name="Rectangle 4"/>
+          <p:cNvSpPr/>
+          <p:nvPr/>
+        </p:nvSpPr>
+        <p:spPr>
+          <a:xfrm>
+            <a:off x="762000" y="4419600"/>
+            <a:ext cx="7772400" cy="1754327"/>
+          </a:xfrm>
+          <a:prstGeom prst="rect">
+            <a:avLst/>
+          </a:prstGeom>
+        </p:spPr>
+        <p:txBody>
+          <a:bodyPr wrap="square">
+            <a:spAutoFit/>
+          </a:bodyPr>
+          <a:lstStyle/>
+          <a:p>
+            <a:r>
+              <a:rPr lang="en-US" sz="5400" dirty="0" smtClean="0">
+                <a:solidFill>
+                  <a:srgbClr val="930093"/>
+                </a:solidFill>
+                <a:latin typeface="Comic Sans MS"/>
+                <a:cs typeface="Comic Sans MS"/>
+              </a:rPr>
+              <a:t>MST </a:t>
+            </a:r>
+            <a:r>
+              <a:rPr lang="en-US" sz="5400" dirty="0">
+                <a:solidFill>
+                  <a:srgbClr val="930093"/>
+                </a:solidFill>
+                <a:latin typeface="Comic Sans MS"/>
+                <a:cs typeface="Comic Sans MS"/>
+              </a:rPr>
+              <a:t>consists of all the </a:t>
+            </a:r>
+            <a:r>
+              <a:rPr lang="en-US" sz="5400" dirty="0" smtClean="0">
+                <a:solidFill>
+                  <a:srgbClr val="930093"/>
+                </a:solidFill>
+                <a:latin typeface="Comic Sans MS"/>
+                <a:cs typeface="Comic Sans MS"/>
+              </a:rPr>
+              <a:t>min weight </a:t>
+            </a:r>
+            <a:r>
+              <a:rPr lang="en-US" sz="5400" dirty="0">
+                <a:solidFill>
+                  <a:srgbClr val="930093"/>
+                </a:solidFill>
+                <a:latin typeface="Comic Sans MS"/>
+                <a:cs typeface="Comic Sans MS"/>
+              </a:rPr>
+              <a:t>gray edges.</a:t>
+            </a:r>
+          </a:p>
+        </p:txBody>
+      </p:sp>
+    </p:spTree>
+    <p:extLst>
+      <p:ext uri="{BB962C8B-B14F-4D97-AF65-F5344CB8AC3E}">
+        <p14:creationId xmlns:p14="http://schemas.microsoft.com/office/powerpoint/2010/main" val="1389367833"/>
+      </p:ext>
+    </p:extLst>
+  </p:cSld>
+  <p:clrMapOvr>
+    <a:masterClrMapping/>
+  </p:clrMapOvr>
+  <mc:AlternateContent xmlns:mc="http://schemas.openxmlformats.org/markup-compatibility/2006">
+    <mc:Choice xmlns:p14="http://schemas.microsoft.com/office/powerpoint/2010/main" Requires="p14">
+      <p:transition spd="med" p14:dur="700" advClick="0">
+        <p:fade/>
+      </p:transition>
+    </mc:Choice>
+    <mc:Fallback>
+      <p:transition xmlns:p14="http://schemas.microsoft.com/office/powerpoint/2010/main" spd="med" advClick="0">
+        <p:fade/>
+      </p:transition>
+    </mc:Fallback>
+  </mc:AlternateContent>
+  <p:timing>
+    <p:tnLst>
+      <p:par>
+        <p:cTn xmlns:p14="http://schemas.microsoft.com/office/powerpoint/2010/main" id="1" dur="indefinite" restart="never" nodeType="tmRoot"/>
+      </p:par>
+    </p:tnLst>
+  </p:timing>
+</p:sld>
+</file>
+
 <file path=ppt/slides/slide3.xml><?xml version="1.0" encoding="utf-8"?>
 <p:sld xmlns:a="http://schemas.openxmlformats.org/drawingml/2006/main" xmlns:r="http://schemas.openxmlformats.org/officeDocument/2006/relationships" xmlns:p="http://schemas.openxmlformats.org/presentationml/2006/main">
   <p:cSld>
@@ -36188,19 +36198,7 @@
             </a:r>
             <a:r>
               <a:rPr lang="en-US" sz="4800" dirty="0" smtClean="0"/>
-              <a:t>, then </a:t>
-            </a:r>
-            <a:r>
-              <a:rPr lang="en-US" sz="4800" dirty="0" smtClean="0"/>
-              <a:t>some</a:t>
-            </a:r>
-            <a:r>
-              <a:rPr lang="en-US" sz="4800" dirty="0" smtClean="0"/>
-              <a:t> </a:t>
-            </a:r>
-            <a:r>
-              <a:rPr lang="en-US" sz="4800" dirty="0" smtClean="0"/>
-              <a:t>MST </a:t>
+              <a:t>, then some MST </a:t>
             </a:r>
             <a:r>
               <a:rPr lang="en-US" sz="4800" dirty="0" smtClean="0">
@@ -36334,13 +36332,13 @@
   </p:clrMapOvr>
   <mc:AlternateContent xmlns:mc="http://schemas.openxmlformats.org/markup-compatibility/2006">
     <mc:Choice xmlns:p14="http://schemas.microsoft.com/office/powerpoint/2010/main" Requires="p14">
-      <p:transition spd="slow" p14:dur="1200" advClick="0">
-        <p:fade/>
+      <p:transition spd="med" p14:dur="600" advClick="0">
+        <p:fade thruBlk="1"/>
       </p:transition>
     </mc:Choice>
     <mc:Fallback>
-      <p:transition xmlns:p14="http://schemas.microsoft.com/office/powerpoint/2010/main" spd="slow" advClick="0">
-        <p:fade/>
+      <p:transition xmlns:p14="http://schemas.microsoft.com/office/powerpoint/2010/main" spd="med" advClick="0">
+        <p:fade thruBlk="1"/>
       </p:transition>
     </mc:Fallback>
   </mc:AlternateContent>
@@ -36754,13 +36752,13 @@
   <p:clrMapOvr>
     <a:masterClrMapping/>
   </p:clrMapOvr>
-  <mc:AlternateContent xmlns:mc="http://schemas.openxmlformats.org/markup-compatibility/2006">
-    <mc:Choice xmlns:p14="http://schemas.microsoft.com/office/powerpoint/2010/main" Requires="p14">
+  <mc:AlternateContent xmlns:mc="http://schemas.openxmlformats.org/markup-compatibility/2006" xmlns:p14="http://schemas.microsoft.com/office/powerpoint/2010/main">
+    <mc:Choice Requires="p14">
       <p:transition p14:dur="400" advClick="0">
         <p:fade thruBlk="1"/>
       </p:transition>
     </mc:Choice>
-    <mc:Fallback>
+    <mc:Fallback xmlns="">
       <p:transition xmlns:p14="http://schemas.microsoft.com/office/powerpoint/2010/main" advClick="0">
         <p:fade thruBlk="1"/>
       </p:transition>

--- a/fall15/slidesF15/gray-edges.pptx
+++ b/fall15/slidesF15/gray-edges.pptx
@@ -7558,7 +7558,7 @@
           <a:graphicData uri="http://schemas.openxmlformats.org/presentationml/2006/ole">
             <mc:AlternateContent xmlns:mc="http://schemas.openxmlformats.org/markup-compatibility/2006">
               <mc:Choice xmlns:v="urn:schemas-microsoft-com:vml" Requires="v">
-                <p:oleObj spid="_x0000_s9238" name="Equation" r:id="rId3" imgW="546100" imgH="228600" progId="Equation.DSMT4">
+                <p:oleObj spid="_x0000_s9240" name="Equation" r:id="rId3" imgW="546100" imgH="228600" progId="Equation.DSMT4">
                   <p:embed/>
                 </p:oleObj>
               </mc:Choice>
@@ -9896,7 +9896,7 @@
           <a:graphicData uri="http://schemas.openxmlformats.org/presentationml/2006/ole">
             <mc:AlternateContent xmlns:mc="http://schemas.openxmlformats.org/markup-compatibility/2006">
               <mc:Choice xmlns:v="urn:schemas-microsoft-com:vml" Requires="v">
-                <p:oleObj spid="_x0000_s10261" name="Equation" r:id="rId3" imgW="647700" imgH="228600" progId="Equation.DSMT4">
+                <p:oleObj spid="_x0000_s10263" name="Equation" r:id="rId3" imgW="647700" imgH="228600" progId="Equation.DSMT4">
                   <p:embed/>
                 </p:oleObj>
               </mc:Choice>
@@ -10093,7 +10093,7 @@
           <a:graphicData uri="http://schemas.openxmlformats.org/presentationml/2006/ole">
             <mc:AlternateContent xmlns:mc="http://schemas.openxmlformats.org/markup-compatibility/2006">
               <mc:Choice xmlns:v="urn:schemas-microsoft-com:vml" Requires="v">
-                <p:oleObj spid="_x0000_s11286" name="Equation" r:id="rId3" imgW="1016000" imgH="228600" progId="Equation.DSMT4">
+                <p:oleObj spid="_x0000_s11288" name="Equation" r:id="rId3" imgW="1016000" imgH="228600" progId="Equation.DSMT4">
                   <p:embed/>
                 </p:oleObj>
               </mc:Choice>
@@ -10485,7 +10485,7 @@
           <a:graphicData uri="http://schemas.openxmlformats.org/presentationml/2006/ole">
             <mc:AlternateContent xmlns:mc="http://schemas.openxmlformats.org/markup-compatibility/2006">
               <mc:Choice xmlns:v="urn:schemas-microsoft-com:vml" Requires="v">
-                <p:oleObj spid="_x0000_s1043" name="Equation" r:id="rId3" imgW="1016000" imgH="228600" progId="Equation.DSMT4">
+                <p:oleObj spid="_x0000_s1045" name="Equation" r:id="rId3" imgW="1016000" imgH="228600" progId="Equation.DSMT4">
                   <p:embed/>
                 </p:oleObj>
               </mc:Choice>
@@ -10956,7 +10956,7 @@
           <a:graphicData uri="http://schemas.openxmlformats.org/presentationml/2006/ole">
             <mc:AlternateContent xmlns:mc="http://schemas.openxmlformats.org/markup-compatibility/2006">
               <mc:Choice xmlns:v="urn:schemas-microsoft-com:vml" Requires="v">
-                <p:oleObj spid="_x0000_s14354" name="Equation" r:id="rId3" imgW="1016000" imgH="228600" progId="Equation.DSMT4">
+                <p:oleObj spid="_x0000_s14356" name="Equation" r:id="rId3" imgW="1016000" imgH="228600" progId="Equation.DSMT4">
                   <p:embed/>
                 </p:oleObj>
               </mc:Choice>
@@ -12048,13 +12048,13 @@
   <p:clrMapOvr>
     <a:masterClrMapping/>
   </p:clrMapOvr>
-  <mc:AlternateContent xmlns:mc="http://schemas.openxmlformats.org/markup-compatibility/2006">
-    <mc:Choice xmlns:p14="http://schemas.microsoft.com/office/powerpoint/2010/main" Requires="p14">
+  <mc:AlternateContent xmlns:mc="http://schemas.openxmlformats.org/markup-compatibility/2006" xmlns:p14="http://schemas.microsoft.com/office/powerpoint/2010/main">
+    <mc:Choice Requires="p14">
       <p:transition spd="med" p14:dur="600" advClick="0">
         <p:fade/>
       </p:transition>
     </mc:Choice>
-    <mc:Fallback>
+    <mc:Fallback xmlns="">
       <p:transition xmlns:p14="http://schemas.microsoft.com/office/powerpoint/2010/main" spd="med" advClick="0">
         <p:fade/>
       </p:transition>
@@ -13543,7 +13543,7 @@
           <a:graphicData uri="http://schemas.openxmlformats.org/presentationml/2006/ole">
             <mc:AlternateContent xmlns:mc="http://schemas.openxmlformats.org/markup-compatibility/2006">
               <mc:Choice xmlns:v="urn:schemas-microsoft-com:vml" Requires="v">
-                <p:oleObj spid="_x0000_s15370" name="Equation" r:id="rId3" imgW="1016000" imgH="228600" progId="Equation.DSMT4">
+                <p:oleObj spid="_x0000_s15372" name="Equation" r:id="rId3" imgW="1016000" imgH="228600" progId="Equation.DSMT4">
                   <p:embed/>
                 </p:oleObj>
               </mc:Choice>
@@ -19825,7 +19825,7 @@
           <a:graphicData uri="http://schemas.openxmlformats.org/presentationml/2006/ole">
             <mc:AlternateContent xmlns:mc="http://schemas.openxmlformats.org/markup-compatibility/2006">
               <mc:Choice xmlns:v="urn:schemas-microsoft-com:vml" Requires="v">
-                <p:oleObj spid="_x0000_s2096" name="Equation" r:id="rId3" imgW="1130300" imgH="152400" progId="Equation.DSMT4">
+                <p:oleObj spid="_x0000_s2099" name="Equation" r:id="rId3" imgW="1130300" imgH="152400" progId="Equation.DSMT4">
                   <p:embed/>
                 </p:oleObj>
               </mc:Choice>
@@ -19882,7 +19882,7 @@
           <a:graphicData uri="http://schemas.openxmlformats.org/presentationml/2006/ole">
             <mc:AlternateContent xmlns:mc="http://schemas.openxmlformats.org/markup-compatibility/2006">
               <mc:Choice xmlns:v="urn:schemas-microsoft-com:vml" Requires="v">
-                <p:oleObj spid="_x0000_s2097" name="Equation" r:id="rId5" imgW="889000" imgH="190500" progId="Equation.DSMT4">
+                <p:oleObj spid="_x0000_s2100" name="Equation" r:id="rId5" imgW="889000" imgH="190500" progId="Equation.DSMT4">
                   <p:embed/>
                 </p:oleObj>
               </mc:Choice>

--- a/fall15/slidesF15/gray-edges.pptx
+++ b/fall15/slidesF15/gray-edges.pptx
@@ -7558,7 +7558,7 @@
           <a:graphicData uri="http://schemas.openxmlformats.org/presentationml/2006/ole">
             <mc:AlternateContent xmlns:mc="http://schemas.openxmlformats.org/markup-compatibility/2006">
               <mc:Choice xmlns:v="urn:schemas-microsoft-com:vml" Requires="v">
-                <p:oleObj spid="_x0000_s9240" name="Equation" r:id="rId3" imgW="546100" imgH="228600" progId="Equation.DSMT4">
+                <p:oleObj spid="_x0000_s9242" name="Equation" r:id="rId3" imgW="546100" imgH="228600" progId="Equation.DSMT4">
                   <p:embed/>
                 </p:oleObj>
               </mc:Choice>
@@ -9896,7 +9896,7 @@
           <a:graphicData uri="http://schemas.openxmlformats.org/presentationml/2006/ole">
             <mc:AlternateContent xmlns:mc="http://schemas.openxmlformats.org/markup-compatibility/2006">
               <mc:Choice xmlns:v="urn:schemas-microsoft-com:vml" Requires="v">
-                <p:oleObj spid="_x0000_s10263" name="Equation" r:id="rId3" imgW="647700" imgH="228600" progId="Equation.DSMT4">
+                <p:oleObj spid="_x0000_s10265" name="Equation" r:id="rId3" imgW="647700" imgH="228600" progId="Equation.DSMT4">
                   <p:embed/>
                 </p:oleObj>
               </mc:Choice>
@@ -10093,7 +10093,7 @@
           <a:graphicData uri="http://schemas.openxmlformats.org/presentationml/2006/ole">
             <mc:AlternateContent xmlns:mc="http://schemas.openxmlformats.org/markup-compatibility/2006">
               <mc:Choice xmlns:v="urn:schemas-microsoft-com:vml" Requires="v">
-                <p:oleObj spid="_x0000_s11288" name="Equation" r:id="rId3" imgW="1016000" imgH="228600" progId="Equation.DSMT4">
+                <p:oleObj spid="_x0000_s11290" name="Equation" r:id="rId3" imgW="1016000" imgH="228600" progId="Equation.DSMT4">
                   <p:embed/>
                 </p:oleObj>
               </mc:Choice>
@@ -10485,7 +10485,7 @@
           <a:graphicData uri="http://schemas.openxmlformats.org/presentationml/2006/ole">
             <mc:AlternateContent xmlns:mc="http://schemas.openxmlformats.org/markup-compatibility/2006">
               <mc:Choice xmlns:v="urn:schemas-microsoft-com:vml" Requires="v">
-                <p:oleObj spid="_x0000_s1045" name="Equation" r:id="rId3" imgW="1016000" imgH="228600" progId="Equation.DSMT4">
+                <p:oleObj spid="_x0000_s1047" name="Equation" r:id="rId3" imgW="1016000" imgH="228600" progId="Equation.DSMT4">
                   <p:embed/>
                 </p:oleObj>
               </mc:Choice>
@@ -10956,7 +10956,7 @@
           <a:graphicData uri="http://schemas.openxmlformats.org/presentationml/2006/ole">
             <mc:AlternateContent xmlns:mc="http://schemas.openxmlformats.org/markup-compatibility/2006">
               <mc:Choice xmlns:v="urn:schemas-microsoft-com:vml" Requires="v">
-                <p:oleObj spid="_x0000_s14356" name="Equation" r:id="rId3" imgW="1016000" imgH="228600" progId="Equation.DSMT4">
+                <p:oleObj spid="_x0000_s14358" name="Equation" r:id="rId3" imgW="1016000" imgH="228600" progId="Equation.DSMT4">
                   <p:embed/>
                 </p:oleObj>
               </mc:Choice>
@@ -13543,7 +13543,7 @@
           <a:graphicData uri="http://schemas.openxmlformats.org/presentationml/2006/ole">
             <mc:AlternateContent xmlns:mc="http://schemas.openxmlformats.org/markup-compatibility/2006">
               <mc:Choice xmlns:v="urn:schemas-microsoft-com:vml" Requires="v">
-                <p:oleObj spid="_x0000_s15372" name="Equation" r:id="rId3" imgW="1016000" imgH="228600" progId="Equation.DSMT4">
+                <p:oleObj spid="_x0000_s15374" name="Equation" r:id="rId3" imgW="1016000" imgH="228600" progId="Equation.DSMT4">
                   <p:embed/>
                 </p:oleObj>
               </mc:Choice>
@@ -18842,7 +18842,7 @@
                                     </p:set>
                                     <p:animEffect transition="in" filter="fade">
                                       <p:cBhvr>
-                                        <p:cTn id="15" dur="500"/>
+                                        <p:cTn id="15" dur="1000"/>
                                         <p:tgtEl>
                                           <p:spTgt spid="3">
                                             <p:txEl>
@@ -19825,7 +19825,7 @@
           <a:graphicData uri="http://schemas.openxmlformats.org/presentationml/2006/ole">
             <mc:AlternateContent xmlns:mc="http://schemas.openxmlformats.org/markup-compatibility/2006">
               <mc:Choice xmlns:v="urn:schemas-microsoft-com:vml" Requires="v">
-                <p:oleObj spid="_x0000_s2099" name="Equation" r:id="rId3" imgW="1130300" imgH="152400" progId="Equation.DSMT4">
+                <p:oleObj spid="_x0000_s2102" name="Equation" r:id="rId3" imgW="1130300" imgH="152400" progId="Equation.DSMT4">
                   <p:embed/>
                 </p:oleObj>
               </mc:Choice>
@@ -19882,7 +19882,7 @@
           <a:graphicData uri="http://schemas.openxmlformats.org/presentationml/2006/ole">
             <mc:AlternateContent xmlns:mc="http://schemas.openxmlformats.org/markup-compatibility/2006">
               <mc:Choice xmlns:v="urn:schemas-microsoft-com:vml" Requires="v">
-                <p:oleObj spid="_x0000_s2100" name="Equation" r:id="rId5" imgW="889000" imgH="190500" progId="Equation.DSMT4">
+                <p:oleObj spid="_x0000_s2103" name="Equation" r:id="rId5" imgW="889000" imgH="190500" progId="Equation.DSMT4">
                   <p:embed/>
                 </p:oleObj>
               </mc:Choice>

--- a/fall15/slidesF15/gray-edges.pptx
+++ b/fall15/slidesF15/gray-edges.pptx
@@ -2769,6 +2769,14 @@
 <file path=ppt/slides/slide1.xml><?xml version="1.0" encoding="utf-8"?>
 <p:sld xmlns:a="http://schemas.openxmlformats.org/drawingml/2006/main" xmlns:r="http://schemas.openxmlformats.org/officeDocument/2006/relationships" xmlns:p="http://schemas.openxmlformats.org/presentationml/2006/main">
   <p:cSld>
+    <p:bg>
+      <p:bgPr>
+        <a:solidFill>
+          <a:schemeClr val="accent1"/>
+        </a:solidFill>
+        <a:effectLst/>
+      </p:bgPr>
+    </p:bg>
     <p:spTree>
       <p:nvGrpSpPr>
         <p:cNvPr id="1" name=""/>
@@ -7558,7 +7566,7 @@
           <a:graphicData uri="http://schemas.openxmlformats.org/presentationml/2006/ole">
             <mc:AlternateContent xmlns:mc="http://schemas.openxmlformats.org/markup-compatibility/2006">
               <mc:Choice xmlns:v="urn:schemas-microsoft-com:vml" Requires="v">
-                <p:oleObj spid="_x0000_s9242" name="Equation" r:id="rId3" imgW="546100" imgH="228600" progId="Equation.DSMT4">
+                <p:oleObj spid="_x0000_s9244" name="Equation" r:id="rId3" imgW="546100" imgH="228600" progId="Equation.DSMT4">
                   <p:embed/>
                 </p:oleObj>
               </mc:Choice>
@@ -9896,7 +9904,7 @@
           <a:graphicData uri="http://schemas.openxmlformats.org/presentationml/2006/ole">
             <mc:AlternateContent xmlns:mc="http://schemas.openxmlformats.org/markup-compatibility/2006">
               <mc:Choice xmlns:v="urn:schemas-microsoft-com:vml" Requires="v">
-                <p:oleObj spid="_x0000_s10265" name="Equation" r:id="rId3" imgW="647700" imgH="228600" progId="Equation.DSMT4">
+                <p:oleObj spid="_x0000_s10267" name="Equation" r:id="rId3" imgW="647700" imgH="228600" progId="Equation.DSMT4">
                   <p:embed/>
                 </p:oleObj>
               </mc:Choice>
@@ -10093,7 +10101,7 @@
           <a:graphicData uri="http://schemas.openxmlformats.org/presentationml/2006/ole">
             <mc:AlternateContent xmlns:mc="http://schemas.openxmlformats.org/markup-compatibility/2006">
               <mc:Choice xmlns:v="urn:schemas-microsoft-com:vml" Requires="v">
-                <p:oleObj spid="_x0000_s11290" name="Equation" r:id="rId3" imgW="1016000" imgH="228600" progId="Equation.DSMT4">
+                <p:oleObj spid="_x0000_s11292" name="Equation" r:id="rId3" imgW="1016000" imgH="228600" progId="Equation.DSMT4">
                   <p:embed/>
                 </p:oleObj>
               </mc:Choice>
@@ -10485,7 +10493,7 @@
           <a:graphicData uri="http://schemas.openxmlformats.org/presentationml/2006/ole">
             <mc:AlternateContent xmlns:mc="http://schemas.openxmlformats.org/markup-compatibility/2006">
               <mc:Choice xmlns:v="urn:schemas-microsoft-com:vml" Requires="v">
-                <p:oleObj spid="_x0000_s1047" name="Equation" r:id="rId3" imgW="1016000" imgH="228600" progId="Equation.DSMT4">
+                <p:oleObj spid="_x0000_s1049" name="Equation" r:id="rId3" imgW="1016000" imgH="228600" progId="Equation.DSMT4">
                   <p:embed/>
                 </p:oleObj>
               </mc:Choice>
@@ -10956,7 +10964,7 @@
           <a:graphicData uri="http://schemas.openxmlformats.org/presentationml/2006/ole">
             <mc:AlternateContent xmlns:mc="http://schemas.openxmlformats.org/markup-compatibility/2006">
               <mc:Choice xmlns:v="urn:schemas-microsoft-com:vml" Requires="v">
-                <p:oleObj spid="_x0000_s14358" name="Equation" r:id="rId3" imgW="1016000" imgH="228600" progId="Equation.DSMT4">
+                <p:oleObj spid="_x0000_s14360" name="Equation" r:id="rId3" imgW="1016000" imgH="228600" progId="Equation.DSMT4">
                   <p:embed/>
                 </p:oleObj>
               </mc:Choice>
@@ -13543,7 +13551,7 @@
           <a:graphicData uri="http://schemas.openxmlformats.org/presentationml/2006/ole">
             <mc:AlternateContent xmlns:mc="http://schemas.openxmlformats.org/markup-compatibility/2006">
               <mc:Choice xmlns:v="urn:schemas-microsoft-com:vml" Requires="v">
-                <p:oleObj spid="_x0000_s15374" name="Equation" r:id="rId3" imgW="1016000" imgH="228600" progId="Equation.DSMT4">
+                <p:oleObj spid="_x0000_s15376" name="Equation" r:id="rId3" imgW="1016000" imgH="228600" progId="Equation.DSMT4">
                   <p:embed/>
                 </p:oleObj>
               </mc:Choice>
@@ -19825,7 +19833,7 @@
           <a:graphicData uri="http://schemas.openxmlformats.org/presentationml/2006/ole">
             <mc:AlternateContent xmlns:mc="http://schemas.openxmlformats.org/markup-compatibility/2006">
               <mc:Choice xmlns:v="urn:schemas-microsoft-com:vml" Requires="v">
-                <p:oleObj spid="_x0000_s2102" name="Equation" r:id="rId3" imgW="1130300" imgH="152400" progId="Equation.DSMT4">
+                <p:oleObj spid="_x0000_s2105" name="Equation" r:id="rId3" imgW="1130300" imgH="152400" progId="Equation.DSMT4">
                   <p:embed/>
                 </p:oleObj>
               </mc:Choice>
@@ -19882,7 +19890,7 @@
           <a:graphicData uri="http://schemas.openxmlformats.org/presentationml/2006/ole">
             <mc:AlternateContent xmlns:mc="http://schemas.openxmlformats.org/markup-compatibility/2006">
               <mc:Choice xmlns:v="urn:schemas-microsoft-com:vml" Requires="v">
-                <p:oleObj spid="_x0000_s2103" name="Equation" r:id="rId5" imgW="889000" imgH="190500" progId="Equation.DSMT4">
+                <p:oleObj spid="_x0000_s2106" name="Equation" r:id="rId5" imgW="889000" imgH="190500" progId="Equation.DSMT4">
                   <p:embed/>
                 </p:oleObj>
               </mc:Choice>
